--- a/35-css-filter/35.pptx
+++ b/35-css-filter/35.pptx
@@ -117,7 +117,7 @@
   </p:defaultTextStyle>
   <p:extLst>
     <p:ext uri="{EFAFB233-063F-42B5-8137-9DF3F51BA10A}">
-      <p15:sldGuideLst xmlns="" xmlns:p15="http://schemas.microsoft.com/office/powerpoint/2012/main">
+      <p15:sldGuideLst xmlns:p15="http://schemas.microsoft.com/office/powerpoint/2012/main" xmlns="">
         <p15:guide id="1" orient="horz" pos="2160">
           <p15:clr>
             <a:srgbClr val="A4A3A4"/>
@@ -216,7 +216,7 @@
           <a:p>
             <a:fld id="{918C987C-5DAD-4601-B625-55A3208473B0}" type="datetimeFigureOut">
               <a:rPr lang="zh-CN" altLang="en-US" smtClean="0"/>
-              <a:t>2018/12/25</a:t>
+              <a:t>2018/12/26</a:t>
             </a:fld>
             <a:endParaRPr lang="zh-CN" altLang="en-US"/>
           </a:p>
@@ -665,7 +665,7 @@
           <a:p>
             <a:fld id="{17C7C8FB-1C37-4023-AA22-09D5A8E13DCF}" type="datetimeFigureOut">
               <a:rPr lang="zh-CN" altLang="en-US" smtClean="0"/>
-              <a:t>2018/12/25</a:t>
+              <a:t>2018/12/26</a:t>
             </a:fld>
             <a:endParaRPr lang="zh-CN" altLang="en-US"/>
           </a:p>
@@ -835,7 +835,7 @@
           <a:p>
             <a:fld id="{17C7C8FB-1C37-4023-AA22-09D5A8E13DCF}" type="datetimeFigureOut">
               <a:rPr lang="zh-CN" altLang="en-US" smtClean="0"/>
-              <a:t>2018/12/25</a:t>
+              <a:t>2018/12/26</a:t>
             </a:fld>
             <a:endParaRPr lang="zh-CN" altLang="en-US"/>
           </a:p>
@@ -1015,7 +1015,7 @@
           <a:p>
             <a:fld id="{17C7C8FB-1C37-4023-AA22-09D5A8E13DCF}" type="datetimeFigureOut">
               <a:rPr lang="zh-CN" altLang="en-US" smtClean="0"/>
-              <a:t>2018/12/25</a:t>
+              <a:t>2018/12/26</a:t>
             </a:fld>
             <a:endParaRPr lang="zh-CN" altLang="en-US"/>
           </a:p>
@@ -1185,7 +1185,7 @@
           <a:p>
             <a:fld id="{17C7C8FB-1C37-4023-AA22-09D5A8E13DCF}" type="datetimeFigureOut">
               <a:rPr lang="zh-CN" altLang="en-US" smtClean="0"/>
-              <a:t>2018/12/25</a:t>
+              <a:t>2018/12/26</a:t>
             </a:fld>
             <a:endParaRPr lang="zh-CN" altLang="en-US"/>
           </a:p>
@@ -1431,7 +1431,7 @@
           <a:p>
             <a:fld id="{17C7C8FB-1C37-4023-AA22-09D5A8E13DCF}" type="datetimeFigureOut">
               <a:rPr lang="zh-CN" altLang="en-US" smtClean="0"/>
-              <a:t>2018/12/25</a:t>
+              <a:t>2018/12/26</a:t>
             </a:fld>
             <a:endParaRPr lang="zh-CN" altLang="en-US"/>
           </a:p>
@@ -1719,7 +1719,7 @@
           <a:p>
             <a:fld id="{17C7C8FB-1C37-4023-AA22-09D5A8E13DCF}" type="datetimeFigureOut">
               <a:rPr lang="zh-CN" altLang="en-US" smtClean="0"/>
-              <a:t>2018/12/25</a:t>
+              <a:t>2018/12/26</a:t>
             </a:fld>
             <a:endParaRPr lang="zh-CN" altLang="en-US"/>
           </a:p>
@@ -2141,7 +2141,7 @@
           <a:p>
             <a:fld id="{17C7C8FB-1C37-4023-AA22-09D5A8E13DCF}" type="datetimeFigureOut">
               <a:rPr lang="zh-CN" altLang="en-US" smtClean="0"/>
-              <a:t>2018/12/25</a:t>
+              <a:t>2018/12/26</a:t>
             </a:fld>
             <a:endParaRPr lang="zh-CN" altLang="en-US"/>
           </a:p>
@@ -2259,7 +2259,7 @@
           <a:p>
             <a:fld id="{17C7C8FB-1C37-4023-AA22-09D5A8E13DCF}" type="datetimeFigureOut">
               <a:rPr lang="zh-CN" altLang="en-US" smtClean="0"/>
-              <a:t>2018/12/25</a:t>
+              <a:t>2018/12/26</a:t>
             </a:fld>
             <a:endParaRPr lang="zh-CN" altLang="en-US"/>
           </a:p>
@@ -2354,7 +2354,7 @@
           <a:p>
             <a:fld id="{17C7C8FB-1C37-4023-AA22-09D5A8E13DCF}" type="datetimeFigureOut">
               <a:rPr lang="zh-CN" altLang="en-US" smtClean="0"/>
-              <a:t>2018/12/25</a:t>
+              <a:t>2018/12/26</a:t>
             </a:fld>
             <a:endParaRPr lang="zh-CN" altLang="en-US"/>
           </a:p>
@@ -2631,7 +2631,7 @@
           <a:p>
             <a:fld id="{17C7C8FB-1C37-4023-AA22-09D5A8E13DCF}" type="datetimeFigureOut">
               <a:rPr lang="zh-CN" altLang="en-US" smtClean="0"/>
-              <a:t>2018/12/25</a:t>
+              <a:t>2018/12/26</a:t>
             </a:fld>
             <a:endParaRPr lang="zh-CN" altLang="en-US"/>
           </a:p>
@@ -2884,7 +2884,7 @@
           <a:p>
             <a:fld id="{17C7C8FB-1C37-4023-AA22-09D5A8E13DCF}" type="datetimeFigureOut">
               <a:rPr lang="zh-CN" altLang="en-US" smtClean="0"/>
-              <a:t>2018/12/25</a:t>
+              <a:t>2018/12/26</a:t>
             </a:fld>
             <a:endParaRPr lang="zh-CN" altLang="en-US"/>
           </a:p>
@@ -3097,7 +3097,7 @@
           <a:p>
             <a:fld id="{17C7C8FB-1C37-4023-AA22-09D5A8E13DCF}" type="datetimeFigureOut">
               <a:rPr lang="zh-CN" altLang="en-US" smtClean="0"/>
-              <a:t>2018/12/25</a:t>
+              <a:t>2018/12/26</a:t>
             </a:fld>
             <a:endParaRPr lang="zh-CN" altLang="en-US"/>
           </a:p>
@@ -3928,20 +3928,7 @@
                 <a:latin typeface="微软雅黑" pitchFamily="34" charset="-122"/>
                 <a:ea typeface="微软雅黑" pitchFamily="34" charset="-122"/>
               </a:rPr>
-              <a:t>（</a:t>
-            </a:r>
-            <a:r>
-              <a:rPr lang="zh-CN" altLang="en-US" sz="2800" b="1" dirty="0" smtClean="0">
-                <a:solidFill>
-                  <a:schemeClr val="tx1">
-                    <a:lumMod val="75000"/>
-                    <a:lumOff val="25000"/>
-                  </a:schemeClr>
-                </a:solidFill>
-                <a:latin typeface="微软雅黑" pitchFamily="34" charset="-122"/>
-                <a:ea typeface="微软雅黑" pitchFamily="34" charset="-122"/>
-              </a:rPr>
-              <a:t>难度：</a:t>
+              <a:t>（难度：</a:t>
             </a:r>
             <a:r>
               <a:rPr lang="en-US" altLang="zh-CN" sz="2800" b="1" dirty="0" smtClean="0">
@@ -4020,33 +4007,7 @@
                 <a:latin typeface="微软雅黑" pitchFamily="34" charset="-122"/>
                 <a:ea typeface="微软雅黑" pitchFamily="34" charset="-122"/>
               </a:rPr>
-              <a:t>本期我们的目标</a:t>
-            </a:r>
-            <a:r>
-              <a:rPr lang="zh-CN" altLang="en-US" sz="2400" dirty="0" smtClean="0">
-                <a:solidFill>
-                  <a:schemeClr val="tx1">
-                    <a:lumMod val="75000"/>
-                    <a:lumOff val="25000"/>
-                  </a:schemeClr>
-                </a:solidFill>
-                <a:latin typeface="微软雅黑" pitchFamily="34" charset="-122"/>
-                <a:ea typeface="微软雅黑" pitchFamily="34" charset="-122"/>
-              </a:rPr>
-              <a:t>是</a:t>
-            </a:r>
-            <a:r>
-              <a:rPr lang="zh-CN" altLang="en-US" sz="2400" dirty="0" smtClean="0">
-                <a:solidFill>
-                  <a:schemeClr val="tx1">
-                    <a:lumMod val="75000"/>
-                    <a:lumOff val="25000"/>
-                  </a:schemeClr>
-                </a:solidFill>
-                <a:latin typeface="微软雅黑" pitchFamily="34" charset="-122"/>
-                <a:ea typeface="微软雅黑" pitchFamily="34" charset="-122"/>
-              </a:rPr>
-              <a:t>将给定图片实现铅笔，彩色铅笔，粉笔（黑色背景），彩色粉笔，浮雕的艺术效果</a:t>
+              <a:t>本期我们的目标是将给定图片实现铅笔，彩色铅笔，粉笔（黑色背景），彩色粉笔，浮雕的艺术效果</a:t>
             </a:r>
             <a:r>
               <a:rPr lang="en-US" altLang="zh-CN" sz="2400" dirty="0" smtClean="0">
@@ -4061,19 +4022,189 @@
               </a:rPr>
               <a:t>.</a:t>
             </a:r>
-            <a:endParaRPr lang="en-US" altLang="zh-CN" sz="2400" dirty="0" smtClean="0">
-              <a:solidFill>
-                <a:schemeClr val="tx1">
-                  <a:lumMod val="75000"/>
-                  <a:lumOff val="25000"/>
-                </a:schemeClr>
-              </a:solidFill>
-              <a:latin typeface="微软雅黑" pitchFamily="34" charset="-122"/>
-              <a:ea typeface="微软雅黑" pitchFamily="34" charset="-122"/>
-            </a:endParaRPr>
-          </a:p>
-        </p:txBody>
-      </p:sp>
+          </a:p>
+        </p:txBody>
+      </p:sp>
+      <p:pic>
+        <p:nvPicPr>
+          <p:cNvPr id="3" name="图片 2" descr="屏幕剪辑"/>
+          <p:cNvPicPr>
+            <a:picLocks noChangeAspect="1"/>
+          </p:cNvPicPr>
+          <p:nvPr/>
+        </p:nvPicPr>
+        <p:blipFill>
+          <a:blip r:embed="rId2">
+            <a:extLst>
+              <a:ext uri="{28A0092B-C50C-407E-A947-70E740481C1C}">
+                <a14:useLocalDpi xmlns:a14="http://schemas.microsoft.com/office/drawing/2010/main" val="0"/>
+              </a:ext>
+            </a:extLst>
+          </a:blip>
+          <a:stretch>
+            <a:fillRect/>
+          </a:stretch>
+        </p:blipFill>
+        <p:spPr>
+          <a:xfrm>
+            <a:off x="1403648" y="4534512"/>
+            <a:ext cx="1799768" cy="1702329"/>
+          </a:xfrm>
+          <a:prstGeom prst="rect">
+            <a:avLst/>
+          </a:prstGeom>
+        </p:spPr>
+      </p:pic>
+      <p:pic>
+        <p:nvPicPr>
+          <p:cNvPr id="5" name="图片 4" descr="屏幕剪辑"/>
+          <p:cNvPicPr>
+            <a:picLocks noChangeAspect="1"/>
+          </p:cNvPicPr>
+          <p:nvPr/>
+        </p:nvPicPr>
+        <p:blipFill>
+          <a:blip r:embed="rId3">
+            <a:extLst>
+              <a:ext uri="{28A0092B-C50C-407E-A947-70E740481C1C}">
+                <a14:useLocalDpi xmlns:a14="http://schemas.microsoft.com/office/drawing/2010/main" val="0"/>
+              </a:ext>
+            </a:extLst>
+          </a:blip>
+          <a:stretch>
+            <a:fillRect/>
+          </a:stretch>
+        </p:blipFill>
+        <p:spPr>
+          <a:xfrm>
+            <a:off x="3264619" y="4534512"/>
+            <a:ext cx="1811005" cy="1702800"/>
+          </a:xfrm>
+          <a:prstGeom prst="rect">
+            <a:avLst/>
+          </a:prstGeom>
+        </p:spPr>
+      </p:pic>
+      <p:pic>
+        <p:nvPicPr>
+          <p:cNvPr id="6" name="图片 5" descr="屏幕剪辑"/>
+          <p:cNvPicPr>
+            <a:picLocks noChangeAspect="1"/>
+          </p:cNvPicPr>
+          <p:nvPr/>
+        </p:nvPicPr>
+        <p:blipFill>
+          <a:blip r:embed="rId4">
+            <a:extLst>
+              <a:ext uri="{28A0092B-C50C-407E-A947-70E740481C1C}">
+                <a14:useLocalDpi xmlns:a14="http://schemas.microsoft.com/office/drawing/2010/main" val="0"/>
+              </a:ext>
+            </a:extLst>
+          </a:blip>
+          <a:stretch>
+            <a:fillRect/>
+          </a:stretch>
+        </p:blipFill>
+        <p:spPr>
+          <a:xfrm>
+            <a:off x="3407803" y="2666690"/>
+            <a:ext cx="1813598" cy="1702800"/>
+          </a:xfrm>
+          <a:prstGeom prst="rect">
+            <a:avLst/>
+          </a:prstGeom>
+        </p:spPr>
+      </p:pic>
+      <p:pic>
+        <p:nvPicPr>
+          <p:cNvPr id="7" name="图片 6" descr="屏幕剪辑"/>
+          <p:cNvPicPr>
+            <a:picLocks noChangeAspect="1"/>
+          </p:cNvPicPr>
+          <p:nvPr/>
+        </p:nvPicPr>
+        <p:blipFill>
+          <a:blip r:embed="rId5">
+            <a:extLst>
+              <a:ext uri="{28A0092B-C50C-407E-A947-70E740481C1C}">
+                <a14:useLocalDpi xmlns:a14="http://schemas.microsoft.com/office/drawing/2010/main" val="0"/>
+              </a:ext>
+            </a:extLst>
+          </a:blip>
+          <a:stretch>
+            <a:fillRect/>
+          </a:stretch>
+        </p:blipFill>
+        <p:spPr>
+          <a:xfrm>
+            <a:off x="5274973" y="2682112"/>
+            <a:ext cx="1818636" cy="1702800"/>
+          </a:xfrm>
+          <a:prstGeom prst="rect">
+            <a:avLst/>
+          </a:prstGeom>
+        </p:spPr>
+      </p:pic>
+      <p:pic>
+        <p:nvPicPr>
+          <p:cNvPr id="8" name="图片 7" descr="屏幕剪辑"/>
+          <p:cNvPicPr>
+            <a:picLocks noChangeAspect="1"/>
+          </p:cNvPicPr>
+          <p:nvPr/>
+        </p:nvPicPr>
+        <p:blipFill>
+          <a:blip r:embed="rId6">
+            <a:extLst>
+              <a:ext uri="{28A0092B-C50C-407E-A947-70E740481C1C}">
+                <a14:useLocalDpi xmlns:a14="http://schemas.microsoft.com/office/drawing/2010/main" val="0"/>
+              </a:ext>
+            </a:extLst>
+          </a:blip>
+          <a:stretch>
+            <a:fillRect/>
+          </a:stretch>
+        </p:blipFill>
+        <p:spPr>
+          <a:xfrm>
+            <a:off x="5291648" y="4534041"/>
+            <a:ext cx="1799940" cy="1702800"/>
+          </a:xfrm>
+          <a:prstGeom prst="rect">
+            <a:avLst/>
+          </a:prstGeom>
+        </p:spPr>
+      </p:pic>
+      <p:pic>
+        <p:nvPicPr>
+          <p:cNvPr id="9" name="图片 8" descr="屏幕剪辑"/>
+          <p:cNvPicPr>
+            <a:picLocks noChangeAspect="1"/>
+          </p:cNvPicPr>
+          <p:nvPr/>
+        </p:nvPicPr>
+        <p:blipFill>
+          <a:blip r:embed="rId7">
+            <a:extLst>
+              <a:ext uri="{28A0092B-C50C-407E-A947-70E740481C1C}">
+                <a14:useLocalDpi xmlns:a14="http://schemas.microsoft.com/office/drawing/2010/main" val="0"/>
+              </a:ext>
+            </a:extLst>
+          </a:blip>
+          <a:stretch>
+            <a:fillRect/>
+          </a:stretch>
+        </p:blipFill>
+        <p:spPr>
+          <a:xfrm>
+            <a:off x="1459021" y="2653827"/>
+            <a:ext cx="1876677" cy="1702800"/>
+          </a:xfrm>
+          <a:prstGeom prst="rect">
+            <a:avLst/>
+          </a:prstGeom>
+        </p:spPr>
+      </p:pic>
     </p:spTree>
     <p:extLst>
       <p:ext uri="{BB962C8B-B14F-4D97-AF65-F5344CB8AC3E}">
@@ -4381,20 +4512,7 @@
                 <a:latin typeface="微软雅黑" pitchFamily="34" charset="-122"/>
                 <a:ea typeface="微软雅黑" pitchFamily="34" charset="-122"/>
               </a:rPr>
-              <a:t> </a:t>
-            </a:r>
-            <a:r>
-              <a:rPr lang="zh-CN" altLang="en-US" sz="2800" b="1" dirty="0" smtClean="0">
-                <a:solidFill>
-                  <a:schemeClr val="tx1">
-                    <a:lumMod val="75000"/>
-                    <a:lumOff val="25000"/>
-                  </a:schemeClr>
-                </a:solidFill>
-                <a:latin typeface="微软雅黑" pitchFamily="34" charset="-122"/>
-                <a:ea typeface="微软雅黑" pitchFamily="34" charset="-122"/>
-              </a:rPr>
-              <a:t>滤镜</a:t>
+              <a:t> 滤镜</a:t>
             </a:r>
             <a:endParaRPr lang="zh-CN" altLang="en-US" sz="2800" b="1" dirty="0">
               <a:solidFill>
@@ -4670,20 +4788,7 @@
                 <a:latin typeface="微软雅黑" pitchFamily="34" charset="-122"/>
                 <a:ea typeface="微软雅黑" pitchFamily="34" charset="-122"/>
               </a:rPr>
-              <a:t>drop-shadow</a:t>
-            </a:r>
-            <a:r>
-              <a:rPr lang="en-US" altLang="zh-CN" sz="2400" dirty="0" smtClean="0">
-                <a:solidFill>
-                  <a:schemeClr val="tx1">
-                    <a:lumMod val="75000"/>
-                    <a:lumOff val="25000"/>
-                  </a:schemeClr>
-                </a:solidFill>
-                <a:latin typeface="微软雅黑" pitchFamily="34" charset="-122"/>
-                <a:ea typeface="微软雅黑" pitchFamily="34" charset="-122"/>
-              </a:rPr>
-              <a:t>() </a:t>
+              <a:t>drop-shadow() </a:t>
             </a:r>
             <a:r>
               <a:rPr lang="zh-CN" altLang="en-US" sz="2400" dirty="0" smtClean="0">
@@ -6754,7 +6859,7 @@
   <a:extraClrSchemeLst/>
   <a:extLst>
     <a:ext uri="{05A4C25C-085E-4340-85A3-A5531E510DB2}">
-      <thm15:themeFamily xmlns="" xmlns:thm15="http://schemas.microsoft.com/office/thememl/2012/main" name="Office Theme" id="{62F939B6-93AF-4DB8-9C6B-D6C7DFDC589F}" vid="{4A3C46E8-61CC-4603-A589-7422A47A8E4A}"/>
+      <thm15:themeFamily xmlns:thm15="http://schemas.microsoft.com/office/thememl/2012/main" xmlns="" name="Office Theme" id="{62F939B6-93AF-4DB8-9C6B-D6C7DFDC589F}" vid="{4A3C46E8-61CC-4603-A589-7422A47A8E4A}"/>
     </a:ext>
   </a:extLst>
 </a:theme>

--- a/35-css-filter/35.pptx
+++ b/35-css-filter/35.pptx
@@ -13,10 +13,10 @@
     <p:sldId id="258" r:id="rId4"/>
     <p:sldId id="396" r:id="rId5"/>
     <p:sldId id="556" r:id="rId6"/>
-    <p:sldId id="557" r:id="rId7"/>
-    <p:sldId id="558" r:id="rId8"/>
-    <p:sldId id="345" r:id="rId9"/>
-    <p:sldId id="555" r:id="rId10"/>
+    <p:sldId id="560" r:id="rId7"/>
+    <p:sldId id="557" r:id="rId8"/>
+    <p:sldId id="558" r:id="rId9"/>
+    <p:sldId id="345" r:id="rId10"/>
   </p:sldIdLst>
   <p:sldSz cx="9144000" cy="6858000" type="screen4x3"/>
   <p:notesSz cx="6858000" cy="9144000"/>
@@ -117,7 +117,7 @@
   </p:defaultTextStyle>
   <p:extLst>
     <p:ext uri="{EFAFB233-063F-42B5-8137-9DF3F51BA10A}">
-      <p15:sldGuideLst xmlns:p15="http://schemas.microsoft.com/office/powerpoint/2012/main" xmlns="">
+      <p15:sldGuideLst xmlns:p15="http://schemas.microsoft.com/office/powerpoint/2012/main">
         <p15:guide id="1" orient="horz" pos="2160">
           <p15:clr>
             <a:srgbClr val="A4A3A4"/>
@@ -4351,12 +4351,10 @@
           </a:bodyPr>
           <a:lstStyle/>
           <a:p>
-            <a:pPr marL="457200" indent="-457200">
+            <a:pPr>
               <a:lnSpc>
                 <a:spcPct val="150000"/>
               </a:lnSpc>
-              <a:buFont typeface="+mj-lt"/>
-              <a:buAutoNum type="arabicPeriod"/>
             </a:pPr>
             <a:r>
               <a:rPr lang="zh-CN" altLang="en-US" sz="2400" dirty="0" smtClean="0">
@@ -4536,7 +4534,7 @@
         <p:spPr>
           <a:xfrm>
             <a:off x="684000" y="836712"/>
-            <a:ext cx="7776000" cy="6186309"/>
+            <a:ext cx="7776000" cy="5632311"/>
           </a:xfrm>
           <a:prstGeom prst="rect">
             <a:avLst/>
@@ -4643,7 +4641,20 @@
                 <a:latin typeface="微软雅黑" pitchFamily="34" charset="-122"/>
                 <a:ea typeface="微软雅黑" pitchFamily="34" charset="-122"/>
               </a:rPr>
-              <a:t>软件的滤镜效果</a:t>
+              <a:t>软件的滤镜</a:t>
+            </a:r>
+            <a:r>
+              <a:rPr lang="zh-CN" altLang="en-US" sz="2400" dirty="0" smtClean="0">
+                <a:solidFill>
+                  <a:schemeClr val="tx1">
+                    <a:lumMod val="75000"/>
+                    <a:lumOff val="25000"/>
+                  </a:schemeClr>
+                </a:solidFill>
+                <a:latin typeface="微软雅黑" pitchFamily="34" charset="-122"/>
+                <a:ea typeface="微软雅黑" pitchFamily="34" charset="-122"/>
+              </a:rPr>
+              <a:t>效果</a:t>
             </a:r>
             <a:r>
               <a:rPr lang="en-US" altLang="zh-CN" sz="2400" dirty="0" smtClean="0">
@@ -4666,6 +4677,19 @@
               </a:lnSpc>
             </a:pPr>
             <a:r>
+              <a:rPr lang="en-US" altLang="zh-CN" sz="2400" b="1" dirty="0" smtClean="0">
+                <a:solidFill>
+                  <a:schemeClr val="tx1">
+                    <a:lumMod val="75000"/>
+                    <a:lumOff val="25000"/>
+                  </a:schemeClr>
+                </a:solidFill>
+                <a:latin typeface="微软雅黑" pitchFamily="34" charset="-122"/>
+                <a:ea typeface="微软雅黑" pitchFamily="34" charset="-122"/>
+              </a:rPr>
+              <a:t>blur</a:t>
+            </a:r>
+            <a:r>
               <a:rPr lang="en-US" altLang="zh-CN" sz="2400" dirty="0" smtClean="0">
                 <a:solidFill>
                   <a:schemeClr val="tx1">
@@ -4676,7 +4700,7 @@
                 <a:latin typeface="微软雅黑" pitchFamily="34" charset="-122"/>
                 <a:ea typeface="微软雅黑" pitchFamily="34" charset="-122"/>
               </a:rPr>
-              <a:t>blur()  	</a:t>
+              <a:t>()  	</a:t>
             </a:r>
             <a:r>
               <a:rPr lang="zh-CN" altLang="en-US" sz="2400" dirty="0" smtClean="0">
@@ -4709,7 +4733,7 @@
               </a:lnSpc>
             </a:pPr>
             <a:r>
-              <a:rPr lang="en-US" altLang="zh-CN" sz="2400" dirty="0" err="1">
+              <a:rPr lang="en-US" altLang="zh-CN" sz="2400" b="1" dirty="0" err="1">
                 <a:solidFill>
                   <a:schemeClr val="tx1">
                     <a:lumMod val="75000"/>
@@ -4722,7 +4746,7 @@
               <a:t>g</a:t>
             </a:r>
             <a:r>
-              <a:rPr lang="en-US" altLang="zh-CN" sz="2400" dirty="0" err="1" smtClean="0">
+              <a:rPr lang="en-US" altLang="zh-CN" sz="2400" b="1" dirty="0" err="1" smtClean="0">
                 <a:solidFill>
                   <a:schemeClr val="tx1">
                     <a:lumMod val="75000"/>
@@ -4758,7 +4782,33 @@
                 <a:latin typeface="微软雅黑" pitchFamily="34" charset="-122"/>
                 <a:ea typeface="微软雅黑" pitchFamily="34" charset="-122"/>
               </a:rPr>
-              <a:t>灰度，可以降低元素的颜色饱和度，直到灰色</a:t>
+              <a:t>灰度</a:t>
+            </a:r>
+            <a:r>
+              <a:rPr lang="zh-CN" altLang="en-US" sz="2400" dirty="0" smtClean="0">
+                <a:solidFill>
+                  <a:schemeClr val="tx1">
+                    <a:lumMod val="75000"/>
+                    <a:lumOff val="25000"/>
+                  </a:schemeClr>
+                </a:solidFill>
+                <a:latin typeface="微软雅黑" pitchFamily="34" charset="-122"/>
+                <a:ea typeface="微软雅黑" pitchFamily="34" charset="-122"/>
+              </a:rPr>
+              <a:t>，降低</a:t>
+            </a:r>
+            <a:r>
+              <a:rPr lang="zh-CN" altLang="en-US" sz="2400" dirty="0" smtClean="0">
+                <a:solidFill>
+                  <a:schemeClr val="tx1">
+                    <a:lumMod val="75000"/>
+                    <a:lumOff val="25000"/>
+                  </a:schemeClr>
+                </a:solidFill>
+                <a:latin typeface="微软雅黑" pitchFamily="34" charset="-122"/>
+                <a:ea typeface="微软雅黑" pitchFamily="34" charset="-122"/>
+              </a:rPr>
+              <a:t>元素的颜色饱和度，直到灰色</a:t>
             </a:r>
             <a:endParaRPr lang="en-US" altLang="zh-CN" sz="2400" dirty="0" smtClean="0">
               <a:solidFill>
@@ -4778,6 +4828,19 @@
               </a:lnSpc>
             </a:pPr>
             <a:r>
+              <a:rPr lang="en-US" altLang="zh-CN" sz="2400" b="1" dirty="0" smtClean="0">
+                <a:solidFill>
+                  <a:schemeClr val="tx1">
+                    <a:lumMod val="75000"/>
+                    <a:lumOff val="25000"/>
+                  </a:schemeClr>
+                </a:solidFill>
+                <a:latin typeface="微软雅黑" pitchFamily="34" charset="-122"/>
+                <a:ea typeface="微软雅黑" pitchFamily="34" charset="-122"/>
+              </a:rPr>
+              <a:t>drop-shadow</a:t>
+            </a:r>
+            <a:r>
               <a:rPr lang="en-US" altLang="zh-CN" sz="2400" dirty="0" smtClean="0">
                 <a:solidFill>
                   <a:schemeClr val="tx1">
@@ -4788,7 +4851,7 @@
                 <a:latin typeface="微软雅黑" pitchFamily="34" charset="-122"/>
                 <a:ea typeface="微软雅黑" pitchFamily="34" charset="-122"/>
               </a:rPr>
-              <a:t>drop-shadow() </a:t>
+              <a:t>() </a:t>
             </a:r>
             <a:r>
               <a:rPr lang="zh-CN" altLang="en-US" sz="2400" dirty="0" smtClean="0">
@@ -4847,7 +4910,7 @@
               </a:lnSpc>
             </a:pPr>
             <a:r>
-              <a:rPr lang="en-US" altLang="zh-CN" sz="2400" dirty="0">
+              <a:rPr lang="en-US" altLang="zh-CN" sz="2400" b="1" dirty="0">
                 <a:solidFill>
                   <a:schemeClr val="tx1">
                     <a:lumMod val="75000"/>
@@ -4860,6 +4923,19 @@
               <a:t>s</a:t>
             </a:r>
             <a:r>
+              <a:rPr lang="en-US" altLang="zh-CN" sz="2400" b="1" dirty="0" smtClean="0">
+                <a:solidFill>
+                  <a:schemeClr val="tx1">
+                    <a:lumMod val="75000"/>
+                    <a:lumOff val="25000"/>
+                  </a:schemeClr>
+                </a:solidFill>
+                <a:latin typeface="微软雅黑" pitchFamily="34" charset="-122"/>
+                <a:ea typeface="微软雅黑" pitchFamily="34" charset="-122"/>
+              </a:rPr>
+              <a:t>epia</a:t>
+            </a:r>
+            <a:r>
               <a:rPr lang="en-US" altLang="zh-CN" sz="2400" dirty="0" smtClean="0">
                 <a:solidFill>
                   <a:schemeClr val="tx1">
@@ -4870,7 +4946,7 @@
                 <a:latin typeface="微软雅黑" pitchFamily="34" charset="-122"/>
                 <a:ea typeface="微软雅黑" pitchFamily="34" charset="-122"/>
               </a:rPr>
-              <a:t>epia()	</a:t>
+              <a:t>()	</a:t>
             </a:r>
             <a:r>
               <a:rPr lang="zh-CN" altLang="en-US" sz="2400" dirty="0" smtClean="0">
@@ -4903,6 +4979,19 @@
               </a:lnSpc>
             </a:pPr>
             <a:r>
+              <a:rPr lang="en-US" altLang="zh-CN" sz="2400" b="1" dirty="0" smtClean="0">
+                <a:solidFill>
+                  <a:schemeClr val="tx1">
+                    <a:lumMod val="75000"/>
+                    <a:lumOff val="25000"/>
+                  </a:schemeClr>
+                </a:solidFill>
+                <a:latin typeface="微软雅黑" pitchFamily="34" charset="-122"/>
+                <a:ea typeface="微软雅黑" pitchFamily="34" charset="-122"/>
+              </a:rPr>
+              <a:t>brightness</a:t>
+            </a:r>
+            <a:r>
               <a:rPr lang="en-US" altLang="zh-CN" sz="2400" dirty="0" smtClean="0">
                 <a:solidFill>
                   <a:schemeClr val="tx1">
@@ -4913,7 +5002,7 @@
                 <a:latin typeface="微软雅黑" pitchFamily="34" charset="-122"/>
                 <a:ea typeface="微软雅黑" pitchFamily="34" charset="-122"/>
               </a:rPr>
-              <a:t>brightness() </a:t>
+              <a:t>() </a:t>
             </a:r>
             <a:r>
               <a:rPr lang="zh-CN" altLang="en-US" sz="2400" dirty="0" smtClean="0">
@@ -4946,6 +5035,19 @@
               </a:lnSpc>
             </a:pPr>
             <a:r>
+              <a:rPr lang="en-US" altLang="zh-CN" sz="2400" b="1" dirty="0" smtClean="0">
+                <a:solidFill>
+                  <a:schemeClr val="tx1">
+                    <a:lumMod val="75000"/>
+                    <a:lumOff val="25000"/>
+                  </a:schemeClr>
+                </a:solidFill>
+                <a:latin typeface="微软雅黑" pitchFamily="34" charset="-122"/>
+                <a:ea typeface="微软雅黑" pitchFamily="34" charset="-122"/>
+              </a:rPr>
+              <a:t>contrast</a:t>
+            </a:r>
+            <a:r>
               <a:rPr lang="en-US" altLang="zh-CN" sz="2400" dirty="0" smtClean="0">
                 <a:solidFill>
                   <a:schemeClr val="tx1">
@@ -4956,7 +5058,7 @@
                 <a:latin typeface="微软雅黑" pitchFamily="34" charset="-122"/>
                 <a:ea typeface="微软雅黑" pitchFamily="34" charset="-122"/>
               </a:rPr>
-              <a:t>contrast()	</a:t>
+              <a:t>()	</a:t>
             </a:r>
             <a:r>
               <a:rPr lang="zh-CN" altLang="en-US" sz="2400" dirty="0" smtClean="0">
@@ -4989,7 +5091,7 @@
               </a:lnSpc>
             </a:pPr>
             <a:r>
-              <a:rPr lang="en-US" altLang="zh-CN" sz="2400" dirty="0">
+              <a:rPr lang="en-US" altLang="zh-CN" sz="2400" b="1" dirty="0">
                 <a:solidFill>
                   <a:schemeClr val="tx1">
                     <a:lumMod val="75000"/>
@@ -5002,6 +5104,19 @@
               <a:t>h</a:t>
             </a:r>
             <a:r>
+              <a:rPr lang="en-US" altLang="zh-CN" sz="2400" b="1" dirty="0" smtClean="0">
+                <a:solidFill>
+                  <a:schemeClr val="tx1">
+                    <a:lumMod val="75000"/>
+                    <a:lumOff val="25000"/>
+                  </a:schemeClr>
+                </a:solidFill>
+                <a:latin typeface="微软雅黑" pitchFamily="34" charset="-122"/>
+                <a:ea typeface="微软雅黑" pitchFamily="34" charset="-122"/>
+              </a:rPr>
+              <a:t>ue-rotate</a:t>
+            </a:r>
+            <a:r>
               <a:rPr lang="en-US" altLang="zh-CN" sz="2400" dirty="0" smtClean="0">
                 <a:solidFill>
                   <a:schemeClr val="tx1">
@@ -5012,7 +5127,7 @@
                 <a:latin typeface="微软雅黑" pitchFamily="34" charset="-122"/>
                 <a:ea typeface="微软雅黑" pitchFamily="34" charset="-122"/>
               </a:rPr>
-              <a:t>ue-rotate() </a:t>
+              <a:t>() </a:t>
             </a:r>
             <a:r>
               <a:rPr lang="zh-CN" altLang="en-US" sz="2400" dirty="0" smtClean="0">
@@ -5045,6 +5160,19 @@
               </a:lnSpc>
             </a:pPr>
             <a:r>
+              <a:rPr lang="en-US" altLang="zh-CN" sz="2400" b="1" dirty="0" smtClean="0">
+                <a:solidFill>
+                  <a:schemeClr val="tx1">
+                    <a:lumMod val="75000"/>
+                    <a:lumOff val="25000"/>
+                  </a:schemeClr>
+                </a:solidFill>
+                <a:latin typeface="微软雅黑" pitchFamily="34" charset="-122"/>
+                <a:ea typeface="微软雅黑" pitchFamily="34" charset="-122"/>
+              </a:rPr>
+              <a:t>invert</a:t>
+            </a:r>
+            <a:r>
               <a:rPr lang="en-US" altLang="zh-CN" sz="2400" dirty="0" smtClean="0">
                 <a:solidFill>
                   <a:schemeClr val="tx1">
@@ -5055,7 +5183,7 @@
                 <a:latin typeface="微软雅黑" pitchFamily="34" charset="-122"/>
                 <a:ea typeface="微软雅黑" pitchFamily="34" charset="-122"/>
               </a:rPr>
-              <a:t>invert	()	</a:t>
+              <a:t>	()	</a:t>
             </a:r>
             <a:r>
               <a:rPr lang="zh-CN" altLang="en-US" sz="2400" dirty="0" smtClean="0">
@@ -5094,7 +5222,20 @@
                 <a:latin typeface="微软雅黑" pitchFamily="34" charset="-122"/>
                 <a:ea typeface="微软雅黑" pitchFamily="34" charset="-122"/>
               </a:rPr>
-              <a:t>减去每个通道的颜色，黑色</a:t>
+              <a:t>减去每个通道的</a:t>
+            </a:r>
+            <a:r>
+              <a:rPr lang="zh-CN" altLang="en-US" sz="2400" dirty="0" smtClean="0">
+                <a:solidFill>
+                  <a:schemeClr val="tx1">
+                    <a:lumMod val="75000"/>
+                    <a:lumOff val="25000"/>
+                  </a:schemeClr>
+                </a:solidFill>
+                <a:latin typeface="微软雅黑" pitchFamily="34" charset="-122"/>
+                <a:ea typeface="微软雅黑" pitchFamily="34" charset="-122"/>
+              </a:rPr>
+              <a:t>颜色</a:t>
             </a:r>
             <a:endParaRPr lang="en-US" altLang="zh-CN" sz="2400" dirty="0">
               <a:solidFill>
@@ -5154,7 +5295,7 @@
         </p:nvSpPr>
         <p:spPr>
           <a:xfrm>
-            <a:off x="684218" y="116632"/>
+            <a:off x="684218" y="-99392"/>
             <a:ext cx="7776000" cy="1754326"/>
           </a:xfrm>
           <a:prstGeom prst="rect">
@@ -5174,6 +5315,32 @@
               </a:lnSpc>
             </a:pPr>
             <a:r>
+              <a:rPr lang="en-US" altLang="zh-CN" sz="2400" b="1" dirty="0" smtClean="0">
+                <a:solidFill>
+                  <a:schemeClr val="tx1">
+                    <a:lumMod val="75000"/>
+                    <a:lumOff val="25000"/>
+                  </a:schemeClr>
+                </a:solidFill>
+                <a:latin typeface="微软雅黑" pitchFamily="34" charset="-122"/>
+                <a:ea typeface="微软雅黑" pitchFamily="34" charset="-122"/>
+              </a:rPr>
+              <a:t>saturate</a:t>
+            </a:r>
+            <a:r>
+              <a:rPr lang="en-US" altLang="zh-CN" sz="2400" dirty="0" smtClean="0">
+                <a:solidFill>
+                  <a:schemeClr val="tx1">
+                    <a:lumMod val="75000"/>
+                    <a:lumOff val="25000"/>
+                  </a:schemeClr>
+                </a:solidFill>
+                <a:latin typeface="微软雅黑" pitchFamily="34" charset="-122"/>
+                <a:ea typeface="微软雅黑" pitchFamily="34" charset="-122"/>
+              </a:rPr>
+              <a:t>()	</a:t>
+            </a:r>
+            <a:r>
               <a:rPr lang="zh-CN" altLang="en-US" sz="2400" dirty="0" smtClean="0">
                 <a:solidFill>
                   <a:schemeClr val="tx1">
@@ -5184,7 +5351,7 @@
                 <a:latin typeface="微软雅黑" pitchFamily="34" charset="-122"/>
                 <a:ea typeface="微软雅黑" pitchFamily="34" charset="-122"/>
               </a:rPr>
-              <a:t>变成白色，白色变成黑色，蓝色变成红色</a:t>
+              <a:t>饱和度，增加或者降低饱和度</a:t>
             </a:r>
             <a:endParaRPr lang="en-US" altLang="zh-CN" sz="2400" dirty="0" smtClean="0">
               <a:solidFill>
@@ -5204,17 +5371,30 @@
               </a:lnSpc>
             </a:pPr>
             <a:r>
-              <a:rPr lang="en-US" altLang="zh-CN" sz="2400" dirty="0">
-                <a:solidFill>
-                  <a:schemeClr val="tx1">
-                    <a:lumMod val="75000"/>
-                    <a:lumOff val="25000"/>
-                  </a:schemeClr>
-                </a:solidFill>
-                <a:latin typeface="微软雅黑" pitchFamily="34" charset="-122"/>
-                <a:ea typeface="微软雅黑" pitchFamily="34" charset="-122"/>
-              </a:rPr>
-              <a:t>s</a:t>
+              <a:rPr lang="en-US" altLang="zh-CN" sz="2400" b="1" dirty="0">
+                <a:solidFill>
+                  <a:schemeClr val="tx1">
+                    <a:lumMod val="75000"/>
+                    <a:lumOff val="25000"/>
+                  </a:schemeClr>
+                </a:solidFill>
+                <a:latin typeface="微软雅黑" pitchFamily="34" charset="-122"/>
+                <a:ea typeface="微软雅黑" pitchFamily="34" charset="-122"/>
+              </a:rPr>
+              <a:t>o</a:t>
+            </a:r>
+            <a:r>
+              <a:rPr lang="en-US" altLang="zh-CN" sz="2400" b="1" dirty="0" smtClean="0">
+                <a:solidFill>
+                  <a:schemeClr val="tx1">
+                    <a:lumMod val="75000"/>
+                    <a:lumOff val="25000"/>
+                  </a:schemeClr>
+                </a:solidFill>
+                <a:latin typeface="微软雅黑" pitchFamily="34" charset="-122"/>
+                <a:ea typeface="微软雅黑" pitchFamily="34" charset="-122"/>
+              </a:rPr>
+              <a:t>pacity</a:t>
             </a:r>
             <a:r>
               <a:rPr lang="en-US" altLang="zh-CN" sz="2400" dirty="0" smtClean="0">
@@ -5227,7 +5407,7 @@
                 <a:latin typeface="微软雅黑" pitchFamily="34" charset="-122"/>
                 <a:ea typeface="微软雅黑" pitchFamily="34" charset="-122"/>
               </a:rPr>
-              <a:t>aturate()	</a:t>
+              <a:t>()	</a:t>
             </a:r>
             <a:r>
               <a:rPr lang="zh-CN" altLang="en-US" sz="2400" dirty="0" smtClean="0">
@@ -5240,7 +5420,20 @@
                 <a:latin typeface="微软雅黑" pitchFamily="34" charset="-122"/>
                 <a:ea typeface="微软雅黑" pitchFamily="34" charset="-122"/>
               </a:rPr>
-              <a:t>饱和度，增加或者降低饱和度</a:t>
+              <a:t>透明度，修改元素的</a:t>
+            </a:r>
+            <a:r>
+              <a:rPr lang="zh-CN" altLang="en-US" sz="2400" dirty="0" smtClean="0">
+                <a:solidFill>
+                  <a:schemeClr val="tx1">
+                    <a:lumMod val="75000"/>
+                    <a:lumOff val="25000"/>
+                  </a:schemeClr>
+                </a:solidFill>
+                <a:latin typeface="微软雅黑" pitchFamily="34" charset="-122"/>
+                <a:ea typeface="微软雅黑" pitchFamily="34" charset="-122"/>
+              </a:rPr>
+              <a:t>透明度</a:t>
             </a:r>
             <a:endParaRPr lang="en-US" altLang="zh-CN" sz="2400" dirty="0" smtClean="0">
               <a:solidFill>
@@ -5260,32 +5453,6 @@
               </a:lnSpc>
             </a:pPr>
             <a:r>
-              <a:rPr lang="en-US" altLang="zh-CN" sz="2400" dirty="0">
-                <a:solidFill>
-                  <a:schemeClr val="tx1">
-                    <a:lumMod val="75000"/>
-                    <a:lumOff val="25000"/>
-                  </a:schemeClr>
-                </a:solidFill>
-                <a:latin typeface="微软雅黑" pitchFamily="34" charset="-122"/>
-                <a:ea typeface="微软雅黑" pitchFamily="34" charset="-122"/>
-              </a:rPr>
-              <a:t>o</a:t>
-            </a:r>
-            <a:r>
-              <a:rPr lang="en-US" altLang="zh-CN" sz="2400" dirty="0" smtClean="0">
-                <a:solidFill>
-                  <a:schemeClr val="tx1">
-                    <a:lumMod val="75000"/>
-                    <a:lumOff val="25000"/>
-                  </a:schemeClr>
-                </a:solidFill>
-                <a:latin typeface="微软雅黑" pitchFamily="34" charset="-122"/>
-                <a:ea typeface="微软雅黑" pitchFamily="34" charset="-122"/>
-              </a:rPr>
-              <a:t>pacity()	</a:t>
-            </a:r>
-            <a:r>
               <a:rPr lang="zh-CN" altLang="en-US" sz="2400" dirty="0" smtClean="0">
                 <a:solidFill>
                   <a:schemeClr val="tx1">
@@ -5296,7 +5463,249 @@
                 <a:latin typeface="微软雅黑" pitchFamily="34" charset="-122"/>
                 <a:ea typeface="微软雅黑" pitchFamily="34" charset="-122"/>
               </a:rPr>
-              <a:t>透明度，修改元素的透明度</a:t>
+              <a:t>我们做了一个方便观察各个属性的小工具如下：</a:t>
+            </a:r>
+            <a:endParaRPr lang="en-US" altLang="zh-CN" sz="2400" dirty="0" smtClean="0">
+              <a:solidFill>
+                <a:schemeClr val="tx1">
+                  <a:lumMod val="75000"/>
+                  <a:lumOff val="25000"/>
+                </a:schemeClr>
+              </a:solidFill>
+              <a:latin typeface="微软雅黑" pitchFamily="34" charset="-122"/>
+              <a:ea typeface="微软雅黑" pitchFamily="34" charset="-122"/>
+            </a:endParaRPr>
+          </a:p>
+        </p:txBody>
+      </p:sp>
+      <p:pic>
+        <p:nvPicPr>
+          <p:cNvPr id="2" name="图片 1" descr="屏幕剪辑"/>
+          <p:cNvPicPr>
+            <a:picLocks noChangeAspect="1"/>
+          </p:cNvPicPr>
+          <p:nvPr/>
+        </p:nvPicPr>
+        <p:blipFill>
+          <a:blip r:embed="rId2">
+            <a:extLst>
+              <a:ext uri="{28A0092B-C50C-407E-A947-70E740481C1C}">
+                <a14:useLocalDpi xmlns:a14="http://schemas.microsoft.com/office/drawing/2010/main" val="0"/>
+              </a:ext>
+            </a:extLst>
+          </a:blip>
+          <a:stretch>
+            <a:fillRect/>
+          </a:stretch>
+        </p:blipFill>
+        <p:spPr>
+          <a:xfrm>
+            <a:off x="898184" y="1708856"/>
+            <a:ext cx="4464496" cy="3952392"/>
+          </a:xfrm>
+          <a:prstGeom prst="rect">
+            <a:avLst/>
+          </a:prstGeom>
+          <a:ln>
+            <a:noFill/>
+          </a:ln>
+          <a:effectLst>
+            <a:outerShdw blurRad="292100" dist="139700" dir="2700000" algn="tl" rotWithShape="0">
+              <a:srgbClr val="333333">
+                <a:alpha val="65000"/>
+              </a:srgbClr>
+            </a:outerShdw>
+          </a:effectLst>
+        </p:spPr>
+      </p:pic>
+      <p:sp>
+        <p:nvSpPr>
+          <p:cNvPr id="4" name="圆角矩形标注 3"/>
+          <p:cNvSpPr/>
+          <p:nvPr/>
+        </p:nvSpPr>
+        <p:spPr>
+          <a:xfrm>
+            <a:off x="4754174" y="2287002"/>
+            <a:ext cx="1296144" cy="432000"/>
+          </a:xfrm>
+          <a:prstGeom prst="wedgeRoundRectCallout">
+            <a:avLst>
+              <a:gd name="adj1" fmla="val -56121"/>
+              <a:gd name="adj2" fmla="val -21960"/>
+              <a:gd name="adj3" fmla="val 16667"/>
+            </a:avLst>
+          </a:prstGeom>
+        </p:spPr>
+        <p:style>
+          <a:lnRef idx="2">
+            <a:schemeClr val="accent5"/>
+          </a:lnRef>
+          <a:fillRef idx="1">
+            <a:schemeClr val="lt1"/>
+          </a:fillRef>
+          <a:effectRef idx="0">
+            <a:schemeClr val="accent5"/>
+          </a:effectRef>
+          <a:fontRef idx="minor">
+            <a:schemeClr val="dk1"/>
+          </a:fontRef>
+        </p:style>
+        <p:txBody>
+          <a:bodyPr rtlCol="0" anchor="ctr"/>
+          <a:lstStyle/>
+          <a:p>
+            <a:pPr>
+              <a:lnSpc>
+                <a:spcPct val="150000"/>
+              </a:lnSpc>
+            </a:pPr>
+            <a:r>
+              <a:rPr lang="zh-CN" altLang="en-US" sz="2000" dirty="0">
+                <a:solidFill>
+                  <a:schemeClr val="tx1">
+                    <a:lumMod val="75000"/>
+                    <a:lumOff val="25000"/>
+                  </a:schemeClr>
+                </a:solidFill>
+                <a:latin typeface="微软雅黑" pitchFamily="34" charset="-122"/>
+                <a:ea typeface="微软雅黑" pitchFamily="34" charset="-122"/>
+              </a:rPr>
+              <a:t>原始图片</a:t>
+            </a:r>
+            <a:endParaRPr lang="en-US" altLang="zh-CN" sz="2000" dirty="0">
+              <a:solidFill>
+                <a:schemeClr val="tx1">
+                  <a:lumMod val="75000"/>
+                  <a:lumOff val="25000"/>
+                </a:schemeClr>
+              </a:solidFill>
+              <a:latin typeface="微软雅黑" pitchFamily="34" charset="-122"/>
+              <a:ea typeface="微软雅黑" pitchFamily="34" charset="-122"/>
+            </a:endParaRPr>
+          </a:p>
+        </p:txBody>
+      </p:sp>
+      <p:sp>
+        <p:nvSpPr>
+          <p:cNvPr id="6" name="圆角矩形标注 5"/>
+          <p:cNvSpPr/>
+          <p:nvPr/>
+        </p:nvSpPr>
+        <p:spPr>
+          <a:xfrm>
+            <a:off x="4786926" y="3789040"/>
+            <a:ext cx="2448272" cy="1288096"/>
+          </a:xfrm>
+          <a:prstGeom prst="wedgeRoundRectCallout">
+            <a:avLst>
+              <a:gd name="adj1" fmla="val -56121"/>
+              <a:gd name="adj2" fmla="val -21960"/>
+              <a:gd name="adj3" fmla="val 16667"/>
+            </a:avLst>
+          </a:prstGeom>
+        </p:spPr>
+        <p:style>
+          <a:lnRef idx="2">
+            <a:schemeClr val="accent5"/>
+          </a:lnRef>
+          <a:fillRef idx="1">
+            <a:schemeClr val="lt1"/>
+          </a:fillRef>
+          <a:effectRef idx="0">
+            <a:schemeClr val="accent5"/>
+          </a:effectRef>
+          <a:fontRef idx="minor">
+            <a:schemeClr val="dk1"/>
+          </a:fontRef>
+        </p:style>
+        <p:txBody>
+          <a:bodyPr rtlCol="0" anchor="ctr"/>
+          <a:lstStyle/>
+          <a:p>
+            <a:pPr>
+              <a:lnSpc>
+                <a:spcPct val="150000"/>
+              </a:lnSpc>
+            </a:pPr>
+            <a:r>
+              <a:rPr lang="zh-CN" altLang="en-US" sz="2000" dirty="0" smtClean="0">
+                <a:solidFill>
+                  <a:schemeClr val="tx1">
+                    <a:lumMod val="75000"/>
+                    <a:lumOff val="25000"/>
+                  </a:schemeClr>
+                </a:solidFill>
+                <a:latin typeface="微软雅黑" pitchFamily="34" charset="-122"/>
+                <a:ea typeface="微软雅黑" pitchFamily="34" charset="-122"/>
+              </a:rPr>
+              <a:t>各滤镜函数初始数值，所有初始数值，保持原图像不变</a:t>
+            </a:r>
+            <a:endParaRPr lang="en-US" altLang="zh-CN" sz="2000" dirty="0">
+              <a:solidFill>
+                <a:schemeClr val="tx1">
+                  <a:lumMod val="75000"/>
+                  <a:lumOff val="25000"/>
+                </a:schemeClr>
+              </a:solidFill>
+              <a:latin typeface="微软雅黑" pitchFamily="34" charset="-122"/>
+              <a:ea typeface="微软雅黑" pitchFamily="34" charset="-122"/>
+            </a:endParaRPr>
+          </a:p>
+        </p:txBody>
+      </p:sp>
+      <p:sp>
+        <p:nvSpPr>
+          <p:cNvPr id="7" name="TextBox 4"/>
+          <p:cNvSpPr txBox="1"/>
+          <p:nvPr/>
+        </p:nvSpPr>
+        <p:spPr>
+          <a:xfrm>
+            <a:off x="684432" y="5851138"/>
+            <a:ext cx="7776000" cy="646331"/>
+          </a:xfrm>
+          <a:prstGeom prst="rect">
+            <a:avLst/>
+          </a:prstGeom>
+          <a:noFill/>
+        </p:spPr>
+        <p:txBody>
+          <a:bodyPr wrap="square" rtlCol="0">
+            <a:spAutoFit/>
+          </a:bodyPr>
+          <a:lstStyle/>
+          <a:p>
+            <a:pPr>
+              <a:lnSpc>
+                <a:spcPct val="150000"/>
+              </a:lnSpc>
+            </a:pPr>
+            <a:r>
+              <a:rPr lang="zh-CN" altLang="en-US" sz="2400" dirty="0">
+                <a:solidFill>
+                  <a:schemeClr val="tx1">
+                    <a:lumMod val="75000"/>
+                    <a:lumOff val="25000"/>
+                  </a:schemeClr>
+                </a:solidFill>
+                <a:latin typeface="微软雅黑" pitchFamily="34" charset="-122"/>
+                <a:ea typeface="微软雅黑" pitchFamily="34" charset="-122"/>
+              </a:rPr>
+              <a:t>滤</a:t>
+            </a:r>
+            <a:r>
+              <a:rPr lang="zh-CN" altLang="en-US" sz="2400" dirty="0" smtClean="0">
+                <a:solidFill>
+                  <a:schemeClr val="tx1">
+                    <a:lumMod val="75000"/>
+                    <a:lumOff val="25000"/>
+                  </a:schemeClr>
+                </a:solidFill>
+                <a:latin typeface="微软雅黑" pitchFamily="34" charset="-122"/>
+                <a:ea typeface="微软雅黑" pitchFamily="34" charset="-122"/>
+              </a:rPr>
+              <a:t>镜的使用非常简单，以下列出单独使用各滤镜的效果：</a:t>
             </a:r>
             <a:endParaRPr lang="en-US" altLang="zh-CN" sz="2400" dirty="0" smtClean="0">
               <a:solidFill>
@@ -5332,704 +5741,6 @@
 </file>
 
 <file path=ppt/slides/slide6.xml><?xml version="1.0" encoding="utf-8"?>
-<p:sld xmlns:a="http://schemas.openxmlformats.org/drawingml/2006/main" xmlns:r="http://schemas.openxmlformats.org/officeDocument/2006/relationships" xmlns:p="http://schemas.openxmlformats.org/presentationml/2006/main">
-  <p:cSld>
-    <p:spTree>
-      <p:nvGrpSpPr>
-        <p:cNvPr id="1" name=""/>
-        <p:cNvGrpSpPr/>
-        <p:nvPr/>
-      </p:nvGrpSpPr>
-      <p:grpSpPr>
-        <a:xfrm>
-          <a:off x="0" y="0"/>
-          <a:ext cx="0" cy="0"/>
-          <a:chOff x="0" y="0"/>
-          <a:chExt cx="0" cy="0"/>
-        </a:xfrm>
-      </p:grpSpPr>
-      <p:sp>
-        <p:nvSpPr>
-          <p:cNvPr id="4" name="TextBox 3"/>
-          <p:cNvSpPr txBox="1"/>
-          <p:nvPr/>
-        </p:nvSpPr>
-        <p:spPr>
-          <a:xfrm>
-            <a:off x="684000" y="260648"/>
-            <a:ext cx="7776000" cy="523220"/>
-          </a:xfrm>
-          <a:prstGeom prst="rect">
-            <a:avLst/>
-          </a:prstGeom>
-          <a:noFill/>
-        </p:spPr>
-        <p:txBody>
-          <a:bodyPr wrap="square" rtlCol="0">
-            <a:spAutoFit/>
-          </a:bodyPr>
-          <a:lstStyle/>
-          <a:p>
-            <a:r>
-              <a:rPr lang="en-US" altLang="zh-CN" sz="2800" b="1" dirty="0">
-                <a:solidFill>
-                  <a:schemeClr val="tx1">
-                    <a:lumMod val="75000"/>
-                    <a:lumOff val="25000"/>
-                  </a:schemeClr>
-                </a:solidFill>
-                <a:latin typeface="微软雅黑" pitchFamily="34" charset="-122"/>
-                <a:ea typeface="微软雅黑" pitchFamily="34" charset="-122"/>
-              </a:rPr>
-              <a:t>4</a:t>
-            </a:r>
-            <a:r>
-              <a:rPr lang="en-US" altLang="zh-CN" sz="2800" b="1" dirty="0" smtClean="0">
-                <a:solidFill>
-                  <a:schemeClr val="tx1">
-                    <a:lumMod val="75000"/>
-                    <a:lumOff val="25000"/>
-                  </a:schemeClr>
-                </a:solidFill>
-                <a:latin typeface="微软雅黑" pitchFamily="34" charset="-122"/>
-                <a:ea typeface="微软雅黑" pitchFamily="34" charset="-122"/>
-              </a:rPr>
-              <a:t>.</a:t>
-            </a:r>
-            <a:r>
-              <a:rPr lang="zh-CN" altLang="en-US" sz="2800" b="1" dirty="0" smtClean="0">
-                <a:solidFill>
-                  <a:schemeClr val="tx1">
-                    <a:lumMod val="75000"/>
-                    <a:lumOff val="25000"/>
-                  </a:schemeClr>
-                </a:solidFill>
-                <a:latin typeface="微软雅黑" pitchFamily="34" charset="-122"/>
-                <a:ea typeface="微软雅黑" pitchFamily="34" charset="-122"/>
-              </a:rPr>
-              <a:t> 混合</a:t>
-            </a:r>
-            <a:endParaRPr lang="zh-CN" altLang="en-US" sz="2800" b="1" dirty="0">
-              <a:solidFill>
-                <a:schemeClr val="tx1">
-                  <a:lumMod val="75000"/>
-                  <a:lumOff val="25000"/>
-                </a:schemeClr>
-              </a:solidFill>
-              <a:latin typeface="微软雅黑" pitchFamily="34" charset="-122"/>
-              <a:ea typeface="微软雅黑" pitchFamily="34" charset="-122"/>
-            </a:endParaRPr>
-          </a:p>
-        </p:txBody>
-      </p:sp>
-      <p:sp>
-        <p:nvSpPr>
-          <p:cNvPr id="5" name="TextBox 4"/>
-          <p:cNvSpPr txBox="1"/>
-          <p:nvPr/>
-        </p:nvSpPr>
-        <p:spPr>
-          <a:xfrm>
-            <a:off x="684000" y="836712"/>
-            <a:ext cx="7776000" cy="2862322"/>
-          </a:xfrm>
-          <a:prstGeom prst="rect">
-            <a:avLst/>
-          </a:prstGeom>
-          <a:noFill/>
-        </p:spPr>
-        <p:txBody>
-          <a:bodyPr wrap="square" rtlCol="0">
-            <a:spAutoFit/>
-          </a:bodyPr>
-          <a:lstStyle/>
-          <a:p>
-            <a:pPr>
-              <a:lnSpc>
-                <a:spcPct val="150000"/>
-              </a:lnSpc>
-            </a:pPr>
-            <a:r>
-              <a:rPr lang="zh-CN" altLang="en-US" sz="2400" dirty="0" smtClean="0">
-                <a:solidFill>
-                  <a:schemeClr val="tx1">
-                    <a:lumMod val="75000"/>
-                    <a:lumOff val="25000"/>
-                  </a:schemeClr>
-                </a:solidFill>
-                <a:latin typeface="微软雅黑" pitchFamily="34" charset="-122"/>
-                <a:ea typeface="微软雅黑" pitchFamily="34" charset="-122"/>
-              </a:rPr>
-              <a:t>混合有两种，如下，</a:t>
-            </a:r>
-            <a:endParaRPr lang="en-US" altLang="zh-CN" sz="2400" dirty="0" smtClean="0">
-              <a:solidFill>
-                <a:schemeClr val="tx1">
-                  <a:lumMod val="75000"/>
-                  <a:lumOff val="25000"/>
-                </a:schemeClr>
-              </a:solidFill>
-              <a:latin typeface="微软雅黑" pitchFamily="34" charset="-122"/>
-              <a:ea typeface="微软雅黑" pitchFamily="34" charset="-122"/>
-            </a:endParaRPr>
-          </a:p>
-          <a:p>
-            <a:pPr>
-              <a:lnSpc>
-                <a:spcPct val="150000"/>
-              </a:lnSpc>
-            </a:pPr>
-            <a:r>
-              <a:rPr lang="en-US" altLang="zh-CN" sz="2400" b="1" dirty="0" smtClean="0">
-                <a:solidFill>
-                  <a:schemeClr val="tx1">
-                    <a:lumMod val="75000"/>
-                    <a:lumOff val="25000"/>
-                  </a:schemeClr>
-                </a:solidFill>
-                <a:latin typeface="微软雅黑" pitchFamily="34" charset="-122"/>
-                <a:ea typeface="微软雅黑" pitchFamily="34" charset="-122"/>
-              </a:rPr>
-              <a:t>background-blend-mode</a:t>
-            </a:r>
-          </a:p>
-          <a:p>
-            <a:pPr>
-              <a:lnSpc>
-                <a:spcPct val="150000"/>
-              </a:lnSpc>
-            </a:pPr>
-            <a:r>
-              <a:rPr lang="zh-CN" altLang="en-US" sz="2400" dirty="0">
-                <a:solidFill>
-                  <a:schemeClr val="tx1">
-                    <a:lumMod val="75000"/>
-                    <a:lumOff val="25000"/>
-                  </a:schemeClr>
-                </a:solidFill>
-                <a:latin typeface="微软雅黑" pitchFamily="34" charset="-122"/>
-                <a:ea typeface="微软雅黑" pitchFamily="34" charset="-122"/>
-              </a:rPr>
-              <a:t>元素的多个背景图之间的</a:t>
-            </a:r>
-            <a:r>
-              <a:rPr lang="zh-CN" altLang="en-US" sz="2400" dirty="0" smtClean="0">
-                <a:solidFill>
-                  <a:schemeClr val="tx1">
-                    <a:lumMod val="75000"/>
-                    <a:lumOff val="25000"/>
-                  </a:schemeClr>
-                </a:solidFill>
-                <a:latin typeface="微软雅黑" pitchFamily="34" charset="-122"/>
-                <a:ea typeface="微软雅黑" pitchFamily="34" charset="-122"/>
-              </a:rPr>
-              <a:t>混合</a:t>
-            </a:r>
-            <a:endParaRPr lang="en-US" altLang="zh-CN" sz="2400" dirty="0" smtClean="0">
-              <a:solidFill>
-                <a:schemeClr val="tx1">
-                  <a:lumMod val="75000"/>
-                  <a:lumOff val="25000"/>
-                </a:schemeClr>
-              </a:solidFill>
-              <a:latin typeface="微软雅黑" pitchFamily="34" charset="-122"/>
-              <a:ea typeface="微软雅黑" pitchFamily="34" charset="-122"/>
-            </a:endParaRPr>
-          </a:p>
-          <a:p>
-            <a:pPr>
-              <a:lnSpc>
-                <a:spcPct val="150000"/>
-              </a:lnSpc>
-            </a:pPr>
-            <a:r>
-              <a:rPr lang="en-US" altLang="zh-CN" sz="2400" b="1" dirty="0" smtClean="0">
-                <a:solidFill>
-                  <a:schemeClr val="tx1">
-                    <a:lumMod val="75000"/>
-                    <a:lumOff val="25000"/>
-                  </a:schemeClr>
-                </a:solidFill>
-                <a:latin typeface="微软雅黑" pitchFamily="34" charset="-122"/>
-                <a:ea typeface="微软雅黑" pitchFamily="34" charset="-122"/>
-              </a:rPr>
-              <a:t>mix-blend-mode</a:t>
-            </a:r>
-          </a:p>
-          <a:p>
-            <a:pPr>
-              <a:lnSpc>
-                <a:spcPct val="150000"/>
-              </a:lnSpc>
-            </a:pPr>
-            <a:r>
-              <a:rPr lang="zh-CN" altLang="en-US" sz="2400" dirty="0" smtClean="0">
-                <a:solidFill>
-                  <a:schemeClr val="tx1">
-                    <a:lumMod val="75000"/>
-                    <a:lumOff val="25000"/>
-                  </a:schemeClr>
-                </a:solidFill>
-                <a:latin typeface="微软雅黑" pitchFamily="34" charset="-122"/>
-                <a:ea typeface="微软雅黑" pitchFamily="34" charset="-122"/>
-              </a:rPr>
-              <a:t>应用的元素，与其相邻的下层元素之间混合</a:t>
-            </a:r>
-            <a:endParaRPr lang="en-US" altLang="zh-CN" sz="2400" dirty="0">
-              <a:solidFill>
-                <a:schemeClr val="tx1">
-                  <a:lumMod val="75000"/>
-                  <a:lumOff val="25000"/>
-                </a:schemeClr>
-              </a:solidFill>
-              <a:latin typeface="微软雅黑" pitchFamily="34" charset="-122"/>
-              <a:ea typeface="微软雅黑" pitchFamily="34" charset="-122"/>
-            </a:endParaRPr>
-          </a:p>
-        </p:txBody>
-      </p:sp>
-    </p:spTree>
-    <p:extLst>
-      <p:ext uri="{BB962C8B-B14F-4D97-AF65-F5344CB8AC3E}">
-        <p14:creationId xmlns:p14="http://schemas.microsoft.com/office/powerpoint/2010/main" val="4052505404"/>
-      </p:ext>
-    </p:extLst>
-  </p:cSld>
-  <p:clrMapOvr>
-    <a:masterClrMapping/>
-  </p:clrMapOvr>
-  <p:timing>
-    <p:tnLst>
-      <p:par>
-        <p:cTn id="1" dur="indefinite" restart="never" nodeType="tmRoot"/>
-      </p:par>
-    </p:tnLst>
-  </p:timing>
-</p:sld>
-</file>
-
-<file path=ppt/slides/slide7.xml><?xml version="1.0" encoding="utf-8"?>
-<p:sld xmlns:a="http://schemas.openxmlformats.org/drawingml/2006/main" xmlns:r="http://schemas.openxmlformats.org/officeDocument/2006/relationships" xmlns:p="http://schemas.openxmlformats.org/presentationml/2006/main">
-  <p:cSld>
-    <p:spTree>
-      <p:nvGrpSpPr>
-        <p:cNvPr id="1" name=""/>
-        <p:cNvGrpSpPr/>
-        <p:nvPr/>
-      </p:nvGrpSpPr>
-      <p:grpSpPr>
-        <a:xfrm>
-          <a:off x="0" y="0"/>
-          <a:ext cx="0" cy="0"/>
-          <a:chOff x="0" y="0"/>
-          <a:chExt cx="0" cy="0"/>
-        </a:xfrm>
-      </p:grpSpPr>
-      <p:sp>
-        <p:nvSpPr>
-          <p:cNvPr id="4" name="TextBox 3"/>
-          <p:cNvSpPr txBox="1"/>
-          <p:nvPr/>
-        </p:nvSpPr>
-        <p:spPr>
-          <a:xfrm>
-            <a:off x="684000" y="260648"/>
-            <a:ext cx="7776000" cy="523220"/>
-          </a:xfrm>
-          <a:prstGeom prst="rect">
-            <a:avLst/>
-          </a:prstGeom>
-          <a:noFill/>
-        </p:spPr>
-        <p:txBody>
-          <a:bodyPr wrap="square" rtlCol="0">
-            <a:spAutoFit/>
-          </a:bodyPr>
-          <a:lstStyle/>
-          <a:p>
-            <a:r>
-              <a:rPr lang="en-US" altLang="zh-CN" sz="2800" b="1" dirty="0" smtClean="0">
-                <a:solidFill>
-                  <a:schemeClr val="tx1">
-                    <a:lumMod val="75000"/>
-                    <a:lumOff val="25000"/>
-                  </a:schemeClr>
-                </a:solidFill>
-                <a:latin typeface="微软雅黑" pitchFamily="34" charset="-122"/>
-                <a:ea typeface="微软雅黑" pitchFamily="34" charset="-122"/>
-              </a:rPr>
-              <a:t>5.</a:t>
-            </a:r>
-            <a:r>
-              <a:rPr lang="zh-CN" altLang="en-US" sz="2800" b="1" dirty="0" smtClean="0">
-                <a:solidFill>
-                  <a:schemeClr val="tx1">
-                    <a:lumMod val="75000"/>
-                    <a:lumOff val="25000"/>
-                  </a:schemeClr>
-                </a:solidFill>
-                <a:latin typeface="微软雅黑" pitchFamily="34" charset="-122"/>
-                <a:ea typeface="微软雅黑" pitchFamily="34" charset="-122"/>
-              </a:rPr>
-              <a:t>艺术效果</a:t>
-            </a:r>
-            <a:endParaRPr lang="zh-CN" altLang="en-US" sz="2800" b="1" dirty="0">
-              <a:solidFill>
-                <a:schemeClr val="tx1">
-                  <a:lumMod val="75000"/>
-                  <a:lumOff val="25000"/>
-                </a:schemeClr>
-              </a:solidFill>
-              <a:latin typeface="微软雅黑" pitchFamily="34" charset="-122"/>
-              <a:ea typeface="微软雅黑" pitchFamily="34" charset="-122"/>
-            </a:endParaRPr>
-          </a:p>
-        </p:txBody>
-      </p:sp>
-      <p:sp>
-        <p:nvSpPr>
-          <p:cNvPr id="5" name="TextBox 4"/>
-          <p:cNvSpPr txBox="1"/>
-          <p:nvPr/>
-        </p:nvSpPr>
-        <p:spPr>
-          <a:xfrm>
-            <a:off x="684000" y="836712"/>
-            <a:ext cx="7776000" cy="581057"/>
-          </a:xfrm>
-          <a:prstGeom prst="rect">
-            <a:avLst/>
-          </a:prstGeom>
-          <a:noFill/>
-        </p:spPr>
-        <p:txBody>
-          <a:bodyPr wrap="square" rtlCol="0">
-            <a:spAutoFit/>
-          </a:bodyPr>
-          <a:lstStyle/>
-          <a:p>
-            <a:pPr>
-              <a:lnSpc>
-                <a:spcPct val="150000"/>
-              </a:lnSpc>
-            </a:pPr>
-            <a:r>
-              <a:rPr lang="zh-CN" altLang="en-US" sz="2400" dirty="0" smtClean="0">
-                <a:solidFill>
-                  <a:schemeClr val="tx1">
-                    <a:lumMod val="75000"/>
-                    <a:lumOff val="25000"/>
-                  </a:schemeClr>
-                </a:solidFill>
-                <a:latin typeface="微软雅黑" pitchFamily="34" charset="-122"/>
-                <a:ea typeface="微软雅黑" pitchFamily="34" charset="-122"/>
-              </a:rPr>
-              <a:t>混合有</a:t>
-            </a:r>
-            <a:endParaRPr lang="en-US" altLang="zh-CN" sz="2400" dirty="0">
-              <a:solidFill>
-                <a:schemeClr val="tx1">
-                  <a:lumMod val="75000"/>
-                  <a:lumOff val="25000"/>
-                </a:schemeClr>
-              </a:solidFill>
-              <a:latin typeface="微软雅黑" pitchFamily="34" charset="-122"/>
-              <a:ea typeface="微软雅黑" pitchFamily="34" charset="-122"/>
-            </a:endParaRPr>
-          </a:p>
-        </p:txBody>
-      </p:sp>
-    </p:spTree>
-    <p:extLst>
-      <p:ext uri="{BB962C8B-B14F-4D97-AF65-F5344CB8AC3E}">
-        <p14:creationId xmlns:p14="http://schemas.microsoft.com/office/powerpoint/2010/main" val="1519168945"/>
-      </p:ext>
-    </p:extLst>
-  </p:cSld>
-  <p:clrMapOvr>
-    <a:masterClrMapping/>
-  </p:clrMapOvr>
-  <p:timing>
-    <p:tnLst>
-      <p:par>
-        <p:cTn id="1" dur="indefinite" restart="never" nodeType="tmRoot"/>
-      </p:par>
-    </p:tnLst>
-  </p:timing>
-</p:sld>
-</file>
-
-<file path=ppt/slides/slide8.xml><?xml version="1.0" encoding="utf-8"?>
-<p:sld xmlns:a="http://schemas.openxmlformats.org/drawingml/2006/main" xmlns:r="http://schemas.openxmlformats.org/officeDocument/2006/relationships" xmlns:p="http://schemas.openxmlformats.org/presentationml/2006/main">
-  <p:cSld>
-    <p:spTree>
-      <p:nvGrpSpPr>
-        <p:cNvPr id="1" name=""/>
-        <p:cNvGrpSpPr/>
-        <p:nvPr/>
-      </p:nvGrpSpPr>
-      <p:grpSpPr>
-        <a:xfrm>
-          <a:off x="0" y="0"/>
-          <a:ext cx="0" cy="0"/>
-          <a:chOff x="0" y="0"/>
-          <a:chExt cx="0" cy="0"/>
-        </a:xfrm>
-      </p:grpSpPr>
-      <p:sp>
-        <p:nvSpPr>
-          <p:cNvPr id="4" name="TextBox 3"/>
-          <p:cNvSpPr txBox="1"/>
-          <p:nvPr/>
-        </p:nvSpPr>
-        <p:spPr>
-          <a:xfrm>
-            <a:off x="467544" y="476672"/>
-            <a:ext cx="7776864" cy="523220"/>
-          </a:xfrm>
-          <a:prstGeom prst="rect">
-            <a:avLst/>
-          </a:prstGeom>
-          <a:noFill/>
-        </p:spPr>
-        <p:txBody>
-          <a:bodyPr wrap="square" rtlCol="0">
-            <a:spAutoFit/>
-          </a:bodyPr>
-          <a:lstStyle/>
-          <a:p>
-            <a:r>
-              <a:rPr lang="en-US" altLang="zh-CN" sz="2800" b="1" dirty="0">
-                <a:solidFill>
-                  <a:schemeClr val="tx1">
-                    <a:lumMod val="75000"/>
-                    <a:lumOff val="25000"/>
-                  </a:schemeClr>
-                </a:solidFill>
-                <a:latin typeface="微软雅黑" pitchFamily="34" charset="-122"/>
-                <a:ea typeface="微软雅黑" pitchFamily="34" charset="-122"/>
-              </a:rPr>
-              <a:t>6</a:t>
-            </a:r>
-            <a:r>
-              <a:rPr lang="en-US" altLang="zh-CN" sz="2800" b="1" dirty="0" smtClean="0">
-                <a:solidFill>
-                  <a:schemeClr val="tx1">
-                    <a:lumMod val="75000"/>
-                    <a:lumOff val="25000"/>
-                  </a:schemeClr>
-                </a:solidFill>
-                <a:latin typeface="微软雅黑" pitchFamily="34" charset="-122"/>
-                <a:ea typeface="微软雅黑" pitchFamily="34" charset="-122"/>
-              </a:rPr>
-              <a:t>.</a:t>
-            </a:r>
-            <a:r>
-              <a:rPr lang="zh-CN" altLang="en-US" sz="2800" b="1" dirty="0" smtClean="0">
-                <a:solidFill>
-                  <a:schemeClr val="tx1">
-                    <a:lumMod val="75000"/>
-                    <a:lumOff val="25000"/>
-                  </a:schemeClr>
-                </a:solidFill>
-                <a:latin typeface="微软雅黑" pitchFamily="34" charset="-122"/>
-                <a:ea typeface="微软雅黑" pitchFamily="34" charset="-122"/>
-              </a:rPr>
-              <a:t>更多思考</a:t>
-            </a:r>
-            <a:endParaRPr lang="zh-CN" altLang="en-US" sz="2800" b="1" dirty="0">
-              <a:solidFill>
-                <a:schemeClr val="tx1">
-                  <a:lumMod val="75000"/>
-                  <a:lumOff val="25000"/>
-                </a:schemeClr>
-              </a:solidFill>
-              <a:latin typeface="微软雅黑" pitchFamily="34" charset="-122"/>
-              <a:ea typeface="微软雅黑" pitchFamily="34" charset="-122"/>
-            </a:endParaRPr>
-          </a:p>
-        </p:txBody>
-      </p:sp>
-      <p:sp>
-        <p:nvSpPr>
-          <p:cNvPr id="9" name="TextBox 8"/>
-          <p:cNvSpPr txBox="1"/>
-          <p:nvPr/>
-        </p:nvSpPr>
-        <p:spPr>
-          <a:xfrm>
-            <a:off x="611560" y="3284984"/>
-            <a:ext cx="7776864" cy="1384995"/>
-          </a:xfrm>
-          <a:prstGeom prst="rect">
-            <a:avLst/>
-          </a:prstGeom>
-          <a:noFill/>
-        </p:spPr>
-        <p:txBody>
-          <a:bodyPr wrap="square" rtlCol="0">
-            <a:spAutoFit/>
-          </a:bodyPr>
-          <a:lstStyle/>
-          <a:p>
-            <a:r>
-              <a:rPr lang="en-US" altLang="zh-CN" sz="2800" b="1" dirty="0" smtClean="0">
-                <a:solidFill>
-                  <a:schemeClr val="tx1">
-                    <a:lumMod val="75000"/>
-                    <a:lumOff val="25000"/>
-                  </a:schemeClr>
-                </a:solidFill>
-                <a:latin typeface="微软雅黑" pitchFamily="34" charset="-122"/>
-                <a:ea typeface="微软雅黑" pitchFamily="34" charset="-122"/>
-              </a:rPr>
-              <a:t>	</a:t>
-            </a:r>
-            <a:r>
-              <a:rPr lang="zh-CN" altLang="en-US" sz="2800" b="1" dirty="0" smtClean="0">
-                <a:solidFill>
-                  <a:schemeClr val="tx1">
-                    <a:lumMod val="75000"/>
-                    <a:lumOff val="25000"/>
-                  </a:schemeClr>
-                </a:solidFill>
-                <a:latin typeface="微软雅黑" pitchFamily="34" charset="-122"/>
-                <a:ea typeface="微软雅黑" pitchFamily="34" charset="-122"/>
-              </a:rPr>
-              <a:t>本期内容就讲到这里，谢谢大家！</a:t>
-            </a:r>
-            <a:endParaRPr lang="en-US" altLang="zh-CN" sz="2800" b="1" dirty="0" smtClean="0">
-              <a:solidFill>
-                <a:schemeClr val="tx1">
-                  <a:lumMod val="75000"/>
-                  <a:lumOff val="25000"/>
-                </a:schemeClr>
-              </a:solidFill>
-              <a:latin typeface="微软雅黑" pitchFamily="34" charset="-122"/>
-              <a:ea typeface="微软雅黑" pitchFamily="34" charset="-122"/>
-            </a:endParaRPr>
-          </a:p>
-          <a:p>
-            <a:endParaRPr lang="en-US" altLang="zh-CN" sz="2800" b="1" dirty="0" smtClean="0">
-              <a:solidFill>
-                <a:schemeClr val="tx1">
-                  <a:lumMod val="75000"/>
-                  <a:lumOff val="25000"/>
-                </a:schemeClr>
-              </a:solidFill>
-              <a:latin typeface="微软雅黑" pitchFamily="34" charset="-122"/>
-              <a:ea typeface="微软雅黑" pitchFamily="34" charset="-122"/>
-            </a:endParaRPr>
-          </a:p>
-          <a:p>
-            <a:r>
-              <a:rPr lang="en-US" altLang="zh-CN" sz="2800" b="1" dirty="0">
-                <a:solidFill>
-                  <a:schemeClr val="tx1">
-                    <a:lumMod val="75000"/>
-                    <a:lumOff val="25000"/>
-                  </a:schemeClr>
-                </a:solidFill>
-                <a:latin typeface="微软雅黑" pitchFamily="34" charset="-122"/>
-                <a:ea typeface="微软雅黑" pitchFamily="34" charset="-122"/>
-              </a:rPr>
-              <a:t>	</a:t>
-            </a:r>
-            <a:r>
-              <a:rPr lang="en-US" altLang="zh-CN" sz="2800" b="1" dirty="0" smtClean="0">
-                <a:solidFill>
-                  <a:schemeClr val="tx1">
-                    <a:lumMod val="75000"/>
-                    <a:lumOff val="25000"/>
-                  </a:schemeClr>
-                </a:solidFill>
-                <a:latin typeface="微软雅黑" pitchFamily="34" charset="-122"/>
-                <a:ea typeface="微软雅黑" pitchFamily="34" charset="-122"/>
-              </a:rPr>
-              <a:t>	</a:t>
-            </a:r>
-            <a:endParaRPr lang="zh-CN" altLang="en-US" sz="2800" b="1" dirty="0">
-              <a:solidFill>
-                <a:schemeClr val="tx1">
-                  <a:lumMod val="75000"/>
-                  <a:lumOff val="25000"/>
-                </a:schemeClr>
-              </a:solidFill>
-              <a:latin typeface="微软雅黑" pitchFamily="34" charset="-122"/>
-              <a:ea typeface="微软雅黑" pitchFamily="34" charset="-122"/>
-            </a:endParaRPr>
-          </a:p>
-        </p:txBody>
-      </p:sp>
-      <p:sp>
-        <p:nvSpPr>
-          <p:cNvPr id="5" name="TextBox 4"/>
-          <p:cNvSpPr txBox="1"/>
-          <p:nvPr/>
-        </p:nvSpPr>
-        <p:spPr>
-          <a:xfrm>
-            <a:off x="467544" y="1268760"/>
-            <a:ext cx="7632848" cy="581057"/>
-          </a:xfrm>
-          <a:prstGeom prst="rect">
-            <a:avLst/>
-          </a:prstGeom>
-          <a:noFill/>
-        </p:spPr>
-        <p:txBody>
-          <a:bodyPr wrap="square" rtlCol="0">
-            <a:spAutoFit/>
-          </a:bodyPr>
-          <a:lstStyle/>
-          <a:p>
-            <a:pPr marL="342900" indent="-342900">
-              <a:lnSpc>
-                <a:spcPct val="150000"/>
-              </a:lnSpc>
-              <a:buFont typeface="Arial" pitchFamily="34" charset="0"/>
-              <a:buChar char="•"/>
-            </a:pPr>
-            <a:r>
-              <a:rPr lang="zh-CN" altLang="en-US" sz="2400" dirty="0" smtClean="0">
-                <a:solidFill>
-                  <a:schemeClr val="tx1">
-                    <a:lumMod val="75000"/>
-                    <a:lumOff val="25000"/>
-                  </a:schemeClr>
-                </a:solidFill>
-                <a:latin typeface="微软雅黑" pitchFamily="34" charset="-122"/>
-                <a:ea typeface="微软雅黑" pitchFamily="34" charset="-122"/>
-              </a:rPr>
-              <a:t>如果水墨画效果如何实现？</a:t>
-            </a:r>
-            <a:endParaRPr lang="en-US" altLang="zh-CN" sz="2400" dirty="0" smtClean="0">
-              <a:solidFill>
-                <a:schemeClr val="tx1">
-                  <a:lumMod val="75000"/>
-                  <a:lumOff val="25000"/>
-                </a:schemeClr>
-              </a:solidFill>
-              <a:latin typeface="微软雅黑" pitchFamily="34" charset="-122"/>
-              <a:ea typeface="微软雅黑" pitchFamily="34" charset="-122"/>
-            </a:endParaRPr>
-          </a:p>
-        </p:txBody>
-      </p:sp>
-    </p:spTree>
-    <p:extLst>
-      <p:ext uri="{BB962C8B-B14F-4D97-AF65-F5344CB8AC3E}">
-        <p14:creationId xmlns:p14="http://schemas.microsoft.com/office/powerpoint/2010/main" val="2328121375"/>
-      </p:ext>
-    </p:extLst>
-  </p:cSld>
-  <p:clrMapOvr>
-    <a:masterClrMapping/>
-  </p:clrMapOvr>
-</p:sld>
-</file>
-
-<file path=ppt/slides/slide9.xml><?xml version="1.0" encoding="utf-8"?>
 <p:sld xmlns:a="http://schemas.openxmlformats.org/drawingml/2006/main" xmlns:r="http://schemas.openxmlformats.org/officeDocument/2006/relationships" xmlns:p="http://schemas.openxmlformats.org/presentationml/2006/main">
   <p:cSld>
     <p:spTree>
@@ -6068,146 +5779,53 @@
         </p:blipFill>
         <p:spPr>
           <a:xfrm>
-            <a:off x="827584" y="87219"/>
-            <a:ext cx="4963218" cy="2981741"/>
+            <a:off x="1332154" y="2351247"/>
+            <a:ext cx="1933098" cy="1800000"/>
           </a:xfrm>
           <a:prstGeom prst="rect">
             <a:avLst/>
           </a:prstGeom>
-          <a:ln>
-            <a:noFill/>
-          </a:ln>
-          <a:effectLst>
-            <a:outerShdw blurRad="292100" dist="139700" dir="2700000" algn="tl" rotWithShape="0">
-              <a:srgbClr val="333333">
-                <a:alpha val="65000"/>
-              </a:srgbClr>
-            </a:outerShdw>
-          </a:effectLst>
         </p:spPr>
       </p:pic>
-      <p:sp>
-        <p:nvSpPr>
-          <p:cNvPr id="3" name="矩形 2"/>
-          <p:cNvSpPr/>
+      <p:pic>
+        <p:nvPicPr>
+          <p:cNvPr id="3" name="图片 2" descr="屏幕剪辑"/>
+          <p:cNvPicPr>
+            <a:picLocks noChangeAspect="1"/>
+          </p:cNvPicPr>
           <p:nvPr/>
-        </p:nvSpPr>
+        </p:nvPicPr>
+        <p:blipFill rotWithShape="1">
+          <a:blip r:embed="rId3">
+            <a:extLst>
+              <a:ext uri="{28A0092B-C50C-407E-A947-70E740481C1C}">
+                <a14:useLocalDpi xmlns:a14="http://schemas.microsoft.com/office/drawing/2010/main" val="0"/>
+              </a:ext>
+            </a:extLst>
+          </a:blip>
+          <a:srcRect l="66451" t="-17453" b="-17531"/>
+          <a:stretch/>
+        </p:blipFill>
         <p:spPr>
           <a:xfrm>
-            <a:off x="1650071" y="447792"/>
-            <a:ext cx="905705" cy="2333136"/>
+            <a:off x="1504260" y="4149080"/>
+            <a:ext cx="1454160" cy="360040"/>
           </a:xfrm>
           <a:prstGeom prst="rect">
             <a:avLst/>
           </a:prstGeom>
-          <a:noFill/>
-          <a:ln w="28575">
-            <a:solidFill>
-              <a:srgbClr val="FFFF00"/>
-            </a:solidFill>
-          </a:ln>
         </p:spPr>
-        <p:style>
-          <a:lnRef idx="2">
-            <a:schemeClr val="accent6"/>
-          </a:lnRef>
-          <a:fillRef idx="1">
-            <a:schemeClr val="lt1"/>
-          </a:fillRef>
-          <a:effectRef idx="0">
-            <a:schemeClr val="accent6"/>
-          </a:effectRef>
-          <a:fontRef idx="minor">
-            <a:schemeClr val="dk1"/>
-          </a:fontRef>
-        </p:style>
-        <p:txBody>
-          <a:bodyPr rtlCol="0" anchor="ctr"/>
-          <a:lstStyle/>
-          <a:p>
-            <a:pPr algn="ctr"/>
-            <a:endParaRPr lang="zh-CN" altLang="en-US"/>
-          </a:p>
-        </p:txBody>
-      </p:sp>
-      <p:sp>
-        <p:nvSpPr>
-          <p:cNvPr id="4" name="圆角矩形标注 3"/>
-          <p:cNvSpPr/>
-          <p:nvPr/>
-        </p:nvSpPr>
-        <p:spPr>
-          <a:xfrm>
-            <a:off x="4355976" y="908720"/>
-            <a:ext cx="3456384" cy="432000"/>
-          </a:xfrm>
-          <a:prstGeom prst="wedgeRoundRectCallout">
-            <a:avLst>
-              <a:gd name="adj1" fmla="val -58641"/>
-              <a:gd name="adj2" fmla="val -11881"/>
-              <a:gd name="adj3" fmla="val 16667"/>
-            </a:avLst>
-          </a:prstGeom>
-        </p:spPr>
-        <p:style>
-          <a:lnRef idx="2">
-            <a:schemeClr val="accent5"/>
-          </a:lnRef>
-          <a:fillRef idx="1">
-            <a:schemeClr val="lt1"/>
-          </a:fillRef>
-          <a:effectRef idx="0">
-            <a:schemeClr val="accent5"/>
-          </a:effectRef>
-          <a:fontRef idx="minor">
-            <a:schemeClr val="dk1"/>
-          </a:fontRef>
-        </p:style>
-        <p:txBody>
-          <a:bodyPr rtlCol="0" anchor="ctr"/>
-          <a:lstStyle/>
-          <a:p>
-            <a:pPr>
-              <a:lnSpc>
-                <a:spcPct val="150000"/>
-              </a:lnSpc>
-            </a:pPr>
-            <a:r>
-              <a:rPr lang="zh-CN" altLang="en-US" sz="2000" dirty="0" smtClean="0">
-                <a:solidFill>
-                  <a:schemeClr val="tx1">
-                    <a:lumMod val="75000"/>
-                    <a:lumOff val="25000"/>
-                  </a:schemeClr>
-                </a:solidFill>
-                <a:latin typeface="微软雅黑" pitchFamily="34" charset="-122"/>
-                <a:ea typeface="微软雅黑" pitchFamily="34" charset="-122"/>
-              </a:rPr>
-              <a:t>激活的轮子将执行旋转动画</a:t>
-            </a:r>
-            <a:endParaRPr lang="en-US" altLang="zh-CN" sz="2000" dirty="0">
-              <a:solidFill>
-                <a:schemeClr val="tx1">
-                  <a:lumMod val="75000"/>
-                  <a:lumOff val="25000"/>
-                </a:schemeClr>
-              </a:solidFill>
-              <a:latin typeface="微软雅黑" pitchFamily="34" charset="-122"/>
-              <a:ea typeface="微软雅黑" pitchFamily="34" charset="-122"/>
-            </a:endParaRPr>
-          </a:p>
-        </p:txBody>
-      </p:sp>
+      </p:pic>
       <p:pic>
         <p:nvPicPr>
-          <p:cNvPr id="5" name="图片 4" descr="屏幕剪辑"/>
+          <p:cNvPr id="4" name="图片 3" descr="屏幕剪辑"/>
           <p:cNvPicPr>
             <a:picLocks noChangeAspect="1"/>
           </p:cNvPicPr>
           <p:nvPr/>
         </p:nvPicPr>
         <p:blipFill>
-          <a:blip r:embed="rId3">
+          <a:blip r:embed="rId4">
             <a:extLst>
               <a:ext uri="{28A0092B-C50C-407E-A947-70E740481C1C}">
                 <a14:useLocalDpi xmlns:a14="http://schemas.microsoft.com/office/drawing/2010/main" val="0"/>
@@ -6220,80 +5838,683 @@
         </p:blipFill>
         <p:spPr>
           <a:xfrm>
-            <a:off x="827584" y="3068960"/>
-            <a:ext cx="5039428" cy="3715268"/>
+            <a:off x="3309404" y="2348880"/>
+            <a:ext cx="1926315" cy="1800000"/>
           </a:xfrm>
           <a:prstGeom prst="rect">
             <a:avLst/>
           </a:prstGeom>
-          <a:ln>
-            <a:noFill/>
-          </a:ln>
-          <a:effectLst>
-            <a:outerShdw blurRad="292100" dist="139700" dir="2700000" algn="tl" rotWithShape="0">
-              <a:srgbClr val="333333">
-                <a:alpha val="65000"/>
-              </a:srgbClr>
-            </a:outerShdw>
-          </a:effectLst>
         </p:spPr>
       </p:pic>
-      <p:sp>
-        <p:nvSpPr>
-          <p:cNvPr id="6" name="圆角矩形标注 5"/>
-          <p:cNvSpPr/>
+      <p:pic>
+        <p:nvPicPr>
+          <p:cNvPr id="5" name="图片 4" descr="屏幕剪辑"/>
+          <p:cNvPicPr>
+            <a:picLocks noChangeAspect="1"/>
+          </p:cNvPicPr>
           <p:nvPr/>
-        </p:nvSpPr>
+        </p:nvPicPr>
+        <p:blipFill rotWithShape="1">
+          <a:blip r:embed="rId5">
+            <a:extLst>
+              <a:ext uri="{28A0092B-C50C-407E-A947-70E740481C1C}">
+                <a14:useLocalDpi xmlns:a14="http://schemas.microsoft.com/office/drawing/2010/main" val="0"/>
+              </a:ext>
+            </a:extLst>
+          </a:blip>
+          <a:srcRect l="73439" t="-222"/>
+          <a:stretch/>
+        </p:blipFill>
         <p:spPr>
           <a:xfrm>
-            <a:off x="6084168" y="4756286"/>
-            <a:ext cx="2232248" cy="1409017"/>
+            <a:off x="3726940" y="4190660"/>
+            <a:ext cx="1067783" cy="276880"/>
           </a:xfrm>
-          <a:prstGeom prst="wedgeRoundRectCallout">
-            <a:avLst>
-              <a:gd name="adj1" fmla="val -57157"/>
-              <a:gd name="adj2" fmla="val 32543"/>
-              <a:gd name="adj3" fmla="val 16667"/>
-            </a:avLst>
+          <a:prstGeom prst="rect">
+            <a:avLst/>
           </a:prstGeom>
         </p:spPr>
-        <p:style>
-          <a:lnRef idx="2">
-            <a:schemeClr val="accent5"/>
-          </a:lnRef>
-          <a:fillRef idx="1">
-            <a:schemeClr val="lt1"/>
-          </a:fillRef>
-          <a:effectRef idx="0">
-            <a:schemeClr val="accent5"/>
-          </a:effectRef>
-          <a:fontRef idx="minor">
-            <a:schemeClr val="dk1"/>
-          </a:fontRef>
-        </p:style>
-        <p:txBody>
-          <a:bodyPr rtlCol="0" anchor="ctr"/>
+      </p:pic>
+      <p:pic>
+        <p:nvPicPr>
+          <p:cNvPr id="6" name="图片 5" descr="屏幕剪辑"/>
+          <p:cNvPicPr>
+            <a:picLocks noChangeAspect="1"/>
+          </p:cNvPicPr>
+          <p:nvPr/>
+        </p:nvPicPr>
+        <p:blipFill>
+          <a:blip r:embed="rId6">
+            <a:extLst>
+              <a:ext uri="{28A0092B-C50C-407E-A947-70E740481C1C}">
+                <a14:useLocalDpi xmlns:a14="http://schemas.microsoft.com/office/drawing/2010/main" val="0"/>
+              </a:ext>
+            </a:extLst>
+          </a:blip>
+          <a:stretch>
+            <a:fillRect/>
+          </a:stretch>
+        </p:blipFill>
+        <p:spPr>
+          <a:xfrm>
+            <a:off x="5303198" y="2348880"/>
+            <a:ext cx="1933098" cy="1800000"/>
+          </a:xfrm>
+          <a:prstGeom prst="rect">
+            <a:avLst/>
+          </a:prstGeom>
+        </p:spPr>
+      </p:pic>
+      <p:pic>
+        <p:nvPicPr>
+          <p:cNvPr id="7" name="图片 6" descr="屏幕剪辑"/>
+          <p:cNvPicPr>
+            <a:picLocks noChangeAspect="1"/>
+          </p:cNvPicPr>
+          <p:nvPr/>
+        </p:nvPicPr>
+        <p:blipFill rotWithShape="1">
+          <a:blip r:embed="rId7">
+            <a:extLst>
+              <a:ext uri="{28A0092B-C50C-407E-A947-70E740481C1C}">
+                <a14:useLocalDpi xmlns:a14="http://schemas.microsoft.com/office/drawing/2010/main" val="0"/>
+              </a:ext>
+            </a:extLst>
+          </a:blip>
+          <a:srcRect l="61982" t="-13156" b="-1"/>
+          <a:stretch/>
+        </p:blipFill>
+        <p:spPr>
+          <a:xfrm>
+            <a:off x="5364328" y="4148880"/>
+            <a:ext cx="1810837" cy="301832"/>
+          </a:xfrm>
+          <a:prstGeom prst="rect">
+            <a:avLst/>
+          </a:prstGeom>
+        </p:spPr>
+      </p:pic>
+      <p:pic>
+        <p:nvPicPr>
+          <p:cNvPr id="8" name="图片 7" descr="屏幕剪辑"/>
+          <p:cNvPicPr>
+            <a:picLocks noChangeAspect="1"/>
+          </p:cNvPicPr>
+          <p:nvPr/>
+        </p:nvPicPr>
+        <p:blipFill>
+          <a:blip r:embed="rId8">
+            <a:extLst>
+              <a:ext uri="{28A0092B-C50C-407E-A947-70E740481C1C}">
+                <a14:useLocalDpi xmlns:a14="http://schemas.microsoft.com/office/drawing/2010/main" val="0"/>
+              </a:ext>
+            </a:extLst>
+          </a:blip>
+          <a:stretch>
+            <a:fillRect/>
+          </a:stretch>
+        </p:blipFill>
+        <p:spPr>
+          <a:xfrm>
+            <a:off x="1294800" y="116632"/>
+            <a:ext cx="1950000" cy="1800000"/>
+          </a:xfrm>
+          <a:prstGeom prst="rect">
+            <a:avLst/>
+          </a:prstGeom>
+        </p:spPr>
+      </p:pic>
+      <p:pic>
+        <p:nvPicPr>
+          <p:cNvPr id="9" name="图片 8" descr="屏幕剪辑"/>
+          <p:cNvPicPr>
+            <a:picLocks noChangeAspect="1"/>
+          </p:cNvPicPr>
+          <p:nvPr/>
+        </p:nvPicPr>
+        <p:blipFill>
+          <a:blip r:embed="rId9">
+            <a:extLst>
+              <a:ext uri="{28A0092B-C50C-407E-A947-70E740481C1C}">
+                <a14:useLocalDpi xmlns:a14="http://schemas.microsoft.com/office/drawing/2010/main" val="0"/>
+              </a:ext>
+            </a:extLst>
+          </a:blip>
+          <a:stretch>
+            <a:fillRect/>
+          </a:stretch>
+        </p:blipFill>
+        <p:spPr>
+          <a:xfrm>
+            <a:off x="3337043" y="116632"/>
+            <a:ext cx="1925435" cy="1800000"/>
+          </a:xfrm>
+          <a:prstGeom prst="rect">
+            <a:avLst/>
+          </a:prstGeom>
+        </p:spPr>
+      </p:pic>
+      <p:pic>
+        <p:nvPicPr>
+          <p:cNvPr id="10" name="图片 9" descr="屏幕剪辑"/>
+          <p:cNvPicPr>
+            <a:picLocks noChangeAspect="1"/>
+          </p:cNvPicPr>
+          <p:nvPr/>
+        </p:nvPicPr>
+        <p:blipFill>
+          <a:blip r:embed="rId10">
+            <a:extLst>
+              <a:ext uri="{28A0092B-C50C-407E-A947-70E740481C1C}">
+                <a14:useLocalDpi xmlns:a14="http://schemas.microsoft.com/office/drawing/2010/main" val="0"/>
+              </a:ext>
+            </a:extLst>
+          </a:blip>
+          <a:stretch>
+            <a:fillRect/>
+          </a:stretch>
+        </p:blipFill>
+        <p:spPr>
+          <a:xfrm>
+            <a:off x="5341658" y="116632"/>
+            <a:ext cx="1945774" cy="1800000"/>
+          </a:xfrm>
+          <a:prstGeom prst="rect">
+            <a:avLst/>
+          </a:prstGeom>
+        </p:spPr>
+      </p:pic>
+      <p:pic>
+        <p:nvPicPr>
+          <p:cNvPr id="11" name="图片 10" descr="屏幕剪辑"/>
+          <p:cNvPicPr>
+            <a:picLocks noChangeAspect="1"/>
+          </p:cNvPicPr>
+          <p:nvPr/>
+        </p:nvPicPr>
+        <p:blipFill rotWithShape="1">
+          <a:blip r:embed="rId11">
+            <a:extLst>
+              <a:ext uri="{28A0092B-C50C-407E-A947-70E740481C1C}">
+                <a14:useLocalDpi xmlns:a14="http://schemas.microsoft.com/office/drawing/2010/main" val="0"/>
+              </a:ext>
+            </a:extLst>
+          </a:blip>
+          <a:srcRect l="76499" t="-552"/>
+          <a:stretch/>
+        </p:blipFill>
+        <p:spPr>
+          <a:xfrm>
+            <a:off x="1872617" y="1931845"/>
+            <a:ext cx="929091" cy="296944"/>
+          </a:xfrm>
+          <a:prstGeom prst="rect">
+            <a:avLst/>
+          </a:prstGeom>
+        </p:spPr>
+      </p:pic>
+      <p:pic>
+        <p:nvPicPr>
+          <p:cNvPr id="12" name="图片 11" descr="屏幕剪辑"/>
+          <p:cNvPicPr>
+            <a:picLocks noChangeAspect="1"/>
+          </p:cNvPicPr>
+          <p:nvPr/>
+        </p:nvPicPr>
+        <p:blipFill rotWithShape="1">
+          <a:blip r:embed="rId12">
+            <a:extLst>
+              <a:ext uri="{28A0092B-C50C-407E-A947-70E740481C1C}">
+                <a14:useLocalDpi xmlns:a14="http://schemas.microsoft.com/office/drawing/2010/main" val="0"/>
+              </a:ext>
+            </a:extLst>
+          </a:blip>
+          <a:srcRect l="68587" t="-6168"/>
+          <a:stretch/>
+        </p:blipFill>
+        <p:spPr>
+          <a:xfrm>
+            <a:off x="3629704" y="1907493"/>
+            <a:ext cx="1340620" cy="293302"/>
+          </a:xfrm>
+          <a:prstGeom prst="rect">
+            <a:avLst/>
+          </a:prstGeom>
+        </p:spPr>
+      </p:pic>
+      <p:pic>
+        <p:nvPicPr>
+          <p:cNvPr id="13" name="图片 12" descr="屏幕剪辑"/>
+          <p:cNvPicPr>
+            <a:picLocks noChangeAspect="1"/>
+          </p:cNvPicPr>
+          <p:nvPr/>
+        </p:nvPicPr>
+        <p:blipFill rotWithShape="1">
+          <a:blip r:embed="rId13">
+            <a:extLst>
+              <a:ext uri="{28A0092B-C50C-407E-A947-70E740481C1C}">
+                <a14:useLocalDpi xmlns:a14="http://schemas.microsoft.com/office/drawing/2010/main" val="0"/>
+              </a:ext>
+            </a:extLst>
+          </a:blip>
+          <a:srcRect l="77714" t="-4536" b="1"/>
+          <a:stretch/>
+        </p:blipFill>
+        <p:spPr>
+          <a:xfrm>
+            <a:off x="5892092" y="1916632"/>
+            <a:ext cx="832230" cy="308712"/>
+          </a:xfrm>
+          <a:prstGeom prst="rect">
+            <a:avLst/>
+          </a:prstGeom>
+        </p:spPr>
+      </p:pic>
+      <p:pic>
+        <p:nvPicPr>
+          <p:cNvPr id="14" name="图片 13" descr="屏幕剪辑"/>
+          <p:cNvPicPr>
+            <a:picLocks noChangeAspect="1"/>
+          </p:cNvPicPr>
+          <p:nvPr/>
+        </p:nvPicPr>
+        <p:blipFill>
+          <a:blip r:embed="rId14">
+            <a:extLst>
+              <a:ext uri="{28A0092B-C50C-407E-A947-70E740481C1C}">
+                <a14:useLocalDpi xmlns:a14="http://schemas.microsoft.com/office/drawing/2010/main" val="0"/>
+              </a:ext>
+            </a:extLst>
+          </a:blip>
+          <a:stretch>
+            <a:fillRect/>
+          </a:stretch>
+        </p:blipFill>
+        <p:spPr>
+          <a:xfrm>
+            <a:off x="1259632" y="4590933"/>
+            <a:ext cx="1546105" cy="1440000"/>
+          </a:xfrm>
+          <a:prstGeom prst="rect">
+            <a:avLst/>
+          </a:prstGeom>
+        </p:spPr>
+      </p:pic>
+      <p:pic>
+        <p:nvPicPr>
+          <p:cNvPr id="15" name="图片 14" descr="屏幕剪辑"/>
+          <p:cNvPicPr>
+            <a:picLocks noChangeAspect="1"/>
+          </p:cNvPicPr>
+          <p:nvPr/>
+        </p:nvPicPr>
+        <p:blipFill>
+          <a:blip r:embed="rId15">
+            <a:extLst>
+              <a:ext uri="{28A0092B-C50C-407E-A947-70E740481C1C}">
+                <a14:useLocalDpi xmlns:a14="http://schemas.microsoft.com/office/drawing/2010/main" val="0"/>
+              </a:ext>
+            </a:extLst>
+          </a:blip>
+          <a:stretch>
+            <a:fillRect/>
+          </a:stretch>
+        </p:blipFill>
+        <p:spPr>
+          <a:xfrm>
+            <a:off x="1537315" y="6080089"/>
+            <a:ext cx="990738" cy="266737"/>
+          </a:xfrm>
+          <a:prstGeom prst="rect">
+            <a:avLst/>
+          </a:prstGeom>
+        </p:spPr>
+      </p:pic>
+      <p:pic>
+        <p:nvPicPr>
+          <p:cNvPr id="16" name="图片 15" descr="屏幕剪辑"/>
+          <p:cNvPicPr>
+            <a:picLocks noChangeAspect="1"/>
+          </p:cNvPicPr>
+          <p:nvPr/>
+        </p:nvPicPr>
+        <p:blipFill>
+          <a:blip r:embed="rId16">
+            <a:extLst>
+              <a:ext uri="{28A0092B-C50C-407E-A947-70E740481C1C}">
+                <a14:useLocalDpi xmlns:a14="http://schemas.microsoft.com/office/drawing/2010/main" val="0"/>
+              </a:ext>
+            </a:extLst>
+          </a:blip>
+          <a:stretch>
+            <a:fillRect/>
+          </a:stretch>
+        </p:blipFill>
+        <p:spPr>
+          <a:xfrm>
+            <a:off x="2883892" y="4590933"/>
+            <a:ext cx="1541052" cy="1440000"/>
+          </a:xfrm>
+          <a:prstGeom prst="rect">
+            <a:avLst/>
+          </a:prstGeom>
+        </p:spPr>
+      </p:pic>
+      <p:pic>
+        <p:nvPicPr>
+          <p:cNvPr id="17" name="图片 16" descr="屏幕剪辑"/>
+          <p:cNvPicPr>
+            <a:picLocks noChangeAspect="1"/>
+          </p:cNvPicPr>
+          <p:nvPr/>
+        </p:nvPicPr>
+        <p:blipFill>
+          <a:blip r:embed="rId17">
+            <a:extLst>
+              <a:ext uri="{28A0092B-C50C-407E-A947-70E740481C1C}">
+                <a14:useLocalDpi xmlns:a14="http://schemas.microsoft.com/office/drawing/2010/main" val="0"/>
+              </a:ext>
+            </a:extLst>
+          </a:blip>
+          <a:stretch>
+            <a:fillRect/>
+          </a:stretch>
+        </p:blipFill>
+        <p:spPr>
+          <a:xfrm>
+            <a:off x="3159465" y="6030933"/>
+            <a:ext cx="1028844" cy="257211"/>
+          </a:xfrm>
+          <a:prstGeom prst="rect">
+            <a:avLst/>
+          </a:prstGeom>
+        </p:spPr>
+      </p:pic>
+      <p:pic>
+        <p:nvPicPr>
+          <p:cNvPr id="18" name="图片 17" descr="屏幕剪辑"/>
+          <p:cNvPicPr>
+            <a:picLocks noChangeAspect="1"/>
+          </p:cNvPicPr>
+          <p:nvPr/>
+        </p:nvPicPr>
+        <p:blipFill>
+          <a:blip r:embed="rId18">
+            <a:extLst>
+              <a:ext uri="{28A0092B-C50C-407E-A947-70E740481C1C}">
+                <a14:useLocalDpi xmlns:a14="http://schemas.microsoft.com/office/drawing/2010/main" val="0"/>
+              </a:ext>
+            </a:extLst>
+          </a:blip>
+          <a:stretch>
+            <a:fillRect/>
+          </a:stretch>
+        </p:blipFill>
+        <p:spPr>
+          <a:xfrm>
+            <a:off x="4478351" y="4590933"/>
+            <a:ext cx="1551158" cy="1440000"/>
+          </a:xfrm>
+          <a:prstGeom prst="rect">
+            <a:avLst/>
+          </a:prstGeom>
+        </p:spPr>
+      </p:pic>
+      <p:pic>
+        <p:nvPicPr>
+          <p:cNvPr id="19" name="图片 18" descr="屏幕剪辑"/>
+          <p:cNvPicPr>
+            <a:picLocks noChangeAspect="1"/>
+          </p:cNvPicPr>
+          <p:nvPr/>
+        </p:nvPicPr>
+        <p:blipFill>
+          <a:blip r:embed="rId19">
+            <a:extLst>
+              <a:ext uri="{28A0092B-C50C-407E-A947-70E740481C1C}">
+                <a14:useLocalDpi xmlns:a14="http://schemas.microsoft.com/office/drawing/2010/main" val="0"/>
+              </a:ext>
+            </a:extLst>
+          </a:blip>
+          <a:stretch>
+            <a:fillRect/>
+          </a:stretch>
+        </p:blipFill>
+        <p:spPr>
+          <a:xfrm>
+            <a:off x="4675982" y="6080089"/>
+            <a:ext cx="1105054" cy="257211"/>
+          </a:xfrm>
+          <a:prstGeom prst="rect">
+            <a:avLst/>
+          </a:prstGeom>
+        </p:spPr>
+      </p:pic>
+      <p:pic>
+        <p:nvPicPr>
+          <p:cNvPr id="20" name="图片 19" descr="屏幕剪辑"/>
+          <p:cNvPicPr>
+            <a:picLocks noChangeAspect="1"/>
+          </p:cNvPicPr>
+          <p:nvPr/>
+        </p:nvPicPr>
+        <p:blipFill>
+          <a:blip r:embed="rId20">
+            <a:extLst>
+              <a:ext uri="{28A0092B-C50C-407E-A947-70E740481C1C}">
+                <a14:useLocalDpi xmlns:a14="http://schemas.microsoft.com/office/drawing/2010/main" val="0"/>
+              </a:ext>
+            </a:extLst>
+          </a:blip>
+          <a:stretch>
+            <a:fillRect/>
+          </a:stretch>
+        </p:blipFill>
+        <p:spPr>
+          <a:xfrm>
+            <a:off x="6082916" y="4590933"/>
+            <a:ext cx="1497600" cy="1404000"/>
+          </a:xfrm>
+          <a:prstGeom prst="rect">
+            <a:avLst/>
+          </a:prstGeom>
+        </p:spPr>
+      </p:pic>
+      <p:sp>
+        <p:nvSpPr>
+          <p:cNvPr id="22" name="文本框 21"/>
+          <p:cNvSpPr txBox="1"/>
+          <p:nvPr/>
+        </p:nvSpPr>
+        <p:spPr>
+          <a:xfrm>
+            <a:off x="6082916" y="6080089"/>
+            <a:ext cx="1978503" cy="523220"/>
+          </a:xfrm>
+          <a:prstGeom prst="rect">
+            <a:avLst/>
+          </a:prstGeom>
+          <a:noFill/>
+        </p:spPr>
+        <p:txBody>
+          <a:bodyPr wrap="square" rtlCol="0">
+            <a:spAutoFit/>
+          </a:bodyPr>
           <a:lstStyle/>
           <a:p>
-            <a:pPr>
-              <a:lnSpc>
-                <a:spcPct val="150000"/>
-              </a:lnSpc>
-            </a:pPr>
-            <a:r>
-              <a:rPr lang="zh-CN" altLang="en-US" sz="2000" dirty="0" smtClean="0">
-                <a:solidFill>
-                  <a:schemeClr val="tx1">
-                    <a:lumMod val="75000"/>
-                    <a:lumOff val="25000"/>
-                  </a:schemeClr>
-                </a:solidFill>
-                <a:latin typeface="微软雅黑" pitchFamily="34" charset="-122"/>
-                <a:ea typeface="微软雅黑" pitchFamily="34" charset="-122"/>
-              </a:rPr>
-              <a:t>下方的数字，移动一半后，立刻回到顶部</a:t>
-            </a:r>
-            <a:endParaRPr lang="en-US" altLang="zh-CN" sz="2000" dirty="0">
+            <a:r>
+              <a:rPr lang="en-US" altLang="zh-CN" sz="1400" dirty="0" smtClean="0">
+                <a:solidFill>
+                  <a:schemeClr val="tx1">
+                    <a:lumMod val="75000"/>
+                    <a:lumOff val="25000"/>
+                  </a:schemeClr>
+                </a:solidFill>
+                <a:latin typeface="微软雅黑" panose="020B0503020204020204" pitchFamily="34" charset="-122"/>
+                <a:ea typeface="微软雅黑" panose="020B0503020204020204" pitchFamily="34" charset="-122"/>
+              </a:rPr>
+              <a:t>drop-shadow</a:t>
+            </a:r>
+          </a:p>
+          <a:p>
+            <a:r>
+              <a:rPr lang="en-US" altLang="zh-CN" sz="1400" dirty="0" smtClean="0">
+                <a:solidFill>
+                  <a:schemeClr val="tx1">
+                    <a:lumMod val="75000"/>
+                    <a:lumOff val="25000"/>
+                  </a:schemeClr>
+                </a:solidFill>
+                <a:latin typeface="微软雅黑" panose="020B0503020204020204" pitchFamily="34" charset="-122"/>
+                <a:ea typeface="微软雅黑" panose="020B0503020204020204" pitchFamily="34" charset="-122"/>
+              </a:rPr>
+              <a:t>(</a:t>
+            </a:r>
+            <a:r>
+              <a:rPr lang="en-US" altLang="zh-CN" sz="1400" dirty="0">
+                <a:solidFill>
+                  <a:schemeClr val="tx1">
+                    <a:lumMod val="75000"/>
+                    <a:lumOff val="25000"/>
+                  </a:schemeClr>
+                </a:solidFill>
+                <a:latin typeface="微软雅黑" panose="020B0503020204020204" pitchFamily="34" charset="-122"/>
+                <a:ea typeface="微软雅黑" panose="020B0503020204020204" pitchFamily="34" charset="-122"/>
+              </a:rPr>
+              <a:t>24px </a:t>
+            </a:r>
+            <a:r>
+              <a:rPr lang="en-US" altLang="zh-CN" sz="1400" dirty="0" err="1">
+                <a:solidFill>
+                  <a:schemeClr val="tx1">
+                    <a:lumMod val="75000"/>
+                    <a:lumOff val="25000"/>
+                  </a:schemeClr>
+                </a:solidFill>
+                <a:latin typeface="微软雅黑" panose="020B0503020204020204" pitchFamily="34" charset="-122"/>
+                <a:ea typeface="微软雅黑" panose="020B0503020204020204" pitchFamily="34" charset="-122"/>
+              </a:rPr>
+              <a:t>24px</a:t>
+            </a:r>
+            <a:r>
+              <a:rPr lang="en-US" altLang="zh-CN" sz="1400" dirty="0">
+                <a:solidFill>
+                  <a:schemeClr val="tx1">
+                    <a:lumMod val="75000"/>
+                    <a:lumOff val="25000"/>
+                  </a:schemeClr>
+                </a:solidFill>
+                <a:latin typeface="微软雅黑" panose="020B0503020204020204" pitchFamily="34" charset="-122"/>
+                <a:ea typeface="微软雅黑" panose="020B0503020204020204" pitchFamily="34" charset="-122"/>
+              </a:rPr>
+              <a:t> 6px black)</a:t>
+            </a:r>
+            <a:endParaRPr lang="zh-CN" altLang="en-US" sz="1400" dirty="0">
+              <a:solidFill>
+                <a:schemeClr val="tx1">
+                  <a:lumMod val="75000"/>
+                  <a:lumOff val="25000"/>
+                </a:schemeClr>
+              </a:solidFill>
+              <a:latin typeface="微软雅黑" panose="020B0503020204020204" pitchFamily="34" charset="-122"/>
+              <a:ea typeface="微软雅黑" panose="020B0503020204020204" pitchFamily="34" charset="-122"/>
+            </a:endParaRPr>
+          </a:p>
+        </p:txBody>
+      </p:sp>
+    </p:spTree>
+    <p:extLst>
+      <p:ext uri="{BB962C8B-B14F-4D97-AF65-F5344CB8AC3E}">
+        <p14:creationId xmlns:p14="http://schemas.microsoft.com/office/powerpoint/2010/main" val="707870441"/>
+      </p:ext>
+    </p:extLst>
+  </p:cSld>
+  <p:clrMapOvr>
+    <a:masterClrMapping/>
+  </p:clrMapOvr>
+</p:sld>
+</file>
+
+<file path=ppt/slides/slide7.xml><?xml version="1.0" encoding="utf-8"?>
+<p:sld xmlns:a="http://schemas.openxmlformats.org/drawingml/2006/main" xmlns:r="http://schemas.openxmlformats.org/officeDocument/2006/relationships" xmlns:p="http://schemas.openxmlformats.org/presentationml/2006/main">
+  <p:cSld>
+    <p:spTree>
+      <p:nvGrpSpPr>
+        <p:cNvPr id="1" name=""/>
+        <p:cNvGrpSpPr/>
+        <p:nvPr/>
+      </p:nvGrpSpPr>
+      <p:grpSpPr>
+        <a:xfrm>
+          <a:off x="0" y="0"/>
+          <a:ext cx="0" cy="0"/>
+          <a:chOff x="0" y="0"/>
+          <a:chExt cx="0" cy="0"/>
+        </a:xfrm>
+      </p:grpSpPr>
+      <p:sp>
+        <p:nvSpPr>
+          <p:cNvPr id="4" name="TextBox 3"/>
+          <p:cNvSpPr txBox="1"/>
+          <p:nvPr/>
+        </p:nvSpPr>
+        <p:spPr>
+          <a:xfrm>
+            <a:off x="684000" y="260648"/>
+            <a:ext cx="7776000" cy="523220"/>
+          </a:xfrm>
+          <a:prstGeom prst="rect">
+            <a:avLst/>
+          </a:prstGeom>
+          <a:noFill/>
+        </p:spPr>
+        <p:txBody>
+          <a:bodyPr wrap="square" rtlCol="0">
+            <a:spAutoFit/>
+          </a:bodyPr>
+          <a:lstStyle/>
+          <a:p>
+            <a:r>
+              <a:rPr lang="en-US" altLang="zh-CN" sz="2800" b="1" dirty="0">
+                <a:solidFill>
+                  <a:schemeClr val="tx1">
+                    <a:lumMod val="75000"/>
+                    <a:lumOff val="25000"/>
+                  </a:schemeClr>
+                </a:solidFill>
+                <a:latin typeface="微软雅黑" pitchFamily="34" charset="-122"/>
+                <a:ea typeface="微软雅黑" pitchFamily="34" charset="-122"/>
+              </a:rPr>
+              <a:t>4</a:t>
+            </a:r>
+            <a:r>
+              <a:rPr lang="en-US" altLang="zh-CN" sz="2800" b="1" dirty="0" smtClean="0">
+                <a:solidFill>
+                  <a:schemeClr val="tx1">
+                    <a:lumMod val="75000"/>
+                    <a:lumOff val="25000"/>
+                  </a:schemeClr>
+                </a:solidFill>
+                <a:latin typeface="微软雅黑" pitchFamily="34" charset="-122"/>
+                <a:ea typeface="微软雅黑" pitchFamily="34" charset="-122"/>
+              </a:rPr>
+              <a:t>.</a:t>
+            </a:r>
+            <a:r>
+              <a:rPr lang="zh-CN" altLang="en-US" sz="2800" b="1" dirty="0" smtClean="0">
+                <a:solidFill>
+                  <a:schemeClr val="tx1">
+                    <a:lumMod val="75000"/>
+                    <a:lumOff val="25000"/>
+                  </a:schemeClr>
+                </a:solidFill>
+                <a:latin typeface="微软雅黑" pitchFamily="34" charset="-122"/>
+                <a:ea typeface="微软雅黑" pitchFamily="34" charset="-122"/>
+              </a:rPr>
+              <a:t> 混合</a:t>
+            </a:r>
+            <a:endParaRPr lang="zh-CN" altLang="en-US" sz="2800" b="1" dirty="0">
               <a:solidFill>
                 <a:schemeClr val="tx1">
                   <a:lumMod val="75000"/>
@@ -6306,10 +6527,604 @@
           </a:p>
         </p:txBody>
       </p:sp>
+      <p:sp>
+        <p:nvSpPr>
+          <p:cNvPr id="5" name="TextBox 4"/>
+          <p:cNvSpPr txBox="1"/>
+          <p:nvPr/>
+        </p:nvSpPr>
+        <p:spPr>
+          <a:xfrm>
+            <a:off x="684000" y="836712"/>
+            <a:ext cx="7776000" cy="2862322"/>
+          </a:xfrm>
+          <a:prstGeom prst="rect">
+            <a:avLst/>
+          </a:prstGeom>
+          <a:noFill/>
+        </p:spPr>
+        <p:txBody>
+          <a:bodyPr wrap="square" rtlCol="0">
+            <a:spAutoFit/>
+          </a:bodyPr>
+          <a:lstStyle/>
+          <a:p>
+            <a:pPr>
+              <a:lnSpc>
+                <a:spcPct val="150000"/>
+              </a:lnSpc>
+            </a:pPr>
+            <a:r>
+              <a:rPr lang="zh-CN" altLang="en-US" sz="2400" dirty="0" smtClean="0">
+                <a:solidFill>
+                  <a:schemeClr val="tx1">
+                    <a:lumMod val="75000"/>
+                    <a:lumOff val="25000"/>
+                  </a:schemeClr>
+                </a:solidFill>
+                <a:latin typeface="微软雅黑" pitchFamily="34" charset="-122"/>
+                <a:ea typeface="微软雅黑" pitchFamily="34" charset="-122"/>
+              </a:rPr>
+              <a:t>混合有两种，如下，</a:t>
+            </a:r>
+            <a:endParaRPr lang="en-US" altLang="zh-CN" sz="2400" dirty="0" smtClean="0">
+              <a:solidFill>
+                <a:schemeClr val="tx1">
+                  <a:lumMod val="75000"/>
+                  <a:lumOff val="25000"/>
+                </a:schemeClr>
+              </a:solidFill>
+              <a:latin typeface="微软雅黑" pitchFamily="34" charset="-122"/>
+              <a:ea typeface="微软雅黑" pitchFamily="34" charset="-122"/>
+            </a:endParaRPr>
+          </a:p>
+          <a:p>
+            <a:pPr>
+              <a:lnSpc>
+                <a:spcPct val="150000"/>
+              </a:lnSpc>
+            </a:pPr>
+            <a:r>
+              <a:rPr lang="en-US" altLang="zh-CN" sz="2400" b="1" dirty="0" smtClean="0">
+                <a:solidFill>
+                  <a:schemeClr val="tx1">
+                    <a:lumMod val="75000"/>
+                    <a:lumOff val="25000"/>
+                  </a:schemeClr>
+                </a:solidFill>
+                <a:latin typeface="微软雅黑" pitchFamily="34" charset="-122"/>
+                <a:ea typeface="微软雅黑" pitchFamily="34" charset="-122"/>
+              </a:rPr>
+              <a:t>background-blend-mode</a:t>
+            </a:r>
+          </a:p>
+          <a:p>
+            <a:pPr>
+              <a:lnSpc>
+                <a:spcPct val="150000"/>
+              </a:lnSpc>
+            </a:pPr>
+            <a:r>
+              <a:rPr lang="zh-CN" altLang="en-US" sz="2400" dirty="0">
+                <a:solidFill>
+                  <a:schemeClr val="tx1">
+                    <a:lumMod val="75000"/>
+                    <a:lumOff val="25000"/>
+                  </a:schemeClr>
+                </a:solidFill>
+                <a:latin typeface="微软雅黑" pitchFamily="34" charset="-122"/>
+                <a:ea typeface="微软雅黑" pitchFamily="34" charset="-122"/>
+              </a:rPr>
+              <a:t>元素的多个背景图之间的</a:t>
+            </a:r>
+            <a:r>
+              <a:rPr lang="zh-CN" altLang="en-US" sz="2400" dirty="0" smtClean="0">
+                <a:solidFill>
+                  <a:schemeClr val="tx1">
+                    <a:lumMod val="75000"/>
+                    <a:lumOff val="25000"/>
+                  </a:schemeClr>
+                </a:solidFill>
+                <a:latin typeface="微软雅黑" pitchFamily="34" charset="-122"/>
+                <a:ea typeface="微软雅黑" pitchFamily="34" charset="-122"/>
+              </a:rPr>
+              <a:t>混合</a:t>
+            </a:r>
+            <a:endParaRPr lang="en-US" altLang="zh-CN" sz="2400" dirty="0" smtClean="0">
+              <a:solidFill>
+                <a:schemeClr val="tx1">
+                  <a:lumMod val="75000"/>
+                  <a:lumOff val="25000"/>
+                </a:schemeClr>
+              </a:solidFill>
+              <a:latin typeface="微软雅黑" pitchFamily="34" charset="-122"/>
+              <a:ea typeface="微软雅黑" pitchFamily="34" charset="-122"/>
+            </a:endParaRPr>
+          </a:p>
+          <a:p>
+            <a:pPr>
+              <a:lnSpc>
+                <a:spcPct val="150000"/>
+              </a:lnSpc>
+            </a:pPr>
+            <a:r>
+              <a:rPr lang="en-US" altLang="zh-CN" sz="2400" b="1" dirty="0" smtClean="0">
+                <a:solidFill>
+                  <a:schemeClr val="tx1">
+                    <a:lumMod val="75000"/>
+                    <a:lumOff val="25000"/>
+                  </a:schemeClr>
+                </a:solidFill>
+                <a:latin typeface="微软雅黑" pitchFamily="34" charset="-122"/>
+                <a:ea typeface="微软雅黑" pitchFamily="34" charset="-122"/>
+              </a:rPr>
+              <a:t>mix-blend-mode</a:t>
+            </a:r>
+          </a:p>
+          <a:p>
+            <a:pPr>
+              <a:lnSpc>
+                <a:spcPct val="150000"/>
+              </a:lnSpc>
+            </a:pPr>
+            <a:r>
+              <a:rPr lang="zh-CN" altLang="en-US" sz="2400" dirty="0" smtClean="0">
+                <a:solidFill>
+                  <a:schemeClr val="tx1">
+                    <a:lumMod val="75000"/>
+                    <a:lumOff val="25000"/>
+                  </a:schemeClr>
+                </a:solidFill>
+                <a:latin typeface="微软雅黑" pitchFamily="34" charset="-122"/>
+                <a:ea typeface="微软雅黑" pitchFamily="34" charset="-122"/>
+              </a:rPr>
+              <a:t>应用的元素，与其相邻的下层元素之间混合</a:t>
+            </a:r>
+            <a:endParaRPr lang="en-US" altLang="zh-CN" sz="2400" dirty="0">
+              <a:solidFill>
+                <a:schemeClr val="tx1">
+                  <a:lumMod val="75000"/>
+                  <a:lumOff val="25000"/>
+                </a:schemeClr>
+              </a:solidFill>
+              <a:latin typeface="微软雅黑" pitchFamily="34" charset="-122"/>
+              <a:ea typeface="微软雅黑" pitchFamily="34" charset="-122"/>
+            </a:endParaRPr>
+          </a:p>
+        </p:txBody>
+      </p:sp>
     </p:spTree>
     <p:extLst>
       <p:ext uri="{BB962C8B-B14F-4D97-AF65-F5344CB8AC3E}">
-        <p14:creationId xmlns:p14="http://schemas.microsoft.com/office/powerpoint/2010/main" val="854540480"/>
+        <p14:creationId xmlns:p14="http://schemas.microsoft.com/office/powerpoint/2010/main" val="4052505404"/>
+      </p:ext>
+    </p:extLst>
+  </p:cSld>
+  <p:clrMapOvr>
+    <a:masterClrMapping/>
+  </p:clrMapOvr>
+  <p:timing>
+    <p:tnLst>
+      <p:par>
+        <p:cTn id="1" dur="indefinite" restart="never" nodeType="tmRoot"/>
+      </p:par>
+    </p:tnLst>
+  </p:timing>
+</p:sld>
+</file>
+
+<file path=ppt/slides/slide8.xml><?xml version="1.0" encoding="utf-8"?>
+<p:sld xmlns:a="http://schemas.openxmlformats.org/drawingml/2006/main" xmlns:r="http://schemas.openxmlformats.org/officeDocument/2006/relationships" xmlns:p="http://schemas.openxmlformats.org/presentationml/2006/main">
+  <p:cSld>
+    <p:spTree>
+      <p:nvGrpSpPr>
+        <p:cNvPr id="1" name=""/>
+        <p:cNvGrpSpPr/>
+        <p:nvPr/>
+      </p:nvGrpSpPr>
+      <p:grpSpPr>
+        <a:xfrm>
+          <a:off x="0" y="0"/>
+          <a:ext cx="0" cy="0"/>
+          <a:chOff x="0" y="0"/>
+          <a:chExt cx="0" cy="0"/>
+        </a:xfrm>
+      </p:grpSpPr>
+      <p:sp>
+        <p:nvSpPr>
+          <p:cNvPr id="4" name="TextBox 3"/>
+          <p:cNvSpPr txBox="1"/>
+          <p:nvPr/>
+        </p:nvSpPr>
+        <p:spPr>
+          <a:xfrm>
+            <a:off x="684000" y="260648"/>
+            <a:ext cx="7776000" cy="523220"/>
+          </a:xfrm>
+          <a:prstGeom prst="rect">
+            <a:avLst/>
+          </a:prstGeom>
+          <a:noFill/>
+        </p:spPr>
+        <p:txBody>
+          <a:bodyPr wrap="square" rtlCol="0">
+            <a:spAutoFit/>
+          </a:bodyPr>
+          <a:lstStyle/>
+          <a:p>
+            <a:r>
+              <a:rPr lang="en-US" altLang="zh-CN" sz="2800" b="1" dirty="0" smtClean="0">
+                <a:solidFill>
+                  <a:schemeClr val="tx1">
+                    <a:lumMod val="75000"/>
+                    <a:lumOff val="25000"/>
+                  </a:schemeClr>
+                </a:solidFill>
+                <a:latin typeface="微软雅黑" pitchFamily="34" charset="-122"/>
+                <a:ea typeface="微软雅黑" pitchFamily="34" charset="-122"/>
+              </a:rPr>
+              <a:t>5.</a:t>
+            </a:r>
+            <a:r>
+              <a:rPr lang="zh-CN" altLang="en-US" sz="2800" b="1" dirty="0" smtClean="0">
+                <a:solidFill>
+                  <a:schemeClr val="tx1">
+                    <a:lumMod val="75000"/>
+                    <a:lumOff val="25000"/>
+                  </a:schemeClr>
+                </a:solidFill>
+                <a:latin typeface="微软雅黑" pitchFamily="34" charset="-122"/>
+                <a:ea typeface="微软雅黑" pitchFamily="34" charset="-122"/>
+              </a:rPr>
+              <a:t>艺术效果</a:t>
+            </a:r>
+            <a:endParaRPr lang="zh-CN" altLang="en-US" sz="2800" b="1" dirty="0">
+              <a:solidFill>
+                <a:schemeClr val="tx1">
+                  <a:lumMod val="75000"/>
+                  <a:lumOff val="25000"/>
+                </a:schemeClr>
+              </a:solidFill>
+              <a:latin typeface="微软雅黑" pitchFamily="34" charset="-122"/>
+              <a:ea typeface="微软雅黑" pitchFamily="34" charset="-122"/>
+            </a:endParaRPr>
+          </a:p>
+        </p:txBody>
+      </p:sp>
+      <p:sp>
+        <p:nvSpPr>
+          <p:cNvPr id="5" name="TextBox 4"/>
+          <p:cNvSpPr txBox="1"/>
+          <p:nvPr/>
+        </p:nvSpPr>
+        <p:spPr>
+          <a:xfrm>
+            <a:off x="684000" y="836712"/>
+            <a:ext cx="7776000" cy="581057"/>
+          </a:xfrm>
+          <a:prstGeom prst="rect">
+            <a:avLst/>
+          </a:prstGeom>
+          <a:noFill/>
+        </p:spPr>
+        <p:txBody>
+          <a:bodyPr wrap="square" rtlCol="0">
+            <a:spAutoFit/>
+          </a:bodyPr>
+          <a:lstStyle/>
+          <a:p>
+            <a:pPr>
+              <a:lnSpc>
+                <a:spcPct val="150000"/>
+              </a:lnSpc>
+            </a:pPr>
+            <a:r>
+              <a:rPr lang="zh-CN" altLang="en-US" sz="2400" dirty="0" smtClean="0">
+                <a:solidFill>
+                  <a:schemeClr val="tx1">
+                    <a:lumMod val="75000"/>
+                    <a:lumOff val="25000"/>
+                  </a:schemeClr>
+                </a:solidFill>
+                <a:latin typeface="微软雅黑" pitchFamily="34" charset="-122"/>
+                <a:ea typeface="微软雅黑" pitchFamily="34" charset="-122"/>
+              </a:rPr>
+              <a:t>混合有</a:t>
+            </a:r>
+            <a:endParaRPr lang="en-US" altLang="zh-CN" sz="2400" dirty="0">
+              <a:solidFill>
+                <a:schemeClr val="tx1">
+                  <a:lumMod val="75000"/>
+                  <a:lumOff val="25000"/>
+                </a:schemeClr>
+              </a:solidFill>
+              <a:latin typeface="微软雅黑" pitchFamily="34" charset="-122"/>
+              <a:ea typeface="微软雅黑" pitchFamily="34" charset="-122"/>
+            </a:endParaRPr>
+          </a:p>
+        </p:txBody>
+      </p:sp>
+    </p:spTree>
+    <p:extLst>
+      <p:ext uri="{BB962C8B-B14F-4D97-AF65-F5344CB8AC3E}">
+        <p14:creationId xmlns:p14="http://schemas.microsoft.com/office/powerpoint/2010/main" val="1519168945"/>
+      </p:ext>
+    </p:extLst>
+  </p:cSld>
+  <p:clrMapOvr>
+    <a:masterClrMapping/>
+  </p:clrMapOvr>
+  <p:timing>
+    <p:tnLst>
+      <p:par>
+        <p:cTn id="1" dur="indefinite" restart="never" nodeType="tmRoot"/>
+      </p:par>
+    </p:tnLst>
+  </p:timing>
+</p:sld>
+</file>
+
+<file path=ppt/slides/slide9.xml><?xml version="1.0" encoding="utf-8"?>
+<p:sld xmlns:a="http://schemas.openxmlformats.org/drawingml/2006/main" xmlns:r="http://schemas.openxmlformats.org/officeDocument/2006/relationships" xmlns:p="http://schemas.openxmlformats.org/presentationml/2006/main">
+  <p:cSld>
+    <p:spTree>
+      <p:nvGrpSpPr>
+        <p:cNvPr id="1" name=""/>
+        <p:cNvGrpSpPr/>
+        <p:nvPr/>
+      </p:nvGrpSpPr>
+      <p:grpSpPr>
+        <a:xfrm>
+          <a:off x="0" y="0"/>
+          <a:ext cx="0" cy="0"/>
+          <a:chOff x="0" y="0"/>
+          <a:chExt cx="0" cy="0"/>
+        </a:xfrm>
+      </p:grpSpPr>
+      <p:sp>
+        <p:nvSpPr>
+          <p:cNvPr id="4" name="TextBox 3"/>
+          <p:cNvSpPr txBox="1"/>
+          <p:nvPr/>
+        </p:nvSpPr>
+        <p:spPr>
+          <a:xfrm>
+            <a:off x="467544" y="476672"/>
+            <a:ext cx="7776864" cy="523220"/>
+          </a:xfrm>
+          <a:prstGeom prst="rect">
+            <a:avLst/>
+          </a:prstGeom>
+          <a:noFill/>
+        </p:spPr>
+        <p:txBody>
+          <a:bodyPr wrap="square" rtlCol="0">
+            <a:spAutoFit/>
+          </a:bodyPr>
+          <a:lstStyle/>
+          <a:p>
+            <a:r>
+              <a:rPr lang="en-US" altLang="zh-CN" sz="2800" b="1" dirty="0">
+                <a:solidFill>
+                  <a:schemeClr val="tx1">
+                    <a:lumMod val="75000"/>
+                    <a:lumOff val="25000"/>
+                  </a:schemeClr>
+                </a:solidFill>
+                <a:latin typeface="微软雅黑" pitchFamily="34" charset="-122"/>
+                <a:ea typeface="微软雅黑" pitchFamily="34" charset="-122"/>
+              </a:rPr>
+              <a:t>6</a:t>
+            </a:r>
+            <a:r>
+              <a:rPr lang="en-US" altLang="zh-CN" sz="2800" b="1" dirty="0" smtClean="0">
+                <a:solidFill>
+                  <a:schemeClr val="tx1">
+                    <a:lumMod val="75000"/>
+                    <a:lumOff val="25000"/>
+                  </a:schemeClr>
+                </a:solidFill>
+                <a:latin typeface="微软雅黑" pitchFamily="34" charset="-122"/>
+                <a:ea typeface="微软雅黑" pitchFamily="34" charset="-122"/>
+              </a:rPr>
+              <a:t>.</a:t>
+            </a:r>
+            <a:r>
+              <a:rPr lang="zh-CN" altLang="en-US" sz="2800" b="1" dirty="0" smtClean="0">
+                <a:solidFill>
+                  <a:schemeClr val="tx1">
+                    <a:lumMod val="75000"/>
+                    <a:lumOff val="25000"/>
+                  </a:schemeClr>
+                </a:solidFill>
+                <a:latin typeface="微软雅黑" pitchFamily="34" charset="-122"/>
+                <a:ea typeface="微软雅黑" pitchFamily="34" charset="-122"/>
+              </a:rPr>
+              <a:t>更多思考</a:t>
+            </a:r>
+            <a:endParaRPr lang="zh-CN" altLang="en-US" sz="2800" b="1" dirty="0">
+              <a:solidFill>
+                <a:schemeClr val="tx1">
+                  <a:lumMod val="75000"/>
+                  <a:lumOff val="25000"/>
+                </a:schemeClr>
+              </a:solidFill>
+              <a:latin typeface="微软雅黑" pitchFamily="34" charset="-122"/>
+              <a:ea typeface="微软雅黑" pitchFamily="34" charset="-122"/>
+            </a:endParaRPr>
+          </a:p>
+        </p:txBody>
+      </p:sp>
+      <p:sp>
+        <p:nvSpPr>
+          <p:cNvPr id="9" name="TextBox 8"/>
+          <p:cNvSpPr txBox="1"/>
+          <p:nvPr/>
+        </p:nvSpPr>
+        <p:spPr>
+          <a:xfrm>
+            <a:off x="611560" y="3284984"/>
+            <a:ext cx="7776864" cy="1384995"/>
+          </a:xfrm>
+          <a:prstGeom prst="rect">
+            <a:avLst/>
+          </a:prstGeom>
+          <a:noFill/>
+        </p:spPr>
+        <p:txBody>
+          <a:bodyPr wrap="square" rtlCol="0">
+            <a:spAutoFit/>
+          </a:bodyPr>
+          <a:lstStyle/>
+          <a:p>
+            <a:r>
+              <a:rPr lang="en-US" altLang="zh-CN" sz="2800" b="1" dirty="0" smtClean="0">
+                <a:solidFill>
+                  <a:schemeClr val="tx1">
+                    <a:lumMod val="75000"/>
+                    <a:lumOff val="25000"/>
+                  </a:schemeClr>
+                </a:solidFill>
+                <a:latin typeface="微软雅黑" pitchFamily="34" charset="-122"/>
+                <a:ea typeface="微软雅黑" pitchFamily="34" charset="-122"/>
+              </a:rPr>
+              <a:t>	</a:t>
+            </a:r>
+            <a:r>
+              <a:rPr lang="zh-CN" altLang="en-US" sz="2800" b="1" dirty="0" smtClean="0">
+                <a:solidFill>
+                  <a:schemeClr val="tx1">
+                    <a:lumMod val="75000"/>
+                    <a:lumOff val="25000"/>
+                  </a:schemeClr>
+                </a:solidFill>
+                <a:latin typeface="微软雅黑" pitchFamily="34" charset="-122"/>
+                <a:ea typeface="微软雅黑" pitchFamily="34" charset="-122"/>
+              </a:rPr>
+              <a:t>本期内容就讲到这里，谢谢大家！</a:t>
+            </a:r>
+            <a:endParaRPr lang="en-US" altLang="zh-CN" sz="2800" b="1" dirty="0" smtClean="0">
+              <a:solidFill>
+                <a:schemeClr val="tx1">
+                  <a:lumMod val="75000"/>
+                  <a:lumOff val="25000"/>
+                </a:schemeClr>
+              </a:solidFill>
+              <a:latin typeface="微软雅黑" pitchFamily="34" charset="-122"/>
+              <a:ea typeface="微软雅黑" pitchFamily="34" charset="-122"/>
+            </a:endParaRPr>
+          </a:p>
+          <a:p>
+            <a:endParaRPr lang="en-US" altLang="zh-CN" sz="2800" b="1" dirty="0" smtClean="0">
+              <a:solidFill>
+                <a:schemeClr val="tx1">
+                  <a:lumMod val="75000"/>
+                  <a:lumOff val="25000"/>
+                </a:schemeClr>
+              </a:solidFill>
+              <a:latin typeface="微软雅黑" pitchFamily="34" charset="-122"/>
+              <a:ea typeface="微软雅黑" pitchFamily="34" charset="-122"/>
+            </a:endParaRPr>
+          </a:p>
+          <a:p>
+            <a:r>
+              <a:rPr lang="en-US" altLang="zh-CN" sz="2800" b="1" dirty="0">
+                <a:solidFill>
+                  <a:schemeClr val="tx1">
+                    <a:lumMod val="75000"/>
+                    <a:lumOff val="25000"/>
+                  </a:schemeClr>
+                </a:solidFill>
+                <a:latin typeface="微软雅黑" pitchFamily="34" charset="-122"/>
+                <a:ea typeface="微软雅黑" pitchFamily="34" charset="-122"/>
+              </a:rPr>
+              <a:t>	</a:t>
+            </a:r>
+            <a:r>
+              <a:rPr lang="en-US" altLang="zh-CN" sz="2800" b="1" dirty="0" smtClean="0">
+                <a:solidFill>
+                  <a:schemeClr val="tx1">
+                    <a:lumMod val="75000"/>
+                    <a:lumOff val="25000"/>
+                  </a:schemeClr>
+                </a:solidFill>
+                <a:latin typeface="微软雅黑" pitchFamily="34" charset="-122"/>
+                <a:ea typeface="微软雅黑" pitchFamily="34" charset="-122"/>
+              </a:rPr>
+              <a:t>	</a:t>
+            </a:r>
+            <a:endParaRPr lang="zh-CN" altLang="en-US" sz="2800" b="1" dirty="0">
+              <a:solidFill>
+                <a:schemeClr val="tx1">
+                  <a:lumMod val="75000"/>
+                  <a:lumOff val="25000"/>
+                </a:schemeClr>
+              </a:solidFill>
+              <a:latin typeface="微软雅黑" pitchFamily="34" charset="-122"/>
+              <a:ea typeface="微软雅黑" pitchFamily="34" charset="-122"/>
+            </a:endParaRPr>
+          </a:p>
+        </p:txBody>
+      </p:sp>
+      <p:sp>
+        <p:nvSpPr>
+          <p:cNvPr id="5" name="TextBox 4"/>
+          <p:cNvSpPr txBox="1"/>
+          <p:nvPr/>
+        </p:nvSpPr>
+        <p:spPr>
+          <a:xfrm>
+            <a:off x="467544" y="1268760"/>
+            <a:ext cx="7632848" cy="581057"/>
+          </a:xfrm>
+          <a:prstGeom prst="rect">
+            <a:avLst/>
+          </a:prstGeom>
+          <a:noFill/>
+        </p:spPr>
+        <p:txBody>
+          <a:bodyPr wrap="square" rtlCol="0">
+            <a:spAutoFit/>
+          </a:bodyPr>
+          <a:lstStyle/>
+          <a:p>
+            <a:pPr marL="342900" indent="-342900">
+              <a:lnSpc>
+                <a:spcPct val="150000"/>
+              </a:lnSpc>
+              <a:buFont typeface="Arial" pitchFamily="34" charset="0"/>
+              <a:buChar char="•"/>
+            </a:pPr>
+            <a:r>
+              <a:rPr lang="zh-CN" altLang="en-US" sz="2400" dirty="0" smtClean="0">
+                <a:solidFill>
+                  <a:schemeClr val="tx1">
+                    <a:lumMod val="75000"/>
+                    <a:lumOff val="25000"/>
+                  </a:schemeClr>
+                </a:solidFill>
+                <a:latin typeface="微软雅黑" pitchFamily="34" charset="-122"/>
+                <a:ea typeface="微软雅黑" pitchFamily="34" charset="-122"/>
+              </a:rPr>
+              <a:t>如果水墨画效果如何实现？</a:t>
+            </a:r>
+            <a:endParaRPr lang="en-US" altLang="zh-CN" sz="2400" dirty="0" smtClean="0">
+              <a:solidFill>
+                <a:schemeClr val="tx1">
+                  <a:lumMod val="75000"/>
+                  <a:lumOff val="25000"/>
+                </a:schemeClr>
+              </a:solidFill>
+              <a:latin typeface="微软雅黑" pitchFamily="34" charset="-122"/>
+              <a:ea typeface="微软雅黑" pitchFamily="34" charset="-122"/>
+            </a:endParaRPr>
+          </a:p>
+        </p:txBody>
+      </p:sp>
+    </p:spTree>
+    <p:extLst>
+      <p:ext uri="{BB962C8B-B14F-4D97-AF65-F5344CB8AC3E}">
+        <p14:creationId xmlns:p14="http://schemas.microsoft.com/office/powerpoint/2010/main" val="2328121375"/>
       </p:ext>
     </p:extLst>
   </p:cSld>
@@ -6859,7 +7674,7 @@
   <a:extraClrSchemeLst/>
   <a:extLst>
     <a:ext uri="{05A4C25C-085E-4340-85A3-A5531E510DB2}">
-      <thm15:themeFamily xmlns:thm15="http://schemas.microsoft.com/office/thememl/2012/main" xmlns="" name="Office Theme" id="{62F939B6-93AF-4DB8-9C6B-D6C7DFDC589F}" vid="{4A3C46E8-61CC-4603-A589-7422A47A8E4A}"/>
+      <thm15:themeFamily xmlns:thm15="http://schemas.microsoft.com/office/thememl/2012/main" name="Office Theme" id="{62F939B6-93AF-4DB8-9C6B-D6C7DFDC589F}" vid="{4A3C46E8-61CC-4603-A589-7422A47A8E4A}"/>
     </a:ext>
   </a:extLst>
 </a:theme>

--- a/35-css-filter/35.pptx
+++ b/35-css-filter/35.pptx
@@ -5,7 +5,7 @@
     <p:sldMasterId id="2147483648" r:id="rId1"/>
   </p:sldMasterIdLst>
   <p:notesMasterIdLst>
-    <p:notesMasterId r:id="rId11"/>
+    <p:notesMasterId r:id="rId22"/>
   </p:notesMasterIdLst>
   <p:sldIdLst>
     <p:sldId id="256" r:id="rId2"/>
@@ -15,8 +15,19 @@
     <p:sldId id="556" r:id="rId6"/>
     <p:sldId id="560" r:id="rId7"/>
     <p:sldId id="557" r:id="rId8"/>
-    <p:sldId id="558" r:id="rId9"/>
-    <p:sldId id="345" r:id="rId10"/>
+    <p:sldId id="561" r:id="rId9"/>
+    <p:sldId id="562" r:id="rId10"/>
+    <p:sldId id="563" r:id="rId11"/>
+    <p:sldId id="564" r:id="rId12"/>
+    <p:sldId id="565" r:id="rId13"/>
+    <p:sldId id="566" r:id="rId14"/>
+    <p:sldId id="567" r:id="rId15"/>
+    <p:sldId id="568" r:id="rId16"/>
+    <p:sldId id="569" r:id="rId17"/>
+    <p:sldId id="558" r:id="rId18"/>
+    <p:sldId id="571" r:id="rId19"/>
+    <p:sldId id="572" r:id="rId20"/>
+    <p:sldId id="345" r:id="rId21"/>
   </p:sldIdLst>
   <p:sldSz cx="9144000" cy="6858000" type="screen4x3"/>
   <p:notesSz cx="6858000" cy="9144000"/>
@@ -117,7 +128,7 @@
   </p:defaultTextStyle>
   <p:extLst>
     <p:ext uri="{EFAFB233-063F-42B5-8137-9DF3F51BA10A}">
-      <p15:sldGuideLst xmlns:p15="http://schemas.microsoft.com/office/powerpoint/2012/main">
+      <p15:sldGuideLst xmlns:p15="http://schemas.microsoft.com/office/powerpoint/2012/main" xmlns="">
         <p15:guide id="1" orient="horz" pos="2160">
           <p15:clr>
             <a:srgbClr val="A4A3A4"/>
@@ -216,7 +227,7 @@
           <a:p>
             <a:fld id="{918C987C-5DAD-4601-B625-55A3208473B0}" type="datetimeFigureOut">
               <a:rPr lang="zh-CN" altLang="en-US" smtClean="0"/>
-              <a:t>2018/12/26</a:t>
+              <a:t>2018/12/27</a:t>
             </a:fld>
             <a:endParaRPr lang="zh-CN" altLang="en-US"/>
           </a:p>
@@ -484,6 +495,90 @@
 </p:notesMaster>
 </file>
 
+<file path=ppt/notesSlides/notesSlide1.xml><?xml version="1.0" encoding="utf-8"?>
+<p:notes xmlns:a="http://schemas.openxmlformats.org/drawingml/2006/main" xmlns:r="http://schemas.openxmlformats.org/officeDocument/2006/relationships" xmlns:p="http://schemas.openxmlformats.org/presentationml/2006/main">
+  <p:cSld>
+    <p:spTree>
+      <p:nvGrpSpPr>
+        <p:cNvPr id="1" name=""/>
+        <p:cNvGrpSpPr/>
+        <p:nvPr/>
+      </p:nvGrpSpPr>
+      <p:grpSpPr>
+        <a:xfrm>
+          <a:off x="0" y="0"/>
+          <a:ext cx="0" cy="0"/>
+          <a:chOff x="0" y="0"/>
+          <a:chExt cx="0" cy="0"/>
+        </a:xfrm>
+      </p:grpSpPr>
+      <p:sp>
+        <p:nvSpPr>
+          <p:cNvPr id="2" name="幻灯片图像占位符 1"/>
+          <p:cNvSpPr>
+            <a:spLocks noGrp="1" noRot="1" noChangeAspect="1"/>
+          </p:cNvSpPr>
+          <p:nvPr>
+            <p:ph type="sldImg"/>
+          </p:nvPr>
+        </p:nvSpPr>
+        <p:spPr/>
+      </p:sp>
+      <p:sp>
+        <p:nvSpPr>
+          <p:cNvPr id="3" name="备注占位符 2"/>
+          <p:cNvSpPr>
+            <a:spLocks noGrp="1"/>
+          </p:cNvSpPr>
+          <p:nvPr>
+            <p:ph type="body" idx="1"/>
+          </p:nvPr>
+        </p:nvSpPr>
+        <p:spPr/>
+        <p:txBody>
+          <a:bodyPr/>
+          <a:lstStyle/>
+          <a:p>
+            <a:endParaRPr lang="zh-CN" altLang="en-US" dirty="0"/>
+          </a:p>
+        </p:txBody>
+      </p:sp>
+      <p:sp>
+        <p:nvSpPr>
+          <p:cNvPr id="4" name="灯片编号占位符 3"/>
+          <p:cNvSpPr>
+            <a:spLocks noGrp="1"/>
+          </p:cNvSpPr>
+          <p:nvPr>
+            <p:ph type="sldNum" sz="quarter" idx="10"/>
+          </p:nvPr>
+        </p:nvSpPr>
+        <p:spPr/>
+        <p:txBody>
+          <a:bodyPr/>
+          <a:lstStyle/>
+          <a:p>
+            <a:fld id="{AB6F2BC2-E7C7-4DAF-AC38-C7272999FEC3}" type="slidenum">
+              <a:rPr lang="zh-CN" altLang="en-US" smtClean="0"/>
+              <a:t>17</a:t>
+            </a:fld>
+            <a:endParaRPr lang="zh-CN" altLang="en-US"/>
+          </a:p>
+        </p:txBody>
+      </p:sp>
+    </p:spTree>
+    <p:extLst>
+      <p:ext uri="{BB962C8B-B14F-4D97-AF65-F5344CB8AC3E}">
+        <p14:creationId xmlns:p14="http://schemas.microsoft.com/office/powerpoint/2010/main" val="1895472617"/>
+      </p:ext>
+    </p:extLst>
+  </p:cSld>
+  <p:clrMapOvr>
+    <a:masterClrMapping/>
+  </p:clrMapOvr>
+</p:notes>
+</file>
+
 <file path=ppt/slideLayouts/slideLayout1.xml><?xml version="1.0" encoding="utf-8"?>
 <p:sldLayout xmlns:a="http://schemas.openxmlformats.org/drawingml/2006/main" xmlns:r="http://schemas.openxmlformats.org/officeDocument/2006/relationships" xmlns:p="http://schemas.openxmlformats.org/presentationml/2006/main" type="title" preserve="1">
   <p:cSld name="标题幻灯片">
@@ -665,7 +760,7 @@
           <a:p>
             <a:fld id="{17C7C8FB-1C37-4023-AA22-09D5A8E13DCF}" type="datetimeFigureOut">
               <a:rPr lang="zh-CN" altLang="en-US" smtClean="0"/>
-              <a:t>2018/12/26</a:t>
+              <a:t>2018/12/27</a:t>
             </a:fld>
             <a:endParaRPr lang="zh-CN" altLang="en-US"/>
           </a:p>
@@ -835,7 +930,7 @@
           <a:p>
             <a:fld id="{17C7C8FB-1C37-4023-AA22-09D5A8E13DCF}" type="datetimeFigureOut">
               <a:rPr lang="zh-CN" altLang="en-US" smtClean="0"/>
-              <a:t>2018/12/26</a:t>
+              <a:t>2018/12/27</a:t>
             </a:fld>
             <a:endParaRPr lang="zh-CN" altLang="en-US"/>
           </a:p>
@@ -1015,7 +1110,7 @@
           <a:p>
             <a:fld id="{17C7C8FB-1C37-4023-AA22-09D5A8E13DCF}" type="datetimeFigureOut">
               <a:rPr lang="zh-CN" altLang="en-US" smtClean="0"/>
-              <a:t>2018/12/26</a:t>
+              <a:t>2018/12/27</a:t>
             </a:fld>
             <a:endParaRPr lang="zh-CN" altLang="en-US"/>
           </a:p>
@@ -1185,7 +1280,7 @@
           <a:p>
             <a:fld id="{17C7C8FB-1C37-4023-AA22-09D5A8E13DCF}" type="datetimeFigureOut">
               <a:rPr lang="zh-CN" altLang="en-US" smtClean="0"/>
-              <a:t>2018/12/26</a:t>
+              <a:t>2018/12/27</a:t>
             </a:fld>
             <a:endParaRPr lang="zh-CN" altLang="en-US"/>
           </a:p>
@@ -1431,7 +1526,7 @@
           <a:p>
             <a:fld id="{17C7C8FB-1C37-4023-AA22-09D5A8E13DCF}" type="datetimeFigureOut">
               <a:rPr lang="zh-CN" altLang="en-US" smtClean="0"/>
-              <a:t>2018/12/26</a:t>
+              <a:t>2018/12/27</a:t>
             </a:fld>
             <a:endParaRPr lang="zh-CN" altLang="en-US"/>
           </a:p>
@@ -1719,7 +1814,7 @@
           <a:p>
             <a:fld id="{17C7C8FB-1C37-4023-AA22-09D5A8E13DCF}" type="datetimeFigureOut">
               <a:rPr lang="zh-CN" altLang="en-US" smtClean="0"/>
-              <a:t>2018/12/26</a:t>
+              <a:t>2018/12/27</a:t>
             </a:fld>
             <a:endParaRPr lang="zh-CN" altLang="en-US"/>
           </a:p>
@@ -2141,7 +2236,7 @@
           <a:p>
             <a:fld id="{17C7C8FB-1C37-4023-AA22-09D5A8E13DCF}" type="datetimeFigureOut">
               <a:rPr lang="zh-CN" altLang="en-US" smtClean="0"/>
-              <a:t>2018/12/26</a:t>
+              <a:t>2018/12/27</a:t>
             </a:fld>
             <a:endParaRPr lang="zh-CN" altLang="en-US"/>
           </a:p>
@@ -2259,7 +2354,7 @@
           <a:p>
             <a:fld id="{17C7C8FB-1C37-4023-AA22-09D5A8E13DCF}" type="datetimeFigureOut">
               <a:rPr lang="zh-CN" altLang="en-US" smtClean="0"/>
-              <a:t>2018/12/26</a:t>
+              <a:t>2018/12/27</a:t>
             </a:fld>
             <a:endParaRPr lang="zh-CN" altLang="en-US"/>
           </a:p>
@@ -2354,7 +2449,7 @@
           <a:p>
             <a:fld id="{17C7C8FB-1C37-4023-AA22-09D5A8E13DCF}" type="datetimeFigureOut">
               <a:rPr lang="zh-CN" altLang="en-US" smtClean="0"/>
-              <a:t>2018/12/26</a:t>
+              <a:t>2018/12/27</a:t>
             </a:fld>
             <a:endParaRPr lang="zh-CN" altLang="en-US"/>
           </a:p>
@@ -2631,7 +2726,7 @@
           <a:p>
             <a:fld id="{17C7C8FB-1C37-4023-AA22-09D5A8E13DCF}" type="datetimeFigureOut">
               <a:rPr lang="zh-CN" altLang="en-US" smtClean="0"/>
-              <a:t>2018/12/26</a:t>
+              <a:t>2018/12/27</a:t>
             </a:fld>
             <a:endParaRPr lang="zh-CN" altLang="en-US"/>
           </a:p>
@@ -2884,7 +2979,7 @@
           <a:p>
             <a:fld id="{17C7C8FB-1C37-4023-AA22-09D5A8E13DCF}" type="datetimeFigureOut">
               <a:rPr lang="zh-CN" altLang="en-US" smtClean="0"/>
-              <a:t>2018/12/26</a:t>
+              <a:t>2018/12/27</a:t>
             </a:fld>
             <a:endParaRPr lang="zh-CN" altLang="en-US"/>
           </a:p>
@@ -3097,7 +3192,7 @@
           <a:p>
             <a:fld id="{17C7C8FB-1C37-4023-AA22-09D5A8E13DCF}" type="datetimeFigureOut">
               <a:rPr lang="zh-CN" altLang="en-US" smtClean="0"/>
-              <a:t>2018/12/26</a:t>
+              <a:t>2018/12/27</a:t>
             </a:fld>
             <a:endParaRPr lang="zh-CN" altLang="en-US"/>
           </a:p>
@@ -3774,6 +3869,5157 @@
 </p:sld>
 </file>
 
+<file path=ppt/slides/slide10.xml><?xml version="1.0" encoding="utf-8"?>
+<p:sld xmlns:a="http://schemas.openxmlformats.org/drawingml/2006/main" xmlns:r="http://schemas.openxmlformats.org/officeDocument/2006/relationships" xmlns:p="http://schemas.openxmlformats.org/presentationml/2006/main">
+  <p:cSld>
+    <p:spTree>
+      <p:nvGrpSpPr>
+        <p:cNvPr id="1" name=""/>
+        <p:cNvGrpSpPr/>
+        <p:nvPr/>
+      </p:nvGrpSpPr>
+      <p:grpSpPr>
+        <a:xfrm>
+          <a:off x="0" y="0"/>
+          <a:ext cx="0" cy="0"/>
+          <a:chOff x="0" y="0"/>
+          <a:chExt cx="0" cy="0"/>
+        </a:xfrm>
+      </p:grpSpPr>
+      <p:sp>
+        <p:nvSpPr>
+          <p:cNvPr id="2" name="TextBox 1"/>
+          <p:cNvSpPr txBox="1"/>
+          <p:nvPr/>
+        </p:nvSpPr>
+        <p:spPr>
+          <a:xfrm>
+            <a:off x="684000" y="188640"/>
+            <a:ext cx="7776000" cy="3970318"/>
+          </a:xfrm>
+          <a:prstGeom prst="rect">
+            <a:avLst/>
+          </a:prstGeom>
+          <a:noFill/>
+        </p:spPr>
+        <p:txBody>
+          <a:bodyPr wrap="square" rtlCol="0">
+            <a:spAutoFit/>
+          </a:bodyPr>
+          <a:lstStyle/>
+          <a:p>
+            <a:pPr>
+              <a:lnSpc>
+                <a:spcPct val="150000"/>
+              </a:lnSpc>
+            </a:pPr>
+            <a:r>
+              <a:rPr lang="en-US" altLang="zh-CN" sz="2400" b="1" dirty="0" smtClean="0">
+                <a:solidFill>
+                  <a:schemeClr val="tx1">
+                    <a:lumMod val="75000"/>
+                    <a:lumOff val="25000"/>
+                  </a:schemeClr>
+                </a:solidFill>
+                <a:latin typeface="微软雅黑" pitchFamily="34" charset="-122"/>
+                <a:ea typeface="微软雅黑" pitchFamily="34" charset="-122"/>
+              </a:rPr>
+              <a:t>multiply</a:t>
+            </a:r>
+            <a:r>
+              <a:rPr lang="en-US" altLang="zh-CN" sz="2400" dirty="0" smtClean="0">
+                <a:solidFill>
+                  <a:schemeClr val="tx1">
+                    <a:lumMod val="75000"/>
+                    <a:lumOff val="25000"/>
+                  </a:schemeClr>
+                </a:solidFill>
+                <a:latin typeface="微软雅黑" pitchFamily="34" charset="-122"/>
+                <a:ea typeface="微软雅黑" pitchFamily="34" charset="-122"/>
+              </a:rPr>
+              <a:t>:</a:t>
+            </a:r>
+            <a:r>
+              <a:rPr lang="en-US" altLang="zh-CN" sz="2400" dirty="0" smtClean="0">
+                <a:solidFill>
+                  <a:schemeClr val="tx1">
+                    <a:lumMod val="75000"/>
+                    <a:lumOff val="25000"/>
+                  </a:schemeClr>
+                </a:solidFill>
+                <a:latin typeface="微软雅黑" pitchFamily="34" charset="-122"/>
+                <a:ea typeface="微软雅黑" pitchFamily="34" charset="-122"/>
+                <a:sym typeface="Wingdings" pitchFamily="2" charset="2"/>
+              </a:rPr>
+              <a:t>(</a:t>
+            </a:r>
+            <a:r>
+              <a:rPr lang="zh-CN" altLang="en-US" sz="2400" dirty="0" smtClean="0">
+                <a:solidFill>
+                  <a:schemeClr val="tx1">
+                    <a:lumMod val="75000"/>
+                    <a:lumOff val="25000"/>
+                  </a:schemeClr>
+                </a:solidFill>
+                <a:latin typeface="微软雅黑" pitchFamily="34" charset="-122"/>
+                <a:ea typeface="微软雅黑" pitchFamily="34" charset="-122"/>
+              </a:rPr>
+              <a:t>正片叠底</a:t>
+            </a:r>
+            <a:r>
+              <a:rPr lang="en-US" altLang="zh-CN" sz="2400" dirty="0" smtClean="0">
+                <a:solidFill>
+                  <a:schemeClr val="tx1">
+                    <a:lumMod val="75000"/>
+                    <a:lumOff val="25000"/>
+                  </a:schemeClr>
+                </a:solidFill>
+                <a:latin typeface="微软雅黑" pitchFamily="34" charset="-122"/>
+                <a:ea typeface="微软雅黑" pitchFamily="34" charset="-122"/>
+              </a:rPr>
+              <a:t>)C=</a:t>
+            </a:r>
+            <a:r>
+              <a:rPr lang="zh-CN" altLang="en-US" sz="2400" dirty="0" smtClean="0">
+                <a:solidFill>
+                  <a:schemeClr val="tx1">
+                    <a:lumMod val="75000"/>
+                    <a:lumOff val="25000"/>
+                  </a:schemeClr>
+                </a:solidFill>
+                <a:latin typeface="微软雅黑" pitchFamily="34" charset="-122"/>
+                <a:ea typeface="微软雅黑" pitchFamily="34" charset="-122"/>
+              </a:rPr>
+              <a:t>（</a:t>
+            </a:r>
+            <a:r>
+              <a:rPr lang="en-US" altLang="zh-CN" sz="2400" dirty="0" smtClean="0">
+                <a:solidFill>
+                  <a:schemeClr val="tx1">
+                    <a:lumMod val="75000"/>
+                    <a:lumOff val="25000"/>
+                  </a:schemeClr>
+                </a:solidFill>
+                <a:latin typeface="微软雅黑" pitchFamily="34" charset="-122"/>
+                <a:ea typeface="微软雅黑" pitchFamily="34" charset="-122"/>
+              </a:rPr>
+              <a:t>A*B</a:t>
+            </a:r>
+            <a:r>
+              <a:rPr lang="zh-CN" altLang="en-US" sz="2400" dirty="0" smtClean="0">
+                <a:solidFill>
+                  <a:schemeClr val="tx1">
+                    <a:lumMod val="75000"/>
+                    <a:lumOff val="25000"/>
+                  </a:schemeClr>
+                </a:solidFill>
+                <a:latin typeface="微软雅黑" pitchFamily="34" charset="-122"/>
+                <a:ea typeface="微软雅黑" pitchFamily="34" charset="-122"/>
+              </a:rPr>
+              <a:t>）</a:t>
+            </a:r>
+            <a:r>
+              <a:rPr lang="en-US" altLang="zh-CN" sz="2400" dirty="0" smtClean="0">
+                <a:solidFill>
+                  <a:schemeClr val="tx1">
+                    <a:lumMod val="75000"/>
+                    <a:lumOff val="25000"/>
+                  </a:schemeClr>
+                </a:solidFill>
+                <a:latin typeface="微软雅黑" pitchFamily="34" charset="-122"/>
+                <a:ea typeface="微软雅黑" pitchFamily="34" charset="-122"/>
+              </a:rPr>
+              <a:t>/255,</a:t>
+            </a:r>
+            <a:r>
+              <a:rPr lang="zh-CN" altLang="en-US" sz="2400" dirty="0">
+                <a:solidFill>
+                  <a:schemeClr val="tx1">
+                    <a:lumMod val="75000"/>
+                    <a:lumOff val="25000"/>
+                  </a:schemeClr>
+                </a:solidFill>
+                <a:latin typeface="微软雅黑" pitchFamily="34" charset="-122"/>
+                <a:ea typeface="微软雅黑" pitchFamily="34" charset="-122"/>
+              </a:rPr>
+              <a:t> </a:t>
+            </a:r>
+            <a:r>
+              <a:rPr lang="zh-CN" altLang="en-US" sz="2400" dirty="0" smtClean="0">
+                <a:solidFill>
+                  <a:schemeClr val="tx1">
+                    <a:lumMod val="75000"/>
+                    <a:lumOff val="25000"/>
+                  </a:schemeClr>
+                </a:solidFill>
+                <a:latin typeface="微软雅黑" pitchFamily="34" charset="-122"/>
+                <a:ea typeface="微软雅黑" pitchFamily="34" charset="-122"/>
+              </a:rPr>
+              <a:t> 颜色相乘后输出，结果比两张图都暗，相当于两幻灯片</a:t>
+            </a:r>
+            <a:r>
+              <a:rPr lang="zh-CN" altLang="en-US" sz="2400" b="1" dirty="0">
+                <a:solidFill>
+                  <a:schemeClr val="tx1">
+                    <a:lumMod val="75000"/>
+                    <a:lumOff val="25000"/>
+                  </a:schemeClr>
+                </a:solidFill>
+                <a:latin typeface="微软雅黑" pitchFamily="34" charset="-122"/>
+                <a:ea typeface="微软雅黑" pitchFamily="34" charset="-122"/>
+              </a:rPr>
+              <a:t>重</a:t>
+            </a:r>
+            <a:r>
+              <a:rPr lang="zh-CN" altLang="en-US" sz="2400" b="1" dirty="0" smtClean="0">
+                <a:solidFill>
+                  <a:schemeClr val="tx1">
+                    <a:lumMod val="75000"/>
+                    <a:lumOff val="25000"/>
+                  </a:schemeClr>
+                </a:solidFill>
+                <a:latin typeface="微软雅黑" pitchFamily="34" charset="-122"/>
+                <a:ea typeface="微软雅黑" pitchFamily="34" charset="-122"/>
+              </a:rPr>
+              <a:t>叠</a:t>
+            </a:r>
+            <a:r>
+              <a:rPr lang="zh-CN" altLang="en-US" sz="2400" dirty="0" smtClean="0">
+                <a:solidFill>
+                  <a:schemeClr val="tx1">
+                    <a:lumMod val="75000"/>
+                    <a:lumOff val="25000"/>
+                  </a:schemeClr>
+                </a:solidFill>
+                <a:latin typeface="微软雅黑" pitchFamily="34" charset="-122"/>
+                <a:ea typeface="微软雅黑" pitchFamily="34" charset="-122"/>
+              </a:rPr>
+              <a:t>，一个投影机照射后的投影结果</a:t>
+            </a:r>
+            <a:endParaRPr lang="en-US" altLang="zh-CN" sz="2400" dirty="0" smtClean="0">
+              <a:solidFill>
+                <a:schemeClr val="tx1">
+                  <a:lumMod val="75000"/>
+                  <a:lumOff val="25000"/>
+                </a:schemeClr>
+              </a:solidFill>
+              <a:latin typeface="微软雅黑" pitchFamily="34" charset="-122"/>
+              <a:ea typeface="微软雅黑" pitchFamily="34" charset="-122"/>
+            </a:endParaRPr>
+          </a:p>
+          <a:p>
+            <a:pPr>
+              <a:lnSpc>
+                <a:spcPct val="150000"/>
+              </a:lnSpc>
+            </a:pPr>
+            <a:r>
+              <a:rPr lang="en-US" altLang="zh-CN" sz="2400" b="1" dirty="0" smtClean="0">
+                <a:solidFill>
+                  <a:schemeClr val="tx1">
+                    <a:lumMod val="75000"/>
+                    <a:lumOff val="25000"/>
+                  </a:schemeClr>
+                </a:solidFill>
+                <a:latin typeface="微软雅黑" pitchFamily="34" charset="-122"/>
+                <a:ea typeface="微软雅黑" pitchFamily="34" charset="-122"/>
+              </a:rPr>
+              <a:t>screen</a:t>
+            </a:r>
+            <a:r>
+              <a:rPr lang="en-US" altLang="zh-CN" sz="2400" dirty="0" smtClean="0">
+                <a:solidFill>
+                  <a:schemeClr val="tx1">
+                    <a:lumMod val="75000"/>
+                    <a:lumOff val="25000"/>
+                  </a:schemeClr>
+                </a:solidFill>
+                <a:latin typeface="微软雅黑" pitchFamily="34" charset="-122"/>
+                <a:ea typeface="微软雅黑" pitchFamily="34" charset="-122"/>
+              </a:rPr>
+              <a:t>: </a:t>
+            </a:r>
+            <a:r>
+              <a:rPr lang="zh-CN" altLang="en-US" sz="2400" dirty="0" smtClean="0">
+                <a:solidFill>
+                  <a:schemeClr val="tx1">
+                    <a:lumMod val="75000"/>
+                    <a:lumOff val="25000"/>
+                  </a:schemeClr>
+                </a:solidFill>
+                <a:latin typeface="微软雅黑" pitchFamily="34" charset="-122"/>
+                <a:ea typeface="微软雅黑" pitchFamily="34" charset="-122"/>
+              </a:rPr>
+              <a:t>（滤色）</a:t>
+            </a:r>
+            <a:r>
+              <a:rPr lang="en-US" altLang="zh-CN" sz="2400" dirty="0" smtClean="0">
+                <a:solidFill>
+                  <a:schemeClr val="tx1">
+                    <a:lumMod val="75000"/>
+                    <a:lumOff val="25000"/>
+                  </a:schemeClr>
+                </a:solidFill>
+                <a:latin typeface="微软雅黑" pitchFamily="34" charset="-122"/>
+                <a:ea typeface="微软雅黑" pitchFamily="34" charset="-122"/>
+              </a:rPr>
+              <a:t>C=255-</a:t>
+            </a:r>
+            <a:r>
+              <a:rPr lang="zh-CN" altLang="en-US" sz="2400" dirty="0" smtClean="0">
+                <a:solidFill>
+                  <a:schemeClr val="tx1">
+                    <a:lumMod val="75000"/>
+                    <a:lumOff val="25000"/>
+                  </a:schemeClr>
+                </a:solidFill>
+                <a:latin typeface="微软雅黑" pitchFamily="34" charset="-122"/>
+                <a:ea typeface="微软雅黑" pitchFamily="34" charset="-122"/>
+              </a:rPr>
+              <a:t>（</a:t>
+            </a:r>
+            <a:r>
+              <a:rPr lang="en-US" altLang="zh-CN" sz="2400" dirty="0" smtClean="0">
+                <a:solidFill>
+                  <a:schemeClr val="tx1">
+                    <a:lumMod val="75000"/>
+                    <a:lumOff val="25000"/>
+                  </a:schemeClr>
+                </a:solidFill>
+                <a:latin typeface="微软雅黑" pitchFamily="34" charset="-122"/>
+                <a:ea typeface="微软雅黑" pitchFamily="34" charset="-122"/>
+              </a:rPr>
+              <a:t>255-A</a:t>
+            </a:r>
+            <a:r>
+              <a:rPr lang="zh-CN" altLang="en-US" sz="2400" dirty="0" smtClean="0">
+                <a:solidFill>
+                  <a:schemeClr val="tx1">
+                    <a:lumMod val="75000"/>
+                    <a:lumOff val="25000"/>
+                  </a:schemeClr>
+                </a:solidFill>
+                <a:latin typeface="微软雅黑" pitchFamily="34" charset="-122"/>
+                <a:ea typeface="微软雅黑" pitchFamily="34" charset="-122"/>
+              </a:rPr>
+              <a:t>）*（</a:t>
+            </a:r>
+            <a:r>
+              <a:rPr lang="en-US" altLang="zh-CN" sz="2400" dirty="0" smtClean="0">
+                <a:solidFill>
+                  <a:schemeClr val="tx1">
+                    <a:lumMod val="75000"/>
+                    <a:lumOff val="25000"/>
+                  </a:schemeClr>
+                </a:solidFill>
+                <a:latin typeface="微软雅黑" pitchFamily="34" charset="-122"/>
+                <a:ea typeface="微软雅黑" pitchFamily="34" charset="-122"/>
+              </a:rPr>
+              <a:t>255-B</a:t>
+            </a:r>
+            <a:r>
+              <a:rPr lang="zh-CN" altLang="en-US" sz="2400" dirty="0" smtClean="0">
+                <a:solidFill>
+                  <a:schemeClr val="tx1">
+                    <a:lumMod val="75000"/>
+                    <a:lumOff val="25000"/>
+                  </a:schemeClr>
+                </a:solidFill>
+                <a:latin typeface="微软雅黑" pitchFamily="34" charset="-122"/>
+                <a:ea typeface="微软雅黑" pitchFamily="34" charset="-122"/>
+              </a:rPr>
+              <a:t>）</a:t>
+            </a:r>
+            <a:r>
+              <a:rPr lang="en-US" altLang="zh-CN" sz="2400" dirty="0" smtClean="0">
+                <a:solidFill>
+                  <a:schemeClr val="tx1">
+                    <a:lumMod val="75000"/>
+                    <a:lumOff val="25000"/>
+                  </a:schemeClr>
+                </a:solidFill>
+                <a:latin typeface="微软雅黑" pitchFamily="34" charset="-122"/>
+                <a:ea typeface="微软雅黑" pitchFamily="34" charset="-122"/>
+              </a:rPr>
+              <a:t>/255</a:t>
+            </a:r>
+          </a:p>
+          <a:p>
+            <a:pPr>
+              <a:lnSpc>
+                <a:spcPct val="150000"/>
+              </a:lnSpc>
+            </a:pPr>
+            <a:r>
+              <a:rPr lang="zh-CN" altLang="en-US" sz="2400" dirty="0" smtClean="0">
+                <a:solidFill>
+                  <a:schemeClr val="tx1">
+                    <a:lumMod val="75000"/>
+                    <a:lumOff val="25000"/>
+                  </a:schemeClr>
+                </a:solidFill>
+                <a:latin typeface="微软雅黑" pitchFamily="34" charset="-122"/>
+                <a:ea typeface="微软雅黑" pitchFamily="34" charset="-122"/>
+              </a:rPr>
+              <a:t>将上下图像颜色反相，然后相乘，然后再反相，结果比两张图都亮，相当于，两个投影机，各自投影一张幻灯片到同一个屏幕上</a:t>
+            </a:r>
+            <a:r>
+              <a:rPr lang="en-US" altLang="zh-CN" sz="2400" dirty="0" smtClean="0">
+                <a:solidFill>
+                  <a:schemeClr val="tx1">
+                    <a:lumMod val="75000"/>
+                    <a:lumOff val="25000"/>
+                  </a:schemeClr>
+                </a:solidFill>
+                <a:latin typeface="微软雅黑" pitchFamily="34" charset="-122"/>
+                <a:ea typeface="微软雅黑" pitchFamily="34" charset="-122"/>
+              </a:rPr>
+              <a:t>.</a:t>
+            </a:r>
+            <a:endParaRPr lang="en-US" altLang="zh-CN" sz="2400" dirty="0">
+              <a:solidFill>
+                <a:schemeClr val="tx1">
+                  <a:lumMod val="75000"/>
+                  <a:lumOff val="25000"/>
+                </a:schemeClr>
+              </a:solidFill>
+              <a:latin typeface="微软雅黑" pitchFamily="34" charset="-122"/>
+              <a:ea typeface="微软雅黑" pitchFamily="34" charset="-122"/>
+            </a:endParaRPr>
+          </a:p>
+        </p:txBody>
+      </p:sp>
+      <p:pic>
+        <p:nvPicPr>
+          <p:cNvPr id="3" name="图片 2" descr="屏幕剪辑"/>
+          <p:cNvPicPr>
+            <a:picLocks noChangeAspect="1"/>
+          </p:cNvPicPr>
+          <p:nvPr/>
+        </p:nvPicPr>
+        <p:blipFill>
+          <a:blip r:embed="rId2">
+            <a:extLst>
+              <a:ext uri="{28A0092B-C50C-407E-A947-70E740481C1C}">
+                <a14:useLocalDpi xmlns:a14="http://schemas.microsoft.com/office/drawing/2010/main" val="0"/>
+              </a:ext>
+            </a:extLst>
+          </a:blip>
+          <a:stretch>
+            <a:fillRect/>
+          </a:stretch>
+        </p:blipFill>
+        <p:spPr>
+          <a:xfrm>
+            <a:off x="1835696" y="4158958"/>
+            <a:ext cx="4320000" cy="1966720"/>
+          </a:xfrm>
+          <a:prstGeom prst="rect">
+            <a:avLst/>
+          </a:prstGeom>
+        </p:spPr>
+      </p:pic>
+      <p:sp>
+        <p:nvSpPr>
+          <p:cNvPr id="4" name="圆角矩形标注 3"/>
+          <p:cNvSpPr/>
+          <p:nvPr/>
+        </p:nvSpPr>
+        <p:spPr>
+          <a:xfrm>
+            <a:off x="1845220" y="6237312"/>
+            <a:ext cx="1862684" cy="432000"/>
+          </a:xfrm>
+          <a:prstGeom prst="wedgeRoundRectCallout">
+            <a:avLst>
+              <a:gd name="adj1" fmla="val -28987"/>
+              <a:gd name="adj2" fmla="val -83833"/>
+              <a:gd name="adj3" fmla="val 16667"/>
+            </a:avLst>
+          </a:prstGeom>
+        </p:spPr>
+        <p:style>
+          <a:lnRef idx="2">
+            <a:schemeClr val="accent5"/>
+          </a:lnRef>
+          <a:fillRef idx="1">
+            <a:schemeClr val="lt1"/>
+          </a:fillRef>
+          <a:effectRef idx="0">
+            <a:schemeClr val="accent5"/>
+          </a:effectRef>
+          <a:fontRef idx="minor">
+            <a:schemeClr val="dk1"/>
+          </a:fontRef>
+        </p:style>
+        <p:txBody>
+          <a:bodyPr rtlCol="0" anchor="ctr"/>
+          <a:lstStyle/>
+          <a:p>
+            <a:pPr>
+              <a:lnSpc>
+                <a:spcPct val="150000"/>
+              </a:lnSpc>
+            </a:pPr>
+            <a:r>
+              <a:rPr lang="en-US" altLang="zh-CN" sz="2000" dirty="0">
+                <a:solidFill>
+                  <a:schemeClr val="tx1">
+                    <a:lumMod val="75000"/>
+                    <a:lumOff val="25000"/>
+                  </a:schemeClr>
+                </a:solidFill>
+                <a:latin typeface="微软雅黑" pitchFamily="34" charset="-122"/>
+                <a:ea typeface="微软雅黑" pitchFamily="34" charset="-122"/>
+              </a:rPr>
+              <a:t>m</a:t>
+            </a:r>
+            <a:r>
+              <a:rPr lang="en-US" altLang="zh-CN" sz="2000" dirty="0" smtClean="0">
+                <a:solidFill>
+                  <a:schemeClr val="tx1">
+                    <a:lumMod val="75000"/>
+                    <a:lumOff val="25000"/>
+                  </a:schemeClr>
+                </a:solidFill>
+                <a:latin typeface="微软雅黑" pitchFamily="34" charset="-122"/>
+                <a:ea typeface="微软雅黑" pitchFamily="34" charset="-122"/>
+              </a:rPr>
+              <a:t>ultiply:</a:t>
+            </a:r>
+            <a:r>
+              <a:rPr lang="zh-CN" altLang="en-US" sz="2000" dirty="0" smtClean="0">
+                <a:solidFill>
+                  <a:schemeClr val="tx1">
+                    <a:lumMod val="75000"/>
+                    <a:lumOff val="25000"/>
+                  </a:schemeClr>
+                </a:solidFill>
+                <a:latin typeface="微软雅黑" pitchFamily="34" charset="-122"/>
+                <a:ea typeface="微软雅黑" pitchFamily="34" charset="-122"/>
+              </a:rPr>
+              <a:t>变暗</a:t>
+            </a:r>
+            <a:endParaRPr lang="en-US" altLang="zh-CN" sz="2000" dirty="0">
+              <a:solidFill>
+                <a:schemeClr val="tx1">
+                  <a:lumMod val="75000"/>
+                  <a:lumOff val="25000"/>
+                </a:schemeClr>
+              </a:solidFill>
+              <a:latin typeface="微软雅黑" pitchFamily="34" charset="-122"/>
+              <a:ea typeface="微软雅黑" pitchFamily="34" charset="-122"/>
+            </a:endParaRPr>
+          </a:p>
+        </p:txBody>
+      </p:sp>
+      <p:sp>
+        <p:nvSpPr>
+          <p:cNvPr id="5" name="圆角矩形标注 4"/>
+          <p:cNvSpPr/>
+          <p:nvPr/>
+        </p:nvSpPr>
+        <p:spPr>
+          <a:xfrm>
+            <a:off x="4566033" y="6237312"/>
+            <a:ext cx="1862684" cy="432000"/>
+          </a:xfrm>
+          <a:prstGeom prst="wedgeRoundRectCallout">
+            <a:avLst>
+              <a:gd name="adj1" fmla="val -28987"/>
+              <a:gd name="adj2" fmla="val -83833"/>
+              <a:gd name="adj3" fmla="val 16667"/>
+            </a:avLst>
+          </a:prstGeom>
+        </p:spPr>
+        <p:style>
+          <a:lnRef idx="2">
+            <a:schemeClr val="accent5"/>
+          </a:lnRef>
+          <a:fillRef idx="1">
+            <a:schemeClr val="lt1"/>
+          </a:fillRef>
+          <a:effectRef idx="0">
+            <a:schemeClr val="accent5"/>
+          </a:effectRef>
+          <a:fontRef idx="minor">
+            <a:schemeClr val="dk1"/>
+          </a:fontRef>
+        </p:style>
+        <p:txBody>
+          <a:bodyPr rtlCol="0" anchor="ctr"/>
+          <a:lstStyle/>
+          <a:p>
+            <a:pPr>
+              <a:lnSpc>
+                <a:spcPct val="150000"/>
+              </a:lnSpc>
+            </a:pPr>
+            <a:r>
+              <a:rPr lang="en-US" altLang="zh-CN" sz="2000" dirty="0" smtClean="0">
+                <a:solidFill>
+                  <a:schemeClr val="tx1">
+                    <a:lumMod val="75000"/>
+                    <a:lumOff val="25000"/>
+                  </a:schemeClr>
+                </a:solidFill>
+                <a:latin typeface="微软雅黑" pitchFamily="34" charset="-122"/>
+                <a:ea typeface="微软雅黑" pitchFamily="34" charset="-122"/>
+              </a:rPr>
+              <a:t>screen:</a:t>
+            </a:r>
+            <a:r>
+              <a:rPr lang="zh-CN" altLang="en-US" sz="2000" dirty="0" smtClean="0">
+                <a:solidFill>
+                  <a:schemeClr val="tx1">
+                    <a:lumMod val="75000"/>
+                    <a:lumOff val="25000"/>
+                  </a:schemeClr>
+                </a:solidFill>
+                <a:latin typeface="微软雅黑" pitchFamily="34" charset="-122"/>
+                <a:ea typeface="微软雅黑" pitchFamily="34" charset="-122"/>
+              </a:rPr>
+              <a:t>变</a:t>
+            </a:r>
+            <a:r>
+              <a:rPr lang="zh-CN" altLang="en-US" sz="2000" dirty="0">
+                <a:solidFill>
+                  <a:schemeClr val="tx1">
+                    <a:lumMod val="75000"/>
+                    <a:lumOff val="25000"/>
+                  </a:schemeClr>
+                </a:solidFill>
+                <a:latin typeface="微软雅黑" pitchFamily="34" charset="-122"/>
+                <a:ea typeface="微软雅黑" pitchFamily="34" charset="-122"/>
+              </a:rPr>
+              <a:t>亮</a:t>
+            </a:r>
+            <a:endParaRPr lang="en-US" altLang="zh-CN" sz="2000" dirty="0">
+              <a:solidFill>
+                <a:schemeClr val="tx1">
+                  <a:lumMod val="75000"/>
+                  <a:lumOff val="25000"/>
+                </a:schemeClr>
+              </a:solidFill>
+              <a:latin typeface="微软雅黑" pitchFamily="34" charset="-122"/>
+              <a:ea typeface="微软雅黑" pitchFamily="34" charset="-122"/>
+            </a:endParaRPr>
+          </a:p>
+        </p:txBody>
+      </p:sp>
+      <p:sp>
+        <p:nvSpPr>
+          <p:cNvPr id="6" name="圆角矩形标注 5"/>
+          <p:cNvSpPr/>
+          <p:nvPr/>
+        </p:nvSpPr>
+        <p:spPr>
+          <a:xfrm>
+            <a:off x="6352425" y="4701574"/>
+            <a:ext cx="1862684" cy="815658"/>
+          </a:xfrm>
+          <a:prstGeom prst="wedgeRoundRectCallout">
+            <a:avLst>
+              <a:gd name="adj1" fmla="val -56176"/>
+              <a:gd name="adj2" fmla="val -8936"/>
+              <a:gd name="adj3" fmla="val 16667"/>
+            </a:avLst>
+          </a:prstGeom>
+        </p:spPr>
+        <p:style>
+          <a:lnRef idx="2">
+            <a:schemeClr val="accent5"/>
+          </a:lnRef>
+          <a:fillRef idx="1">
+            <a:schemeClr val="lt1"/>
+          </a:fillRef>
+          <a:effectRef idx="0">
+            <a:schemeClr val="accent5"/>
+          </a:effectRef>
+          <a:fontRef idx="minor">
+            <a:schemeClr val="dk1"/>
+          </a:fontRef>
+        </p:style>
+        <p:txBody>
+          <a:bodyPr rtlCol="0" anchor="ctr"/>
+          <a:lstStyle/>
+          <a:p>
+            <a:pPr>
+              <a:lnSpc>
+                <a:spcPct val="150000"/>
+              </a:lnSpc>
+            </a:pPr>
+            <a:r>
+              <a:rPr lang="en-US" altLang="zh-CN" sz="2000" dirty="0" smtClean="0">
+                <a:solidFill>
+                  <a:schemeClr val="tx1">
+                    <a:lumMod val="75000"/>
+                    <a:lumOff val="25000"/>
+                  </a:schemeClr>
+                </a:solidFill>
+                <a:latin typeface="微软雅黑" pitchFamily="34" charset="-122"/>
+                <a:ea typeface="微软雅黑" pitchFamily="34" charset="-122"/>
+              </a:rPr>
+              <a:t>2</a:t>
+            </a:r>
+            <a:r>
+              <a:rPr lang="zh-CN" altLang="en-US" sz="2000" dirty="0" smtClean="0">
+                <a:solidFill>
+                  <a:schemeClr val="tx1">
+                    <a:lumMod val="75000"/>
+                    <a:lumOff val="25000"/>
+                  </a:schemeClr>
+                </a:solidFill>
+                <a:latin typeface="微软雅黑" pitchFamily="34" charset="-122"/>
+                <a:ea typeface="微软雅黑" pitchFamily="34" charset="-122"/>
+              </a:rPr>
+              <a:t>个图像是叠加，不是替代</a:t>
+            </a:r>
+            <a:endParaRPr lang="en-US" altLang="zh-CN" sz="2000" dirty="0">
+              <a:solidFill>
+                <a:schemeClr val="tx1">
+                  <a:lumMod val="75000"/>
+                  <a:lumOff val="25000"/>
+                </a:schemeClr>
+              </a:solidFill>
+              <a:latin typeface="微软雅黑" pitchFamily="34" charset="-122"/>
+              <a:ea typeface="微软雅黑" pitchFamily="34" charset="-122"/>
+            </a:endParaRPr>
+          </a:p>
+        </p:txBody>
+      </p:sp>
+    </p:spTree>
+    <p:extLst>
+      <p:ext uri="{BB962C8B-B14F-4D97-AF65-F5344CB8AC3E}">
+        <p14:creationId xmlns:p14="http://schemas.microsoft.com/office/powerpoint/2010/main" val="2466376376"/>
+      </p:ext>
+    </p:extLst>
+  </p:cSld>
+  <p:clrMapOvr>
+    <a:masterClrMapping/>
+  </p:clrMapOvr>
+</p:sld>
+</file>
+
+<file path=ppt/slides/slide11.xml><?xml version="1.0" encoding="utf-8"?>
+<p:sld xmlns:a="http://schemas.openxmlformats.org/drawingml/2006/main" xmlns:r="http://schemas.openxmlformats.org/officeDocument/2006/relationships" xmlns:p="http://schemas.openxmlformats.org/presentationml/2006/main">
+  <p:cSld>
+    <p:spTree>
+      <p:nvGrpSpPr>
+        <p:cNvPr id="1" name=""/>
+        <p:cNvGrpSpPr/>
+        <p:nvPr/>
+      </p:nvGrpSpPr>
+      <p:grpSpPr>
+        <a:xfrm>
+          <a:off x="0" y="0"/>
+          <a:ext cx="0" cy="0"/>
+          <a:chOff x="0" y="0"/>
+          <a:chExt cx="0" cy="0"/>
+        </a:xfrm>
+      </p:grpSpPr>
+      <p:sp>
+        <p:nvSpPr>
+          <p:cNvPr id="2" name="TextBox 1"/>
+          <p:cNvSpPr txBox="1"/>
+          <p:nvPr/>
+        </p:nvSpPr>
+        <p:spPr>
+          <a:xfrm>
+            <a:off x="684000" y="188640"/>
+            <a:ext cx="7776000" cy="4524315"/>
+          </a:xfrm>
+          <a:prstGeom prst="rect">
+            <a:avLst/>
+          </a:prstGeom>
+          <a:noFill/>
+        </p:spPr>
+        <p:txBody>
+          <a:bodyPr wrap="square" rtlCol="0">
+            <a:spAutoFit/>
+          </a:bodyPr>
+          <a:lstStyle/>
+          <a:p>
+            <a:pPr>
+              <a:lnSpc>
+                <a:spcPct val="150000"/>
+              </a:lnSpc>
+            </a:pPr>
+            <a:r>
+              <a:rPr lang="en-US" altLang="zh-CN" sz="2400" b="1" dirty="0" smtClean="0">
+                <a:solidFill>
+                  <a:schemeClr val="tx1">
+                    <a:lumMod val="75000"/>
+                    <a:lumOff val="25000"/>
+                  </a:schemeClr>
+                </a:solidFill>
+                <a:latin typeface="微软雅黑" pitchFamily="34" charset="-122"/>
+                <a:ea typeface="微软雅黑" pitchFamily="34" charset="-122"/>
+              </a:rPr>
+              <a:t>color-burn</a:t>
+            </a:r>
+            <a:r>
+              <a:rPr lang="en-US" altLang="zh-CN" sz="2400" dirty="0" smtClean="0">
+                <a:solidFill>
+                  <a:schemeClr val="tx1">
+                    <a:lumMod val="75000"/>
+                    <a:lumOff val="25000"/>
+                  </a:schemeClr>
+                </a:solidFill>
+                <a:latin typeface="微软雅黑" pitchFamily="34" charset="-122"/>
+                <a:ea typeface="微软雅黑" pitchFamily="34" charset="-122"/>
+              </a:rPr>
+              <a:t>:</a:t>
+            </a:r>
+            <a:r>
+              <a:rPr lang="zh-CN" altLang="en-US" sz="2400" dirty="0" smtClean="0">
+                <a:solidFill>
+                  <a:schemeClr val="tx1">
+                    <a:lumMod val="75000"/>
+                    <a:lumOff val="25000"/>
+                  </a:schemeClr>
+                </a:solidFill>
+                <a:latin typeface="微软雅黑" pitchFamily="34" charset="-122"/>
+                <a:ea typeface="微软雅黑" pitchFamily="34" charset="-122"/>
+              </a:rPr>
+              <a:t>颜色加深</a:t>
+            </a:r>
+            <a:r>
+              <a:rPr lang="en-US" altLang="zh-CN" sz="2400" dirty="0" smtClean="0">
+                <a:solidFill>
+                  <a:schemeClr val="tx1">
+                    <a:lumMod val="75000"/>
+                    <a:lumOff val="25000"/>
+                  </a:schemeClr>
+                </a:solidFill>
+                <a:latin typeface="微软雅黑" pitchFamily="34" charset="-122"/>
+                <a:ea typeface="微软雅黑" pitchFamily="34" charset="-122"/>
+              </a:rPr>
+              <a:t>C=A-</a:t>
+            </a:r>
+            <a:r>
+              <a:rPr lang="zh-CN" altLang="en-US" sz="2400" dirty="0" smtClean="0">
+                <a:solidFill>
+                  <a:schemeClr val="tx1">
+                    <a:lumMod val="75000"/>
+                    <a:lumOff val="25000"/>
+                  </a:schemeClr>
+                </a:solidFill>
+                <a:latin typeface="微软雅黑" pitchFamily="34" charset="-122"/>
+                <a:ea typeface="微软雅黑" pitchFamily="34" charset="-122"/>
+              </a:rPr>
+              <a:t>（</a:t>
+            </a:r>
+            <a:r>
+              <a:rPr lang="en-US" altLang="zh-CN" sz="2400" dirty="0" smtClean="0">
+                <a:solidFill>
+                  <a:schemeClr val="tx1">
+                    <a:lumMod val="75000"/>
+                    <a:lumOff val="25000"/>
+                  </a:schemeClr>
+                </a:solidFill>
+                <a:latin typeface="微软雅黑" pitchFamily="34" charset="-122"/>
+                <a:ea typeface="微软雅黑" pitchFamily="34" charset="-122"/>
+              </a:rPr>
+              <a:t>255-A</a:t>
+            </a:r>
+            <a:r>
+              <a:rPr lang="zh-CN" altLang="en-US" sz="2400" dirty="0" smtClean="0">
+                <a:solidFill>
+                  <a:schemeClr val="tx1">
+                    <a:lumMod val="75000"/>
+                    <a:lumOff val="25000"/>
+                  </a:schemeClr>
+                </a:solidFill>
+                <a:latin typeface="微软雅黑" pitchFamily="34" charset="-122"/>
+                <a:ea typeface="微软雅黑" pitchFamily="34" charset="-122"/>
+              </a:rPr>
+              <a:t>）*（</a:t>
+            </a:r>
+            <a:r>
+              <a:rPr lang="en-US" altLang="zh-CN" sz="2400" dirty="0" smtClean="0">
+                <a:solidFill>
+                  <a:schemeClr val="tx1">
+                    <a:lumMod val="75000"/>
+                    <a:lumOff val="25000"/>
+                  </a:schemeClr>
+                </a:solidFill>
+                <a:latin typeface="微软雅黑" pitchFamily="34" charset="-122"/>
+                <a:ea typeface="微软雅黑" pitchFamily="34" charset="-122"/>
+              </a:rPr>
+              <a:t>255-B</a:t>
+            </a:r>
+            <a:r>
+              <a:rPr lang="zh-CN" altLang="en-US" sz="2400" dirty="0" smtClean="0">
+                <a:solidFill>
+                  <a:schemeClr val="tx1">
+                    <a:lumMod val="75000"/>
+                    <a:lumOff val="25000"/>
+                  </a:schemeClr>
+                </a:solidFill>
+                <a:latin typeface="微软雅黑" pitchFamily="34" charset="-122"/>
+                <a:ea typeface="微软雅黑" pitchFamily="34" charset="-122"/>
+              </a:rPr>
+              <a:t>）</a:t>
+            </a:r>
+            <a:r>
+              <a:rPr lang="en-US" altLang="zh-CN" sz="2400" dirty="0" smtClean="0">
+                <a:solidFill>
+                  <a:schemeClr val="tx1">
+                    <a:lumMod val="75000"/>
+                    <a:lumOff val="25000"/>
+                  </a:schemeClr>
+                </a:solidFill>
+                <a:latin typeface="微软雅黑" pitchFamily="34" charset="-122"/>
+                <a:ea typeface="微软雅黑" pitchFamily="34" charset="-122"/>
+              </a:rPr>
+              <a:t>/B</a:t>
+            </a:r>
+          </a:p>
+          <a:p>
+            <a:pPr>
+              <a:lnSpc>
+                <a:spcPct val="150000"/>
+              </a:lnSpc>
+            </a:pPr>
+            <a:r>
+              <a:rPr lang="zh-CN" altLang="en-US" sz="2400" dirty="0" smtClean="0">
+                <a:solidFill>
+                  <a:schemeClr val="tx1">
+                    <a:lumMod val="75000"/>
+                    <a:lumOff val="25000"/>
+                  </a:schemeClr>
+                </a:solidFill>
+                <a:latin typeface="微软雅黑" pitchFamily="34" charset="-122"/>
+                <a:ea typeface="微软雅黑" pitchFamily="34" charset="-122"/>
+              </a:rPr>
+              <a:t>上层亮度决定下层变暗程度，上层越暗，下层减少的亮度越多</a:t>
+            </a:r>
+            <a:r>
+              <a:rPr lang="en-US" altLang="zh-CN" sz="2400" dirty="0" smtClean="0">
+                <a:solidFill>
+                  <a:schemeClr val="tx1">
+                    <a:lumMod val="75000"/>
+                    <a:lumOff val="25000"/>
+                  </a:schemeClr>
+                </a:solidFill>
+                <a:latin typeface="微软雅黑" pitchFamily="34" charset="-122"/>
+                <a:ea typeface="微软雅黑" pitchFamily="34" charset="-122"/>
+              </a:rPr>
+              <a:t>,</a:t>
+            </a:r>
+            <a:r>
+              <a:rPr lang="zh-CN" altLang="en-US" sz="2400" dirty="0" smtClean="0">
+                <a:solidFill>
+                  <a:schemeClr val="tx1">
+                    <a:lumMod val="75000"/>
+                    <a:lumOff val="25000"/>
+                  </a:schemeClr>
+                </a:solidFill>
+                <a:latin typeface="微软雅黑" pitchFamily="34" charset="-122"/>
+                <a:ea typeface="微软雅黑" pitchFamily="34" charset="-122"/>
+              </a:rPr>
+              <a:t>上层为白色</a:t>
+            </a:r>
+            <a:r>
+              <a:rPr lang="en-US" altLang="zh-CN" sz="2400" dirty="0" smtClean="0">
+                <a:solidFill>
+                  <a:schemeClr val="tx1">
+                    <a:lumMod val="75000"/>
+                    <a:lumOff val="25000"/>
+                  </a:schemeClr>
+                </a:solidFill>
+                <a:latin typeface="微软雅黑" pitchFamily="34" charset="-122"/>
+                <a:ea typeface="微软雅黑" pitchFamily="34" charset="-122"/>
+              </a:rPr>
+              <a:t>/</a:t>
+            </a:r>
+            <a:r>
+              <a:rPr lang="zh-CN" altLang="en-US" sz="2400" dirty="0" smtClean="0">
+                <a:solidFill>
+                  <a:schemeClr val="tx1">
+                    <a:lumMod val="75000"/>
+                    <a:lumOff val="25000"/>
+                  </a:schemeClr>
+                </a:solidFill>
+                <a:latin typeface="微软雅黑" pitchFamily="34" charset="-122"/>
+                <a:ea typeface="微软雅黑" pitchFamily="34" charset="-122"/>
+              </a:rPr>
+              <a:t>黑色，下层不受影响</a:t>
+            </a:r>
+            <a:r>
+              <a:rPr lang="en-US" altLang="zh-CN" sz="2400" dirty="0" smtClean="0">
+                <a:solidFill>
+                  <a:schemeClr val="tx1">
+                    <a:lumMod val="75000"/>
+                    <a:lumOff val="25000"/>
+                  </a:schemeClr>
+                </a:solidFill>
+                <a:latin typeface="微软雅黑" pitchFamily="34" charset="-122"/>
+                <a:ea typeface="微软雅黑" pitchFamily="34" charset="-122"/>
+              </a:rPr>
+              <a:t>/</a:t>
+            </a:r>
+            <a:r>
+              <a:rPr lang="zh-CN" altLang="en-US" sz="2400" dirty="0" smtClean="0">
+                <a:solidFill>
+                  <a:schemeClr val="tx1">
+                    <a:lumMod val="75000"/>
+                    <a:lumOff val="25000"/>
+                  </a:schemeClr>
+                </a:solidFill>
+                <a:latin typeface="微软雅黑" pitchFamily="34" charset="-122"/>
+                <a:ea typeface="微软雅黑" pitchFamily="34" charset="-122"/>
+              </a:rPr>
+              <a:t>大幅度变暗</a:t>
+            </a:r>
+            <a:endParaRPr lang="en-US" altLang="zh-CN" sz="2400" dirty="0" smtClean="0">
+              <a:solidFill>
+                <a:schemeClr val="tx1">
+                  <a:lumMod val="75000"/>
+                  <a:lumOff val="25000"/>
+                </a:schemeClr>
+              </a:solidFill>
+              <a:latin typeface="微软雅黑" pitchFamily="34" charset="-122"/>
+              <a:ea typeface="微软雅黑" pitchFamily="34" charset="-122"/>
+            </a:endParaRPr>
+          </a:p>
+          <a:p>
+            <a:pPr>
+              <a:lnSpc>
+                <a:spcPct val="150000"/>
+              </a:lnSpc>
+            </a:pPr>
+            <a:r>
+              <a:rPr lang="en-US" altLang="zh-CN" sz="2400" b="1" dirty="0" smtClean="0">
+                <a:solidFill>
+                  <a:schemeClr val="tx1">
+                    <a:lumMod val="75000"/>
+                    <a:lumOff val="25000"/>
+                  </a:schemeClr>
+                </a:solidFill>
+                <a:latin typeface="微软雅黑" pitchFamily="34" charset="-122"/>
+                <a:ea typeface="微软雅黑" pitchFamily="34" charset="-122"/>
+              </a:rPr>
+              <a:t>color-dodge</a:t>
+            </a:r>
+            <a:r>
+              <a:rPr lang="en-US" altLang="zh-CN" sz="2400" dirty="0" smtClean="0">
+                <a:solidFill>
+                  <a:schemeClr val="tx1">
+                    <a:lumMod val="75000"/>
+                    <a:lumOff val="25000"/>
+                  </a:schemeClr>
+                </a:solidFill>
+                <a:latin typeface="微软雅黑" pitchFamily="34" charset="-122"/>
+                <a:ea typeface="微软雅黑" pitchFamily="34" charset="-122"/>
+              </a:rPr>
+              <a:t>: </a:t>
+            </a:r>
+            <a:r>
+              <a:rPr lang="zh-CN" altLang="en-US" sz="2400" dirty="0" smtClean="0">
+                <a:solidFill>
+                  <a:schemeClr val="tx1">
+                    <a:lumMod val="75000"/>
+                    <a:lumOff val="25000"/>
+                  </a:schemeClr>
+                </a:solidFill>
+                <a:latin typeface="微软雅黑" pitchFamily="34" charset="-122"/>
+                <a:ea typeface="微软雅黑" pitchFamily="34" charset="-122"/>
+              </a:rPr>
+              <a:t>颜色减淡，</a:t>
+            </a:r>
+            <a:r>
+              <a:rPr lang="en-US" altLang="zh-CN" sz="2400" dirty="0" smtClean="0">
+                <a:solidFill>
+                  <a:schemeClr val="tx1">
+                    <a:lumMod val="75000"/>
+                    <a:lumOff val="25000"/>
+                  </a:schemeClr>
+                </a:solidFill>
+                <a:latin typeface="微软雅黑" pitchFamily="34" charset="-122"/>
+                <a:ea typeface="微软雅黑" pitchFamily="34" charset="-122"/>
+              </a:rPr>
+              <a:t>C=A +(A</a:t>
+            </a:r>
+            <a:r>
+              <a:rPr lang="zh-CN" altLang="en-US" sz="2400" dirty="0" smtClean="0">
+                <a:solidFill>
+                  <a:schemeClr val="tx1">
+                    <a:lumMod val="75000"/>
+                    <a:lumOff val="25000"/>
+                  </a:schemeClr>
+                </a:solidFill>
+                <a:latin typeface="微软雅黑" pitchFamily="34" charset="-122"/>
+                <a:ea typeface="微软雅黑" pitchFamily="34" charset="-122"/>
+              </a:rPr>
+              <a:t>*</a:t>
+            </a:r>
+            <a:r>
+              <a:rPr lang="en-US" altLang="zh-CN" sz="2400" dirty="0" smtClean="0">
+                <a:solidFill>
+                  <a:schemeClr val="tx1">
+                    <a:lumMod val="75000"/>
+                    <a:lumOff val="25000"/>
+                  </a:schemeClr>
+                </a:solidFill>
+                <a:latin typeface="微软雅黑" pitchFamily="34" charset="-122"/>
+                <a:ea typeface="微软雅黑" pitchFamily="34" charset="-122"/>
+              </a:rPr>
+              <a:t>B)/(255-B)</a:t>
+            </a:r>
+          </a:p>
+          <a:p>
+            <a:pPr>
+              <a:lnSpc>
+                <a:spcPct val="150000"/>
+              </a:lnSpc>
+            </a:pPr>
+            <a:r>
+              <a:rPr lang="zh-CN" altLang="en-US" sz="2400" dirty="0" smtClean="0">
+                <a:solidFill>
+                  <a:schemeClr val="tx1">
+                    <a:lumMod val="75000"/>
+                    <a:lumOff val="25000"/>
+                  </a:schemeClr>
+                </a:solidFill>
+                <a:latin typeface="微软雅黑" pitchFamily="34" charset="-122"/>
+                <a:ea typeface="微软雅黑" pitchFamily="34" charset="-122"/>
+              </a:rPr>
+              <a:t>上层亮度决定了下层的暴露程度，上层越亮，下层获取的光越多越亮</a:t>
+            </a:r>
+            <a:r>
+              <a:rPr lang="en-US" altLang="zh-CN" sz="2400" dirty="0" smtClean="0">
+                <a:solidFill>
+                  <a:schemeClr val="tx1">
+                    <a:lumMod val="75000"/>
+                    <a:lumOff val="25000"/>
+                  </a:schemeClr>
+                </a:solidFill>
+                <a:latin typeface="微软雅黑" pitchFamily="34" charset="-122"/>
+                <a:ea typeface="微软雅黑" pitchFamily="34" charset="-122"/>
+              </a:rPr>
+              <a:t>.  </a:t>
+            </a:r>
+            <a:r>
+              <a:rPr lang="zh-CN" altLang="en-US" sz="2400" dirty="0" smtClean="0">
+                <a:solidFill>
+                  <a:schemeClr val="tx1">
+                    <a:lumMod val="75000"/>
+                    <a:lumOff val="25000"/>
+                  </a:schemeClr>
+                </a:solidFill>
+                <a:latin typeface="微软雅黑" pitchFamily="34" charset="-122"/>
+                <a:ea typeface="微软雅黑" pitchFamily="34" charset="-122"/>
+              </a:rPr>
+              <a:t>上层纯黑</a:t>
+            </a:r>
+            <a:r>
+              <a:rPr lang="en-US" altLang="zh-CN" sz="2400" dirty="0" smtClean="0">
+                <a:solidFill>
+                  <a:schemeClr val="tx1">
+                    <a:lumMod val="75000"/>
+                    <a:lumOff val="25000"/>
+                  </a:schemeClr>
+                </a:solidFill>
+                <a:latin typeface="微软雅黑" pitchFamily="34" charset="-122"/>
+                <a:ea typeface="微软雅黑" pitchFamily="34" charset="-122"/>
+              </a:rPr>
+              <a:t>/</a:t>
+            </a:r>
+            <a:r>
+              <a:rPr lang="zh-CN" altLang="en-US" sz="2400" dirty="0" smtClean="0">
+                <a:solidFill>
+                  <a:schemeClr val="tx1">
+                    <a:lumMod val="75000"/>
+                    <a:lumOff val="25000"/>
+                  </a:schemeClr>
+                </a:solidFill>
+                <a:latin typeface="微软雅黑" pitchFamily="34" charset="-122"/>
+                <a:ea typeface="微软雅黑" pitchFamily="34" charset="-122"/>
+              </a:rPr>
+              <a:t>纯白</a:t>
+            </a:r>
+            <a:r>
+              <a:rPr lang="en-US" altLang="zh-CN" sz="2400" dirty="0" smtClean="0">
+                <a:solidFill>
+                  <a:schemeClr val="tx1">
+                    <a:lumMod val="75000"/>
+                    <a:lumOff val="25000"/>
+                  </a:schemeClr>
+                </a:solidFill>
+                <a:latin typeface="微软雅黑" pitchFamily="34" charset="-122"/>
+                <a:ea typeface="微软雅黑" pitchFamily="34" charset="-122"/>
+              </a:rPr>
+              <a:t>,</a:t>
+            </a:r>
+            <a:r>
+              <a:rPr lang="zh-CN" altLang="en-US" sz="2400" dirty="0" smtClean="0">
+                <a:solidFill>
+                  <a:schemeClr val="tx1">
+                    <a:lumMod val="75000"/>
+                    <a:lumOff val="25000"/>
+                  </a:schemeClr>
+                </a:solidFill>
+                <a:latin typeface="微软雅黑" pitchFamily="34" charset="-122"/>
+                <a:ea typeface="微软雅黑" pitchFamily="34" charset="-122"/>
+              </a:rPr>
+              <a:t>下层不受影响</a:t>
+            </a:r>
+            <a:r>
+              <a:rPr lang="en-US" altLang="zh-CN" sz="2400" dirty="0" smtClean="0">
+                <a:solidFill>
+                  <a:schemeClr val="tx1">
+                    <a:lumMod val="75000"/>
+                    <a:lumOff val="25000"/>
+                  </a:schemeClr>
+                </a:solidFill>
+                <a:latin typeface="微软雅黑" pitchFamily="34" charset="-122"/>
+                <a:ea typeface="微软雅黑" pitchFamily="34" charset="-122"/>
+              </a:rPr>
+              <a:t>/</a:t>
+            </a:r>
+            <a:r>
+              <a:rPr lang="zh-CN" altLang="en-US" sz="2400" dirty="0" smtClean="0">
+                <a:solidFill>
+                  <a:schemeClr val="tx1">
+                    <a:lumMod val="75000"/>
+                    <a:lumOff val="25000"/>
+                  </a:schemeClr>
+                </a:solidFill>
+                <a:latin typeface="微软雅黑" pitchFamily="34" charset="-122"/>
+                <a:ea typeface="微软雅黑" pitchFamily="34" charset="-122"/>
+              </a:rPr>
+              <a:t>完全变白</a:t>
+            </a:r>
+            <a:endParaRPr lang="en-US" altLang="zh-CN" sz="2400" dirty="0" smtClean="0">
+              <a:solidFill>
+                <a:schemeClr val="tx1">
+                  <a:lumMod val="75000"/>
+                  <a:lumOff val="25000"/>
+                </a:schemeClr>
+              </a:solidFill>
+              <a:latin typeface="微软雅黑" pitchFamily="34" charset="-122"/>
+              <a:ea typeface="微软雅黑" pitchFamily="34" charset="-122"/>
+            </a:endParaRPr>
+          </a:p>
+          <a:p>
+            <a:pPr>
+              <a:lnSpc>
+                <a:spcPct val="150000"/>
+              </a:lnSpc>
+            </a:pPr>
+            <a:r>
+              <a:rPr lang="zh-CN" altLang="en-US" sz="2400" dirty="0">
+                <a:solidFill>
+                  <a:schemeClr val="tx1">
+                    <a:lumMod val="75000"/>
+                    <a:lumOff val="25000"/>
+                  </a:schemeClr>
+                </a:solidFill>
+                <a:latin typeface="微软雅黑" pitchFamily="34" charset="-122"/>
+                <a:ea typeface="微软雅黑" pitchFamily="34" charset="-122"/>
+              </a:rPr>
+              <a:t>与之相</a:t>
+            </a:r>
+            <a:r>
+              <a:rPr lang="zh-CN" altLang="en-US" sz="2400" dirty="0" smtClean="0">
+                <a:solidFill>
+                  <a:schemeClr val="tx1">
+                    <a:lumMod val="75000"/>
+                    <a:lumOff val="25000"/>
+                  </a:schemeClr>
+                </a:solidFill>
+                <a:latin typeface="微软雅黑" pitchFamily="34" charset="-122"/>
+                <a:ea typeface="微软雅黑" pitchFamily="34" charset="-122"/>
+              </a:rPr>
+              <a:t>关联的是</a:t>
+            </a:r>
+            <a:r>
+              <a:rPr lang="zh-CN" altLang="en-US" sz="2400" b="1" dirty="0" smtClean="0">
+                <a:solidFill>
+                  <a:schemeClr val="tx1">
+                    <a:lumMod val="75000"/>
+                    <a:lumOff val="25000"/>
+                  </a:schemeClr>
+                </a:solidFill>
+                <a:latin typeface="微软雅黑" pitchFamily="34" charset="-122"/>
+                <a:ea typeface="微软雅黑" pitchFamily="34" charset="-122"/>
+              </a:rPr>
+              <a:t>线性加深</a:t>
+            </a:r>
+            <a:r>
+              <a:rPr lang="zh-CN" altLang="en-US" sz="2400" dirty="0" smtClean="0">
+                <a:solidFill>
+                  <a:schemeClr val="tx1">
+                    <a:lumMod val="75000"/>
+                    <a:lumOff val="25000"/>
+                  </a:schemeClr>
+                </a:solidFill>
+                <a:latin typeface="微软雅黑" pitchFamily="34" charset="-122"/>
+                <a:ea typeface="微软雅黑" pitchFamily="34" charset="-122"/>
+              </a:rPr>
+              <a:t>和</a:t>
+            </a:r>
+            <a:r>
+              <a:rPr lang="zh-CN" altLang="en-US" sz="2400" b="1" dirty="0" smtClean="0">
+                <a:solidFill>
+                  <a:schemeClr val="tx1">
+                    <a:lumMod val="75000"/>
+                    <a:lumOff val="25000"/>
+                  </a:schemeClr>
+                </a:solidFill>
+                <a:latin typeface="微软雅黑" pitchFamily="34" charset="-122"/>
+                <a:ea typeface="微软雅黑" pitchFamily="34" charset="-122"/>
+              </a:rPr>
+              <a:t>线性减淡</a:t>
+            </a:r>
+            <a:r>
+              <a:rPr lang="en-US" altLang="zh-CN" sz="2400" b="1" dirty="0" smtClean="0">
+                <a:solidFill>
+                  <a:schemeClr val="tx1">
+                    <a:lumMod val="75000"/>
+                    <a:lumOff val="25000"/>
+                  </a:schemeClr>
+                </a:solidFill>
+                <a:latin typeface="微软雅黑" pitchFamily="34" charset="-122"/>
+                <a:ea typeface="微软雅黑" pitchFamily="34" charset="-122"/>
+              </a:rPr>
+              <a:t>(PS</a:t>
+            </a:r>
+            <a:r>
+              <a:rPr lang="zh-CN" altLang="en-US" sz="2400" b="1" dirty="0" smtClean="0">
+                <a:solidFill>
+                  <a:schemeClr val="tx1">
+                    <a:lumMod val="75000"/>
+                    <a:lumOff val="25000"/>
+                  </a:schemeClr>
+                </a:solidFill>
+                <a:latin typeface="微软雅黑" pitchFamily="34" charset="-122"/>
+                <a:ea typeface="微软雅黑" pitchFamily="34" charset="-122"/>
+              </a:rPr>
+              <a:t>中才有</a:t>
+            </a:r>
+            <a:r>
+              <a:rPr lang="en-US" altLang="zh-CN" sz="2400" b="1" dirty="0" smtClean="0">
+                <a:solidFill>
+                  <a:schemeClr val="tx1">
+                    <a:lumMod val="75000"/>
+                    <a:lumOff val="25000"/>
+                  </a:schemeClr>
+                </a:solidFill>
+                <a:latin typeface="微软雅黑" pitchFamily="34" charset="-122"/>
+                <a:ea typeface="微软雅黑" pitchFamily="34" charset="-122"/>
+              </a:rPr>
+              <a:t>)</a:t>
+            </a:r>
+            <a:r>
+              <a:rPr lang="zh-CN" altLang="en-US" sz="2400" dirty="0" smtClean="0">
+                <a:solidFill>
+                  <a:schemeClr val="tx1">
+                    <a:lumMod val="75000"/>
+                    <a:lumOff val="25000"/>
+                  </a:schemeClr>
+                </a:solidFill>
+                <a:latin typeface="微软雅黑" pitchFamily="34" charset="-122"/>
+                <a:ea typeface="微软雅黑" pitchFamily="34" charset="-122"/>
+              </a:rPr>
+              <a:t>：</a:t>
+            </a:r>
+            <a:endParaRPr lang="en-US" altLang="zh-CN" sz="2400" dirty="0" smtClean="0">
+              <a:solidFill>
+                <a:schemeClr val="tx1">
+                  <a:lumMod val="75000"/>
+                  <a:lumOff val="25000"/>
+                </a:schemeClr>
+              </a:solidFill>
+              <a:latin typeface="微软雅黑" pitchFamily="34" charset="-122"/>
+              <a:ea typeface="微软雅黑" pitchFamily="34" charset="-122"/>
+            </a:endParaRPr>
+          </a:p>
+          <a:p>
+            <a:pPr>
+              <a:lnSpc>
+                <a:spcPct val="150000"/>
+              </a:lnSpc>
+            </a:pPr>
+            <a:r>
+              <a:rPr lang="en-US" altLang="zh-CN" sz="2400" dirty="0" smtClean="0">
+                <a:solidFill>
+                  <a:schemeClr val="tx1">
+                    <a:lumMod val="75000"/>
+                    <a:lumOff val="25000"/>
+                  </a:schemeClr>
+                </a:solidFill>
+                <a:latin typeface="微软雅黑" pitchFamily="34" charset="-122"/>
+                <a:ea typeface="微软雅黑" pitchFamily="34" charset="-122"/>
+              </a:rPr>
+              <a:t>C = A+B-255	c = A+B</a:t>
+            </a:r>
+            <a:endParaRPr lang="en-US" altLang="zh-CN" sz="2400" dirty="0">
+              <a:solidFill>
+                <a:schemeClr val="tx1">
+                  <a:lumMod val="75000"/>
+                  <a:lumOff val="25000"/>
+                </a:schemeClr>
+              </a:solidFill>
+              <a:latin typeface="微软雅黑" pitchFamily="34" charset="-122"/>
+              <a:ea typeface="微软雅黑" pitchFamily="34" charset="-122"/>
+            </a:endParaRPr>
+          </a:p>
+        </p:txBody>
+      </p:sp>
+      <p:sp>
+        <p:nvSpPr>
+          <p:cNvPr id="4" name="圆角矩形标注 3"/>
+          <p:cNvSpPr/>
+          <p:nvPr/>
+        </p:nvSpPr>
+        <p:spPr>
+          <a:xfrm>
+            <a:off x="5724128" y="4869159"/>
+            <a:ext cx="1955178" cy="1440161"/>
+          </a:xfrm>
+          <a:prstGeom prst="wedgeRoundRectCallout">
+            <a:avLst>
+              <a:gd name="adj1" fmla="val -56121"/>
+              <a:gd name="adj2" fmla="val -21960"/>
+              <a:gd name="adj3" fmla="val 16667"/>
+            </a:avLst>
+          </a:prstGeom>
+        </p:spPr>
+        <p:style>
+          <a:lnRef idx="2">
+            <a:schemeClr val="accent5"/>
+          </a:lnRef>
+          <a:fillRef idx="1">
+            <a:schemeClr val="lt1"/>
+          </a:fillRef>
+          <a:effectRef idx="0">
+            <a:schemeClr val="accent5"/>
+          </a:effectRef>
+          <a:fontRef idx="minor">
+            <a:schemeClr val="dk1"/>
+          </a:fontRef>
+        </p:style>
+        <p:txBody>
+          <a:bodyPr rtlCol="0" anchor="ctr"/>
+          <a:lstStyle/>
+          <a:p>
+            <a:pPr>
+              <a:lnSpc>
+                <a:spcPct val="150000"/>
+              </a:lnSpc>
+            </a:pPr>
+            <a:r>
+              <a:rPr lang="zh-CN" altLang="en-US" sz="2000" dirty="0" smtClean="0">
+                <a:solidFill>
+                  <a:schemeClr val="tx1">
+                    <a:lumMod val="75000"/>
+                    <a:lumOff val="25000"/>
+                  </a:schemeClr>
+                </a:solidFill>
+                <a:latin typeface="微软雅黑" pitchFamily="34" charset="-122"/>
+                <a:ea typeface="微软雅黑" pitchFamily="34" charset="-122"/>
+              </a:rPr>
+              <a:t>上层白色让下层完全曝光，什么都看不到</a:t>
+            </a:r>
+            <a:endParaRPr lang="en-US" altLang="zh-CN" sz="2000" dirty="0">
+              <a:solidFill>
+                <a:schemeClr val="tx1">
+                  <a:lumMod val="75000"/>
+                  <a:lumOff val="25000"/>
+                </a:schemeClr>
+              </a:solidFill>
+              <a:latin typeface="微软雅黑" pitchFamily="34" charset="-122"/>
+              <a:ea typeface="微软雅黑" pitchFamily="34" charset="-122"/>
+            </a:endParaRPr>
+          </a:p>
+        </p:txBody>
+      </p:sp>
+      <p:pic>
+        <p:nvPicPr>
+          <p:cNvPr id="5" name="图片 4" descr="屏幕剪辑"/>
+          <p:cNvPicPr>
+            <a:picLocks noChangeAspect="1"/>
+          </p:cNvPicPr>
+          <p:nvPr/>
+        </p:nvPicPr>
+        <p:blipFill>
+          <a:blip r:embed="rId2">
+            <a:extLst>
+              <a:ext uri="{28A0092B-C50C-407E-A947-70E740481C1C}">
+                <a14:useLocalDpi xmlns:a14="http://schemas.microsoft.com/office/drawing/2010/main" val="0"/>
+              </a:ext>
+            </a:extLst>
+          </a:blip>
+          <a:stretch>
+            <a:fillRect/>
+          </a:stretch>
+        </p:blipFill>
+        <p:spPr>
+          <a:xfrm>
+            <a:off x="1403648" y="4599239"/>
+            <a:ext cx="4032359" cy="1980000"/>
+          </a:xfrm>
+          <a:prstGeom prst="rect">
+            <a:avLst/>
+          </a:prstGeom>
+        </p:spPr>
+      </p:pic>
+    </p:spTree>
+    <p:extLst>
+      <p:ext uri="{BB962C8B-B14F-4D97-AF65-F5344CB8AC3E}">
+        <p14:creationId xmlns:p14="http://schemas.microsoft.com/office/powerpoint/2010/main" val="2793963055"/>
+      </p:ext>
+    </p:extLst>
+  </p:cSld>
+  <p:clrMapOvr>
+    <a:masterClrMapping/>
+  </p:clrMapOvr>
+</p:sld>
+</file>
+
+<file path=ppt/slides/slide12.xml><?xml version="1.0" encoding="utf-8"?>
+<p:sld xmlns:a="http://schemas.openxmlformats.org/drawingml/2006/main" xmlns:r="http://schemas.openxmlformats.org/officeDocument/2006/relationships" xmlns:p="http://schemas.openxmlformats.org/presentationml/2006/main">
+  <p:cSld>
+    <p:spTree>
+      <p:nvGrpSpPr>
+        <p:cNvPr id="1" name=""/>
+        <p:cNvGrpSpPr/>
+        <p:nvPr/>
+      </p:nvGrpSpPr>
+      <p:grpSpPr>
+        <a:xfrm>
+          <a:off x="0" y="0"/>
+          <a:ext cx="0" cy="0"/>
+          <a:chOff x="0" y="0"/>
+          <a:chExt cx="0" cy="0"/>
+        </a:xfrm>
+      </p:grpSpPr>
+      <p:sp>
+        <p:nvSpPr>
+          <p:cNvPr id="2" name="TextBox 1"/>
+          <p:cNvSpPr txBox="1"/>
+          <p:nvPr/>
+        </p:nvSpPr>
+        <p:spPr>
+          <a:xfrm>
+            <a:off x="684000" y="188640"/>
+            <a:ext cx="7776000" cy="3416320"/>
+          </a:xfrm>
+          <a:prstGeom prst="rect">
+            <a:avLst/>
+          </a:prstGeom>
+          <a:noFill/>
+        </p:spPr>
+        <p:txBody>
+          <a:bodyPr wrap="square" rtlCol="0">
+            <a:spAutoFit/>
+          </a:bodyPr>
+          <a:lstStyle/>
+          <a:p>
+            <a:pPr>
+              <a:lnSpc>
+                <a:spcPct val="150000"/>
+              </a:lnSpc>
+            </a:pPr>
+            <a:r>
+              <a:rPr lang="en-US" altLang="zh-CN" sz="2400" b="1" dirty="0">
+                <a:solidFill>
+                  <a:schemeClr val="tx1">
+                    <a:lumMod val="75000"/>
+                    <a:lumOff val="25000"/>
+                  </a:schemeClr>
+                </a:solidFill>
+                <a:latin typeface="微软雅黑" pitchFamily="34" charset="-122"/>
+                <a:ea typeface="微软雅黑" pitchFamily="34" charset="-122"/>
+              </a:rPr>
+              <a:t>o</a:t>
+            </a:r>
+            <a:r>
+              <a:rPr lang="en-US" altLang="zh-CN" sz="2400" b="1" dirty="0" smtClean="0">
+                <a:solidFill>
+                  <a:schemeClr val="tx1">
+                    <a:lumMod val="75000"/>
+                    <a:lumOff val="25000"/>
+                  </a:schemeClr>
+                </a:solidFill>
+                <a:latin typeface="微软雅黑" pitchFamily="34" charset="-122"/>
+                <a:ea typeface="微软雅黑" pitchFamily="34" charset="-122"/>
+              </a:rPr>
+              <a:t>verlay: </a:t>
+            </a:r>
+            <a:r>
+              <a:rPr lang="zh-CN" altLang="en-US" sz="2400" dirty="0" smtClean="0">
+                <a:solidFill>
+                  <a:schemeClr val="tx1">
+                    <a:lumMod val="75000"/>
+                    <a:lumOff val="25000"/>
+                  </a:schemeClr>
+                </a:solidFill>
+                <a:latin typeface="微软雅黑" pitchFamily="34" charset="-122"/>
+                <a:ea typeface="微软雅黑" pitchFamily="34" charset="-122"/>
+              </a:rPr>
+              <a:t>叠加</a:t>
+            </a:r>
+            <a:r>
+              <a:rPr lang="en-US" altLang="zh-CN" sz="2400" dirty="0" smtClean="0">
+                <a:solidFill>
+                  <a:schemeClr val="tx1">
+                    <a:lumMod val="75000"/>
+                    <a:lumOff val="25000"/>
+                  </a:schemeClr>
+                </a:solidFill>
+                <a:latin typeface="微软雅黑" pitchFamily="34" charset="-122"/>
+                <a:ea typeface="微软雅黑" pitchFamily="34" charset="-122"/>
+              </a:rPr>
+              <a:t>,</a:t>
+            </a:r>
+            <a:r>
+              <a:rPr lang="zh-CN" altLang="en-US" sz="2400" dirty="0" smtClean="0">
+                <a:solidFill>
+                  <a:schemeClr val="tx1">
+                    <a:lumMod val="75000"/>
+                    <a:lumOff val="25000"/>
+                  </a:schemeClr>
+                </a:solidFill>
+                <a:latin typeface="微软雅黑" pitchFamily="34" charset="-122"/>
+                <a:ea typeface="微软雅黑" pitchFamily="34" charset="-122"/>
+              </a:rPr>
+              <a:t>根据下层颜色</a:t>
+            </a:r>
+            <a:r>
+              <a:rPr lang="en-US" altLang="zh-CN" sz="2400" dirty="0" smtClean="0">
+                <a:solidFill>
+                  <a:schemeClr val="tx1">
+                    <a:lumMod val="75000"/>
+                    <a:lumOff val="25000"/>
+                  </a:schemeClr>
+                </a:solidFill>
+                <a:latin typeface="微软雅黑" pitchFamily="34" charset="-122"/>
+                <a:ea typeface="微软雅黑" pitchFamily="34" charset="-122"/>
+              </a:rPr>
+              <a:t>,</a:t>
+            </a:r>
+            <a:r>
+              <a:rPr lang="zh-CN" altLang="en-US" sz="2400" dirty="0" smtClean="0">
+                <a:solidFill>
+                  <a:schemeClr val="tx1">
+                    <a:lumMod val="75000"/>
+                    <a:lumOff val="25000"/>
+                  </a:schemeClr>
+                </a:solidFill>
+                <a:latin typeface="微软雅黑" pitchFamily="34" charset="-122"/>
+                <a:ea typeface="微软雅黑" pitchFamily="34" charset="-122"/>
+              </a:rPr>
+              <a:t>可能</a:t>
+            </a:r>
+            <a:r>
+              <a:rPr lang="zh-CN" altLang="en-US" sz="2400" dirty="0">
+                <a:solidFill>
+                  <a:schemeClr val="tx1">
+                    <a:lumMod val="75000"/>
+                    <a:lumOff val="25000"/>
+                  </a:schemeClr>
+                </a:solidFill>
+                <a:latin typeface="微软雅黑" pitchFamily="34" charset="-122"/>
+                <a:ea typeface="微软雅黑" pitchFamily="34" charset="-122"/>
+              </a:rPr>
+              <a:t>是</a:t>
+            </a:r>
+            <a:r>
+              <a:rPr lang="en-US" altLang="zh-CN" sz="2400" b="1" dirty="0" smtClean="0">
+                <a:solidFill>
+                  <a:schemeClr val="tx1">
+                    <a:lumMod val="75000"/>
+                    <a:lumOff val="25000"/>
+                  </a:schemeClr>
+                </a:solidFill>
+                <a:latin typeface="微软雅黑" pitchFamily="34" charset="-122"/>
+                <a:ea typeface="微软雅黑" pitchFamily="34" charset="-122"/>
+              </a:rPr>
+              <a:t>multiply</a:t>
+            </a:r>
+            <a:r>
+              <a:rPr lang="zh-CN" altLang="en-US" sz="2400" dirty="0" smtClean="0">
+                <a:solidFill>
+                  <a:schemeClr val="tx1">
+                    <a:lumMod val="75000"/>
+                    <a:lumOff val="25000"/>
+                  </a:schemeClr>
+                </a:solidFill>
+                <a:latin typeface="微软雅黑" pitchFamily="34" charset="-122"/>
+                <a:ea typeface="微软雅黑" pitchFamily="34" charset="-122"/>
+              </a:rPr>
+              <a:t>或</a:t>
+            </a:r>
+            <a:r>
+              <a:rPr lang="en-US" altLang="zh-CN" sz="2400" b="1" dirty="0" smtClean="0">
+                <a:solidFill>
+                  <a:schemeClr val="tx1">
+                    <a:lumMod val="75000"/>
+                    <a:lumOff val="25000"/>
+                  </a:schemeClr>
+                </a:solidFill>
+                <a:latin typeface="微软雅黑" pitchFamily="34" charset="-122"/>
+                <a:ea typeface="微软雅黑" pitchFamily="34" charset="-122"/>
+              </a:rPr>
+              <a:t>screen</a:t>
+            </a:r>
+          </a:p>
+          <a:p>
+            <a:pPr>
+              <a:lnSpc>
+                <a:spcPct val="150000"/>
+              </a:lnSpc>
+            </a:pPr>
+            <a:r>
+              <a:rPr lang="en-US" altLang="zh-CN" sz="2400" dirty="0">
+                <a:solidFill>
+                  <a:schemeClr val="tx1">
+                    <a:lumMod val="75000"/>
+                    <a:lumOff val="25000"/>
+                  </a:schemeClr>
+                </a:solidFill>
+                <a:latin typeface="微软雅黑" pitchFamily="34" charset="-122"/>
+                <a:ea typeface="微软雅黑" pitchFamily="34" charset="-122"/>
+              </a:rPr>
+              <a:t> </a:t>
+            </a:r>
+            <a:r>
+              <a:rPr lang="en-US" altLang="zh-CN" sz="2400" dirty="0" smtClean="0">
+                <a:solidFill>
+                  <a:schemeClr val="tx1">
+                    <a:lumMod val="75000"/>
+                    <a:lumOff val="25000"/>
+                  </a:schemeClr>
+                </a:solidFill>
+                <a:latin typeface="微软雅黑" pitchFamily="34" charset="-122"/>
+                <a:ea typeface="微软雅黑" pitchFamily="34" charset="-122"/>
+              </a:rPr>
+              <a:t>A&lt;=128, C = (A*B)/255</a:t>
+            </a:r>
+          </a:p>
+          <a:p>
+            <a:pPr>
+              <a:lnSpc>
+                <a:spcPct val="150000"/>
+              </a:lnSpc>
+            </a:pPr>
+            <a:r>
+              <a:rPr lang="en-US" altLang="zh-CN" sz="2400" dirty="0">
+                <a:solidFill>
+                  <a:schemeClr val="tx1">
+                    <a:lumMod val="75000"/>
+                    <a:lumOff val="25000"/>
+                  </a:schemeClr>
+                </a:solidFill>
+                <a:latin typeface="微软雅黑" pitchFamily="34" charset="-122"/>
+                <a:ea typeface="微软雅黑" pitchFamily="34" charset="-122"/>
+              </a:rPr>
+              <a:t> </a:t>
+            </a:r>
+            <a:r>
+              <a:rPr lang="en-US" altLang="zh-CN" sz="2400" dirty="0" smtClean="0">
+                <a:solidFill>
+                  <a:schemeClr val="tx1">
+                    <a:lumMod val="75000"/>
+                    <a:lumOff val="25000"/>
+                  </a:schemeClr>
+                </a:solidFill>
+                <a:latin typeface="微软雅黑" pitchFamily="34" charset="-122"/>
+                <a:ea typeface="微软雅黑" pitchFamily="34" charset="-122"/>
+              </a:rPr>
+              <a:t>A&gt;128,    C= 255-(255-A)*(255-B)/128</a:t>
+            </a:r>
+          </a:p>
+          <a:p>
+            <a:pPr>
+              <a:lnSpc>
+                <a:spcPct val="150000"/>
+              </a:lnSpc>
+            </a:pPr>
+            <a:r>
+              <a:rPr lang="zh-CN" altLang="en-US" sz="2400" dirty="0" smtClean="0">
+                <a:solidFill>
+                  <a:schemeClr val="tx1">
+                    <a:lumMod val="75000"/>
+                    <a:lumOff val="25000"/>
+                  </a:schemeClr>
+                </a:solidFill>
+                <a:latin typeface="微软雅黑" pitchFamily="34" charset="-122"/>
+                <a:ea typeface="微软雅黑" pitchFamily="34" charset="-122"/>
+              </a:rPr>
+              <a:t>上层决定下层色调偏移的强度，上层</a:t>
+            </a:r>
+            <a:r>
+              <a:rPr lang="en-US" altLang="zh-CN" sz="2400" dirty="0" smtClean="0">
+                <a:solidFill>
+                  <a:schemeClr val="tx1">
+                    <a:lumMod val="75000"/>
+                    <a:lumOff val="25000"/>
+                  </a:schemeClr>
+                </a:solidFill>
+                <a:latin typeface="微软雅黑" pitchFamily="34" charset="-122"/>
+                <a:ea typeface="微软雅黑" pitchFamily="34" charset="-122"/>
+              </a:rPr>
+              <a:t>50%</a:t>
+            </a:r>
+            <a:r>
+              <a:rPr lang="zh-CN" altLang="en-US" sz="2400" dirty="0" smtClean="0">
+                <a:solidFill>
+                  <a:schemeClr val="tx1">
+                    <a:lumMod val="75000"/>
+                    <a:lumOff val="25000"/>
+                  </a:schemeClr>
+                </a:solidFill>
+                <a:latin typeface="微软雅黑" pitchFamily="34" charset="-122"/>
+                <a:ea typeface="微软雅黑" pitchFamily="34" charset="-122"/>
+              </a:rPr>
+              <a:t>灰，下层素不变，上层</a:t>
+            </a:r>
+            <a:r>
+              <a:rPr lang="zh-CN" altLang="en-US" sz="2400" dirty="0">
+                <a:solidFill>
+                  <a:schemeClr val="tx1">
+                    <a:lumMod val="75000"/>
+                    <a:lumOff val="25000"/>
+                  </a:schemeClr>
+                </a:solidFill>
+                <a:latin typeface="微软雅黑" pitchFamily="34" charset="-122"/>
+                <a:ea typeface="微软雅黑" pitchFamily="34" charset="-122"/>
+              </a:rPr>
+              <a:t>比</a:t>
+            </a:r>
+            <a:r>
+              <a:rPr lang="en-US" altLang="zh-CN" sz="2400" dirty="0" smtClean="0">
+                <a:solidFill>
+                  <a:schemeClr val="tx1">
+                    <a:lumMod val="75000"/>
+                    <a:lumOff val="25000"/>
+                  </a:schemeClr>
+                </a:solidFill>
+                <a:latin typeface="微软雅黑" pitchFamily="34" charset="-122"/>
+                <a:ea typeface="微软雅黑" pitchFamily="34" charset="-122"/>
+              </a:rPr>
+              <a:t>50%</a:t>
+            </a:r>
+            <a:r>
+              <a:rPr lang="zh-CN" altLang="en-US" sz="2400" dirty="0" smtClean="0">
+                <a:solidFill>
+                  <a:schemeClr val="tx1">
+                    <a:lumMod val="75000"/>
+                    <a:lumOff val="25000"/>
+                  </a:schemeClr>
+                </a:solidFill>
+                <a:latin typeface="微软雅黑" pitchFamily="34" charset="-122"/>
+                <a:ea typeface="微软雅黑" pitchFamily="34" charset="-122"/>
+              </a:rPr>
+              <a:t>灰暗</a:t>
+            </a:r>
+            <a:r>
+              <a:rPr lang="en-US" altLang="zh-CN" sz="2400" dirty="0" smtClean="0">
+                <a:solidFill>
+                  <a:schemeClr val="tx1">
+                    <a:lumMod val="75000"/>
+                    <a:lumOff val="25000"/>
+                  </a:schemeClr>
+                </a:solidFill>
+                <a:latin typeface="微软雅黑" pitchFamily="34" charset="-122"/>
+                <a:ea typeface="微软雅黑" pitchFamily="34" charset="-122"/>
+              </a:rPr>
+              <a:t>/</a:t>
+            </a:r>
+            <a:r>
+              <a:rPr lang="zh-CN" altLang="en-US" sz="2400" dirty="0" smtClean="0">
+                <a:solidFill>
+                  <a:schemeClr val="tx1">
+                    <a:lumMod val="75000"/>
+                    <a:lumOff val="25000"/>
+                  </a:schemeClr>
+                </a:solidFill>
+                <a:latin typeface="微软雅黑" pitchFamily="34" charset="-122"/>
+                <a:ea typeface="微软雅黑" pitchFamily="34" charset="-122"/>
+              </a:rPr>
+              <a:t>亮，下层中间色调向暗</a:t>
+            </a:r>
+            <a:r>
+              <a:rPr lang="en-US" altLang="zh-CN" sz="2400" dirty="0" smtClean="0">
+                <a:solidFill>
+                  <a:schemeClr val="tx1">
+                    <a:lumMod val="75000"/>
+                    <a:lumOff val="25000"/>
+                  </a:schemeClr>
+                </a:solidFill>
+                <a:latin typeface="微软雅黑" pitchFamily="34" charset="-122"/>
+                <a:ea typeface="微软雅黑" pitchFamily="34" charset="-122"/>
+              </a:rPr>
+              <a:t>/</a:t>
+            </a:r>
+            <a:r>
+              <a:rPr lang="zh-CN" altLang="en-US" sz="2400" dirty="0" smtClean="0">
+                <a:solidFill>
+                  <a:schemeClr val="tx1">
+                    <a:lumMod val="75000"/>
+                    <a:lumOff val="25000"/>
+                  </a:schemeClr>
+                </a:solidFill>
+                <a:latin typeface="微软雅黑" pitchFamily="34" charset="-122"/>
+                <a:ea typeface="微软雅黑" pitchFamily="34" charset="-122"/>
+              </a:rPr>
+              <a:t>亮偏移，中间色之下色带变窄</a:t>
+            </a:r>
+            <a:r>
+              <a:rPr lang="en-US" altLang="zh-CN" sz="2400" dirty="0" smtClean="0">
+                <a:solidFill>
+                  <a:schemeClr val="tx1">
+                    <a:lumMod val="75000"/>
+                    <a:lumOff val="25000"/>
+                  </a:schemeClr>
+                </a:solidFill>
+                <a:latin typeface="微软雅黑" pitchFamily="34" charset="-122"/>
+                <a:ea typeface="微软雅黑" pitchFamily="34" charset="-122"/>
+              </a:rPr>
+              <a:t>/</a:t>
+            </a:r>
+            <a:r>
+              <a:rPr lang="zh-CN" altLang="en-US" sz="2400" dirty="0" smtClean="0">
+                <a:solidFill>
+                  <a:schemeClr val="tx1">
+                    <a:lumMod val="75000"/>
+                    <a:lumOff val="25000"/>
+                  </a:schemeClr>
+                </a:solidFill>
+                <a:latin typeface="微软雅黑" pitchFamily="34" charset="-122"/>
+                <a:ea typeface="微软雅黑" pitchFamily="34" charset="-122"/>
+              </a:rPr>
+              <a:t>变宽，中间色之上变宽</a:t>
+            </a:r>
+            <a:r>
+              <a:rPr lang="en-US" altLang="zh-CN" sz="2400" dirty="0" smtClean="0">
+                <a:solidFill>
+                  <a:schemeClr val="tx1">
+                    <a:lumMod val="75000"/>
+                    <a:lumOff val="25000"/>
+                  </a:schemeClr>
+                </a:solidFill>
+                <a:latin typeface="微软雅黑" pitchFamily="34" charset="-122"/>
+                <a:ea typeface="微软雅黑" pitchFamily="34" charset="-122"/>
+              </a:rPr>
+              <a:t>/</a:t>
+            </a:r>
+            <a:r>
+              <a:rPr lang="zh-CN" altLang="en-US" sz="2400" dirty="0" smtClean="0">
+                <a:solidFill>
+                  <a:schemeClr val="tx1">
+                    <a:lumMod val="75000"/>
+                    <a:lumOff val="25000"/>
+                  </a:schemeClr>
+                </a:solidFill>
+                <a:latin typeface="微软雅黑" pitchFamily="34" charset="-122"/>
+                <a:ea typeface="微软雅黑" pitchFamily="34" charset="-122"/>
+              </a:rPr>
+              <a:t>变窄</a:t>
+            </a:r>
+            <a:endParaRPr lang="en-US" altLang="zh-CN" sz="2400" dirty="0" smtClean="0">
+              <a:solidFill>
+                <a:schemeClr val="tx1">
+                  <a:lumMod val="75000"/>
+                  <a:lumOff val="25000"/>
+                </a:schemeClr>
+              </a:solidFill>
+              <a:latin typeface="微软雅黑" pitchFamily="34" charset="-122"/>
+              <a:ea typeface="微软雅黑" pitchFamily="34" charset="-122"/>
+            </a:endParaRPr>
+          </a:p>
+        </p:txBody>
+      </p:sp>
+      <p:sp>
+        <p:nvSpPr>
+          <p:cNvPr id="9" name="圆角矩形标注 8"/>
+          <p:cNvSpPr/>
+          <p:nvPr/>
+        </p:nvSpPr>
+        <p:spPr>
+          <a:xfrm>
+            <a:off x="5364088" y="4101348"/>
+            <a:ext cx="1862684" cy="1067400"/>
+          </a:xfrm>
+          <a:prstGeom prst="wedgeRoundRectCallout">
+            <a:avLst>
+              <a:gd name="adj1" fmla="val -62972"/>
+              <a:gd name="adj2" fmla="val 14634"/>
+              <a:gd name="adj3" fmla="val 16667"/>
+            </a:avLst>
+          </a:prstGeom>
+        </p:spPr>
+        <p:style>
+          <a:lnRef idx="2">
+            <a:schemeClr val="accent5"/>
+          </a:lnRef>
+          <a:fillRef idx="1">
+            <a:schemeClr val="lt1"/>
+          </a:fillRef>
+          <a:effectRef idx="0">
+            <a:schemeClr val="accent5"/>
+          </a:effectRef>
+          <a:fontRef idx="minor">
+            <a:schemeClr val="dk1"/>
+          </a:fontRef>
+        </p:style>
+        <p:txBody>
+          <a:bodyPr rtlCol="0" anchor="ctr"/>
+          <a:lstStyle/>
+          <a:p>
+            <a:pPr>
+              <a:lnSpc>
+                <a:spcPct val="150000"/>
+              </a:lnSpc>
+            </a:pPr>
+            <a:r>
+              <a:rPr lang="zh-CN" altLang="en-US" sz="2000" dirty="0" smtClean="0">
+                <a:solidFill>
+                  <a:schemeClr val="tx1">
+                    <a:lumMod val="75000"/>
+                    <a:lumOff val="25000"/>
+                  </a:schemeClr>
+                </a:solidFill>
+                <a:latin typeface="微软雅黑" pitchFamily="34" charset="-122"/>
+                <a:ea typeface="微软雅黑" pitchFamily="34" charset="-122"/>
+              </a:rPr>
+              <a:t>色环移动了小鹿的色带</a:t>
+            </a:r>
+            <a:endParaRPr lang="en-US" altLang="zh-CN" sz="2000" dirty="0">
+              <a:solidFill>
+                <a:schemeClr val="tx1">
+                  <a:lumMod val="75000"/>
+                  <a:lumOff val="25000"/>
+                </a:schemeClr>
+              </a:solidFill>
+              <a:latin typeface="微软雅黑" pitchFamily="34" charset="-122"/>
+              <a:ea typeface="微软雅黑" pitchFamily="34" charset="-122"/>
+            </a:endParaRPr>
+          </a:p>
+        </p:txBody>
+      </p:sp>
+      <p:pic>
+        <p:nvPicPr>
+          <p:cNvPr id="10" name="图片 9" descr="屏幕剪辑"/>
+          <p:cNvPicPr>
+            <a:picLocks noChangeAspect="1"/>
+          </p:cNvPicPr>
+          <p:nvPr/>
+        </p:nvPicPr>
+        <p:blipFill rotWithShape="1">
+          <a:blip r:embed="rId2">
+            <a:extLst>
+              <a:ext uri="{28A0092B-C50C-407E-A947-70E740481C1C}">
+                <a14:useLocalDpi xmlns:a14="http://schemas.microsoft.com/office/drawing/2010/main" val="0"/>
+              </a:ext>
+            </a:extLst>
+          </a:blip>
+          <a:srcRect r="49572"/>
+          <a:stretch/>
+        </p:blipFill>
+        <p:spPr>
+          <a:xfrm>
+            <a:off x="1043608" y="3645048"/>
+            <a:ext cx="2053321" cy="1980000"/>
+          </a:xfrm>
+          <a:prstGeom prst="rect">
+            <a:avLst/>
+          </a:prstGeom>
+        </p:spPr>
+      </p:pic>
+      <p:pic>
+        <p:nvPicPr>
+          <p:cNvPr id="11" name="图片 10" descr="屏幕剪辑"/>
+          <p:cNvPicPr>
+            <a:picLocks noChangeAspect="1"/>
+          </p:cNvPicPr>
+          <p:nvPr/>
+        </p:nvPicPr>
+        <p:blipFill>
+          <a:blip r:embed="rId3">
+            <a:extLst>
+              <a:ext uri="{28A0092B-C50C-407E-A947-70E740481C1C}">
+                <a14:useLocalDpi xmlns:a14="http://schemas.microsoft.com/office/drawing/2010/main" val="0"/>
+              </a:ext>
+            </a:extLst>
+          </a:blip>
+          <a:stretch>
+            <a:fillRect/>
+          </a:stretch>
+        </p:blipFill>
+        <p:spPr>
+          <a:xfrm>
+            <a:off x="3096929" y="3783648"/>
+            <a:ext cx="1876677" cy="1702800"/>
+          </a:xfrm>
+          <a:prstGeom prst="rect">
+            <a:avLst/>
+          </a:prstGeom>
+        </p:spPr>
+      </p:pic>
+    </p:spTree>
+    <p:extLst>
+      <p:ext uri="{BB962C8B-B14F-4D97-AF65-F5344CB8AC3E}">
+        <p14:creationId xmlns:p14="http://schemas.microsoft.com/office/powerpoint/2010/main" val="147687387"/>
+      </p:ext>
+    </p:extLst>
+  </p:cSld>
+  <p:clrMapOvr>
+    <a:masterClrMapping/>
+  </p:clrMapOvr>
+</p:sld>
+</file>
+
+<file path=ppt/slides/slide13.xml><?xml version="1.0" encoding="utf-8"?>
+<p:sld xmlns:a="http://schemas.openxmlformats.org/drawingml/2006/main" xmlns:r="http://schemas.openxmlformats.org/officeDocument/2006/relationships" xmlns:p="http://schemas.openxmlformats.org/presentationml/2006/main">
+  <p:cSld>
+    <p:spTree>
+      <p:nvGrpSpPr>
+        <p:cNvPr id="1" name=""/>
+        <p:cNvGrpSpPr/>
+        <p:nvPr/>
+      </p:nvGrpSpPr>
+      <p:grpSpPr>
+        <a:xfrm>
+          <a:off x="0" y="0"/>
+          <a:ext cx="0" cy="0"/>
+          <a:chOff x="0" y="0"/>
+          <a:chExt cx="0" cy="0"/>
+        </a:xfrm>
+      </p:grpSpPr>
+      <p:sp>
+        <p:nvSpPr>
+          <p:cNvPr id="2" name="TextBox 1"/>
+          <p:cNvSpPr txBox="1"/>
+          <p:nvPr/>
+        </p:nvSpPr>
+        <p:spPr>
+          <a:xfrm>
+            <a:off x="684000" y="188640"/>
+            <a:ext cx="7776000" cy="4524315"/>
+          </a:xfrm>
+          <a:prstGeom prst="rect">
+            <a:avLst/>
+          </a:prstGeom>
+          <a:noFill/>
+        </p:spPr>
+        <p:txBody>
+          <a:bodyPr wrap="square" rtlCol="0">
+            <a:spAutoFit/>
+          </a:bodyPr>
+          <a:lstStyle/>
+          <a:p>
+            <a:pPr>
+              <a:lnSpc>
+                <a:spcPct val="150000"/>
+              </a:lnSpc>
+            </a:pPr>
+            <a:r>
+              <a:rPr lang="en-US" altLang="zh-CN" sz="2400" b="1" dirty="0" smtClean="0">
+                <a:solidFill>
+                  <a:schemeClr val="tx1">
+                    <a:lumMod val="75000"/>
+                    <a:lumOff val="25000"/>
+                  </a:schemeClr>
+                </a:solidFill>
+                <a:latin typeface="微软雅黑" pitchFamily="34" charset="-122"/>
+                <a:ea typeface="微软雅黑" pitchFamily="34" charset="-122"/>
+              </a:rPr>
+              <a:t>hard-light</a:t>
+            </a:r>
+            <a:r>
+              <a:rPr lang="en-US" altLang="zh-CN" sz="2400" dirty="0" smtClean="0">
+                <a:solidFill>
+                  <a:schemeClr val="tx1">
+                    <a:lumMod val="75000"/>
+                    <a:lumOff val="25000"/>
+                  </a:schemeClr>
+                </a:solidFill>
+                <a:latin typeface="微软雅黑" pitchFamily="34" charset="-122"/>
+                <a:ea typeface="微软雅黑" pitchFamily="34" charset="-122"/>
+              </a:rPr>
+              <a:t>:  </a:t>
+            </a:r>
+            <a:r>
+              <a:rPr lang="zh-CN" altLang="en-US" sz="2400" dirty="0" smtClean="0">
+                <a:solidFill>
+                  <a:schemeClr val="tx1">
+                    <a:lumMod val="75000"/>
+                    <a:lumOff val="25000"/>
+                  </a:schemeClr>
+                </a:solidFill>
+                <a:latin typeface="微软雅黑" pitchFamily="34" charset="-122"/>
+                <a:ea typeface="微软雅黑" pitchFamily="34" charset="-122"/>
+              </a:rPr>
+              <a:t>强光，上下层交换就是</a:t>
+            </a:r>
+            <a:r>
+              <a:rPr lang="en-US" altLang="zh-CN" sz="2400" dirty="0" smtClean="0">
+                <a:solidFill>
+                  <a:schemeClr val="tx1">
+                    <a:lumMod val="75000"/>
+                    <a:lumOff val="25000"/>
+                  </a:schemeClr>
+                </a:solidFill>
+                <a:latin typeface="微软雅黑" pitchFamily="34" charset="-122"/>
+                <a:ea typeface="微软雅黑" pitchFamily="34" charset="-122"/>
+              </a:rPr>
+              <a:t>overlay</a:t>
+            </a:r>
+            <a:r>
+              <a:rPr lang="zh-CN" altLang="en-US" sz="2400" dirty="0" smtClean="0">
+                <a:solidFill>
+                  <a:schemeClr val="tx1">
+                    <a:lumMod val="75000"/>
+                    <a:lumOff val="25000"/>
+                  </a:schemeClr>
+                </a:solidFill>
+                <a:latin typeface="微软雅黑" pitchFamily="34" charset="-122"/>
+                <a:ea typeface="微软雅黑" pitchFamily="34" charset="-122"/>
+              </a:rPr>
+              <a:t>的效果</a:t>
+            </a:r>
+            <a:r>
+              <a:rPr lang="en-US" altLang="zh-CN" sz="2400" dirty="0" smtClean="0">
+                <a:solidFill>
+                  <a:schemeClr val="tx1">
+                    <a:lumMod val="75000"/>
+                    <a:lumOff val="25000"/>
+                  </a:schemeClr>
+                </a:solidFill>
+                <a:latin typeface="微软雅黑" pitchFamily="34" charset="-122"/>
+                <a:ea typeface="微软雅黑" pitchFamily="34" charset="-122"/>
+              </a:rPr>
+              <a:t>	B&lt;=128 , C=(A*B)/128;  </a:t>
+            </a:r>
+          </a:p>
+          <a:p>
+            <a:pPr>
+              <a:lnSpc>
+                <a:spcPct val="150000"/>
+              </a:lnSpc>
+            </a:pPr>
+            <a:r>
+              <a:rPr lang="en-US" altLang="zh-CN" sz="2400" dirty="0" smtClean="0">
+                <a:solidFill>
+                  <a:schemeClr val="tx1">
+                    <a:lumMod val="75000"/>
+                    <a:lumOff val="25000"/>
+                  </a:schemeClr>
+                </a:solidFill>
+                <a:latin typeface="微软雅黑" pitchFamily="34" charset="-122"/>
+                <a:ea typeface="微软雅黑" pitchFamily="34" charset="-122"/>
+              </a:rPr>
+              <a:t>	B&gt;128, C=255-</a:t>
+            </a:r>
+            <a:r>
+              <a:rPr lang="zh-CN" altLang="en-US" sz="2400" dirty="0" smtClean="0">
+                <a:solidFill>
+                  <a:schemeClr val="tx1">
+                    <a:lumMod val="75000"/>
+                    <a:lumOff val="25000"/>
+                  </a:schemeClr>
+                </a:solidFill>
+                <a:latin typeface="微软雅黑" pitchFamily="34" charset="-122"/>
+                <a:ea typeface="微软雅黑" pitchFamily="34" charset="-122"/>
+              </a:rPr>
+              <a:t>（</a:t>
+            </a:r>
+            <a:r>
+              <a:rPr lang="en-US" altLang="zh-CN" sz="2400" dirty="0" smtClean="0">
+                <a:solidFill>
+                  <a:schemeClr val="tx1">
+                    <a:lumMod val="75000"/>
+                    <a:lumOff val="25000"/>
+                  </a:schemeClr>
+                </a:solidFill>
+                <a:latin typeface="微软雅黑" pitchFamily="34" charset="-122"/>
+                <a:ea typeface="微软雅黑" pitchFamily="34" charset="-122"/>
+              </a:rPr>
+              <a:t>255-A)*(255-B)/128,</a:t>
+            </a:r>
+          </a:p>
+          <a:p>
+            <a:pPr>
+              <a:lnSpc>
+                <a:spcPct val="150000"/>
+              </a:lnSpc>
+            </a:pPr>
+            <a:r>
+              <a:rPr lang="en-US" altLang="zh-CN" sz="2400" b="1" dirty="0" smtClean="0">
+                <a:solidFill>
+                  <a:schemeClr val="tx1">
+                    <a:lumMod val="75000"/>
+                    <a:lumOff val="25000"/>
+                  </a:schemeClr>
+                </a:solidFill>
+                <a:latin typeface="微软雅黑" pitchFamily="34" charset="-122"/>
+                <a:ea typeface="微软雅黑" pitchFamily="34" charset="-122"/>
+              </a:rPr>
+              <a:t>soft-light</a:t>
+            </a:r>
+            <a:r>
+              <a:rPr lang="en-US" altLang="zh-CN" sz="2400" dirty="0" smtClean="0">
+                <a:solidFill>
+                  <a:schemeClr val="tx1">
+                    <a:lumMod val="75000"/>
+                    <a:lumOff val="25000"/>
+                  </a:schemeClr>
+                </a:solidFill>
+                <a:latin typeface="微软雅黑" pitchFamily="34" charset="-122"/>
+                <a:ea typeface="微软雅黑" pitchFamily="34" charset="-122"/>
+              </a:rPr>
+              <a:t>: </a:t>
+            </a:r>
+            <a:r>
+              <a:rPr lang="zh-CN" altLang="en-US" sz="2400" dirty="0" smtClean="0">
+                <a:solidFill>
+                  <a:schemeClr val="tx1">
+                    <a:lumMod val="75000"/>
+                    <a:lumOff val="25000"/>
+                  </a:schemeClr>
+                </a:solidFill>
+                <a:latin typeface="微软雅黑" pitchFamily="34" charset="-122"/>
+                <a:ea typeface="微软雅黑" pitchFamily="34" charset="-122"/>
+              </a:rPr>
+              <a:t>柔光，</a:t>
+            </a:r>
+            <a:endParaRPr lang="en-US" altLang="zh-CN" sz="2400" dirty="0" smtClean="0">
+              <a:solidFill>
+                <a:schemeClr val="tx1">
+                  <a:lumMod val="75000"/>
+                  <a:lumOff val="25000"/>
+                </a:schemeClr>
+              </a:solidFill>
+              <a:latin typeface="微软雅黑" pitchFamily="34" charset="-122"/>
+              <a:ea typeface="微软雅黑" pitchFamily="34" charset="-122"/>
+            </a:endParaRPr>
+          </a:p>
+          <a:p>
+            <a:pPr>
+              <a:lnSpc>
+                <a:spcPct val="150000"/>
+              </a:lnSpc>
+            </a:pPr>
+            <a:r>
+              <a:rPr lang="en-US" altLang="zh-CN" sz="2400" dirty="0" smtClean="0">
+                <a:solidFill>
+                  <a:schemeClr val="tx1">
+                    <a:lumMod val="75000"/>
+                    <a:lumOff val="25000"/>
+                  </a:schemeClr>
+                </a:solidFill>
+                <a:latin typeface="微软雅黑" pitchFamily="34" charset="-122"/>
+                <a:ea typeface="微软雅黑" pitchFamily="34" charset="-122"/>
+              </a:rPr>
+              <a:t>B&lt;=128, C=(A*B)/128+(A/255)^2*(255-2*B)</a:t>
+            </a:r>
+          </a:p>
+          <a:p>
+            <a:pPr>
+              <a:lnSpc>
+                <a:spcPct val="150000"/>
+              </a:lnSpc>
+            </a:pPr>
+            <a:r>
+              <a:rPr lang="en-US" altLang="zh-CN" sz="2400" dirty="0" smtClean="0">
+                <a:solidFill>
+                  <a:schemeClr val="tx1">
+                    <a:lumMod val="75000"/>
+                    <a:lumOff val="25000"/>
+                  </a:schemeClr>
+                </a:solidFill>
+                <a:latin typeface="微软雅黑" pitchFamily="34" charset="-122"/>
+                <a:ea typeface="微软雅黑" pitchFamily="34" charset="-122"/>
+              </a:rPr>
+              <a:t>B&gt;128, C=(A*(255-B))/128+sqrt(A/255)*(2*B-255)</a:t>
+            </a:r>
+          </a:p>
+          <a:p>
+            <a:pPr>
+              <a:lnSpc>
+                <a:spcPct val="150000"/>
+              </a:lnSpc>
+            </a:pPr>
+            <a:r>
+              <a:rPr lang="zh-CN" altLang="en-US" sz="2400" dirty="0" smtClean="0">
+                <a:solidFill>
+                  <a:schemeClr val="tx1">
+                    <a:lumMod val="75000"/>
+                    <a:lumOff val="25000"/>
+                  </a:schemeClr>
+                </a:solidFill>
+                <a:latin typeface="微软雅黑" pitchFamily="34" charset="-122"/>
+                <a:ea typeface="微软雅黑" pitchFamily="34" charset="-122"/>
+              </a:rPr>
+              <a:t>类似</a:t>
+            </a:r>
+            <a:r>
+              <a:rPr lang="zh-CN" altLang="en-US" sz="2400" dirty="0">
+                <a:solidFill>
+                  <a:schemeClr val="tx1">
+                    <a:lumMod val="75000"/>
+                    <a:lumOff val="25000"/>
+                  </a:schemeClr>
+                </a:solidFill>
+                <a:latin typeface="微软雅黑" pitchFamily="34" charset="-122"/>
+                <a:ea typeface="微软雅黑" pitchFamily="34" charset="-122"/>
+              </a:rPr>
+              <a:t>上层以</a:t>
+            </a:r>
+            <a:r>
+              <a:rPr lang="en-US" altLang="zh-CN" sz="2400" dirty="0">
+                <a:solidFill>
+                  <a:schemeClr val="tx1">
+                    <a:lumMod val="75000"/>
+                    <a:lumOff val="25000"/>
+                  </a:schemeClr>
+                </a:solidFill>
+                <a:latin typeface="微软雅黑" pitchFamily="34" charset="-122"/>
+                <a:ea typeface="微软雅黑" pitchFamily="34" charset="-122"/>
+              </a:rPr>
+              <a:t>Gamma</a:t>
+            </a:r>
+            <a:r>
+              <a:rPr lang="zh-CN" altLang="en-US" sz="2400" dirty="0">
+                <a:solidFill>
+                  <a:schemeClr val="tx1">
+                    <a:lumMod val="75000"/>
+                    <a:lumOff val="25000"/>
+                  </a:schemeClr>
+                </a:solidFill>
+                <a:latin typeface="微软雅黑" pitchFamily="34" charset="-122"/>
+                <a:ea typeface="微软雅黑" pitchFamily="34" charset="-122"/>
+              </a:rPr>
+              <a:t>值范围为</a:t>
+            </a:r>
+            <a:r>
+              <a:rPr lang="en-US" altLang="zh-CN" sz="2400" dirty="0">
+                <a:solidFill>
+                  <a:schemeClr val="tx1">
+                    <a:lumMod val="75000"/>
+                    <a:lumOff val="25000"/>
+                  </a:schemeClr>
+                </a:solidFill>
+                <a:latin typeface="微软雅黑" pitchFamily="34" charset="-122"/>
+                <a:ea typeface="微软雅黑" pitchFamily="34" charset="-122"/>
+              </a:rPr>
+              <a:t>2.0</a:t>
+            </a:r>
+            <a:r>
+              <a:rPr lang="zh-CN" altLang="en-US" sz="2400" dirty="0">
+                <a:solidFill>
+                  <a:schemeClr val="tx1">
+                    <a:lumMod val="75000"/>
+                    <a:lumOff val="25000"/>
+                  </a:schemeClr>
+                </a:solidFill>
+                <a:latin typeface="微软雅黑" pitchFamily="34" charset="-122"/>
+                <a:ea typeface="微软雅黑" pitchFamily="34" charset="-122"/>
+              </a:rPr>
+              <a:t>到</a:t>
+            </a:r>
+            <a:r>
+              <a:rPr lang="en-US" altLang="zh-CN" sz="2400" dirty="0">
+                <a:solidFill>
+                  <a:schemeClr val="tx1">
+                    <a:lumMod val="75000"/>
+                    <a:lumOff val="25000"/>
+                  </a:schemeClr>
+                </a:solidFill>
+                <a:latin typeface="微软雅黑" pitchFamily="34" charset="-122"/>
+                <a:ea typeface="微软雅黑" pitchFamily="34" charset="-122"/>
+              </a:rPr>
+              <a:t>0.5</a:t>
+            </a:r>
+            <a:r>
+              <a:rPr lang="zh-CN" altLang="en-US" sz="2400" dirty="0">
+                <a:solidFill>
+                  <a:schemeClr val="tx1">
+                    <a:lumMod val="75000"/>
+                    <a:lumOff val="25000"/>
+                  </a:schemeClr>
+                </a:solidFill>
+                <a:latin typeface="微软雅黑" pitchFamily="34" charset="-122"/>
+                <a:ea typeface="微软雅黑" pitchFamily="34" charset="-122"/>
+              </a:rPr>
+              <a:t>的方式来调制下层的色彩</a:t>
+            </a:r>
+            <a:r>
+              <a:rPr lang="zh-CN" altLang="en-US" sz="2400" dirty="0" smtClean="0">
+                <a:solidFill>
+                  <a:schemeClr val="tx1">
+                    <a:lumMod val="75000"/>
+                    <a:lumOff val="25000"/>
+                  </a:schemeClr>
+                </a:solidFill>
+                <a:latin typeface="微软雅黑" pitchFamily="34" charset="-122"/>
+                <a:ea typeface="微软雅黑" pitchFamily="34" charset="-122"/>
+              </a:rPr>
+              <a:t>值</a:t>
+            </a:r>
+            <a:r>
+              <a:rPr lang="en-US" altLang="zh-CN" sz="2400" dirty="0" smtClean="0">
+                <a:solidFill>
+                  <a:schemeClr val="tx1">
+                    <a:lumMod val="75000"/>
+                    <a:lumOff val="25000"/>
+                  </a:schemeClr>
+                </a:solidFill>
+                <a:latin typeface="微软雅黑" pitchFamily="34" charset="-122"/>
+                <a:ea typeface="微软雅黑" pitchFamily="34" charset="-122"/>
+              </a:rPr>
+              <a:t>,</a:t>
+            </a:r>
+            <a:r>
+              <a:rPr lang="zh-CN" altLang="en-US" sz="2400" dirty="0" smtClean="0">
+                <a:solidFill>
+                  <a:schemeClr val="tx1">
+                    <a:lumMod val="75000"/>
+                    <a:lumOff val="25000"/>
+                  </a:schemeClr>
+                </a:solidFill>
+                <a:latin typeface="微软雅黑" pitchFamily="34" charset="-122"/>
+                <a:ea typeface="微软雅黑" pitchFamily="34" charset="-122"/>
+              </a:rPr>
+              <a:t>结果</a:t>
+            </a:r>
+            <a:r>
+              <a:rPr lang="zh-CN" altLang="en-US" sz="2400" dirty="0">
+                <a:solidFill>
+                  <a:schemeClr val="tx1">
+                    <a:lumMod val="75000"/>
+                    <a:lumOff val="25000"/>
+                  </a:schemeClr>
+                </a:solidFill>
+                <a:latin typeface="微软雅黑" pitchFamily="34" charset="-122"/>
+                <a:ea typeface="微软雅黑" pitchFamily="34" charset="-122"/>
+              </a:rPr>
+              <a:t>将</a:t>
+            </a:r>
+            <a:r>
+              <a:rPr lang="zh-CN" altLang="en-US" sz="2400" dirty="0" smtClean="0">
+                <a:solidFill>
+                  <a:schemeClr val="tx1">
+                    <a:lumMod val="75000"/>
+                    <a:lumOff val="25000"/>
+                  </a:schemeClr>
+                </a:solidFill>
+                <a:latin typeface="微软雅黑" pitchFamily="34" charset="-122"/>
+                <a:ea typeface="微软雅黑" pitchFamily="34" charset="-122"/>
+              </a:rPr>
+              <a:t>是一个非常柔和的效果</a:t>
+            </a:r>
+            <a:endParaRPr lang="en-US" altLang="zh-CN" sz="2400" dirty="0">
+              <a:solidFill>
+                <a:schemeClr val="tx1">
+                  <a:lumMod val="75000"/>
+                  <a:lumOff val="25000"/>
+                </a:schemeClr>
+              </a:solidFill>
+              <a:latin typeface="微软雅黑" pitchFamily="34" charset="-122"/>
+              <a:ea typeface="微软雅黑" pitchFamily="34" charset="-122"/>
+            </a:endParaRPr>
+          </a:p>
+        </p:txBody>
+      </p:sp>
+      <p:pic>
+        <p:nvPicPr>
+          <p:cNvPr id="3" name="图片 2" descr="屏幕剪辑"/>
+          <p:cNvPicPr>
+            <a:picLocks noChangeAspect="1"/>
+          </p:cNvPicPr>
+          <p:nvPr/>
+        </p:nvPicPr>
+        <p:blipFill>
+          <a:blip r:embed="rId2">
+            <a:extLst>
+              <a:ext uri="{28A0092B-C50C-407E-A947-70E740481C1C}">
+                <a14:useLocalDpi xmlns:a14="http://schemas.microsoft.com/office/drawing/2010/main" val="0"/>
+              </a:ext>
+            </a:extLst>
+          </a:blip>
+          <a:stretch>
+            <a:fillRect/>
+          </a:stretch>
+        </p:blipFill>
+        <p:spPr>
+          <a:xfrm>
+            <a:off x="899592" y="4712955"/>
+            <a:ext cx="4310204" cy="1980000"/>
+          </a:xfrm>
+          <a:prstGeom prst="rect">
+            <a:avLst/>
+          </a:prstGeom>
+        </p:spPr>
+      </p:pic>
+      <p:pic>
+        <p:nvPicPr>
+          <p:cNvPr id="4" name="图片 3" descr="屏幕剪辑"/>
+          <p:cNvPicPr>
+            <a:picLocks noChangeAspect="1"/>
+          </p:cNvPicPr>
+          <p:nvPr/>
+        </p:nvPicPr>
+        <p:blipFill>
+          <a:blip r:embed="rId3">
+            <a:extLst>
+              <a:ext uri="{28A0092B-C50C-407E-A947-70E740481C1C}">
+                <a14:useLocalDpi xmlns:a14="http://schemas.microsoft.com/office/drawing/2010/main" val="0"/>
+              </a:ext>
+            </a:extLst>
+          </a:blip>
+          <a:stretch>
+            <a:fillRect/>
+          </a:stretch>
+        </p:blipFill>
+        <p:spPr>
+          <a:xfrm>
+            <a:off x="5436096" y="4941168"/>
+            <a:ext cx="1876677" cy="1702800"/>
+          </a:xfrm>
+          <a:prstGeom prst="rect">
+            <a:avLst/>
+          </a:prstGeom>
+        </p:spPr>
+      </p:pic>
+    </p:spTree>
+    <p:extLst>
+      <p:ext uri="{BB962C8B-B14F-4D97-AF65-F5344CB8AC3E}">
+        <p14:creationId xmlns:p14="http://schemas.microsoft.com/office/powerpoint/2010/main" val="793132805"/>
+      </p:ext>
+    </p:extLst>
+  </p:cSld>
+  <p:clrMapOvr>
+    <a:masterClrMapping/>
+  </p:clrMapOvr>
+</p:sld>
+</file>
+
+<file path=ppt/slides/slide14.xml><?xml version="1.0" encoding="utf-8"?>
+<p:sld xmlns:a="http://schemas.openxmlformats.org/drawingml/2006/main" xmlns:r="http://schemas.openxmlformats.org/officeDocument/2006/relationships" xmlns:p="http://schemas.openxmlformats.org/presentationml/2006/main">
+  <p:cSld>
+    <p:spTree>
+      <p:nvGrpSpPr>
+        <p:cNvPr id="1" name=""/>
+        <p:cNvGrpSpPr/>
+        <p:nvPr/>
+      </p:nvGrpSpPr>
+      <p:grpSpPr>
+        <a:xfrm>
+          <a:off x="0" y="0"/>
+          <a:ext cx="0" cy="0"/>
+          <a:chOff x="0" y="0"/>
+          <a:chExt cx="0" cy="0"/>
+        </a:xfrm>
+      </p:grpSpPr>
+      <p:sp>
+        <p:nvSpPr>
+          <p:cNvPr id="2" name="TextBox 1"/>
+          <p:cNvSpPr txBox="1"/>
+          <p:nvPr/>
+        </p:nvSpPr>
+        <p:spPr>
+          <a:xfrm>
+            <a:off x="684000" y="188640"/>
+            <a:ext cx="7776000" cy="2862322"/>
+          </a:xfrm>
+          <a:prstGeom prst="rect">
+            <a:avLst/>
+          </a:prstGeom>
+          <a:noFill/>
+        </p:spPr>
+        <p:txBody>
+          <a:bodyPr wrap="square" rtlCol="0">
+            <a:spAutoFit/>
+          </a:bodyPr>
+          <a:lstStyle/>
+          <a:p>
+            <a:pPr>
+              <a:lnSpc>
+                <a:spcPct val="150000"/>
+              </a:lnSpc>
+            </a:pPr>
+            <a:r>
+              <a:rPr lang="en-US" altLang="zh-CN" sz="2400" b="1" dirty="0" smtClean="0">
+                <a:solidFill>
+                  <a:schemeClr val="tx1">
+                    <a:lumMod val="75000"/>
+                    <a:lumOff val="25000"/>
+                  </a:schemeClr>
+                </a:solidFill>
+                <a:latin typeface="微软雅黑" pitchFamily="34" charset="-122"/>
+                <a:ea typeface="微软雅黑" pitchFamily="34" charset="-122"/>
+              </a:rPr>
+              <a:t>difference</a:t>
+            </a:r>
+            <a:r>
+              <a:rPr lang="en-US" altLang="zh-CN" sz="2400" dirty="0" smtClean="0">
+                <a:solidFill>
+                  <a:schemeClr val="tx1">
+                    <a:lumMod val="75000"/>
+                    <a:lumOff val="25000"/>
+                  </a:schemeClr>
+                </a:solidFill>
+                <a:latin typeface="微软雅黑" pitchFamily="34" charset="-122"/>
+                <a:ea typeface="微软雅黑" pitchFamily="34" charset="-122"/>
+              </a:rPr>
+              <a:t>:  </a:t>
+            </a:r>
+            <a:r>
+              <a:rPr lang="zh-CN" altLang="en-US" sz="2400" dirty="0" smtClean="0">
+                <a:solidFill>
+                  <a:schemeClr val="tx1">
+                    <a:lumMod val="75000"/>
+                    <a:lumOff val="25000"/>
+                  </a:schemeClr>
+                </a:solidFill>
+                <a:latin typeface="微软雅黑" pitchFamily="34" charset="-122"/>
+                <a:ea typeface="微软雅黑" pitchFamily="34" charset="-122"/>
+              </a:rPr>
+              <a:t>差值，</a:t>
+            </a:r>
+            <a:r>
+              <a:rPr lang="en-US" altLang="zh-CN" sz="2400" dirty="0" smtClean="0">
+                <a:solidFill>
+                  <a:schemeClr val="tx1">
+                    <a:lumMod val="75000"/>
+                    <a:lumOff val="25000"/>
+                  </a:schemeClr>
+                </a:solidFill>
+                <a:latin typeface="微软雅黑" pitchFamily="34" charset="-122"/>
+                <a:ea typeface="微软雅黑" pitchFamily="34" charset="-122"/>
+              </a:rPr>
+              <a:t>C=|A-B| ,  </a:t>
+            </a:r>
+            <a:r>
+              <a:rPr lang="zh-CN" altLang="en-US" sz="2400" dirty="0" smtClean="0">
+                <a:solidFill>
+                  <a:schemeClr val="tx1">
+                    <a:lumMod val="75000"/>
+                    <a:lumOff val="25000"/>
+                  </a:schemeClr>
+                </a:solidFill>
+                <a:latin typeface="微软雅黑" pitchFamily="34" charset="-122"/>
+                <a:ea typeface="微软雅黑" pitchFamily="34" charset="-122"/>
+              </a:rPr>
+              <a:t>上下颜色差的绝对值，</a:t>
+            </a:r>
+            <a:r>
+              <a:rPr lang="zh-CN" altLang="en-US" sz="2400" b="1" dirty="0" smtClean="0">
+                <a:solidFill>
+                  <a:schemeClr val="tx1">
+                    <a:lumMod val="75000"/>
+                    <a:lumOff val="25000"/>
+                  </a:schemeClr>
+                </a:solidFill>
+                <a:latin typeface="微软雅黑" pitchFamily="34" charset="-122"/>
+                <a:ea typeface="微软雅黑" pitchFamily="34" charset="-122"/>
+              </a:rPr>
+              <a:t>完全相同的上下层，结果将是黑色</a:t>
+            </a:r>
+            <a:endParaRPr lang="en-US" altLang="zh-CN" sz="2400" b="1" dirty="0" smtClean="0">
+              <a:solidFill>
+                <a:schemeClr val="tx1">
+                  <a:lumMod val="75000"/>
+                  <a:lumOff val="25000"/>
+                </a:schemeClr>
+              </a:solidFill>
+              <a:latin typeface="微软雅黑" pitchFamily="34" charset="-122"/>
+              <a:ea typeface="微软雅黑" pitchFamily="34" charset="-122"/>
+            </a:endParaRPr>
+          </a:p>
+          <a:p>
+            <a:pPr>
+              <a:lnSpc>
+                <a:spcPct val="150000"/>
+              </a:lnSpc>
+            </a:pPr>
+            <a:r>
+              <a:rPr lang="en-US" altLang="zh-CN" sz="2400" b="1" dirty="0" smtClean="0">
+                <a:solidFill>
+                  <a:schemeClr val="tx1">
+                    <a:lumMod val="75000"/>
+                    <a:lumOff val="25000"/>
+                  </a:schemeClr>
+                </a:solidFill>
+                <a:latin typeface="微软雅黑" pitchFamily="34" charset="-122"/>
+                <a:ea typeface="微软雅黑" pitchFamily="34" charset="-122"/>
+              </a:rPr>
+              <a:t>exclusion</a:t>
+            </a:r>
+            <a:r>
+              <a:rPr lang="en-US" altLang="zh-CN" sz="2400" dirty="0" smtClean="0">
+                <a:solidFill>
+                  <a:schemeClr val="tx1">
+                    <a:lumMod val="75000"/>
+                    <a:lumOff val="25000"/>
+                  </a:schemeClr>
+                </a:solidFill>
+                <a:latin typeface="微软雅黑" pitchFamily="34" charset="-122"/>
+                <a:ea typeface="微软雅黑" pitchFamily="34" charset="-122"/>
+              </a:rPr>
+              <a:t>: </a:t>
+            </a:r>
+            <a:r>
+              <a:rPr lang="zh-CN" altLang="en-US" sz="2400" dirty="0">
+                <a:solidFill>
+                  <a:schemeClr val="tx1">
+                    <a:lumMod val="75000"/>
+                    <a:lumOff val="25000"/>
+                  </a:schemeClr>
+                </a:solidFill>
+                <a:latin typeface="微软雅黑" pitchFamily="34" charset="-122"/>
+                <a:ea typeface="微软雅黑" pitchFamily="34" charset="-122"/>
+              </a:rPr>
+              <a:t>排除</a:t>
+            </a:r>
+            <a:r>
+              <a:rPr lang="zh-CN" altLang="en-US" sz="2400" dirty="0" smtClean="0">
+                <a:solidFill>
+                  <a:schemeClr val="tx1">
+                    <a:lumMod val="75000"/>
+                    <a:lumOff val="25000"/>
+                  </a:schemeClr>
+                </a:solidFill>
+                <a:latin typeface="微软雅黑" pitchFamily="34" charset="-122"/>
+                <a:ea typeface="微软雅黑" pitchFamily="34" charset="-122"/>
+              </a:rPr>
+              <a:t>，</a:t>
+            </a:r>
+            <a:r>
+              <a:rPr lang="en-US" altLang="zh-CN" sz="2400" dirty="0" smtClean="0">
+                <a:solidFill>
+                  <a:schemeClr val="tx1">
+                    <a:lumMod val="75000"/>
+                    <a:lumOff val="25000"/>
+                  </a:schemeClr>
+                </a:solidFill>
+                <a:latin typeface="微软雅黑" pitchFamily="34" charset="-122"/>
+                <a:ea typeface="微软雅黑" pitchFamily="34" charset="-122"/>
+              </a:rPr>
+              <a:t>C= A+B-(A*B)/128</a:t>
+            </a:r>
+          </a:p>
+          <a:p>
+            <a:pPr>
+              <a:lnSpc>
+                <a:spcPct val="150000"/>
+              </a:lnSpc>
+            </a:pPr>
+            <a:r>
+              <a:rPr lang="zh-CN" altLang="en-US" sz="2400" dirty="0" smtClean="0">
+                <a:solidFill>
+                  <a:schemeClr val="tx1">
+                    <a:lumMod val="75000"/>
+                    <a:lumOff val="25000"/>
+                  </a:schemeClr>
+                </a:solidFill>
+                <a:latin typeface="微软雅黑" pitchFamily="34" charset="-122"/>
+                <a:ea typeface="微软雅黑" pitchFamily="34" charset="-122"/>
+              </a:rPr>
+              <a:t>亮的区域导致两一层图像反相，很暗的区域则导致另一层不做改变</a:t>
+            </a:r>
+            <a:endParaRPr lang="en-US" altLang="zh-CN" sz="2400" dirty="0">
+              <a:solidFill>
+                <a:schemeClr val="tx1">
+                  <a:lumMod val="75000"/>
+                  <a:lumOff val="25000"/>
+                </a:schemeClr>
+              </a:solidFill>
+              <a:latin typeface="微软雅黑" pitchFamily="34" charset="-122"/>
+              <a:ea typeface="微软雅黑" pitchFamily="34" charset="-122"/>
+            </a:endParaRPr>
+          </a:p>
+        </p:txBody>
+      </p:sp>
+      <p:pic>
+        <p:nvPicPr>
+          <p:cNvPr id="3" name="图片 2" descr="屏幕剪辑"/>
+          <p:cNvPicPr>
+            <a:picLocks noChangeAspect="1"/>
+          </p:cNvPicPr>
+          <p:nvPr/>
+        </p:nvPicPr>
+        <p:blipFill>
+          <a:blip r:embed="rId2">
+            <a:extLst>
+              <a:ext uri="{28A0092B-C50C-407E-A947-70E740481C1C}">
+                <a14:useLocalDpi xmlns:a14="http://schemas.microsoft.com/office/drawing/2010/main" val="0"/>
+              </a:ext>
+            </a:extLst>
+          </a:blip>
+          <a:stretch>
+            <a:fillRect/>
+          </a:stretch>
+        </p:blipFill>
+        <p:spPr>
+          <a:xfrm>
+            <a:off x="1187624" y="3050962"/>
+            <a:ext cx="4339726" cy="1980000"/>
+          </a:xfrm>
+          <a:prstGeom prst="rect">
+            <a:avLst/>
+          </a:prstGeom>
+        </p:spPr>
+      </p:pic>
+    </p:spTree>
+    <p:extLst>
+      <p:ext uri="{BB962C8B-B14F-4D97-AF65-F5344CB8AC3E}">
+        <p14:creationId xmlns:p14="http://schemas.microsoft.com/office/powerpoint/2010/main" val="2991793827"/>
+      </p:ext>
+    </p:extLst>
+  </p:cSld>
+  <p:clrMapOvr>
+    <a:masterClrMapping/>
+  </p:clrMapOvr>
+</p:sld>
+</file>
+
+<file path=ppt/slides/slide15.xml><?xml version="1.0" encoding="utf-8"?>
+<p:sld xmlns:a="http://schemas.openxmlformats.org/drawingml/2006/main" xmlns:r="http://schemas.openxmlformats.org/officeDocument/2006/relationships" xmlns:p="http://schemas.openxmlformats.org/presentationml/2006/main">
+  <p:cSld>
+    <p:spTree>
+      <p:nvGrpSpPr>
+        <p:cNvPr id="1" name=""/>
+        <p:cNvGrpSpPr/>
+        <p:nvPr/>
+      </p:nvGrpSpPr>
+      <p:grpSpPr>
+        <a:xfrm>
+          <a:off x="0" y="0"/>
+          <a:ext cx="0" cy="0"/>
+          <a:chOff x="0" y="0"/>
+          <a:chExt cx="0" cy="0"/>
+        </a:xfrm>
+      </p:grpSpPr>
+      <p:sp>
+        <p:nvSpPr>
+          <p:cNvPr id="2" name="TextBox 1"/>
+          <p:cNvSpPr txBox="1"/>
+          <p:nvPr/>
+        </p:nvSpPr>
+        <p:spPr>
+          <a:xfrm>
+            <a:off x="684000" y="188640"/>
+            <a:ext cx="7776000" cy="2308324"/>
+          </a:xfrm>
+          <a:prstGeom prst="rect">
+            <a:avLst/>
+          </a:prstGeom>
+          <a:noFill/>
+        </p:spPr>
+        <p:txBody>
+          <a:bodyPr wrap="square" rtlCol="0">
+            <a:spAutoFit/>
+          </a:bodyPr>
+          <a:lstStyle/>
+          <a:p>
+            <a:pPr>
+              <a:lnSpc>
+                <a:spcPct val="150000"/>
+              </a:lnSpc>
+            </a:pPr>
+            <a:r>
+              <a:rPr lang="en-US" altLang="zh-CN" sz="2400" b="1" dirty="0" smtClean="0">
+                <a:solidFill>
+                  <a:schemeClr val="tx1">
+                    <a:lumMod val="75000"/>
+                    <a:lumOff val="25000"/>
+                  </a:schemeClr>
+                </a:solidFill>
+                <a:latin typeface="微软雅黑" pitchFamily="34" charset="-122"/>
+                <a:ea typeface="微软雅黑" pitchFamily="34" charset="-122"/>
+              </a:rPr>
+              <a:t>hue</a:t>
+            </a:r>
+            <a:r>
+              <a:rPr lang="en-US" altLang="zh-CN" sz="2400" dirty="0" smtClean="0">
+                <a:solidFill>
+                  <a:schemeClr val="tx1">
+                    <a:lumMod val="75000"/>
+                    <a:lumOff val="25000"/>
+                  </a:schemeClr>
+                </a:solidFill>
+                <a:latin typeface="微软雅黑" pitchFamily="34" charset="-122"/>
+                <a:ea typeface="微软雅黑" pitchFamily="34" charset="-122"/>
+              </a:rPr>
+              <a:t>:  </a:t>
+            </a:r>
+            <a:r>
+              <a:rPr lang="zh-CN" altLang="en-US" sz="2400" dirty="0" smtClean="0">
+                <a:solidFill>
+                  <a:schemeClr val="tx1">
+                    <a:lumMod val="75000"/>
+                    <a:lumOff val="25000"/>
+                  </a:schemeClr>
+                </a:solidFill>
+                <a:latin typeface="微软雅黑" pitchFamily="34" charset="-122"/>
+                <a:ea typeface="微软雅黑" pitchFamily="34" charset="-122"/>
+              </a:rPr>
+              <a:t>差值，</a:t>
+            </a:r>
+            <a:r>
+              <a:rPr lang="en-US" altLang="zh-CN" sz="2400" dirty="0" smtClean="0">
+                <a:solidFill>
+                  <a:schemeClr val="tx1">
+                    <a:lumMod val="75000"/>
+                    <a:lumOff val="25000"/>
+                  </a:schemeClr>
+                </a:solidFill>
+                <a:latin typeface="微软雅黑" pitchFamily="34" charset="-122"/>
+                <a:ea typeface="微软雅黑" pitchFamily="34" charset="-122"/>
+              </a:rPr>
+              <a:t>(</a:t>
+            </a:r>
+            <a:r>
+              <a:rPr lang="en-US" altLang="zh-CN" sz="2400" dirty="0" err="1" smtClean="0">
+                <a:solidFill>
+                  <a:schemeClr val="tx1">
+                    <a:lumMod val="75000"/>
+                    <a:lumOff val="25000"/>
+                  </a:schemeClr>
+                </a:solidFill>
+                <a:latin typeface="微软雅黑" pitchFamily="34" charset="-122"/>
+                <a:ea typeface="微软雅黑" pitchFamily="34" charset="-122"/>
+              </a:rPr>
+              <a:t>Hc,Sc,Lc</a:t>
+            </a:r>
+            <a:r>
+              <a:rPr lang="en-US" altLang="zh-CN" sz="2400" dirty="0" smtClean="0">
+                <a:solidFill>
+                  <a:schemeClr val="tx1">
+                    <a:lumMod val="75000"/>
+                    <a:lumOff val="25000"/>
+                  </a:schemeClr>
+                </a:solidFill>
+                <a:latin typeface="微软雅黑" pitchFamily="34" charset="-122"/>
+                <a:ea typeface="微软雅黑" pitchFamily="34" charset="-122"/>
+              </a:rPr>
+              <a:t>) = (HB,SA,LA)</a:t>
+            </a:r>
+            <a:r>
+              <a:rPr lang="zh-CN" altLang="en-US" sz="2400" dirty="0" smtClean="0">
+                <a:solidFill>
+                  <a:schemeClr val="tx1">
+                    <a:lumMod val="75000"/>
+                    <a:lumOff val="25000"/>
+                  </a:schemeClr>
+                </a:solidFill>
+                <a:latin typeface="微软雅黑" pitchFamily="34" charset="-122"/>
+                <a:ea typeface="微软雅黑" pitchFamily="34" charset="-122"/>
+              </a:rPr>
+              <a:t>，</a:t>
+            </a:r>
+            <a:endParaRPr lang="en-US" altLang="zh-CN" sz="2400" dirty="0" smtClean="0">
+              <a:solidFill>
+                <a:schemeClr val="tx1">
+                  <a:lumMod val="75000"/>
+                  <a:lumOff val="25000"/>
+                </a:schemeClr>
+              </a:solidFill>
+              <a:latin typeface="微软雅黑" pitchFamily="34" charset="-122"/>
+              <a:ea typeface="微软雅黑" pitchFamily="34" charset="-122"/>
+            </a:endParaRPr>
+          </a:p>
+          <a:p>
+            <a:pPr>
+              <a:lnSpc>
+                <a:spcPct val="150000"/>
+              </a:lnSpc>
+            </a:pPr>
+            <a:r>
+              <a:rPr lang="zh-CN" altLang="en-US" sz="2400" dirty="0" smtClean="0">
+                <a:solidFill>
+                  <a:schemeClr val="tx1">
+                    <a:lumMod val="75000"/>
+                    <a:lumOff val="25000"/>
+                  </a:schemeClr>
+                </a:solidFill>
+                <a:latin typeface="微软雅黑" pitchFamily="34" charset="-122"/>
+                <a:ea typeface="微软雅黑" pitchFamily="34" charset="-122"/>
+              </a:rPr>
+              <a:t>输出图像色调为上层的，饱和度和亮度为下层的</a:t>
+            </a:r>
+            <a:endParaRPr lang="en-US" altLang="zh-CN" sz="2400" dirty="0" smtClean="0">
+              <a:solidFill>
+                <a:schemeClr val="tx1">
+                  <a:lumMod val="75000"/>
+                  <a:lumOff val="25000"/>
+                </a:schemeClr>
+              </a:solidFill>
+              <a:latin typeface="微软雅黑" pitchFamily="34" charset="-122"/>
+              <a:ea typeface="微软雅黑" pitchFamily="34" charset="-122"/>
+            </a:endParaRPr>
+          </a:p>
+          <a:p>
+            <a:pPr>
+              <a:lnSpc>
+                <a:spcPct val="150000"/>
+              </a:lnSpc>
+            </a:pPr>
+            <a:r>
+              <a:rPr lang="en-US" altLang="zh-CN" sz="2400" b="1" dirty="0" smtClean="0">
+                <a:solidFill>
+                  <a:schemeClr val="tx1">
+                    <a:lumMod val="75000"/>
+                    <a:lumOff val="25000"/>
+                  </a:schemeClr>
+                </a:solidFill>
+                <a:latin typeface="微软雅黑" pitchFamily="34" charset="-122"/>
+                <a:ea typeface="微软雅黑" pitchFamily="34" charset="-122"/>
+              </a:rPr>
+              <a:t>saturation</a:t>
+            </a:r>
+            <a:r>
+              <a:rPr lang="en-US" altLang="zh-CN" sz="2400" dirty="0" smtClean="0">
+                <a:solidFill>
+                  <a:schemeClr val="tx1">
+                    <a:lumMod val="75000"/>
+                    <a:lumOff val="25000"/>
+                  </a:schemeClr>
+                </a:solidFill>
+                <a:latin typeface="微软雅黑" pitchFamily="34" charset="-122"/>
+                <a:ea typeface="微软雅黑" pitchFamily="34" charset="-122"/>
+              </a:rPr>
+              <a:t>: </a:t>
+            </a:r>
+            <a:r>
+              <a:rPr lang="zh-CN" altLang="en-US" sz="2400" dirty="0" smtClean="0">
+                <a:solidFill>
+                  <a:schemeClr val="tx1">
+                    <a:lumMod val="75000"/>
+                    <a:lumOff val="25000"/>
+                  </a:schemeClr>
+                </a:solidFill>
+                <a:latin typeface="微软雅黑" pitchFamily="34" charset="-122"/>
+                <a:ea typeface="微软雅黑" pitchFamily="34" charset="-122"/>
+              </a:rPr>
+              <a:t>饱和度，</a:t>
+            </a:r>
+            <a:r>
+              <a:rPr lang="en-US" altLang="zh-CN" sz="2400" dirty="0" smtClean="0">
+                <a:solidFill>
+                  <a:schemeClr val="tx1">
+                    <a:lumMod val="75000"/>
+                    <a:lumOff val="25000"/>
+                  </a:schemeClr>
+                </a:solidFill>
+                <a:latin typeface="微软雅黑" pitchFamily="34" charset="-122"/>
+                <a:ea typeface="微软雅黑" pitchFamily="34" charset="-122"/>
+              </a:rPr>
+              <a:t>(</a:t>
+            </a:r>
+            <a:r>
+              <a:rPr lang="en-US" altLang="zh-CN" sz="2400" dirty="0" err="1" smtClean="0">
+                <a:solidFill>
+                  <a:schemeClr val="tx1">
+                    <a:lumMod val="75000"/>
+                    <a:lumOff val="25000"/>
+                  </a:schemeClr>
+                </a:solidFill>
+                <a:latin typeface="微软雅黑" pitchFamily="34" charset="-122"/>
+                <a:ea typeface="微软雅黑" pitchFamily="34" charset="-122"/>
+              </a:rPr>
+              <a:t>Hc,Sc</a:t>
+            </a:r>
+            <a:r>
+              <a:rPr lang="en-US" altLang="zh-CN" sz="2400" dirty="0" smtClean="0">
+                <a:solidFill>
+                  <a:schemeClr val="tx1">
+                    <a:lumMod val="75000"/>
+                    <a:lumOff val="25000"/>
+                  </a:schemeClr>
+                </a:solidFill>
+                <a:latin typeface="微软雅黑" pitchFamily="34" charset="-122"/>
+                <a:ea typeface="微软雅黑" pitchFamily="34" charset="-122"/>
+              </a:rPr>
+              <a:t>, </a:t>
+            </a:r>
+            <a:r>
+              <a:rPr lang="en-US" altLang="zh-CN" sz="2400" dirty="0" err="1">
+                <a:solidFill>
+                  <a:schemeClr val="tx1">
+                    <a:lumMod val="75000"/>
+                    <a:lumOff val="25000"/>
+                  </a:schemeClr>
+                </a:solidFill>
+                <a:latin typeface="微软雅黑" pitchFamily="34" charset="-122"/>
+                <a:ea typeface="微软雅黑" pitchFamily="34" charset="-122"/>
+              </a:rPr>
+              <a:t>L</a:t>
+            </a:r>
+            <a:r>
+              <a:rPr lang="en-US" altLang="zh-CN" sz="2400" dirty="0" err="1" smtClean="0">
+                <a:solidFill>
+                  <a:schemeClr val="tx1">
+                    <a:lumMod val="75000"/>
+                    <a:lumOff val="25000"/>
+                  </a:schemeClr>
+                </a:solidFill>
+                <a:latin typeface="微软雅黑" pitchFamily="34" charset="-122"/>
+                <a:ea typeface="微软雅黑" pitchFamily="34" charset="-122"/>
+              </a:rPr>
+              <a:t>c</a:t>
+            </a:r>
+            <a:r>
+              <a:rPr lang="en-US" altLang="zh-CN" sz="2400" dirty="0" smtClean="0">
+                <a:solidFill>
+                  <a:schemeClr val="tx1">
+                    <a:lumMod val="75000"/>
+                    <a:lumOff val="25000"/>
+                  </a:schemeClr>
+                </a:solidFill>
+                <a:latin typeface="微软雅黑" pitchFamily="34" charset="-122"/>
+                <a:ea typeface="微软雅黑" pitchFamily="34" charset="-122"/>
+              </a:rPr>
+              <a:t>) = (HA,SB,LA)</a:t>
+            </a:r>
+          </a:p>
+          <a:p>
+            <a:pPr>
+              <a:lnSpc>
+                <a:spcPct val="150000"/>
+              </a:lnSpc>
+            </a:pPr>
+            <a:r>
+              <a:rPr lang="zh-CN" altLang="en-US" sz="2400" dirty="0" smtClean="0">
+                <a:solidFill>
+                  <a:schemeClr val="tx1">
+                    <a:lumMod val="75000"/>
+                    <a:lumOff val="25000"/>
+                  </a:schemeClr>
+                </a:solidFill>
+                <a:latin typeface="微软雅黑" pitchFamily="34" charset="-122"/>
+                <a:ea typeface="微软雅黑" pitchFamily="34" charset="-122"/>
+              </a:rPr>
+              <a:t>输出图像饱和度为上层图像的，亮度和色调是下层的</a:t>
+            </a:r>
+            <a:endParaRPr lang="en-US" altLang="zh-CN" sz="2400" dirty="0" smtClean="0">
+              <a:solidFill>
+                <a:schemeClr val="tx1">
+                  <a:lumMod val="75000"/>
+                  <a:lumOff val="25000"/>
+                </a:schemeClr>
+              </a:solidFill>
+              <a:latin typeface="微软雅黑" pitchFamily="34" charset="-122"/>
+              <a:ea typeface="微软雅黑" pitchFamily="34" charset="-122"/>
+            </a:endParaRPr>
+          </a:p>
+        </p:txBody>
+      </p:sp>
+      <p:pic>
+        <p:nvPicPr>
+          <p:cNvPr id="4" name="图片 3" descr="屏幕剪辑"/>
+          <p:cNvPicPr>
+            <a:picLocks noChangeAspect="1"/>
+          </p:cNvPicPr>
+          <p:nvPr/>
+        </p:nvPicPr>
+        <p:blipFill>
+          <a:blip r:embed="rId2">
+            <a:extLst>
+              <a:ext uri="{28A0092B-C50C-407E-A947-70E740481C1C}">
+                <a14:useLocalDpi xmlns:a14="http://schemas.microsoft.com/office/drawing/2010/main" val="0"/>
+              </a:ext>
+            </a:extLst>
+          </a:blip>
+          <a:stretch>
+            <a:fillRect/>
+          </a:stretch>
+        </p:blipFill>
+        <p:spPr>
+          <a:xfrm>
+            <a:off x="1043608" y="2516574"/>
+            <a:ext cx="4408432" cy="1980000"/>
+          </a:xfrm>
+          <a:prstGeom prst="rect">
+            <a:avLst/>
+          </a:prstGeom>
+        </p:spPr>
+      </p:pic>
+      <p:pic>
+        <p:nvPicPr>
+          <p:cNvPr id="5" name="图片 4" descr="屏幕剪辑"/>
+          <p:cNvPicPr>
+            <a:picLocks noChangeAspect="1"/>
+          </p:cNvPicPr>
+          <p:nvPr/>
+        </p:nvPicPr>
+        <p:blipFill>
+          <a:blip r:embed="rId3">
+            <a:extLst>
+              <a:ext uri="{28A0092B-C50C-407E-A947-70E740481C1C}">
+                <a14:useLocalDpi xmlns:a14="http://schemas.microsoft.com/office/drawing/2010/main" val="0"/>
+              </a:ext>
+            </a:extLst>
+          </a:blip>
+          <a:stretch>
+            <a:fillRect/>
+          </a:stretch>
+        </p:blipFill>
+        <p:spPr>
+          <a:xfrm>
+            <a:off x="5724128" y="2529120"/>
+            <a:ext cx="2182183" cy="1980000"/>
+          </a:xfrm>
+          <a:prstGeom prst="rect">
+            <a:avLst/>
+          </a:prstGeom>
+        </p:spPr>
+      </p:pic>
+      <p:sp>
+        <p:nvSpPr>
+          <p:cNvPr id="6" name="圆角矩形标注 5"/>
+          <p:cNvSpPr/>
+          <p:nvPr/>
+        </p:nvSpPr>
+        <p:spPr>
+          <a:xfrm>
+            <a:off x="1405392" y="4570715"/>
+            <a:ext cx="1862684" cy="432000"/>
+          </a:xfrm>
+          <a:prstGeom prst="wedgeRoundRectCallout">
+            <a:avLst>
+              <a:gd name="adj1" fmla="val -28987"/>
+              <a:gd name="adj2" fmla="val -83833"/>
+              <a:gd name="adj3" fmla="val 16667"/>
+            </a:avLst>
+          </a:prstGeom>
+        </p:spPr>
+        <p:style>
+          <a:lnRef idx="2">
+            <a:schemeClr val="accent5"/>
+          </a:lnRef>
+          <a:fillRef idx="1">
+            <a:schemeClr val="lt1"/>
+          </a:fillRef>
+          <a:effectRef idx="0">
+            <a:schemeClr val="accent5"/>
+          </a:effectRef>
+          <a:fontRef idx="minor">
+            <a:schemeClr val="dk1"/>
+          </a:fontRef>
+        </p:style>
+        <p:txBody>
+          <a:bodyPr rtlCol="0" anchor="ctr"/>
+          <a:lstStyle/>
+          <a:p>
+            <a:pPr>
+              <a:lnSpc>
+                <a:spcPct val="150000"/>
+              </a:lnSpc>
+            </a:pPr>
+            <a:r>
+              <a:rPr lang="zh-CN" altLang="en-US" sz="2000" dirty="0">
+                <a:solidFill>
+                  <a:schemeClr val="tx1">
+                    <a:lumMod val="75000"/>
+                    <a:lumOff val="25000"/>
+                  </a:schemeClr>
+                </a:solidFill>
+                <a:latin typeface="微软雅黑" pitchFamily="34" charset="-122"/>
+                <a:ea typeface="微软雅黑" pitchFamily="34" charset="-122"/>
+              </a:rPr>
+              <a:t>色相</a:t>
+            </a:r>
+            <a:r>
+              <a:rPr lang="zh-CN" altLang="en-US" sz="2000" dirty="0" smtClean="0">
+                <a:solidFill>
+                  <a:schemeClr val="tx1">
+                    <a:lumMod val="75000"/>
+                    <a:lumOff val="25000"/>
+                  </a:schemeClr>
+                </a:solidFill>
+                <a:latin typeface="微软雅黑" pitchFamily="34" charset="-122"/>
+                <a:ea typeface="微软雅黑" pitchFamily="34" charset="-122"/>
+              </a:rPr>
+              <a:t>环的色相</a:t>
+            </a:r>
+            <a:endParaRPr lang="en-US" altLang="zh-CN" sz="2000" dirty="0">
+              <a:solidFill>
+                <a:schemeClr val="tx1">
+                  <a:lumMod val="75000"/>
+                  <a:lumOff val="25000"/>
+                </a:schemeClr>
+              </a:solidFill>
+              <a:latin typeface="微软雅黑" pitchFamily="34" charset="-122"/>
+              <a:ea typeface="微软雅黑" pitchFamily="34" charset="-122"/>
+            </a:endParaRPr>
+          </a:p>
+        </p:txBody>
+      </p:sp>
+      <p:sp>
+        <p:nvSpPr>
+          <p:cNvPr id="7" name="圆角矩形标注 6"/>
+          <p:cNvSpPr/>
+          <p:nvPr/>
+        </p:nvSpPr>
+        <p:spPr>
+          <a:xfrm>
+            <a:off x="3589356" y="4581176"/>
+            <a:ext cx="2134772" cy="432000"/>
+          </a:xfrm>
+          <a:prstGeom prst="wedgeRoundRectCallout">
+            <a:avLst>
+              <a:gd name="adj1" fmla="val -28987"/>
+              <a:gd name="adj2" fmla="val -83833"/>
+              <a:gd name="adj3" fmla="val 16667"/>
+            </a:avLst>
+          </a:prstGeom>
+        </p:spPr>
+        <p:style>
+          <a:lnRef idx="2">
+            <a:schemeClr val="accent5"/>
+          </a:lnRef>
+          <a:fillRef idx="1">
+            <a:schemeClr val="lt1"/>
+          </a:fillRef>
+          <a:effectRef idx="0">
+            <a:schemeClr val="accent5"/>
+          </a:effectRef>
+          <a:fontRef idx="minor">
+            <a:schemeClr val="dk1"/>
+          </a:fontRef>
+        </p:style>
+        <p:txBody>
+          <a:bodyPr rtlCol="0" anchor="ctr"/>
+          <a:lstStyle/>
+          <a:p>
+            <a:pPr>
+              <a:lnSpc>
+                <a:spcPct val="150000"/>
+              </a:lnSpc>
+            </a:pPr>
+            <a:r>
+              <a:rPr lang="zh-CN" altLang="en-US" sz="2000" dirty="0">
+                <a:solidFill>
+                  <a:schemeClr val="tx1">
+                    <a:lumMod val="75000"/>
+                    <a:lumOff val="25000"/>
+                  </a:schemeClr>
+                </a:solidFill>
+                <a:latin typeface="微软雅黑" pitchFamily="34" charset="-122"/>
+                <a:ea typeface="微软雅黑" pitchFamily="34" charset="-122"/>
+              </a:rPr>
+              <a:t>色相</a:t>
+            </a:r>
+            <a:r>
+              <a:rPr lang="zh-CN" altLang="en-US" sz="2000" dirty="0" smtClean="0">
+                <a:solidFill>
+                  <a:schemeClr val="tx1">
+                    <a:lumMod val="75000"/>
+                    <a:lumOff val="25000"/>
+                  </a:schemeClr>
+                </a:solidFill>
+                <a:latin typeface="微软雅黑" pitchFamily="34" charset="-122"/>
+                <a:ea typeface="微软雅黑" pitchFamily="34" charset="-122"/>
+              </a:rPr>
+              <a:t>环的饱和度</a:t>
+            </a:r>
+            <a:endParaRPr lang="en-US" altLang="zh-CN" sz="2000" dirty="0">
+              <a:solidFill>
+                <a:schemeClr val="tx1">
+                  <a:lumMod val="75000"/>
+                  <a:lumOff val="25000"/>
+                </a:schemeClr>
+              </a:solidFill>
+              <a:latin typeface="微软雅黑" pitchFamily="34" charset="-122"/>
+              <a:ea typeface="微软雅黑" pitchFamily="34" charset="-122"/>
+            </a:endParaRPr>
+          </a:p>
+        </p:txBody>
+      </p:sp>
+    </p:spTree>
+    <p:extLst>
+      <p:ext uri="{BB962C8B-B14F-4D97-AF65-F5344CB8AC3E}">
+        <p14:creationId xmlns:p14="http://schemas.microsoft.com/office/powerpoint/2010/main" val="2129388395"/>
+      </p:ext>
+    </p:extLst>
+  </p:cSld>
+  <p:clrMapOvr>
+    <a:masterClrMapping/>
+  </p:clrMapOvr>
+</p:sld>
+</file>
+
+<file path=ppt/slides/slide16.xml><?xml version="1.0" encoding="utf-8"?>
+<p:sld xmlns:a="http://schemas.openxmlformats.org/drawingml/2006/main" xmlns:r="http://schemas.openxmlformats.org/officeDocument/2006/relationships" xmlns:p="http://schemas.openxmlformats.org/presentationml/2006/main">
+  <p:cSld>
+    <p:spTree>
+      <p:nvGrpSpPr>
+        <p:cNvPr id="1" name=""/>
+        <p:cNvGrpSpPr/>
+        <p:nvPr/>
+      </p:nvGrpSpPr>
+      <p:grpSpPr>
+        <a:xfrm>
+          <a:off x="0" y="0"/>
+          <a:ext cx="0" cy="0"/>
+          <a:chOff x="0" y="0"/>
+          <a:chExt cx="0" cy="0"/>
+        </a:xfrm>
+      </p:grpSpPr>
+      <p:sp>
+        <p:nvSpPr>
+          <p:cNvPr id="2" name="TextBox 1"/>
+          <p:cNvSpPr txBox="1"/>
+          <p:nvPr/>
+        </p:nvSpPr>
+        <p:spPr>
+          <a:xfrm>
+            <a:off x="684000" y="188640"/>
+            <a:ext cx="7776000" cy="2308324"/>
+          </a:xfrm>
+          <a:prstGeom prst="rect">
+            <a:avLst/>
+          </a:prstGeom>
+          <a:noFill/>
+        </p:spPr>
+        <p:txBody>
+          <a:bodyPr wrap="square" rtlCol="0">
+            <a:spAutoFit/>
+          </a:bodyPr>
+          <a:lstStyle/>
+          <a:p>
+            <a:pPr>
+              <a:lnSpc>
+                <a:spcPct val="150000"/>
+              </a:lnSpc>
+            </a:pPr>
+            <a:r>
+              <a:rPr lang="en-US" altLang="zh-CN" sz="2400" b="1" dirty="0" smtClean="0">
+                <a:solidFill>
+                  <a:schemeClr val="tx1">
+                    <a:lumMod val="75000"/>
+                    <a:lumOff val="25000"/>
+                  </a:schemeClr>
+                </a:solidFill>
+                <a:latin typeface="微软雅黑" pitchFamily="34" charset="-122"/>
+                <a:ea typeface="微软雅黑" pitchFamily="34" charset="-122"/>
+              </a:rPr>
+              <a:t>color</a:t>
+            </a:r>
+            <a:r>
+              <a:rPr lang="en-US" altLang="zh-CN" sz="2400" dirty="0" smtClean="0">
+                <a:solidFill>
+                  <a:schemeClr val="tx1">
+                    <a:lumMod val="75000"/>
+                    <a:lumOff val="25000"/>
+                  </a:schemeClr>
+                </a:solidFill>
+                <a:latin typeface="微软雅黑" pitchFamily="34" charset="-122"/>
+                <a:ea typeface="微软雅黑" pitchFamily="34" charset="-122"/>
+              </a:rPr>
+              <a:t>:  </a:t>
+            </a:r>
+            <a:r>
+              <a:rPr lang="zh-CN" altLang="en-US" sz="2400" dirty="0" smtClean="0">
+                <a:solidFill>
+                  <a:schemeClr val="tx1">
+                    <a:lumMod val="75000"/>
+                    <a:lumOff val="25000"/>
+                  </a:schemeClr>
+                </a:solidFill>
+                <a:latin typeface="微软雅黑" pitchFamily="34" charset="-122"/>
+                <a:ea typeface="微软雅黑" pitchFamily="34" charset="-122"/>
+              </a:rPr>
+              <a:t>颜色，</a:t>
+            </a:r>
+            <a:r>
+              <a:rPr lang="en-US" altLang="zh-CN" sz="2400" dirty="0" smtClean="0">
+                <a:solidFill>
+                  <a:schemeClr val="tx1">
+                    <a:lumMod val="75000"/>
+                    <a:lumOff val="25000"/>
+                  </a:schemeClr>
+                </a:solidFill>
+                <a:latin typeface="微软雅黑" pitchFamily="34" charset="-122"/>
+                <a:ea typeface="微软雅黑" pitchFamily="34" charset="-122"/>
+              </a:rPr>
+              <a:t>(</a:t>
+            </a:r>
+            <a:r>
+              <a:rPr lang="en-US" altLang="zh-CN" sz="2400" dirty="0" err="1" smtClean="0">
+                <a:solidFill>
+                  <a:schemeClr val="tx1">
+                    <a:lumMod val="75000"/>
+                    <a:lumOff val="25000"/>
+                  </a:schemeClr>
+                </a:solidFill>
+                <a:latin typeface="微软雅黑" pitchFamily="34" charset="-122"/>
+                <a:ea typeface="微软雅黑" pitchFamily="34" charset="-122"/>
+              </a:rPr>
+              <a:t>Hc,Sc,Lc</a:t>
+            </a:r>
+            <a:r>
+              <a:rPr lang="en-US" altLang="zh-CN" sz="2400" dirty="0" smtClean="0">
+                <a:solidFill>
+                  <a:schemeClr val="tx1">
+                    <a:lumMod val="75000"/>
+                    <a:lumOff val="25000"/>
+                  </a:schemeClr>
+                </a:solidFill>
+                <a:latin typeface="微软雅黑" pitchFamily="34" charset="-122"/>
+                <a:ea typeface="微软雅黑" pitchFamily="34" charset="-122"/>
+              </a:rPr>
+              <a:t>) = (HB,SB,LA)</a:t>
+            </a:r>
+            <a:r>
+              <a:rPr lang="zh-CN" altLang="en-US" sz="2400" dirty="0" smtClean="0">
+                <a:solidFill>
+                  <a:schemeClr val="tx1">
+                    <a:lumMod val="75000"/>
+                    <a:lumOff val="25000"/>
+                  </a:schemeClr>
+                </a:solidFill>
+                <a:latin typeface="微软雅黑" pitchFamily="34" charset="-122"/>
+                <a:ea typeface="微软雅黑" pitchFamily="34" charset="-122"/>
+              </a:rPr>
+              <a:t>，</a:t>
+            </a:r>
+            <a:endParaRPr lang="en-US" altLang="zh-CN" sz="2400" dirty="0" smtClean="0">
+              <a:solidFill>
+                <a:schemeClr val="tx1">
+                  <a:lumMod val="75000"/>
+                  <a:lumOff val="25000"/>
+                </a:schemeClr>
+              </a:solidFill>
+              <a:latin typeface="微软雅黑" pitchFamily="34" charset="-122"/>
+              <a:ea typeface="微软雅黑" pitchFamily="34" charset="-122"/>
+            </a:endParaRPr>
+          </a:p>
+          <a:p>
+            <a:pPr>
+              <a:lnSpc>
+                <a:spcPct val="150000"/>
+              </a:lnSpc>
+            </a:pPr>
+            <a:r>
+              <a:rPr lang="zh-CN" altLang="en-US" sz="2400" dirty="0" smtClean="0">
+                <a:solidFill>
+                  <a:schemeClr val="tx1">
+                    <a:lumMod val="75000"/>
+                    <a:lumOff val="25000"/>
+                  </a:schemeClr>
+                </a:solidFill>
+                <a:latin typeface="微软雅黑" pitchFamily="34" charset="-122"/>
+                <a:ea typeface="微软雅黑" pitchFamily="34" charset="-122"/>
+              </a:rPr>
+              <a:t>输出图像亮度是上层的，饱和度和色调为下层的</a:t>
+            </a:r>
+            <a:endParaRPr lang="en-US" altLang="zh-CN" sz="2400" dirty="0" smtClean="0">
+              <a:solidFill>
+                <a:schemeClr val="tx1">
+                  <a:lumMod val="75000"/>
+                  <a:lumOff val="25000"/>
+                </a:schemeClr>
+              </a:solidFill>
+              <a:latin typeface="微软雅黑" pitchFamily="34" charset="-122"/>
+              <a:ea typeface="微软雅黑" pitchFamily="34" charset="-122"/>
+            </a:endParaRPr>
+          </a:p>
+          <a:p>
+            <a:pPr>
+              <a:lnSpc>
+                <a:spcPct val="150000"/>
+              </a:lnSpc>
+            </a:pPr>
+            <a:r>
+              <a:rPr lang="en-US" altLang="zh-CN" sz="2400" b="1" dirty="0" smtClean="0">
+                <a:solidFill>
+                  <a:schemeClr val="tx1">
+                    <a:lumMod val="75000"/>
+                    <a:lumOff val="25000"/>
+                  </a:schemeClr>
+                </a:solidFill>
+                <a:latin typeface="微软雅黑" pitchFamily="34" charset="-122"/>
+                <a:ea typeface="微软雅黑" pitchFamily="34" charset="-122"/>
+              </a:rPr>
+              <a:t>luminosity</a:t>
+            </a:r>
+            <a:r>
+              <a:rPr lang="en-US" altLang="zh-CN" sz="2400" dirty="0" smtClean="0">
+                <a:solidFill>
+                  <a:schemeClr val="tx1">
+                    <a:lumMod val="75000"/>
+                    <a:lumOff val="25000"/>
+                  </a:schemeClr>
+                </a:solidFill>
+                <a:latin typeface="微软雅黑" pitchFamily="34" charset="-122"/>
+                <a:ea typeface="微软雅黑" pitchFamily="34" charset="-122"/>
+              </a:rPr>
+              <a:t>: </a:t>
+            </a:r>
+            <a:r>
+              <a:rPr lang="zh-CN" altLang="en-US" sz="2400" dirty="0" smtClean="0">
+                <a:solidFill>
+                  <a:schemeClr val="tx1">
+                    <a:lumMod val="75000"/>
+                    <a:lumOff val="25000"/>
+                  </a:schemeClr>
+                </a:solidFill>
+                <a:latin typeface="微软雅黑" pitchFamily="34" charset="-122"/>
+                <a:ea typeface="微软雅黑" pitchFamily="34" charset="-122"/>
+              </a:rPr>
+              <a:t>亮度，</a:t>
+            </a:r>
+            <a:r>
+              <a:rPr lang="en-US" altLang="zh-CN" sz="2400" dirty="0" smtClean="0">
+                <a:solidFill>
+                  <a:schemeClr val="tx1">
+                    <a:lumMod val="75000"/>
+                    <a:lumOff val="25000"/>
+                  </a:schemeClr>
+                </a:solidFill>
+                <a:latin typeface="微软雅黑" pitchFamily="34" charset="-122"/>
+                <a:ea typeface="微软雅黑" pitchFamily="34" charset="-122"/>
+              </a:rPr>
+              <a:t>(</a:t>
+            </a:r>
+            <a:r>
+              <a:rPr lang="en-US" altLang="zh-CN" sz="2400" dirty="0" err="1" smtClean="0">
+                <a:solidFill>
+                  <a:schemeClr val="tx1">
+                    <a:lumMod val="75000"/>
+                    <a:lumOff val="25000"/>
+                  </a:schemeClr>
+                </a:solidFill>
+                <a:latin typeface="微软雅黑" pitchFamily="34" charset="-122"/>
+                <a:ea typeface="微软雅黑" pitchFamily="34" charset="-122"/>
+              </a:rPr>
+              <a:t>Hc,Sc,Lc</a:t>
+            </a:r>
+            <a:r>
+              <a:rPr lang="en-US" altLang="zh-CN" sz="2400" dirty="0" smtClean="0">
+                <a:solidFill>
+                  <a:schemeClr val="tx1">
+                    <a:lumMod val="75000"/>
+                    <a:lumOff val="25000"/>
+                  </a:schemeClr>
+                </a:solidFill>
+                <a:latin typeface="微软雅黑" pitchFamily="34" charset="-122"/>
+                <a:ea typeface="微软雅黑" pitchFamily="34" charset="-122"/>
+              </a:rPr>
+              <a:t>) = (HA,SA,LB)</a:t>
+            </a:r>
+          </a:p>
+          <a:p>
+            <a:pPr>
+              <a:lnSpc>
+                <a:spcPct val="150000"/>
+              </a:lnSpc>
+            </a:pPr>
+            <a:r>
+              <a:rPr lang="zh-CN" altLang="en-US" sz="2400" dirty="0" smtClean="0">
+                <a:solidFill>
+                  <a:schemeClr val="tx1">
+                    <a:lumMod val="75000"/>
+                    <a:lumOff val="25000"/>
+                  </a:schemeClr>
+                </a:solidFill>
+                <a:latin typeface="微软雅黑" pitchFamily="34" charset="-122"/>
+                <a:ea typeface="微软雅黑" pitchFamily="34" charset="-122"/>
+              </a:rPr>
+              <a:t>输出图像亮度为上层图像的，色调和饱和度是下层的</a:t>
+            </a:r>
+            <a:endParaRPr lang="en-US" altLang="zh-CN" sz="2400" dirty="0" smtClean="0">
+              <a:solidFill>
+                <a:schemeClr val="tx1">
+                  <a:lumMod val="75000"/>
+                  <a:lumOff val="25000"/>
+                </a:schemeClr>
+              </a:solidFill>
+              <a:latin typeface="微软雅黑" pitchFamily="34" charset="-122"/>
+              <a:ea typeface="微软雅黑" pitchFamily="34" charset="-122"/>
+            </a:endParaRPr>
+          </a:p>
+        </p:txBody>
+      </p:sp>
+      <p:pic>
+        <p:nvPicPr>
+          <p:cNvPr id="3" name="图片 2" descr="屏幕剪辑"/>
+          <p:cNvPicPr>
+            <a:picLocks noChangeAspect="1"/>
+          </p:cNvPicPr>
+          <p:nvPr/>
+        </p:nvPicPr>
+        <p:blipFill>
+          <a:blip r:embed="rId2">
+            <a:extLst>
+              <a:ext uri="{28A0092B-C50C-407E-A947-70E740481C1C}">
+                <a14:useLocalDpi xmlns:a14="http://schemas.microsoft.com/office/drawing/2010/main" val="0"/>
+              </a:ext>
+            </a:extLst>
+          </a:blip>
+          <a:stretch>
+            <a:fillRect/>
+          </a:stretch>
+        </p:blipFill>
+        <p:spPr>
+          <a:xfrm>
+            <a:off x="1172588" y="2529120"/>
+            <a:ext cx="4335516" cy="1980000"/>
+          </a:xfrm>
+          <a:prstGeom prst="rect">
+            <a:avLst/>
+          </a:prstGeom>
+        </p:spPr>
+      </p:pic>
+      <p:pic>
+        <p:nvPicPr>
+          <p:cNvPr id="5" name="图片 4" descr="屏幕剪辑"/>
+          <p:cNvPicPr>
+            <a:picLocks noChangeAspect="1"/>
+          </p:cNvPicPr>
+          <p:nvPr/>
+        </p:nvPicPr>
+        <p:blipFill>
+          <a:blip r:embed="rId3">
+            <a:extLst>
+              <a:ext uri="{28A0092B-C50C-407E-A947-70E740481C1C}">
+                <a14:useLocalDpi xmlns:a14="http://schemas.microsoft.com/office/drawing/2010/main" val="0"/>
+              </a:ext>
+            </a:extLst>
+          </a:blip>
+          <a:stretch>
+            <a:fillRect/>
+          </a:stretch>
+        </p:blipFill>
+        <p:spPr>
+          <a:xfrm>
+            <a:off x="5724128" y="2529120"/>
+            <a:ext cx="2182183" cy="1980000"/>
+          </a:xfrm>
+          <a:prstGeom prst="rect">
+            <a:avLst/>
+          </a:prstGeom>
+        </p:spPr>
+      </p:pic>
+      <p:sp>
+        <p:nvSpPr>
+          <p:cNvPr id="6" name="圆角矩形标注 5"/>
+          <p:cNvSpPr/>
+          <p:nvPr/>
+        </p:nvSpPr>
+        <p:spPr>
+          <a:xfrm>
+            <a:off x="1405392" y="4570715"/>
+            <a:ext cx="1862684" cy="432000"/>
+          </a:xfrm>
+          <a:prstGeom prst="wedgeRoundRectCallout">
+            <a:avLst>
+              <a:gd name="adj1" fmla="val -28987"/>
+              <a:gd name="adj2" fmla="val -83833"/>
+              <a:gd name="adj3" fmla="val 16667"/>
+            </a:avLst>
+          </a:prstGeom>
+        </p:spPr>
+        <p:style>
+          <a:lnRef idx="2">
+            <a:schemeClr val="accent5"/>
+          </a:lnRef>
+          <a:fillRef idx="1">
+            <a:schemeClr val="lt1"/>
+          </a:fillRef>
+          <a:effectRef idx="0">
+            <a:schemeClr val="accent5"/>
+          </a:effectRef>
+          <a:fontRef idx="minor">
+            <a:schemeClr val="dk1"/>
+          </a:fontRef>
+        </p:style>
+        <p:txBody>
+          <a:bodyPr rtlCol="0" anchor="ctr"/>
+          <a:lstStyle/>
+          <a:p>
+            <a:pPr>
+              <a:lnSpc>
+                <a:spcPct val="150000"/>
+              </a:lnSpc>
+            </a:pPr>
+            <a:r>
+              <a:rPr lang="zh-CN" altLang="en-US" sz="2000" dirty="0">
+                <a:solidFill>
+                  <a:schemeClr val="tx1">
+                    <a:lumMod val="75000"/>
+                    <a:lumOff val="25000"/>
+                  </a:schemeClr>
+                </a:solidFill>
+                <a:latin typeface="微软雅黑" pitchFamily="34" charset="-122"/>
+                <a:ea typeface="微软雅黑" pitchFamily="34" charset="-122"/>
+              </a:rPr>
+              <a:t>色相</a:t>
+            </a:r>
+            <a:r>
+              <a:rPr lang="zh-CN" altLang="en-US" sz="2000" dirty="0" smtClean="0">
+                <a:solidFill>
+                  <a:schemeClr val="tx1">
+                    <a:lumMod val="75000"/>
+                    <a:lumOff val="25000"/>
+                  </a:schemeClr>
+                </a:solidFill>
+                <a:latin typeface="微软雅黑" pitchFamily="34" charset="-122"/>
+                <a:ea typeface="微软雅黑" pitchFamily="34" charset="-122"/>
+              </a:rPr>
+              <a:t>环的</a:t>
+            </a:r>
+            <a:r>
+              <a:rPr lang="zh-CN" altLang="en-US" sz="2000" dirty="0">
+                <a:solidFill>
+                  <a:schemeClr val="tx1">
+                    <a:lumMod val="75000"/>
+                    <a:lumOff val="25000"/>
+                  </a:schemeClr>
+                </a:solidFill>
+                <a:latin typeface="微软雅黑" pitchFamily="34" charset="-122"/>
+                <a:ea typeface="微软雅黑" pitchFamily="34" charset="-122"/>
+              </a:rPr>
+              <a:t>颜色</a:t>
+            </a:r>
+            <a:endParaRPr lang="en-US" altLang="zh-CN" sz="2000" dirty="0">
+              <a:solidFill>
+                <a:schemeClr val="tx1">
+                  <a:lumMod val="75000"/>
+                  <a:lumOff val="25000"/>
+                </a:schemeClr>
+              </a:solidFill>
+              <a:latin typeface="微软雅黑" pitchFamily="34" charset="-122"/>
+              <a:ea typeface="微软雅黑" pitchFamily="34" charset="-122"/>
+            </a:endParaRPr>
+          </a:p>
+        </p:txBody>
+      </p:sp>
+      <p:sp>
+        <p:nvSpPr>
+          <p:cNvPr id="7" name="圆角矩形标注 6"/>
+          <p:cNvSpPr/>
+          <p:nvPr/>
+        </p:nvSpPr>
+        <p:spPr>
+          <a:xfrm>
+            <a:off x="3589356" y="4581176"/>
+            <a:ext cx="1774732" cy="432000"/>
+          </a:xfrm>
+          <a:prstGeom prst="wedgeRoundRectCallout">
+            <a:avLst>
+              <a:gd name="adj1" fmla="val -21853"/>
+              <a:gd name="adj2" fmla="val -70807"/>
+              <a:gd name="adj3" fmla="val 16667"/>
+            </a:avLst>
+          </a:prstGeom>
+        </p:spPr>
+        <p:style>
+          <a:lnRef idx="2">
+            <a:schemeClr val="accent5"/>
+          </a:lnRef>
+          <a:fillRef idx="1">
+            <a:schemeClr val="lt1"/>
+          </a:fillRef>
+          <a:effectRef idx="0">
+            <a:schemeClr val="accent5"/>
+          </a:effectRef>
+          <a:fontRef idx="minor">
+            <a:schemeClr val="dk1"/>
+          </a:fontRef>
+        </p:style>
+        <p:txBody>
+          <a:bodyPr rtlCol="0" anchor="ctr"/>
+          <a:lstStyle/>
+          <a:p>
+            <a:pPr>
+              <a:lnSpc>
+                <a:spcPct val="150000"/>
+              </a:lnSpc>
+            </a:pPr>
+            <a:r>
+              <a:rPr lang="zh-CN" altLang="en-US" sz="2000" dirty="0">
+                <a:solidFill>
+                  <a:schemeClr val="tx1">
+                    <a:lumMod val="75000"/>
+                    <a:lumOff val="25000"/>
+                  </a:schemeClr>
+                </a:solidFill>
+                <a:latin typeface="微软雅黑" pitchFamily="34" charset="-122"/>
+                <a:ea typeface="微软雅黑" pitchFamily="34" charset="-122"/>
+              </a:rPr>
+              <a:t>色相</a:t>
+            </a:r>
+            <a:r>
+              <a:rPr lang="zh-CN" altLang="en-US" sz="2000" dirty="0" smtClean="0">
+                <a:solidFill>
+                  <a:schemeClr val="tx1">
+                    <a:lumMod val="75000"/>
+                    <a:lumOff val="25000"/>
+                  </a:schemeClr>
+                </a:solidFill>
+                <a:latin typeface="微软雅黑" pitchFamily="34" charset="-122"/>
+                <a:ea typeface="微软雅黑" pitchFamily="34" charset="-122"/>
+              </a:rPr>
+              <a:t>环的亮度</a:t>
+            </a:r>
+            <a:endParaRPr lang="en-US" altLang="zh-CN" sz="2000" dirty="0">
+              <a:solidFill>
+                <a:schemeClr val="tx1">
+                  <a:lumMod val="75000"/>
+                  <a:lumOff val="25000"/>
+                </a:schemeClr>
+              </a:solidFill>
+              <a:latin typeface="微软雅黑" pitchFamily="34" charset="-122"/>
+              <a:ea typeface="微软雅黑" pitchFamily="34" charset="-122"/>
+            </a:endParaRPr>
+          </a:p>
+        </p:txBody>
+      </p:sp>
+    </p:spTree>
+    <p:extLst>
+      <p:ext uri="{BB962C8B-B14F-4D97-AF65-F5344CB8AC3E}">
+        <p14:creationId xmlns:p14="http://schemas.microsoft.com/office/powerpoint/2010/main" val="188569943"/>
+      </p:ext>
+    </p:extLst>
+  </p:cSld>
+  <p:clrMapOvr>
+    <a:masterClrMapping/>
+  </p:clrMapOvr>
+</p:sld>
+</file>
+
+<file path=ppt/slides/slide17.xml><?xml version="1.0" encoding="utf-8"?>
+<p:sld xmlns:a="http://schemas.openxmlformats.org/drawingml/2006/main" xmlns:r="http://schemas.openxmlformats.org/officeDocument/2006/relationships" xmlns:p="http://schemas.openxmlformats.org/presentationml/2006/main">
+  <p:cSld>
+    <p:spTree>
+      <p:nvGrpSpPr>
+        <p:cNvPr id="1" name=""/>
+        <p:cNvGrpSpPr/>
+        <p:nvPr/>
+      </p:nvGrpSpPr>
+      <p:grpSpPr>
+        <a:xfrm>
+          <a:off x="0" y="0"/>
+          <a:ext cx="0" cy="0"/>
+          <a:chOff x="0" y="0"/>
+          <a:chExt cx="0" cy="0"/>
+        </a:xfrm>
+      </p:grpSpPr>
+      <p:sp>
+        <p:nvSpPr>
+          <p:cNvPr id="4" name="TextBox 3"/>
+          <p:cNvSpPr txBox="1"/>
+          <p:nvPr/>
+        </p:nvSpPr>
+        <p:spPr>
+          <a:xfrm>
+            <a:off x="684000" y="44624"/>
+            <a:ext cx="7776000" cy="523220"/>
+          </a:xfrm>
+          <a:prstGeom prst="rect">
+            <a:avLst/>
+          </a:prstGeom>
+          <a:noFill/>
+        </p:spPr>
+        <p:txBody>
+          <a:bodyPr wrap="square" rtlCol="0">
+            <a:spAutoFit/>
+          </a:bodyPr>
+          <a:lstStyle/>
+          <a:p>
+            <a:r>
+              <a:rPr lang="en-US" altLang="zh-CN" sz="2800" b="1" dirty="0" smtClean="0">
+                <a:solidFill>
+                  <a:schemeClr val="tx1">
+                    <a:lumMod val="75000"/>
+                    <a:lumOff val="25000"/>
+                  </a:schemeClr>
+                </a:solidFill>
+                <a:latin typeface="微软雅黑" pitchFamily="34" charset="-122"/>
+                <a:ea typeface="微软雅黑" pitchFamily="34" charset="-122"/>
+              </a:rPr>
+              <a:t>5.</a:t>
+            </a:r>
+            <a:r>
+              <a:rPr lang="zh-CN" altLang="en-US" sz="2800" b="1" dirty="0" smtClean="0">
+                <a:solidFill>
+                  <a:schemeClr val="tx1">
+                    <a:lumMod val="75000"/>
+                    <a:lumOff val="25000"/>
+                  </a:schemeClr>
+                </a:solidFill>
+                <a:latin typeface="微软雅黑" pitchFamily="34" charset="-122"/>
+                <a:ea typeface="微软雅黑" pitchFamily="34" charset="-122"/>
+              </a:rPr>
+              <a:t>艺术效果</a:t>
+            </a:r>
+            <a:endParaRPr lang="zh-CN" altLang="en-US" sz="2800" b="1" dirty="0">
+              <a:solidFill>
+                <a:schemeClr val="tx1">
+                  <a:lumMod val="75000"/>
+                  <a:lumOff val="25000"/>
+                </a:schemeClr>
+              </a:solidFill>
+              <a:latin typeface="微软雅黑" pitchFamily="34" charset="-122"/>
+              <a:ea typeface="微软雅黑" pitchFamily="34" charset="-122"/>
+            </a:endParaRPr>
+          </a:p>
+        </p:txBody>
+      </p:sp>
+      <p:sp>
+        <p:nvSpPr>
+          <p:cNvPr id="5" name="TextBox 4"/>
+          <p:cNvSpPr txBox="1"/>
+          <p:nvPr/>
+        </p:nvSpPr>
+        <p:spPr>
+          <a:xfrm>
+            <a:off x="684000" y="548680"/>
+            <a:ext cx="7776000" cy="1754326"/>
+          </a:xfrm>
+          <a:prstGeom prst="rect">
+            <a:avLst/>
+          </a:prstGeom>
+          <a:noFill/>
+        </p:spPr>
+        <p:txBody>
+          <a:bodyPr wrap="square" rtlCol="0">
+            <a:spAutoFit/>
+          </a:bodyPr>
+          <a:lstStyle/>
+          <a:p>
+            <a:pPr>
+              <a:lnSpc>
+                <a:spcPct val="150000"/>
+              </a:lnSpc>
+            </a:pPr>
+            <a:r>
+              <a:rPr lang="en-US" altLang="zh-CN" sz="2400" b="1" smtClean="0">
+                <a:solidFill>
+                  <a:schemeClr val="tx1">
+                    <a:lumMod val="75000"/>
+                    <a:lumOff val="25000"/>
+                  </a:schemeClr>
+                </a:solidFill>
+                <a:latin typeface="微软雅黑" pitchFamily="34" charset="-122"/>
+                <a:ea typeface="微软雅黑" pitchFamily="34" charset="-122"/>
+              </a:rPr>
+              <a:t>5-a </a:t>
+            </a:r>
+            <a:r>
+              <a:rPr lang="zh-CN" altLang="en-US" sz="2400" b="1" smtClean="0">
+                <a:solidFill>
+                  <a:schemeClr val="tx1">
+                    <a:lumMod val="75000"/>
+                    <a:lumOff val="25000"/>
+                  </a:schemeClr>
+                </a:solidFill>
+                <a:latin typeface="微软雅黑" pitchFamily="34" charset="-122"/>
+                <a:ea typeface="微软雅黑" pitchFamily="34" charset="-122"/>
+              </a:rPr>
+              <a:t>铅笔</a:t>
+            </a:r>
+            <a:r>
+              <a:rPr lang="zh-CN" altLang="en-US" sz="2400" b="1" dirty="0" smtClean="0">
+                <a:solidFill>
+                  <a:schemeClr val="tx1">
+                    <a:lumMod val="75000"/>
+                    <a:lumOff val="25000"/>
+                  </a:schemeClr>
+                </a:solidFill>
+                <a:latin typeface="微软雅黑" pitchFamily="34" charset="-122"/>
+                <a:ea typeface="微软雅黑" pitchFamily="34" charset="-122"/>
+              </a:rPr>
+              <a:t>效果</a:t>
+            </a:r>
+            <a:endParaRPr lang="en-US" altLang="zh-CN" sz="2400" b="1" dirty="0" smtClean="0">
+              <a:solidFill>
+                <a:schemeClr val="tx1">
+                  <a:lumMod val="75000"/>
+                  <a:lumOff val="25000"/>
+                </a:schemeClr>
+              </a:solidFill>
+              <a:latin typeface="微软雅黑" pitchFamily="34" charset="-122"/>
+              <a:ea typeface="微软雅黑" pitchFamily="34" charset="-122"/>
+            </a:endParaRPr>
+          </a:p>
+          <a:p>
+            <a:pPr>
+              <a:lnSpc>
+                <a:spcPct val="150000"/>
+              </a:lnSpc>
+            </a:pPr>
+            <a:r>
+              <a:rPr lang="zh-CN" altLang="en-US" sz="2400" dirty="0" smtClean="0">
+                <a:solidFill>
+                  <a:schemeClr val="tx1">
+                    <a:lumMod val="75000"/>
+                    <a:lumOff val="25000"/>
+                  </a:schemeClr>
+                </a:solidFill>
+                <a:latin typeface="微软雅黑" pitchFamily="34" charset="-122"/>
+                <a:ea typeface="微软雅黑" pitchFamily="34" charset="-122"/>
+              </a:rPr>
+              <a:t>所谓的铅笔效果就是把图像中的物体轮廓用黑色描绘出来，其他地方基本是白色</a:t>
+            </a:r>
+            <a:r>
+              <a:rPr lang="en-US" altLang="zh-CN" sz="2400" dirty="0" smtClean="0">
+                <a:solidFill>
+                  <a:schemeClr val="tx1">
+                    <a:lumMod val="75000"/>
+                    <a:lumOff val="25000"/>
+                  </a:schemeClr>
+                </a:solidFill>
+                <a:latin typeface="微软雅黑" pitchFamily="34" charset="-122"/>
+                <a:ea typeface="微软雅黑" pitchFamily="34" charset="-122"/>
+              </a:rPr>
+              <a:t>. </a:t>
+            </a:r>
+          </a:p>
+        </p:txBody>
+      </p:sp>
+      <p:pic>
+        <p:nvPicPr>
+          <p:cNvPr id="6" name="图片 5" descr="屏幕剪辑"/>
+          <p:cNvPicPr>
+            <a:picLocks noChangeAspect="1"/>
+          </p:cNvPicPr>
+          <p:nvPr/>
+        </p:nvPicPr>
+        <p:blipFill>
+          <a:blip r:embed="rId3">
+            <a:extLst>
+              <a:ext uri="{28A0092B-C50C-407E-A947-70E740481C1C}">
+                <a14:useLocalDpi xmlns:a14="http://schemas.microsoft.com/office/drawing/2010/main" val="0"/>
+              </a:ext>
+            </a:extLst>
+          </a:blip>
+          <a:stretch>
+            <a:fillRect/>
+          </a:stretch>
+        </p:blipFill>
+        <p:spPr>
+          <a:xfrm>
+            <a:off x="899592" y="2348880"/>
+            <a:ext cx="1983802" cy="1800000"/>
+          </a:xfrm>
+          <a:prstGeom prst="rect">
+            <a:avLst/>
+          </a:prstGeom>
+        </p:spPr>
+      </p:pic>
+      <p:pic>
+        <p:nvPicPr>
+          <p:cNvPr id="7" name="图片 6" descr="屏幕剪辑"/>
+          <p:cNvPicPr>
+            <a:picLocks noChangeAspect="1"/>
+          </p:cNvPicPr>
+          <p:nvPr/>
+        </p:nvPicPr>
+        <p:blipFill>
+          <a:blip r:embed="rId4">
+            <a:extLst>
+              <a:ext uri="{28A0092B-C50C-407E-A947-70E740481C1C}">
+                <a14:useLocalDpi xmlns:a14="http://schemas.microsoft.com/office/drawing/2010/main" val="0"/>
+              </a:ext>
+            </a:extLst>
+          </a:blip>
+          <a:stretch>
+            <a:fillRect/>
+          </a:stretch>
+        </p:blipFill>
+        <p:spPr>
+          <a:xfrm>
+            <a:off x="916180" y="4293296"/>
+            <a:ext cx="1927628" cy="1800000"/>
+          </a:xfrm>
+          <a:prstGeom prst="rect">
+            <a:avLst/>
+          </a:prstGeom>
+        </p:spPr>
+      </p:pic>
+      <p:sp>
+        <p:nvSpPr>
+          <p:cNvPr id="8" name="圆角矩形标注 7"/>
+          <p:cNvSpPr/>
+          <p:nvPr/>
+        </p:nvSpPr>
+        <p:spPr>
+          <a:xfrm>
+            <a:off x="3059832" y="2420887"/>
+            <a:ext cx="5256584" cy="3542307"/>
+          </a:xfrm>
+          <a:prstGeom prst="wedgeRoundRectCallout">
+            <a:avLst>
+              <a:gd name="adj1" fmla="val -53964"/>
+              <a:gd name="adj2" fmla="val 24450"/>
+              <a:gd name="adj3" fmla="val 16667"/>
+            </a:avLst>
+          </a:prstGeom>
+        </p:spPr>
+        <p:style>
+          <a:lnRef idx="2">
+            <a:schemeClr val="accent5"/>
+          </a:lnRef>
+          <a:fillRef idx="1">
+            <a:schemeClr val="lt1"/>
+          </a:fillRef>
+          <a:effectRef idx="0">
+            <a:schemeClr val="accent5"/>
+          </a:effectRef>
+          <a:fontRef idx="minor">
+            <a:schemeClr val="dk1"/>
+          </a:fontRef>
+        </p:style>
+        <p:txBody>
+          <a:bodyPr rtlCol="0" anchor="ctr"/>
+          <a:lstStyle/>
+          <a:p>
+            <a:pPr>
+              <a:lnSpc>
+                <a:spcPct val="150000"/>
+              </a:lnSpc>
+            </a:pPr>
+            <a:r>
+              <a:rPr lang="zh-CN" altLang="en-US" sz="2400" dirty="0">
+                <a:solidFill>
+                  <a:schemeClr val="tx1">
+                    <a:lumMod val="75000"/>
+                    <a:lumOff val="25000"/>
+                  </a:schemeClr>
+                </a:solidFill>
+                <a:latin typeface="微软雅黑" pitchFamily="34" charset="-122"/>
+                <a:ea typeface="微软雅黑" pitchFamily="34" charset="-122"/>
+              </a:rPr>
+              <a:t>使用双背景，并错开</a:t>
+            </a:r>
+            <a:r>
+              <a:rPr lang="en-US" altLang="zh-CN" sz="2400" dirty="0">
+                <a:solidFill>
+                  <a:schemeClr val="tx1">
+                    <a:lumMod val="75000"/>
+                    <a:lumOff val="25000"/>
+                  </a:schemeClr>
+                </a:solidFill>
+                <a:latin typeface="微软雅黑" pitchFamily="34" charset="-122"/>
+                <a:ea typeface="微软雅黑" pitchFamily="34" charset="-122"/>
+              </a:rPr>
+              <a:t>2</a:t>
+            </a:r>
+            <a:r>
+              <a:rPr lang="zh-CN" altLang="en-US" sz="2400" dirty="0">
+                <a:solidFill>
+                  <a:schemeClr val="tx1">
+                    <a:lumMod val="75000"/>
+                    <a:lumOff val="25000"/>
+                  </a:schemeClr>
+                </a:solidFill>
+                <a:latin typeface="微软雅黑" pitchFamily="34" charset="-122"/>
+                <a:ea typeface="微软雅黑" pitchFamily="34" charset="-122"/>
+              </a:rPr>
+              <a:t>个像素，用</a:t>
+            </a:r>
+            <a:r>
+              <a:rPr lang="en-US" altLang="zh-CN" sz="2400" dirty="0">
+                <a:solidFill>
+                  <a:schemeClr val="tx1">
+                    <a:lumMod val="75000"/>
+                    <a:lumOff val="25000"/>
+                  </a:schemeClr>
+                </a:solidFill>
+                <a:latin typeface="微软雅黑" pitchFamily="34" charset="-122"/>
+                <a:ea typeface="微软雅黑" pitchFamily="34" charset="-122"/>
+              </a:rPr>
+              <a:t>difference</a:t>
+            </a:r>
+            <a:r>
+              <a:rPr lang="zh-CN" altLang="en-US" sz="2400" dirty="0">
+                <a:solidFill>
+                  <a:schemeClr val="tx1">
+                    <a:lumMod val="75000"/>
+                    <a:lumOff val="25000"/>
+                  </a:schemeClr>
+                </a:solidFill>
+                <a:latin typeface="微软雅黑" pitchFamily="34" charset="-122"/>
+                <a:ea typeface="微软雅黑" pitchFamily="34" charset="-122"/>
+              </a:rPr>
+              <a:t>混合模式，错位后图像的绝大多数像素都非常接近，只有边缘轮廓会有大的差异，而</a:t>
+            </a:r>
+            <a:r>
+              <a:rPr lang="en-US" altLang="zh-CN" sz="2400" dirty="0">
+                <a:solidFill>
+                  <a:schemeClr val="tx1">
+                    <a:lumMod val="75000"/>
+                    <a:lumOff val="25000"/>
+                  </a:schemeClr>
+                </a:solidFill>
+                <a:latin typeface="微软雅黑" pitchFamily="34" charset="-122"/>
+                <a:ea typeface="微软雅黑" pitchFamily="34" charset="-122"/>
+              </a:rPr>
+              <a:t>difference</a:t>
+            </a:r>
+            <a:r>
+              <a:rPr lang="zh-CN" altLang="en-US" sz="2400" dirty="0">
+                <a:solidFill>
+                  <a:schemeClr val="tx1">
+                    <a:lumMod val="75000"/>
+                    <a:lumOff val="25000"/>
+                  </a:schemeClr>
+                </a:solidFill>
+                <a:latin typeface="微软雅黑" pitchFamily="34" charset="-122"/>
+                <a:ea typeface="微软雅黑" pitchFamily="34" charset="-122"/>
+              </a:rPr>
+              <a:t>模式就是显示像素差异，而相同的地方会变成黑色</a:t>
+            </a:r>
+            <a:r>
+              <a:rPr lang="en-US" altLang="zh-CN" sz="2400" dirty="0">
+                <a:solidFill>
+                  <a:schemeClr val="tx1">
+                    <a:lumMod val="75000"/>
+                    <a:lumOff val="25000"/>
+                  </a:schemeClr>
+                </a:solidFill>
+                <a:latin typeface="微软雅黑" pitchFamily="34" charset="-122"/>
+                <a:ea typeface="微软雅黑" pitchFamily="34" charset="-122"/>
+              </a:rPr>
+              <a:t>. </a:t>
+            </a:r>
+          </a:p>
+        </p:txBody>
+      </p:sp>
+      <p:sp>
+        <p:nvSpPr>
+          <p:cNvPr id="2" name="燕尾形 1"/>
+          <p:cNvSpPr/>
+          <p:nvPr/>
+        </p:nvSpPr>
+        <p:spPr>
+          <a:xfrm rot="5400000">
+            <a:off x="1699975" y="3968960"/>
+            <a:ext cx="360040" cy="432248"/>
+          </a:xfrm>
+          <a:prstGeom prst="chevron">
+            <a:avLst/>
+          </a:prstGeom>
+        </p:spPr>
+        <p:style>
+          <a:lnRef idx="1">
+            <a:schemeClr val="accent4"/>
+          </a:lnRef>
+          <a:fillRef idx="3">
+            <a:schemeClr val="accent4"/>
+          </a:fillRef>
+          <a:effectRef idx="2">
+            <a:schemeClr val="accent4"/>
+          </a:effectRef>
+          <a:fontRef idx="minor">
+            <a:schemeClr val="lt1"/>
+          </a:fontRef>
+        </p:style>
+        <p:txBody>
+          <a:bodyPr rtlCol="0" anchor="ctr"/>
+          <a:lstStyle/>
+          <a:p>
+            <a:pPr algn="ctr"/>
+            <a:endParaRPr lang="zh-CN" altLang="en-US">
+              <a:solidFill>
+                <a:schemeClr val="tx1"/>
+              </a:solidFill>
+            </a:endParaRPr>
+          </a:p>
+        </p:txBody>
+      </p:sp>
+      <p:sp>
+        <p:nvSpPr>
+          <p:cNvPr id="9" name="燕尾形 8"/>
+          <p:cNvSpPr/>
+          <p:nvPr/>
+        </p:nvSpPr>
+        <p:spPr>
+          <a:xfrm rot="5400000">
+            <a:off x="1682075" y="6087977"/>
+            <a:ext cx="360040" cy="432248"/>
+          </a:xfrm>
+          <a:prstGeom prst="chevron">
+            <a:avLst/>
+          </a:prstGeom>
+        </p:spPr>
+        <p:style>
+          <a:lnRef idx="1">
+            <a:schemeClr val="accent4"/>
+          </a:lnRef>
+          <a:fillRef idx="3">
+            <a:schemeClr val="accent4"/>
+          </a:fillRef>
+          <a:effectRef idx="2">
+            <a:schemeClr val="accent4"/>
+          </a:effectRef>
+          <a:fontRef idx="minor">
+            <a:schemeClr val="lt1"/>
+          </a:fontRef>
+        </p:style>
+        <p:txBody>
+          <a:bodyPr rtlCol="0" anchor="ctr"/>
+          <a:lstStyle/>
+          <a:p>
+            <a:pPr algn="ctr"/>
+            <a:endParaRPr lang="zh-CN" altLang="en-US">
+              <a:solidFill>
+                <a:schemeClr val="tx1"/>
+              </a:solidFill>
+            </a:endParaRPr>
+          </a:p>
+        </p:txBody>
+      </p:sp>
+    </p:spTree>
+    <p:extLst>
+      <p:ext uri="{BB962C8B-B14F-4D97-AF65-F5344CB8AC3E}">
+        <p14:creationId xmlns:p14="http://schemas.microsoft.com/office/powerpoint/2010/main" val="1519168945"/>
+      </p:ext>
+    </p:extLst>
+  </p:cSld>
+  <p:clrMapOvr>
+    <a:masterClrMapping/>
+  </p:clrMapOvr>
+  <p:timing>
+    <p:tnLst>
+      <p:par>
+        <p:cTn id="1" dur="indefinite" restart="never" nodeType="tmRoot"/>
+      </p:par>
+    </p:tnLst>
+  </p:timing>
+</p:sld>
+</file>
+
+<file path=ppt/slides/slide18.xml><?xml version="1.0" encoding="utf-8"?>
+<p:sld xmlns:a="http://schemas.openxmlformats.org/drawingml/2006/main" xmlns:r="http://schemas.openxmlformats.org/officeDocument/2006/relationships" xmlns:p="http://schemas.openxmlformats.org/presentationml/2006/main">
+  <p:cSld>
+    <p:spTree>
+      <p:nvGrpSpPr>
+        <p:cNvPr id="1" name=""/>
+        <p:cNvGrpSpPr/>
+        <p:nvPr/>
+      </p:nvGrpSpPr>
+      <p:grpSpPr>
+        <a:xfrm>
+          <a:off x="0" y="0"/>
+          <a:ext cx="0" cy="0"/>
+          <a:chOff x="0" y="0"/>
+          <a:chExt cx="0" cy="0"/>
+        </a:xfrm>
+      </p:grpSpPr>
+      <p:sp>
+        <p:nvSpPr>
+          <p:cNvPr id="8" name="圆角矩形标注 7"/>
+          <p:cNvSpPr/>
+          <p:nvPr/>
+        </p:nvSpPr>
+        <p:spPr>
+          <a:xfrm>
+            <a:off x="2893823" y="782393"/>
+            <a:ext cx="4702513" cy="582921"/>
+          </a:xfrm>
+          <a:prstGeom prst="wedgeRoundRectCallout">
+            <a:avLst>
+              <a:gd name="adj1" fmla="val -53964"/>
+              <a:gd name="adj2" fmla="val 24450"/>
+              <a:gd name="adj3" fmla="val 16667"/>
+            </a:avLst>
+          </a:prstGeom>
+        </p:spPr>
+        <p:style>
+          <a:lnRef idx="2">
+            <a:schemeClr val="accent5"/>
+          </a:lnRef>
+          <a:fillRef idx="1">
+            <a:schemeClr val="lt1"/>
+          </a:fillRef>
+          <a:effectRef idx="0">
+            <a:schemeClr val="accent5"/>
+          </a:effectRef>
+          <a:fontRef idx="minor">
+            <a:schemeClr val="dk1"/>
+          </a:fontRef>
+        </p:style>
+        <p:txBody>
+          <a:bodyPr rtlCol="0" anchor="ctr"/>
+          <a:lstStyle/>
+          <a:p>
+            <a:pPr>
+              <a:lnSpc>
+                <a:spcPct val="150000"/>
+              </a:lnSpc>
+            </a:pPr>
+            <a:r>
+              <a:rPr lang="zh-CN" altLang="en-US" sz="2400" dirty="0" smtClean="0">
+                <a:solidFill>
+                  <a:schemeClr val="tx1">
+                    <a:lumMod val="75000"/>
+                    <a:lumOff val="25000"/>
+                  </a:schemeClr>
+                </a:solidFill>
+                <a:latin typeface="微软雅黑" pitchFamily="34" charset="-122"/>
+                <a:ea typeface="微软雅黑" pitchFamily="34" charset="-122"/>
+              </a:rPr>
+              <a:t>使用</a:t>
+            </a:r>
+            <a:r>
+              <a:rPr lang="en-US" altLang="zh-CN" sz="2400" dirty="0" smtClean="0">
+                <a:solidFill>
+                  <a:schemeClr val="tx1">
+                    <a:lumMod val="75000"/>
+                    <a:lumOff val="25000"/>
+                  </a:schemeClr>
+                </a:solidFill>
+                <a:latin typeface="微软雅黑" pitchFamily="34" charset="-122"/>
+                <a:ea typeface="微软雅黑" pitchFamily="34" charset="-122"/>
+              </a:rPr>
+              <a:t>brightness</a:t>
+            </a:r>
+            <a:r>
+              <a:rPr lang="zh-CN" altLang="en-US" sz="2400" dirty="0" smtClean="0">
+                <a:solidFill>
+                  <a:schemeClr val="tx1">
+                    <a:lumMod val="75000"/>
+                    <a:lumOff val="25000"/>
+                  </a:schemeClr>
+                </a:solidFill>
+                <a:latin typeface="微软雅黑" pitchFamily="34" charset="-122"/>
+                <a:ea typeface="微软雅黑" pitchFamily="34" charset="-122"/>
+              </a:rPr>
+              <a:t>滤镜增亮轮廓线</a:t>
+            </a:r>
+            <a:endParaRPr lang="en-US" altLang="zh-CN" sz="2400" dirty="0">
+              <a:solidFill>
+                <a:schemeClr val="tx1">
+                  <a:lumMod val="75000"/>
+                  <a:lumOff val="25000"/>
+                </a:schemeClr>
+              </a:solidFill>
+              <a:latin typeface="微软雅黑" pitchFamily="34" charset="-122"/>
+              <a:ea typeface="微软雅黑" pitchFamily="34" charset="-122"/>
+            </a:endParaRPr>
+          </a:p>
+        </p:txBody>
+      </p:sp>
+      <p:pic>
+        <p:nvPicPr>
+          <p:cNvPr id="9" name="图片 8" descr="屏幕剪辑"/>
+          <p:cNvPicPr>
+            <a:picLocks noChangeAspect="1"/>
+          </p:cNvPicPr>
+          <p:nvPr/>
+        </p:nvPicPr>
+        <p:blipFill>
+          <a:blip r:embed="rId2">
+            <a:extLst>
+              <a:ext uri="{28A0092B-C50C-407E-A947-70E740481C1C}">
+                <a14:useLocalDpi xmlns:a14="http://schemas.microsoft.com/office/drawing/2010/main" val="0"/>
+              </a:ext>
+            </a:extLst>
+          </a:blip>
+          <a:stretch>
+            <a:fillRect/>
+          </a:stretch>
+        </p:blipFill>
+        <p:spPr>
+          <a:xfrm>
+            <a:off x="827584" y="188640"/>
+            <a:ext cx="1947059" cy="1800000"/>
+          </a:xfrm>
+          <a:prstGeom prst="rect">
+            <a:avLst/>
+          </a:prstGeom>
+        </p:spPr>
+      </p:pic>
+      <p:sp>
+        <p:nvSpPr>
+          <p:cNvPr id="10" name="燕尾形 9"/>
+          <p:cNvSpPr/>
+          <p:nvPr/>
+        </p:nvSpPr>
+        <p:spPr>
+          <a:xfrm rot="5400000">
+            <a:off x="1583768" y="1952536"/>
+            <a:ext cx="360040" cy="432248"/>
+          </a:xfrm>
+          <a:prstGeom prst="chevron">
+            <a:avLst/>
+          </a:prstGeom>
+        </p:spPr>
+        <p:style>
+          <a:lnRef idx="1">
+            <a:schemeClr val="accent4"/>
+          </a:lnRef>
+          <a:fillRef idx="3">
+            <a:schemeClr val="accent4"/>
+          </a:fillRef>
+          <a:effectRef idx="2">
+            <a:schemeClr val="accent4"/>
+          </a:effectRef>
+          <a:fontRef idx="minor">
+            <a:schemeClr val="lt1"/>
+          </a:fontRef>
+        </p:style>
+        <p:txBody>
+          <a:bodyPr rtlCol="0" anchor="ctr"/>
+          <a:lstStyle/>
+          <a:p>
+            <a:pPr algn="ctr"/>
+            <a:endParaRPr lang="zh-CN" altLang="en-US">
+              <a:solidFill>
+                <a:schemeClr val="tx1"/>
+              </a:solidFill>
+            </a:endParaRPr>
+          </a:p>
+        </p:txBody>
+      </p:sp>
+      <p:pic>
+        <p:nvPicPr>
+          <p:cNvPr id="11" name="图片 10" descr="屏幕剪辑"/>
+          <p:cNvPicPr>
+            <a:picLocks noChangeAspect="1"/>
+          </p:cNvPicPr>
+          <p:nvPr/>
+        </p:nvPicPr>
+        <p:blipFill>
+          <a:blip r:embed="rId3">
+            <a:extLst>
+              <a:ext uri="{28A0092B-C50C-407E-A947-70E740481C1C}">
+                <a14:useLocalDpi xmlns:a14="http://schemas.microsoft.com/office/drawing/2010/main" val="0"/>
+              </a:ext>
+            </a:extLst>
+          </a:blip>
+          <a:stretch>
+            <a:fillRect/>
+          </a:stretch>
+        </p:blipFill>
+        <p:spPr>
+          <a:xfrm>
+            <a:off x="883215" y="2348680"/>
+            <a:ext cx="1891428" cy="1800000"/>
+          </a:xfrm>
+          <a:prstGeom prst="rect">
+            <a:avLst/>
+          </a:prstGeom>
+        </p:spPr>
+      </p:pic>
+      <p:sp>
+        <p:nvSpPr>
+          <p:cNvPr id="12" name="圆角矩形标注 11"/>
+          <p:cNvSpPr/>
+          <p:nvPr/>
+        </p:nvSpPr>
+        <p:spPr>
+          <a:xfrm>
+            <a:off x="2893823" y="2780928"/>
+            <a:ext cx="3406369" cy="582921"/>
+          </a:xfrm>
+          <a:prstGeom prst="wedgeRoundRectCallout">
+            <a:avLst>
+              <a:gd name="adj1" fmla="val -53964"/>
+              <a:gd name="adj2" fmla="val 24450"/>
+              <a:gd name="adj3" fmla="val 16667"/>
+            </a:avLst>
+          </a:prstGeom>
+        </p:spPr>
+        <p:style>
+          <a:lnRef idx="2">
+            <a:schemeClr val="accent5"/>
+          </a:lnRef>
+          <a:fillRef idx="1">
+            <a:schemeClr val="lt1"/>
+          </a:fillRef>
+          <a:effectRef idx="0">
+            <a:schemeClr val="accent5"/>
+          </a:effectRef>
+          <a:fontRef idx="minor">
+            <a:schemeClr val="dk1"/>
+          </a:fontRef>
+        </p:style>
+        <p:txBody>
+          <a:bodyPr rtlCol="0" anchor="ctr"/>
+          <a:lstStyle/>
+          <a:p>
+            <a:pPr>
+              <a:lnSpc>
+                <a:spcPct val="150000"/>
+              </a:lnSpc>
+            </a:pPr>
+            <a:r>
+              <a:rPr lang="zh-CN" altLang="en-US" sz="2400" dirty="0" smtClean="0">
+                <a:solidFill>
+                  <a:schemeClr val="tx1">
+                    <a:lumMod val="75000"/>
+                    <a:lumOff val="25000"/>
+                  </a:schemeClr>
+                </a:solidFill>
+                <a:latin typeface="微软雅黑" pitchFamily="34" charset="-122"/>
+                <a:ea typeface="微软雅黑" pitchFamily="34" charset="-122"/>
+              </a:rPr>
+              <a:t>使用</a:t>
+            </a:r>
+            <a:r>
+              <a:rPr lang="en-US" altLang="zh-CN" sz="2400" dirty="0" smtClean="0">
+                <a:solidFill>
+                  <a:schemeClr val="tx1">
+                    <a:lumMod val="75000"/>
+                    <a:lumOff val="25000"/>
+                  </a:schemeClr>
+                </a:solidFill>
+                <a:latin typeface="微软雅黑" pitchFamily="34" charset="-122"/>
+                <a:ea typeface="微软雅黑" pitchFamily="34" charset="-122"/>
+              </a:rPr>
+              <a:t>invert(1)</a:t>
+            </a:r>
+            <a:r>
+              <a:rPr lang="zh-CN" altLang="en-US" sz="2400" dirty="0" smtClean="0">
+                <a:solidFill>
+                  <a:schemeClr val="tx1">
+                    <a:lumMod val="75000"/>
+                    <a:lumOff val="25000"/>
+                  </a:schemeClr>
+                </a:solidFill>
+                <a:latin typeface="微软雅黑" pitchFamily="34" charset="-122"/>
+                <a:ea typeface="微软雅黑" pitchFamily="34" charset="-122"/>
+              </a:rPr>
+              <a:t>滤镜反相</a:t>
+            </a:r>
+            <a:endParaRPr lang="en-US" altLang="zh-CN" sz="2400" dirty="0">
+              <a:solidFill>
+                <a:schemeClr val="tx1">
+                  <a:lumMod val="75000"/>
+                  <a:lumOff val="25000"/>
+                </a:schemeClr>
+              </a:solidFill>
+              <a:latin typeface="微软雅黑" pitchFamily="34" charset="-122"/>
+              <a:ea typeface="微软雅黑" pitchFamily="34" charset="-122"/>
+            </a:endParaRPr>
+          </a:p>
+        </p:txBody>
+      </p:sp>
+      <p:pic>
+        <p:nvPicPr>
+          <p:cNvPr id="13" name="图片 12" descr="屏幕剪辑"/>
+          <p:cNvPicPr>
+            <a:picLocks noChangeAspect="1"/>
+          </p:cNvPicPr>
+          <p:nvPr/>
+        </p:nvPicPr>
+        <p:blipFill>
+          <a:blip r:embed="rId4">
+            <a:extLst>
+              <a:ext uri="{28A0092B-C50C-407E-A947-70E740481C1C}">
+                <a14:useLocalDpi xmlns:a14="http://schemas.microsoft.com/office/drawing/2010/main" val="0"/>
+              </a:ext>
+            </a:extLst>
+          </a:blip>
+          <a:stretch>
+            <a:fillRect/>
+          </a:stretch>
+        </p:blipFill>
+        <p:spPr>
+          <a:xfrm>
+            <a:off x="883215" y="4437112"/>
+            <a:ext cx="1915756" cy="1800000"/>
+          </a:xfrm>
+          <a:prstGeom prst="rect">
+            <a:avLst/>
+          </a:prstGeom>
+        </p:spPr>
+      </p:pic>
+      <p:sp>
+        <p:nvSpPr>
+          <p:cNvPr id="14" name="燕尾形 13"/>
+          <p:cNvSpPr/>
+          <p:nvPr/>
+        </p:nvSpPr>
+        <p:spPr>
+          <a:xfrm rot="5400000">
+            <a:off x="1583768" y="4112576"/>
+            <a:ext cx="360040" cy="432248"/>
+          </a:xfrm>
+          <a:prstGeom prst="chevron">
+            <a:avLst/>
+          </a:prstGeom>
+        </p:spPr>
+        <p:style>
+          <a:lnRef idx="1">
+            <a:schemeClr val="accent4"/>
+          </a:lnRef>
+          <a:fillRef idx="3">
+            <a:schemeClr val="accent4"/>
+          </a:fillRef>
+          <a:effectRef idx="2">
+            <a:schemeClr val="accent4"/>
+          </a:effectRef>
+          <a:fontRef idx="minor">
+            <a:schemeClr val="lt1"/>
+          </a:fontRef>
+        </p:style>
+        <p:txBody>
+          <a:bodyPr rtlCol="0" anchor="ctr"/>
+          <a:lstStyle/>
+          <a:p>
+            <a:pPr algn="ctr"/>
+            <a:endParaRPr lang="zh-CN" altLang="en-US">
+              <a:solidFill>
+                <a:schemeClr val="tx1"/>
+              </a:solidFill>
+            </a:endParaRPr>
+          </a:p>
+        </p:txBody>
+      </p:sp>
+      <p:sp>
+        <p:nvSpPr>
+          <p:cNvPr id="15" name="圆角矩形标注 14"/>
+          <p:cNvSpPr/>
+          <p:nvPr/>
+        </p:nvSpPr>
+        <p:spPr>
+          <a:xfrm>
+            <a:off x="2893822" y="4869160"/>
+            <a:ext cx="3262354" cy="582921"/>
+          </a:xfrm>
+          <a:prstGeom prst="wedgeRoundRectCallout">
+            <a:avLst>
+              <a:gd name="adj1" fmla="val -53964"/>
+              <a:gd name="adj2" fmla="val 24450"/>
+              <a:gd name="adj3" fmla="val 16667"/>
+            </a:avLst>
+          </a:prstGeom>
+        </p:spPr>
+        <p:style>
+          <a:lnRef idx="2">
+            <a:schemeClr val="accent5"/>
+          </a:lnRef>
+          <a:fillRef idx="1">
+            <a:schemeClr val="lt1"/>
+          </a:fillRef>
+          <a:effectRef idx="0">
+            <a:schemeClr val="accent5"/>
+          </a:effectRef>
+          <a:fontRef idx="minor">
+            <a:schemeClr val="dk1"/>
+          </a:fontRef>
+        </p:style>
+        <p:txBody>
+          <a:bodyPr rtlCol="0" anchor="ctr"/>
+          <a:lstStyle/>
+          <a:p>
+            <a:pPr>
+              <a:lnSpc>
+                <a:spcPct val="150000"/>
+              </a:lnSpc>
+            </a:pPr>
+            <a:r>
+              <a:rPr lang="zh-CN" altLang="en-US" sz="2400" dirty="0" smtClean="0">
+                <a:solidFill>
+                  <a:schemeClr val="tx1">
+                    <a:lumMod val="75000"/>
+                    <a:lumOff val="25000"/>
+                  </a:schemeClr>
+                </a:solidFill>
+                <a:latin typeface="微软雅黑" pitchFamily="34" charset="-122"/>
+                <a:ea typeface="微软雅黑" pitchFamily="34" charset="-122"/>
+              </a:rPr>
+              <a:t>使用</a:t>
+            </a:r>
+            <a:r>
+              <a:rPr lang="en-US" altLang="zh-CN" sz="2400" dirty="0" err="1" smtClean="0">
+                <a:solidFill>
+                  <a:schemeClr val="tx1">
+                    <a:lumMod val="75000"/>
+                    <a:lumOff val="25000"/>
+                  </a:schemeClr>
+                </a:solidFill>
+                <a:latin typeface="微软雅黑" pitchFamily="34" charset="-122"/>
+                <a:ea typeface="微软雅黑" pitchFamily="34" charset="-122"/>
+              </a:rPr>
+              <a:t>grayscale</a:t>
+            </a:r>
+            <a:r>
+              <a:rPr lang="en-US" altLang="zh-CN" sz="2400" dirty="0" smtClean="0">
+                <a:solidFill>
+                  <a:schemeClr val="tx1">
+                    <a:lumMod val="75000"/>
+                    <a:lumOff val="25000"/>
+                  </a:schemeClr>
+                </a:solidFill>
+                <a:latin typeface="微软雅黑" pitchFamily="34" charset="-122"/>
+                <a:ea typeface="微软雅黑" pitchFamily="34" charset="-122"/>
+              </a:rPr>
+              <a:t>(1)</a:t>
+            </a:r>
+            <a:r>
+              <a:rPr lang="zh-CN" altLang="en-US" sz="2400" dirty="0" smtClean="0">
+                <a:solidFill>
+                  <a:schemeClr val="tx1">
+                    <a:lumMod val="75000"/>
+                    <a:lumOff val="25000"/>
+                  </a:schemeClr>
+                </a:solidFill>
+                <a:latin typeface="微软雅黑" pitchFamily="34" charset="-122"/>
+                <a:ea typeface="微软雅黑" pitchFamily="34" charset="-122"/>
+              </a:rPr>
+              <a:t>置灰</a:t>
+            </a:r>
+            <a:endParaRPr lang="en-US" altLang="zh-CN" sz="2400" dirty="0">
+              <a:solidFill>
+                <a:schemeClr val="tx1">
+                  <a:lumMod val="75000"/>
+                  <a:lumOff val="25000"/>
+                </a:schemeClr>
+              </a:solidFill>
+              <a:latin typeface="微软雅黑" pitchFamily="34" charset="-122"/>
+              <a:ea typeface="微软雅黑" pitchFamily="34" charset="-122"/>
+            </a:endParaRPr>
+          </a:p>
+        </p:txBody>
+      </p:sp>
+    </p:spTree>
+    <p:extLst>
+      <p:ext uri="{BB962C8B-B14F-4D97-AF65-F5344CB8AC3E}">
+        <p14:creationId xmlns:p14="http://schemas.microsoft.com/office/powerpoint/2010/main" val="90702259"/>
+      </p:ext>
+    </p:extLst>
+  </p:cSld>
+  <p:clrMapOvr>
+    <a:masterClrMapping/>
+  </p:clrMapOvr>
+</p:sld>
+</file>
+
+<file path=ppt/slides/slide19.xml><?xml version="1.0" encoding="utf-8"?>
+<p:sld xmlns:a="http://schemas.openxmlformats.org/drawingml/2006/main" xmlns:r="http://schemas.openxmlformats.org/officeDocument/2006/relationships" xmlns:p="http://schemas.openxmlformats.org/presentationml/2006/main">
+  <p:cSld>
+    <p:spTree>
+      <p:nvGrpSpPr>
+        <p:cNvPr id="1" name=""/>
+        <p:cNvGrpSpPr/>
+        <p:nvPr/>
+      </p:nvGrpSpPr>
+      <p:grpSpPr>
+        <a:xfrm>
+          <a:off x="0" y="0"/>
+          <a:ext cx="0" cy="0"/>
+          <a:chOff x="0" y="0"/>
+          <a:chExt cx="0" cy="0"/>
+        </a:xfrm>
+      </p:grpSpPr>
+      <p:sp>
+        <p:nvSpPr>
+          <p:cNvPr id="7" name="TextBox 6"/>
+          <p:cNvSpPr txBox="1"/>
+          <p:nvPr/>
+        </p:nvSpPr>
+        <p:spPr>
+          <a:xfrm>
+            <a:off x="684000" y="548680"/>
+            <a:ext cx="7776000" cy="1754326"/>
+          </a:xfrm>
+          <a:prstGeom prst="rect">
+            <a:avLst/>
+          </a:prstGeom>
+          <a:noFill/>
+        </p:spPr>
+        <p:txBody>
+          <a:bodyPr wrap="square" rtlCol="0">
+            <a:spAutoFit/>
+          </a:bodyPr>
+          <a:lstStyle/>
+          <a:p>
+            <a:pPr>
+              <a:lnSpc>
+                <a:spcPct val="150000"/>
+              </a:lnSpc>
+            </a:pPr>
+            <a:r>
+              <a:rPr lang="en-US" altLang="zh-CN" sz="2400" b="1" dirty="0" smtClean="0">
+                <a:solidFill>
+                  <a:schemeClr val="tx1">
+                    <a:lumMod val="75000"/>
+                    <a:lumOff val="25000"/>
+                  </a:schemeClr>
+                </a:solidFill>
+                <a:latin typeface="微软雅黑" pitchFamily="34" charset="-122"/>
+                <a:ea typeface="微软雅黑" pitchFamily="34" charset="-122"/>
+              </a:rPr>
+              <a:t>5-b </a:t>
+            </a:r>
+            <a:r>
+              <a:rPr lang="zh-CN" altLang="en-US" sz="2400" b="1" dirty="0" smtClean="0">
+                <a:solidFill>
+                  <a:schemeClr val="tx1">
+                    <a:lumMod val="75000"/>
+                    <a:lumOff val="25000"/>
+                  </a:schemeClr>
+                </a:solidFill>
+                <a:latin typeface="微软雅黑" pitchFamily="34" charset="-122"/>
+                <a:ea typeface="微软雅黑" pitchFamily="34" charset="-122"/>
+              </a:rPr>
+              <a:t>彩色铅笔效果</a:t>
+            </a:r>
+            <a:endParaRPr lang="en-US" altLang="zh-CN" sz="2400" b="1" dirty="0" smtClean="0">
+              <a:solidFill>
+                <a:schemeClr val="tx1">
+                  <a:lumMod val="75000"/>
+                  <a:lumOff val="25000"/>
+                </a:schemeClr>
+              </a:solidFill>
+              <a:latin typeface="微软雅黑" pitchFamily="34" charset="-122"/>
+              <a:ea typeface="微软雅黑" pitchFamily="34" charset="-122"/>
+            </a:endParaRPr>
+          </a:p>
+          <a:p>
+            <a:pPr>
+              <a:lnSpc>
+                <a:spcPct val="150000"/>
+              </a:lnSpc>
+            </a:pPr>
+            <a:r>
+              <a:rPr lang="zh-CN" altLang="en-US" sz="2400" dirty="0" smtClean="0">
+                <a:solidFill>
+                  <a:schemeClr val="tx1">
+                    <a:lumMod val="75000"/>
+                    <a:lumOff val="25000"/>
+                  </a:schemeClr>
+                </a:solidFill>
+                <a:latin typeface="微软雅黑" pitchFamily="34" charset="-122"/>
+                <a:ea typeface="微软雅黑" pitchFamily="34" charset="-122"/>
+              </a:rPr>
+              <a:t>所谓的铅笔效果就是把图像中的物体轮廓用黑色描绘出来，其他地方基本是白色</a:t>
+            </a:r>
+            <a:r>
+              <a:rPr lang="en-US" altLang="zh-CN" sz="2400" dirty="0" smtClean="0">
+                <a:solidFill>
+                  <a:schemeClr val="tx1">
+                    <a:lumMod val="75000"/>
+                    <a:lumOff val="25000"/>
+                  </a:schemeClr>
+                </a:solidFill>
+                <a:latin typeface="微软雅黑" pitchFamily="34" charset="-122"/>
+                <a:ea typeface="微软雅黑" pitchFamily="34" charset="-122"/>
+              </a:rPr>
+              <a:t>. </a:t>
+            </a:r>
+          </a:p>
+        </p:txBody>
+      </p:sp>
+    </p:spTree>
+    <p:extLst>
+      <p:ext uri="{BB962C8B-B14F-4D97-AF65-F5344CB8AC3E}">
+        <p14:creationId xmlns:p14="http://schemas.microsoft.com/office/powerpoint/2010/main" val="4152712687"/>
+      </p:ext>
+    </p:extLst>
+  </p:cSld>
+  <p:clrMapOvr>
+    <a:masterClrMapping/>
+  </p:clrMapOvr>
+</p:sld>
+</file>
+
 <file path=ppt/slides/slide2.xml><?xml version="1.0" encoding="utf-8"?>
 <p:sld xmlns:a="http://schemas.openxmlformats.org/drawingml/2006/main" xmlns:r="http://schemas.openxmlformats.org/officeDocument/2006/relationships" xmlns:p="http://schemas.openxmlformats.org/presentationml/2006/main">
   <p:cSld>
@@ -4225,6 +9471,276 @@
 </p:sld>
 </file>
 
+<file path=ppt/slides/slide20.xml><?xml version="1.0" encoding="utf-8"?>
+<p:sld xmlns:a="http://schemas.openxmlformats.org/drawingml/2006/main" xmlns:r="http://schemas.openxmlformats.org/officeDocument/2006/relationships" xmlns:p="http://schemas.openxmlformats.org/presentationml/2006/main">
+  <p:cSld>
+    <p:spTree>
+      <p:nvGrpSpPr>
+        <p:cNvPr id="1" name=""/>
+        <p:cNvGrpSpPr/>
+        <p:nvPr/>
+      </p:nvGrpSpPr>
+      <p:grpSpPr>
+        <a:xfrm>
+          <a:off x="0" y="0"/>
+          <a:ext cx="0" cy="0"/>
+          <a:chOff x="0" y="0"/>
+          <a:chExt cx="0" cy="0"/>
+        </a:xfrm>
+      </p:grpSpPr>
+      <p:sp>
+        <p:nvSpPr>
+          <p:cNvPr id="4" name="TextBox 3"/>
+          <p:cNvSpPr txBox="1"/>
+          <p:nvPr/>
+        </p:nvSpPr>
+        <p:spPr>
+          <a:xfrm>
+            <a:off x="467544" y="476672"/>
+            <a:ext cx="7776864" cy="523220"/>
+          </a:xfrm>
+          <a:prstGeom prst="rect">
+            <a:avLst/>
+          </a:prstGeom>
+          <a:noFill/>
+        </p:spPr>
+        <p:txBody>
+          <a:bodyPr wrap="square" rtlCol="0">
+            <a:spAutoFit/>
+          </a:bodyPr>
+          <a:lstStyle/>
+          <a:p>
+            <a:r>
+              <a:rPr lang="en-US" altLang="zh-CN" sz="2800" b="1" dirty="0">
+                <a:solidFill>
+                  <a:schemeClr val="tx1">
+                    <a:lumMod val="75000"/>
+                    <a:lumOff val="25000"/>
+                  </a:schemeClr>
+                </a:solidFill>
+                <a:latin typeface="微软雅黑" pitchFamily="34" charset="-122"/>
+                <a:ea typeface="微软雅黑" pitchFamily="34" charset="-122"/>
+              </a:rPr>
+              <a:t>6</a:t>
+            </a:r>
+            <a:r>
+              <a:rPr lang="en-US" altLang="zh-CN" sz="2800" b="1" dirty="0" smtClean="0">
+                <a:solidFill>
+                  <a:schemeClr val="tx1">
+                    <a:lumMod val="75000"/>
+                    <a:lumOff val="25000"/>
+                  </a:schemeClr>
+                </a:solidFill>
+                <a:latin typeface="微软雅黑" pitchFamily="34" charset="-122"/>
+                <a:ea typeface="微软雅黑" pitchFamily="34" charset="-122"/>
+              </a:rPr>
+              <a:t>.</a:t>
+            </a:r>
+            <a:r>
+              <a:rPr lang="zh-CN" altLang="en-US" sz="2800" b="1" dirty="0" smtClean="0">
+                <a:solidFill>
+                  <a:schemeClr val="tx1">
+                    <a:lumMod val="75000"/>
+                    <a:lumOff val="25000"/>
+                  </a:schemeClr>
+                </a:solidFill>
+                <a:latin typeface="微软雅黑" pitchFamily="34" charset="-122"/>
+                <a:ea typeface="微软雅黑" pitchFamily="34" charset="-122"/>
+              </a:rPr>
+              <a:t>更多思考</a:t>
+            </a:r>
+            <a:endParaRPr lang="zh-CN" altLang="en-US" sz="2800" b="1" dirty="0">
+              <a:solidFill>
+                <a:schemeClr val="tx1">
+                  <a:lumMod val="75000"/>
+                  <a:lumOff val="25000"/>
+                </a:schemeClr>
+              </a:solidFill>
+              <a:latin typeface="微软雅黑" pitchFamily="34" charset="-122"/>
+              <a:ea typeface="微软雅黑" pitchFamily="34" charset="-122"/>
+            </a:endParaRPr>
+          </a:p>
+        </p:txBody>
+      </p:sp>
+      <p:sp>
+        <p:nvSpPr>
+          <p:cNvPr id="9" name="TextBox 8"/>
+          <p:cNvSpPr txBox="1"/>
+          <p:nvPr/>
+        </p:nvSpPr>
+        <p:spPr>
+          <a:xfrm>
+            <a:off x="611560" y="3284984"/>
+            <a:ext cx="7776864" cy="1384995"/>
+          </a:xfrm>
+          <a:prstGeom prst="rect">
+            <a:avLst/>
+          </a:prstGeom>
+          <a:noFill/>
+        </p:spPr>
+        <p:txBody>
+          <a:bodyPr wrap="square" rtlCol="0">
+            <a:spAutoFit/>
+          </a:bodyPr>
+          <a:lstStyle/>
+          <a:p>
+            <a:r>
+              <a:rPr lang="en-US" altLang="zh-CN" sz="2800" b="1" dirty="0" smtClean="0">
+                <a:solidFill>
+                  <a:schemeClr val="tx1">
+                    <a:lumMod val="75000"/>
+                    <a:lumOff val="25000"/>
+                  </a:schemeClr>
+                </a:solidFill>
+                <a:latin typeface="微软雅黑" pitchFamily="34" charset="-122"/>
+                <a:ea typeface="微软雅黑" pitchFamily="34" charset="-122"/>
+              </a:rPr>
+              <a:t>	</a:t>
+            </a:r>
+            <a:r>
+              <a:rPr lang="zh-CN" altLang="en-US" sz="2800" b="1" dirty="0" smtClean="0">
+                <a:solidFill>
+                  <a:schemeClr val="tx1">
+                    <a:lumMod val="75000"/>
+                    <a:lumOff val="25000"/>
+                  </a:schemeClr>
+                </a:solidFill>
+                <a:latin typeface="微软雅黑" pitchFamily="34" charset="-122"/>
+                <a:ea typeface="微软雅黑" pitchFamily="34" charset="-122"/>
+              </a:rPr>
+              <a:t>本期内容就讲到这里，谢谢大家！</a:t>
+            </a:r>
+            <a:endParaRPr lang="en-US" altLang="zh-CN" sz="2800" b="1" dirty="0" smtClean="0">
+              <a:solidFill>
+                <a:schemeClr val="tx1">
+                  <a:lumMod val="75000"/>
+                  <a:lumOff val="25000"/>
+                </a:schemeClr>
+              </a:solidFill>
+              <a:latin typeface="微软雅黑" pitchFamily="34" charset="-122"/>
+              <a:ea typeface="微软雅黑" pitchFamily="34" charset="-122"/>
+            </a:endParaRPr>
+          </a:p>
+          <a:p>
+            <a:endParaRPr lang="en-US" altLang="zh-CN" sz="2800" b="1" dirty="0" smtClean="0">
+              <a:solidFill>
+                <a:schemeClr val="tx1">
+                  <a:lumMod val="75000"/>
+                  <a:lumOff val="25000"/>
+                </a:schemeClr>
+              </a:solidFill>
+              <a:latin typeface="微软雅黑" pitchFamily="34" charset="-122"/>
+              <a:ea typeface="微软雅黑" pitchFamily="34" charset="-122"/>
+            </a:endParaRPr>
+          </a:p>
+          <a:p>
+            <a:r>
+              <a:rPr lang="en-US" altLang="zh-CN" sz="2800" b="1" dirty="0">
+                <a:solidFill>
+                  <a:schemeClr val="tx1">
+                    <a:lumMod val="75000"/>
+                    <a:lumOff val="25000"/>
+                  </a:schemeClr>
+                </a:solidFill>
+                <a:latin typeface="微软雅黑" pitchFamily="34" charset="-122"/>
+                <a:ea typeface="微软雅黑" pitchFamily="34" charset="-122"/>
+              </a:rPr>
+              <a:t>	</a:t>
+            </a:r>
+            <a:r>
+              <a:rPr lang="en-US" altLang="zh-CN" sz="2800" b="1" dirty="0" smtClean="0">
+                <a:solidFill>
+                  <a:schemeClr val="tx1">
+                    <a:lumMod val="75000"/>
+                    <a:lumOff val="25000"/>
+                  </a:schemeClr>
+                </a:solidFill>
+                <a:latin typeface="微软雅黑" pitchFamily="34" charset="-122"/>
+                <a:ea typeface="微软雅黑" pitchFamily="34" charset="-122"/>
+              </a:rPr>
+              <a:t>	</a:t>
+            </a:r>
+            <a:endParaRPr lang="zh-CN" altLang="en-US" sz="2800" b="1" dirty="0">
+              <a:solidFill>
+                <a:schemeClr val="tx1">
+                  <a:lumMod val="75000"/>
+                  <a:lumOff val="25000"/>
+                </a:schemeClr>
+              </a:solidFill>
+              <a:latin typeface="微软雅黑" pitchFamily="34" charset="-122"/>
+              <a:ea typeface="微软雅黑" pitchFamily="34" charset="-122"/>
+            </a:endParaRPr>
+          </a:p>
+        </p:txBody>
+      </p:sp>
+      <p:sp>
+        <p:nvSpPr>
+          <p:cNvPr id="5" name="TextBox 4"/>
+          <p:cNvSpPr txBox="1"/>
+          <p:nvPr/>
+        </p:nvSpPr>
+        <p:spPr>
+          <a:xfrm>
+            <a:off x="467544" y="1268760"/>
+            <a:ext cx="7632848" cy="581057"/>
+          </a:xfrm>
+          <a:prstGeom prst="rect">
+            <a:avLst/>
+          </a:prstGeom>
+          <a:noFill/>
+        </p:spPr>
+        <p:txBody>
+          <a:bodyPr wrap="square" rtlCol="0">
+            <a:spAutoFit/>
+          </a:bodyPr>
+          <a:lstStyle/>
+          <a:p>
+            <a:pPr marL="342900" indent="-342900">
+              <a:lnSpc>
+                <a:spcPct val="150000"/>
+              </a:lnSpc>
+              <a:buFont typeface="Arial" pitchFamily="34" charset="0"/>
+              <a:buChar char="•"/>
+            </a:pPr>
+            <a:r>
+              <a:rPr lang="zh-CN" altLang="en-US" sz="2400" dirty="0" smtClean="0">
+                <a:solidFill>
+                  <a:schemeClr val="tx1">
+                    <a:lumMod val="75000"/>
+                    <a:lumOff val="25000"/>
+                  </a:schemeClr>
+                </a:solidFill>
+                <a:latin typeface="微软雅黑" pitchFamily="34" charset="-122"/>
+                <a:ea typeface="微软雅黑" pitchFamily="34" charset="-122"/>
+              </a:rPr>
+              <a:t>如果水墨画效果如何实现？</a:t>
+            </a:r>
+            <a:endParaRPr lang="en-US" altLang="zh-CN" sz="2400" dirty="0" smtClean="0">
+              <a:solidFill>
+                <a:schemeClr val="tx1">
+                  <a:lumMod val="75000"/>
+                  <a:lumOff val="25000"/>
+                </a:schemeClr>
+              </a:solidFill>
+              <a:latin typeface="微软雅黑" pitchFamily="34" charset="-122"/>
+              <a:ea typeface="微软雅黑" pitchFamily="34" charset="-122"/>
+            </a:endParaRPr>
+          </a:p>
+        </p:txBody>
+      </p:sp>
+    </p:spTree>
+    <p:extLst>
+      <p:ext uri="{BB962C8B-B14F-4D97-AF65-F5344CB8AC3E}">
+        <p14:creationId xmlns:p14="http://schemas.microsoft.com/office/powerpoint/2010/main" val="2328121375"/>
+      </p:ext>
+    </p:extLst>
+  </p:cSld>
+  <p:clrMapOvr>
+    <a:masterClrMapping/>
+  </p:clrMapOvr>
+</p:sld>
+</file>
+
 <file path=ppt/slides/slide3.xml><?xml version="1.0" encoding="utf-8"?>
 <p:sld xmlns:a="http://schemas.openxmlformats.org/drawingml/2006/main" xmlns:r="http://schemas.openxmlformats.org/officeDocument/2006/relationships" xmlns:p="http://schemas.openxmlformats.org/presentationml/2006/main">
   <p:cSld>
@@ -4534,7 +10050,7 @@
         <p:spPr>
           <a:xfrm>
             <a:off x="684000" y="836712"/>
-            <a:ext cx="7776000" cy="5632311"/>
+            <a:ext cx="7776000" cy="6186309"/>
           </a:xfrm>
           <a:prstGeom prst="rect">
             <a:avLst/>
@@ -4602,118 +10118,7 @@
                 <a:latin typeface="微软雅黑" pitchFamily="34" charset="-122"/>
                 <a:ea typeface="微软雅黑" pitchFamily="34" charset="-122"/>
               </a:rPr>
-              <a:t>，它有很多种类似</a:t>
-            </a:r>
-            <a:r>
-              <a:rPr lang="en-US" altLang="zh-CN" sz="2400" dirty="0" smtClean="0">
-                <a:solidFill>
-                  <a:schemeClr val="tx1">
-                    <a:lumMod val="75000"/>
-                    <a:lumOff val="25000"/>
-                  </a:schemeClr>
-                </a:solidFill>
-                <a:latin typeface="微软雅黑" pitchFamily="34" charset="-122"/>
-                <a:ea typeface="微软雅黑" pitchFamily="34" charset="-122"/>
-              </a:rPr>
-              <a:t>adobe </a:t>
-            </a:r>
-            <a:r>
-              <a:rPr lang="en-US" altLang="zh-CN" sz="2400" dirty="0" err="1" smtClean="0">
-                <a:solidFill>
-                  <a:schemeClr val="tx1">
-                    <a:lumMod val="75000"/>
-                    <a:lumOff val="25000"/>
-                  </a:schemeClr>
-                </a:solidFill>
-                <a:latin typeface="微软雅黑" pitchFamily="34" charset="-122"/>
-                <a:ea typeface="微软雅黑" pitchFamily="34" charset="-122"/>
-              </a:rPr>
-              <a:t>photoshop</a:t>
-            </a:r>
-            <a:r>
-              <a:rPr lang="zh-CN" altLang="en-US" sz="2400" dirty="0" smtClean="0">
-                <a:solidFill>
-                  <a:schemeClr val="tx1">
-                    <a:lumMod val="75000"/>
-                    <a:lumOff val="25000"/>
-                  </a:schemeClr>
-                </a:solidFill>
-                <a:latin typeface="微软雅黑" pitchFamily="34" charset="-122"/>
-                <a:ea typeface="微软雅黑" pitchFamily="34" charset="-122"/>
-              </a:rPr>
-              <a:t>软件的滤镜</a:t>
-            </a:r>
-            <a:r>
-              <a:rPr lang="zh-CN" altLang="en-US" sz="2400" dirty="0" smtClean="0">
-                <a:solidFill>
-                  <a:schemeClr val="tx1">
-                    <a:lumMod val="75000"/>
-                    <a:lumOff val="25000"/>
-                  </a:schemeClr>
-                </a:solidFill>
-                <a:latin typeface="微软雅黑" pitchFamily="34" charset="-122"/>
-                <a:ea typeface="微软雅黑" pitchFamily="34" charset="-122"/>
-              </a:rPr>
-              <a:t>效果</a:t>
-            </a:r>
-            <a:r>
-              <a:rPr lang="en-US" altLang="zh-CN" sz="2400" dirty="0" smtClean="0">
-                <a:solidFill>
-                  <a:schemeClr val="tx1">
-                    <a:lumMod val="75000"/>
-                    <a:lumOff val="25000"/>
-                  </a:schemeClr>
-                </a:solidFill>
-                <a:latin typeface="微软雅黑" pitchFamily="34" charset="-122"/>
-                <a:ea typeface="微软雅黑" pitchFamily="34" charset="-122"/>
-              </a:rPr>
-              <a:t>.</a:t>
-            </a:r>
-          </a:p>
-          <a:p>
-            <a:pPr>
-              <a:lnSpc>
-                <a:spcPct val="150000"/>
-              </a:lnSpc>
-            </a:pPr>
-            <a:r>
-              <a:rPr lang="en-US" altLang="zh-CN" sz="2400" b="1" dirty="0" smtClean="0">
-                <a:solidFill>
-                  <a:schemeClr val="tx1">
-                    <a:lumMod val="75000"/>
-                    <a:lumOff val="25000"/>
-                  </a:schemeClr>
-                </a:solidFill>
-                <a:latin typeface="微软雅黑" pitchFamily="34" charset="-122"/>
-                <a:ea typeface="微软雅黑" pitchFamily="34" charset="-122"/>
-              </a:rPr>
-              <a:t>blur</a:t>
-            </a:r>
-            <a:r>
-              <a:rPr lang="en-US" altLang="zh-CN" sz="2400" dirty="0" smtClean="0">
-                <a:solidFill>
-                  <a:schemeClr val="tx1">
-                    <a:lumMod val="75000"/>
-                    <a:lumOff val="25000"/>
-                  </a:schemeClr>
-                </a:solidFill>
-                <a:latin typeface="微软雅黑" pitchFamily="34" charset="-122"/>
-                <a:ea typeface="微软雅黑" pitchFamily="34" charset="-122"/>
-              </a:rPr>
-              <a:t>()  	</a:t>
-            </a:r>
-            <a:r>
-              <a:rPr lang="zh-CN" altLang="en-US" sz="2400" dirty="0" smtClean="0">
-                <a:solidFill>
-                  <a:schemeClr val="tx1">
-                    <a:lumMod val="75000"/>
-                    <a:lumOff val="25000"/>
-                  </a:schemeClr>
-                </a:solidFill>
-                <a:latin typeface="微软雅黑" pitchFamily="34" charset="-122"/>
-                <a:ea typeface="微软雅黑" pitchFamily="34" charset="-122"/>
-              </a:rPr>
-              <a:t>模糊，实现元素的高斯模糊</a:t>
+              <a:t>，语法为：</a:t>
             </a:r>
             <a:endParaRPr lang="en-US" altLang="zh-CN" sz="2400" dirty="0" smtClean="0">
               <a:solidFill>
@@ -4733,17 +10138,17 @@
               </a:lnSpc>
             </a:pPr>
             <a:r>
-              <a:rPr lang="en-US" altLang="zh-CN" sz="2400" b="1" dirty="0" err="1">
-                <a:solidFill>
-                  <a:schemeClr val="tx1">
-                    <a:lumMod val="75000"/>
-                    <a:lumOff val="25000"/>
-                  </a:schemeClr>
-                </a:solidFill>
-                <a:latin typeface="微软雅黑" pitchFamily="34" charset="-122"/>
-                <a:ea typeface="微软雅黑" pitchFamily="34" charset="-122"/>
-              </a:rPr>
-              <a:t>g</a:t>
+              <a:rPr lang="en-US" altLang="zh-CN" sz="2400" b="1" dirty="0" smtClean="0">
+                <a:solidFill>
+                  <a:schemeClr val="tx1">
+                    <a:lumMod val="75000"/>
+                    <a:lumOff val="25000"/>
+                  </a:schemeClr>
+                </a:solidFill>
+                <a:latin typeface="微软雅黑" pitchFamily="34" charset="-122"/>
+                <a:ea typeface="微软雅黑" pitchFamily="34" charset="-122"/>
+              </a:rPr>
+              <a:t>filter: blur( 10px) </a:t>
             </a:r>
             <a:r>
               <a:rPr lang="en-US" altLang="zh-CN" sz="2400" b="1" dirty="0" err="1" smtClean="0">
@@ -4756,7 +10161,33 @@
                 <a:latin typeface="微软雅黑" pitchFamily="34" charset="-122"/>
                 <a:ea typeface="微软雅黑" pitchFamily="34" charset="-122"/>
               </a:rPr>
-              <a:t>rayscale</a:t>
+              <a:t>inver</a:t>
+            </a:r>
+            <a:r>
+              <a:rPr lang="en-US" altLang="zh-CN" sz="2400" b="1" dirty="0" smtClean="0">
+                <a:solidFill>
+                  <a:schemeClr val="tx1">
+                    <a:lumMod val="75000"/>
+                    <a:lumOff val="25000"/>
+                  </a:schemeClr>
+                </a:solidFill>
+                <a:latin typeface="微软雅黑" pitchFamily="34" charset="-122"/>
+                <a:ea typeface="微软雅黑" pitchFamily="34" charset="-122"/>
+              </a:rPr>
+              <a:t>(3.5)</a:t>
+            </a:r>
+            <a:r>
+              <a:rPr lang="zh-CN" altLang="en-US" sz="2400" b="1" dirty="0" smtClean="0">
+                <a:solidFill>
+                  <a:schemeClr val="tx1">
+                    <a:lumMod val="75000"/>
+                    <a:lumOff val="25000"/>
+                  </a:schemeClr>
+                </a:solidFill>
+                <a:latin typeface="微软雅黑" pitchFamily="34" charset="-122"/>
+                <a:ea typeface="微软雅黑" pitchFamily="34" charset="-122"/>
+              </a:rPr>
+              <a:t>；</a:t>
             </a:r>
             <a:r>
               <a:rPr lang="en-US" altLang="zh-CN" sz="2400" dirty="0" smtClean="0">
@@ -4769,7 +10200,7 @@
                 <a:latin typeface="微软雅黑" pitchFamily="34" charset="-122"/>
                 <a:ea typeface="微软雅黑" pitchFamily="34" charset="-122"/>
               </a:rPr>
-              <a:t>()	</a:t>
+              <a:t>/*</a:t>
             </a:r>
             <a:r>
               <a:rPr lang="zh-CN" altLang="en-US" sz="2400" dirty="0" smtClean="0">
@@ -4782,33 +10213,20 @@
                 <a:latin typeface="微软雅黑" pitchFamily="34" charset="-122"/>
                 <a:ea typeface="微软雅黑" pitchFamily="34" charset="-122"/>
               </a:rPr>
-              <a:t>灰度</a:t>
-            </a:r>
-            <a:r>
-              <a:rPr lang="zh-CN" altLang="en-US" sz="2400" dirty="0" smtClean="0">
-                <a:solidFill>
-                  <a:schemeClr val="tx1">
-                    <a:lumMod val="75000"/>
-                    <a:lumOff val="25000"/>
-                  </a:schemeClr>
-                </a:solidFill>
-                <a:latin typeface="微软雅黑" pitchFamily="34" charset="-122"/>
-                <a:ea typeface="微软雅黑" pitchFamily="34" charset="-122"/>
-              </a:rPr>
-              <a:t>，降低</a:t>
-            </a:r>
-            <a:r>
-              <a:rPr lang="zh-CN" altLang="en-US" sz="2400" dirty="0" smtClean="0">
-                <a:solidFill>
-                  <a:schemeClr val="tx1">
-                    <a:lumMod val="75000"/>
-                    <a:lumOff val="25000"/>
-                  </a:schemeClr>
-                </a:solidFill>
-                <a:latin typeface="微软雅黑" pitchFamily="34" charset="-122"/>
-                <a:ea typeface="微软雅黑" pitchFamily="34" charset="-122"/>
-              </a:rPr>
-              <a:t>元素的颜色饱和度，直到灰色</a:t>
+              <a:t>可并列多个属性</a:t>
+            </a:r>
+            <a:r>
+              <a:rPr lang="en-US" altLang="zh-CN" sz="2400" dirty="0" smtClean="0">
+                <a:solidFill>
+                  <a:schemeClr val="tx1">
+                    <a:lumMod val="75000"/>
+                    <a:lumOff val="25000"/>
+                  </a:schemeClr>
+                </a:solidFill>
+                <a:latin typeface="微软雅黑" pitchFamily="34" charset="-122"/>
+                <a:ea typeface="微软雅黑" pitchFamily="34" charset="-122"/>
+              </a:rPr>
+              <a:t>*/</a:t>
             </a:r>
             <a:endParaRPr lang="en-US" altLang="zh-CN" sz="2400" dirty="0" smtClean="0">
               <a:solidFill>
@@ -4828,17 +10246,43 @@
               </a:lnSpc>
             </a:pPr>
             <a:r>
-              <a:rPr lang="en-US" altLang="zh-CN" sz="2400" b="1" dirty="0" smtClean="0">
-                <a:solidFill>
-                  <a:schemeClr val="tx1">
-                    <a:lumMod val="75000"/>
-                    <a:lumOff val="25000"/>
-                  </a:schemeClr>
-                </a:solidFill>
-                <a:latin typeface="微软雅黑" pitchFamily="34" charset="-122"/>
-                <a:ea typeface="微软雅黑" pitchFamily="34" charset="-122"/>
-              </a:rPr>
-              <a:t>drop-shadow</a:t>
+              <a:rPr lang="zh-CN" altLang="en-US" sz="2400" dirty="0" smtClean="0">
+                <a:solidFill>
+                  <a:schemeClr val="tx1">
+                    <a:lumMod val="75000"/>
+                    <a:lumOff val="25000"/>
+                  </a:schemeClr>
+                </a:solidFill>
+                <a:latin typeface="微软雅黑" pitchFamily="34" charset="-122"/>
+                <a:ea typeface="微软雅黑" pitchFamily="34" charset="-122"/>
+              </a:rPr>
+              <a:t>它</a:t>
+            </a:r>
+            <a:r>
+              <a:rPr lang="zh-CN" altLang="en-US" sz="2400" dirty="0" smtClean="0">
+                <a:solidFill>
+                  <a:schemeClr val="tx1">
+                    <a:lumMod val="75000"/>
+                    <a:lumOff val="25000"/>
+                  </a:schemeClr>
+                </a:solidFill>
+                <a:latin typeface="微软雅黑" pitchFamily="34" charset="-122"/>
+                <a:ea typeface="微软雅黑" pitchFamily="34" charset="-122"/>
+              </a:rPr>
+              <a:t>有</a:t>
+            </a:r>
+            <a:r>
+              <a:rPr lang="zh-CN" altLang="en-US" sz="2400" dirty="0" smtClean="0">
+                <a:solidFill>
+                  <a:schemeClr val="tx1">
+                    <a:lumMod val="75000"/>
+                    <a:lumOff val="25000"/>
+                  </a:schemeClr>
+                </a:solidFill>
+                <a:latin typeface="微软雅黑" pitchFamily="34" charset="-122"/>
+                <a:ea typeface="微软雅黑" pitchFamily="34" charset="-122"/>
+              </a:rPr>
+              <a:t>很多类似</a:t>
             </a:r>
             <a:r>
               <a:rPr lang="en-US" altLang="zh-CN" sz="2400" dirty="0" smtClean="0">
@@ -4851,7 +10295,20 @@
                 <a:latin typeface="微软雅黑" pitchFamily="34" charset="-122"/>
                 <a:ea typeface="微软雅黑" pitchFamily="34" charset="-122"/>
               </a:rPr>
-              <a:t>() </a:t>
+              <a:t>adobe </a:t>
+            </a:r>
+            <a:r>
+              <a:rPr lang="en-US" altLang="zh-CN" sz="2400" dirty="0" err="1" smtClean="0">
+                <a:solidFill>
+                  <a:schemeClr val="tx1">
+                    <a:lumMod val="75000"/>
+                    <a:lumOff val="25000"/>
+                  </a:schemeClr>
+                </a:solidFill>
+                <a:latin typeface="微软雅黑" pitchFamily="34" charset="-122"/>
+                <a:ea typeface="微软雅黑" pitchFamily="34" charset="-122"/>
+              </a:rPr>
+              <a:t>photoshop</a:t>
             </a:r>
             <a:r>
               <a:rPr lang="zh-CN" altLang="en-US" sz="2400" dirty="0" smtClean="0">
@@ -4864,20 +10321,7 @@
                 <a:latin typeface="微软雅黑" pitchFamily="34" charset="-122"/>
                 <a:ea typeface="微软雅黑" pitchFamily="34" charset="-122"/>
               </a:rPr>
-              <a:t>投影，不规则的元素也可以</a:t>
-            </a:r>
-            <a:r>
-              <a:rPr lang="zh-CN" altLang="en-US" sz="2400" dirty="0">
-                <a:solidFill>
-                  <a:schemeClr val="tx1">
-                    <a:lumMod val="75000"/>
-                    <a:lumOff val="25000"/>
-                  </a:schemeClr>
-                </a:solidFill>
-                <a:latin typeface="微软雅黑" pitchFamily="34" charset="-122"/>
-                <a:ea typeface="微软雅黑" pitchFamily="34" charset="-122"/>
-              </a:rPr>
-              <a:t>正确</a:t>
+              <a:t>软件的滤镜</a:t>
             </a:r>
             <a:r>
               <a:rPr lang="zh-CN" altLang="en-US" sz="2400" dirty="0" smtClean="0">
@@ -4890,7 +10334,7 @@
                 <a:latin typeface="微软雅黑" pitchFamily="34" charset="-122"/>
                 <a:ea typeface="微软雅黑" pitchFamily="34" charset="-122"/>
               </a:rPr>
-              <a:t>投影</a:t>
+              <a:t>效果，如下：</a:t>
             </a:r>
             <a:endParaRPr lang="en-US" altLang="zh-CN" sz="2400" dirty="0" smtClean="0">
               <a:solidFill>
@@ -4910,19 +10354,6 @@
               </a:lnSpc>
             </a:pPr>
             <a:r>
-              <a:rPr lang="en-US" altLang="zh-CN" sz="2400" b="1" dirty="0">
-                <a:solidFill>
-                  <a:schemeClr val="tx1">
-                    <a:lumMod val="75000"/>
-                    <a:lumOff val="25000"/>
-                  </a:schemeClr>
-                </a:solidFill>
-                <a:latin typeface="微软雅黑" pitchFamily="34" charset="-122"/>
-                <a:ea typeface="微软雅黑" pitchFamily="34" charset="-122"/>
-              </a:rPr>
-              <a:t>s</a:t>
-            </a:r>
-            <a:r>
               <a:rPr lang="en-US" altLang="zh-CN" sz="2400" b="1" dirty="0" smtClean="0">
                 <a:solidFill>
                   <a:schemeClr val="tx1">
@@ -4933,7 +10364,7 @@
                 <a:latin typeface="微软雅黑" pitchFamily="34" charset="-122"/>
                 <a:ea typeface="微软雅黑" pitchFamily="34" charset="-122"/>
               </a:rPr>
-              <a:t>epia</a:t>
+              <a:t>blur</a:t>
             </a:r>
             <a:r>
               <a:rPr lang="en-US" altLang="zh-CN" sz="2400" dirty="0" smtClean="0">
@@ -4946,7 +10377,7 @@
                 <a:latin typeface="微软雅黑" pitchFamily="34" charset="-122"/>
                 <a:ea typeface="微软雅黑" pitchFamily="34" charset="-122"/>
               </a:rPr>
-              <a:t>()	</a:t>
+              <a:t>()  	</a:t>
             </a:r>
             <a:r>
               <a:rPr lang="zh-CN" altLang="en-US" sz="2400" dirty="0" smtClean="0">
@@ -4959,7 +10390,33 @@
                 <a:latin typeface="微软雅黑" pitchFamily="34" charset="-122"/>
                 <a:ea typeface="微软雅黑" pitchFamily="34" charset="-122"/>
               </a:rPr>
-              <a:t>褐色，使得元素呈现褐色的效果</a:t>
+              <a:t>高斯模糊</a:t>
+            </a:r>
+            <a:r>
+              <a:rPr lang="en-US" altLang="zh-CN" sz="2400" dirty="0" smtClean="0">
+                <a:solidFill>
+                  <a:schemeClr val="tx1">
+                    <a:lumMod val="75000"/>
+                    <a:lumOff val="25000"/>
+                  </a:schemeClr>
+                </a:solidFill>
+                <a:latin typeface="微软雅黑" pitchFamily="34" charset="-122"/>
+                <a:ea typeface="微软雅黑" pitchFamily="34" charset="-122"/>
+              </a:rPr>
+              <a:t>,</a:t>
+            </a:r>
+            <a:r>
+              <a:rPr lang="zh-CN" altLang="en-US" sz="2400" dirty="0" smtClean="0">
+                <a:solidFill>
+                  <a:schemeClr val="tx1">
+                    <a:lumMod val="75000"/>
+                    <a:lumOff val="25000"/>
+                  </a:schemeClr>
+                </a:solidFill>
+                <a:latin typeface="微软雅黑" pitchFamily="34" charset="-122"/>
+                <a:ea typeface="微软雅黑" pitchFamily="34" charset="-122"/>
+              </a:rPr>
+              <a:t>单位是像素，数值越大越模糊</a:t>
             </a:r>
             <a:endParaRPr lang="en-US" altLang="zh-CN" sz="2400" dirty="0" smtClean="0">
               <a:solidFill>
@@ -4979,17 +10436,30 @@
               </a:lnSpc>
             </a:pPr>
             <a:r>
-              <a:rPr lang="en-US" altLang="zh-CN" sz="2400" b="1" dirty="0" smtClean="0">
-                <a:solidFill>
-                  <a:schemeClr val="tx1">
-                    <a:lumMod val="75000"/>
-                    <a:lumOff val="25000"/>
-                  </a:schemeClr>
-                </a:solidFill>
-                <a:latin typeface="微软雅黑" pitchFamily="34" charset="-122"/>
-                <a:ea typeface="微软雅黑" pitchFamily="34" charset="-122"/>
-              </a:rPr>
-              <a:t>brightness</a:t>
+              <a:rPr lang="en-US" altLang="zh-CN" sz="2400" b="1" dirty="0" err="1">
+                <a:solidFill>
+                  <a:schemeClr val="tx1">
+                    <a:lumMod val="75000"/>
+                    <a:lumOff val="25000"/>
+                  </a:schemeClr>
+                </a:solidFill>
+                <a:latin typeface="微软雅黑" pitchFamily="34" charset="-122"/>
+                <a:ea typeface="微软雅黑" pitchFamily="34" charset="-122"/>
+              </a:rPr>
+              <a:t>g</a:t>
+            </a:r>
+            <a:r>
+              <a:rPr lang="en-US" altLang="zh-CN" sz="2400" b="1" dirty="0" err="1" smtClean="0">
+                <a:solidFill>
+                  <a:schemeClr val="tx1">
+                    <a:lumMod val="75000"/>
+                    <a:lumOff val="25000"/>
+                  </a:schemeClr>
+                </a:solidFill>
+                <a:latin typeface="微软雅黑" pitchFamily="34" charset="-122"/>
+                <a:ea typeface="微软雅黑" pitchFamily="34" charset="-122"/>
+              </a:rPr>
+              <a:t>rayscale</a:t>
             </a:r>
             <a:r>
               <a:rPr lang="en-US" altLang="zh-CN" sz="2400" dirty="0" smtClean="0">
@@ -5002,7 +10472,7 @@
                 <a:latin typeface="微软雅黑" pitchFamily="34" charset="-122"/>
                 <a:ea typeface="微软雅黑" pitchFamily="34" charset="-122"/>
               </a:rPr>
-              <a:t>() </a:t>
+              <a:t>()	</a:t>
             </a:r>
             <a:r>
               <a:rPr lang="zh-CN" altLang="en-US" sz="2400" dirty="0" smtClean="0">
@@ -5015,7 +10485,59 @@
                 <a:latin typeface="微软雅黑" pitchFamily="34" charset="-122"/>
                 <a:ea typeface="微软雅黑" pitchFamily="34" charset="-122"/>
               </a:rPr>
-              <a:t>亮度，增加或者降低亮度</a:t>
+              <a:t>降低饱和度，</a:t>
+            </a:r>
+            <a:r>
+              <a:rPr lang="en-US" altLang="zh-CN" sz="2400" dirty="0" smtClean="0">
+                <a:solidFill>
+                  <a:schemeClr val="tx1">
+                    <a:lumMod val="75000"/>
+                    <a:lumOff val="25000"/>
+                  </a:schemeClr>
+                </a:solidFill>
+                <a:latin typeface="微软雅黑" pitchFamily="34" charset="-122"/>
+                <a:ea typeface="微软雅黑" pitchFamily="34" charset="-122"/>
+              </a:rPr>
+              <a:t>0</a:t>
+            </a:r>
+            <a:r>
+              <a:rPr lang="zh-CN" altLang="en-US" sz="2400" dirty="0" smtClean="0">
+                <a:solidFill>
+                  <a:schemeClr val="tx1">
+                    <a:lumMod val="75000"/>
+                    <a:lumOff val="25000"/>
+                  </a:schemeClr>
+                </a:solidFill>
+                <a:latin typeface="微软雅黑" pitchFamily="34" charset="-122"/>
+                <a:ea typeface="微软雅黑" pitchFamily="34" charset="-122"/>
+              </a:rPr>
+              <a:t>为灰色，</a:t>
+            </a:r>
+            <a:r>
+              <a:rPr lang="en-US" altLang="zh-CN" sz="2400" dirty="0" smtClean="0">
+                <a:solidFill>
+                  <a:schemeClr val="tx1">
+                    <a:lumMod val="75000"/>
+                    <a:lumOff val="25000"/>
+                  </a:schemeClr>
+                </a:solidFill>
+                <a:latin typeface="微软雅黑" pitchFamily="34" charset="-122"/>
+                <a:ea typeface="微软雅黑" pitchFamily="34" charset="-122"/>
+              </a:rPr>
+              <a:t>1</a:t>
+            </a:r>
+            <a:r>
+              <a:rPr lang="zh-CN" altLang="en-US" sz="2400" dirty="0" smtClean="0">
+                <a:solidFill>
+                  <a:schemeClr val="tx1">
+                    <a:lumMod val="75000"/>
+                    <a:lumOff val="25000"/>
+                  </a:schemeClr>
+                </a:solidFill>
+                <a:latin typeface="微软雅黑" pitchFamily="34" charset="-122"/>
+                <a:ea typeface="微软雅黑" pitchFamily="34" charset="-122"/>
+              </a:rPr>
+              <a:t>为原饱和度</a:t>
             </a:r>
             <a:endParaRPr lang="en-US" altLang="zh-CN" sz="2400" dirty="0" smtClean="0">
               <a:solidFill>
@@ -5045,7 +10567,7 @@
                 <a:latin typeface="微软雅黑" pitchFamily="34" charset="-122"/>
                 <a:ea typeface="微软雅黑" pitchFamily="34" charset="-122"/>
               </a:rPr>
-              <a:t>contrast</a:t>
+              <a:t>drop-shadow</a:t>
             </a:r>
             <a:r>
               <a:rPr lang="en-US" altLang="zh-CN" sz="2400" dirty="0" smtClean="0">
@@ -5058,7 +10580,7 @@
                 <a:latin typeface="微软雅黑" pitchFamily="34" charset="-122"/>
                 <a:ea typeface="微软雅黑" pitchFamily="34" charset="-122"/>
               </a:rPr>
-              <a:t>()	</a:t>
+              <a:t>() </a:t>
             </a:r>
             <a:r>
               <a:rPr lang="zh-CN" altLang="en-US" sz="2400" dirty="0" smtClean="0">
@@ -5071,7 +10593,33 @@
                 <a:latin typeface="微软雅黑" pitchFamily="34" charset="-122"/>
                 <a:ea typeface="微软雅黑" pitchFamily="34" charset="-122"/>
               </a:rPr>
-              <a:t>对比度，增加或者降低对比度</a:t>
+              <a:t>投影</a:t>
+            </a:r>
+            <a:r>
+              <a:rPr lang="zh-CN" altLang="en-US" sz="2400" dirty="0" smtClean="0">
+                <a:solidFill>
+                  <a:schemeClr val="tx1">
+                    <a:lumMod val="75000"/>
+                    <a:lumOff val="25000"/>
+                  </a:schemeClr>
+                </a:solidFill>
+                <a:latin typeface="微软雅黑" pitchFamily="34" charset="-122"/>
+                <a:ea typeface="微软雅黑" pitchFamily="34" charset="-122"/>
+              </a:rPr>
+              <a:t>，</a:t>
+            </a:r>
+            <a:r>
+              <a:rPr lang="en-US" altLang="zh-CN" sz="2400" dirty="0" smtClean="0">
+                <a:solidFill>
+                  <a:schemeClr val="tx1">
+                    <a:lumMod val="75000"/>
+                    <a:lumOff val="25000"/>
+                  </a:schemeClr>
+                </a:solidFill>
+                <a:latin typeface="微软雅黑" pitchFamily="34" charset="-122"/>
+                <a:ea typeface="微软雅黑" pitchFamily="34" charset="-122"/>
+              </a:rPr>
+              <a:t>drop-shadow(x y blur color)</a:t>
             </a:r>
             <a:endParaRPr lang="en-US" altLang="zh-CN" sz="2400" dirty="0" smtClean="0">
               <a:solidFill>
@@ -5101,7 +10649,7 @@
                 <a:latin typeface="微软雅黑" pitchFamily="34" charset="-122"/>
                 <a:ea typeface="微软雅黑" pitchFamily="34" charset="-122"/>
               </a:rPr>
-              <a:t>h</a:t>
+              <a:t>s</a:t>
             </a:r>
             <a:r>
               <a:rPr lang="en-US" altLang="zh-CN" sz="2400" b="1" dirty="0" smtClean="0">
@@ -5114,7 +10662,7 @@
                 <a:latin typeface="微软雅黑" pitchFamily="34" charset="-122"/>
                 <a:ea typeface="微软雅黑" pitchFamily="34" charset="-122"/>
               </a:rPr>
-              <a:t>ue-rotate</a:t>
+              <a:t>epia</a:t>
             </a:r>
             <a:r>
               <a:rPr lang="en-US" altLang="zh-CN" sz="2400" dirty="0" smtClean="0">
@@ -5127,7 +10675,7 @@
                 <a:latin typeface="微软雅黑" pitchFamily="34" charset="-122"/>
                 <a:ea typeface="微软雅黑" pitchFamily="34" charset="-122"/>
               </a:rPr>
-              <a:t>() </a:t>
+              <a:t>()	</a:t>
             </a:r>
             <a:r>
               <a:rPr lang="zh-CN" altLang="en-US" sz="2400" dirty="0" smtClean="0">
@@ -5140,7 +10688,20 @@
                 <a:latin typeface="微软雅黑" pitchFamily="34" charset="-122"/>
                 <a:ea typeface="微软雅黑" pitchFamily="34" charset="-122"/>
               </a:rPr>
-              <a:t>旋转色相，修改元素的色相</a:t>
+              <a:t>褐色效果</a:t>
+            </a:r>
+            <a:r>
+              <a:rPr lang="en-US" altLang="zh-CN" sz="2400" dirty="0" smtClean="0">
+                <a:solidFill>
+                  <a:schemeClr val="tx1">
+                    <a:lumMod val="75000"/>
+                    <a:lumOff val="25000"/>
+                  </a:schemeClr>
+                </a:solidFill>
+                <a:latin typeface="微软雅黑" pitchFamily="34" charset="-122"/>
+                <a:ea typeface="微软雅黑" pitchFamily="34" charset="-122"/>
+              </a:rPr>
+              <a:t>, 0 ~1</a:t>
             </a:r>
             <a:endParaRPr lang="en-US" altLang="zh-CN" sz="2400" dirty="0" smtClean="0">
               <a:solidFill>
@@ -5170,6 +10731,346 @@
                 <a:latin typeface="微软雅黑" pitchFamily="34" charset="-122"/>
                 <a:ea typeface="微软雅黑" pitchFamily="34" charset="-122"/>
               </a:rPr>
+              <a:t>brightness</a:t>
+            </a:r>
+            <a:r>
+              <a:rPr lang="en-US" altLang="zh-CN" sz="2400" dirty="0" smtClean="0">
+                <a:solidFill>
+                  <a:schemeClr val="tx1">
+                    <a:lumMod val="75000"/>
+                    <a:lumOff val="25000"/>
+                  </a:schemeClr>
+                </a:solidFill>
+                <a:latin typeface="微软雅黑" pitchFamily="34" charset="-122"/>
+                <a:ea typeface="微软雅黑" pitchFamily="34" charset="-122"/>
+              </a:rPr>
+              <a:t>() </a:t>
+            </a:r>
+            <a:r>
+              <a:rPr lang="zh-CN" altLang="en-US" sz="2400" dirty="0" smtClean="0">
+                <a:solidFill>
+                  <a:schemeClr val="tx1">
+                    <a:lumMod val="75000"/>
+                    <a:lumOff val="25000"/>
+                  </a:schemeClr>
+                </a:solidFill>
+                <a:latin typeface="微软雅黑" pitchFamily="34" charset="-122"/>
+                <a:ea typeface="微软雅黑" pitchFamily="34" charset="-122"/>
+              </a:rPr>
+              <a:t>增加</a:t>
+            </a:r>
+            <a:r>
+              <a:rPr lang="zh-CN" altLang="en-US" sz="2400" dirty="0" smtClean="0">
+                <a:solidFill>
+                  <a:schemeClr val="tx1">
+                    <a:lumMod val="75000"/>
+                    <a:lumOff val="25000"/>
+                  </a:schemeClr>
+                </a:solidFill>
+                <a:latin typeface="微软雅黑" pitchFamily="34" charset="-122"/>
+                <a:ea typeface="微软雅黑" pitchFamily="34" charset="-122"/>
+              </a:rPr>
+              <a:t>或者降低</a:t>
+            </a:r>
+            <a:r>
+              <a:rPr lang="zh-CN" altLang="en-US" sz="2400" dirty="0" smtClean="0">
+                <a:solidFill>
+                  <a:schemeClr val="tx1">
+                    <a:lumMod val="75000"/>
+                    <a:lumOff val="25000"/>
+                  </a:schemeClr>
+                </a:solidFill>
+                <a:latin typeface="微软雅黑" pitchFamily="34" charset="-122"/>
+                <a:ea typeface="微软雅黑" pitchFamily="34" charset="-122"/>
+              </a:rPr>
+              <a:t>亮度</a:t>
+            </a:r>
+            <a:r>
+              <a:rPr lang="en-US" altLang="zh-CN" sz="2400" dirty="0" smtClean="0">
+                <a:solidFill>
+                  <a:schemeClr val="tx1">
+                    <a:lumMod val="75000"/>
+                    <a:lumOff val="25000"/>
+                  </a:schemeClr>
+                </a:solidFill>
+                <a:latin typeface="微软雅黑" pitchFamily="34" charset="-122"/>
+                <a:ea typeface="微软雅黑" pitchFamily="34" charset="-122"/>
+              </a:rPr>
+              <a:t>,0 </a:t>
+            </a:r>
+            <a:r>
+              <a:rPr lang="zh-CN" altLang="en-US" sz="2400" dirty="0" smtClean="0">
+                <a:solidFill>
+                  <a:schemeClr val="tx1">
+                    <a:lumMod val="75000"/>
+                    <a:lumOff val="25000"/>
+                  </a:schemeClr>
+                </a:solidFill>
+                <a:latin typeface="微软雅黑" pitchFamily="34" charset="-122"/>
+                <a:ea typeface="微软雅黑" pitchFamily="34" charset="-122"/>
+              </a:rPr>
+              <a:t>为黑色，可以超过</a:t>
+            </a:r>
+            <a:r>
+              <a:rPr lang="en-US" altLang="zh-CN" sz="2400" dirty="0" smtClean="0">
+                <a:solidFill>
+                  <a:schemeClr val="tx1">
+                    <a:lumMod val="75000"/>
+                    <a:lumOff val="25000"/>
+                  </a:schemeClr>
+                </a:solidFill>
+                <a:latin typeface="微软雅黑" pitchFamily="34" charset="-122"/>
+                <a:ea typeface="微软雅黑" pitchFamily="34" charset="-122"/>
+              </a:rPr>
+              <a:t>1</a:t>
+            </a:r>
+            <a:endParaRPr lang="en-US" altLang="zh-CN" sz="2400" dirty="0" smtClean="0">
+              <a:solidFill>
+                <a:schemeClr val="tx1">
+                  <a:lumMod val="75000"/>
+                  <a:lumOff val="25000"/>
+                </a:schemeClr>
+              </a:solidFill>
+              <a:latin typeface="微软雅黑" pitchFamily="34" charset="-122"/>
+              <a:ea typeface="微软雅黑" pitchFamily="34" charset="-122"/>
+            </a:endParaRPr>
+          </a:p>
+          <a:p>
+            <a:pPr>
+              <a:lnSpc>
+                <a:spcPct val="150000"/>
+              </a:lnSpc>
+            </a:pPr>
+            <a:r>
+              <a:rPr lang="en-US" altLang="zh-CN" sz="2400" b="1" dirty="0" smtClean="0">
+                <a:solidFill>
+                  <a:schemeClr val="tx1">
+                    <a:lumMod val="75000"/>
+                    <a:lumOff val="25000"/>
+                  </a:schemeClr>
+                </a:solidFill>
+                <a:latin typeface="微软雅黑" pitchFamily="34" charset="-122"/>
+                <a:ea typeface="微软雅黑" pitchFamily="34" charset="-122"/>
+              </a:rPr>
+              <a:t>contrast</a:t>
+            </a:r>
+            <a:r>
+              <a:rPr lang="en-US" altLang="zh-CN" sz="2400" dirty="0" smtClean="0">
+                <a:solidFill>
+                  <a:schemeClr val="tx1">
+                    <a:lumMod val="75000"/>
+                    <a:lumOff val="25000"/>
+                  </a:schemeClr>
+                </a:solidFill>
+                <a:latin typeface="微软雅黑" pitchFamily="34" charset="-122"/>
+                <a:ea typeface="微软雅黑" pitchFamily="34" charset="-122"/>
+              </a:rPr>
+              <a:t>()	</a:t>
+            </a:r>
+            <a:r>
+              <a:rPr lang="zh-CN" altLang="en-US" sz="2400" dirty="0" smtClean="0">
+                <a:solidFill>
+                  <a:schemeClr val="tx1">
+                    <a:lumMod val="75000"/>
+                    <a:lumOff val="25000"/>
+                  </a:schemeClr>
+                </a:solidFill>
+                <a:latin typeface="微软雅黑" pitchFamily="34" charset="-122"/>
+                <a:ea typeface="微软雅黑" pitchFamily="34" charset="-122"/>
+              </a:rPr>
+              <a:t>对比度</a:t>
+            </a:r>
+            <a:r>
+              <a:rPr lang="en-US" altLang="zh-CN" sz="2400" dirty="0">
+                <a:solidFill>
+                  <a:schemeClr val="tx1">
+                    <a:lumMod val="75000"/>
+                    <a:lumOff val="25000"/>
+                  </a:schemeClr>
+                </a:solidFill>
+                <a:latin typeface="微软雅黑" pitchFamily="34" charset="-122"/>
+                <a:ea typeface="微软雅黑" pitchFamily="34" charset="-122"/>
+              </a:rPr>
+              <a:t>,</a:t>
+            </a:r>
+            <a:r>
+              <a:rPr lang="en-US" altLang="zh-CN" sz="2400" dirty="0" smtClean="0">
+                <a:solidFill>
+                  <a:schemeClr val="tx1">
+                    <a:lumMod val="75000"/>
+                    <a:lumOff val="25000"/>
+                  </a:schemeClr>
+                </a:solidFill>
+                <a:latin typeface="微软雅黑" pitchFamily="34" charset="-122"/>
+                <a:ea typeface="微软雅黑" pitchFamily="34" charset="-122"/>
+              </a:rPr>
+              <a:t>0</a:t>
+            </a:r>
+            <a:r>
+              <a:rPr lang="zh-CN" altLang="en-US" sz="2400" dirty="0" smtClean="0">
+                <a:solidFill>
+                  <a:schemeClr val="tx1">
+                    <a:lumMod val="75000"/>
+                    <a:lumOff val="25000"/>
+                  </a:schemeClr>
+                </a:solidFill>
+                <a:latin typeface="微软雅黑" pitchFamily="34" charset="-122"/>
+                <a:ea typeface="微软雅黑" pitchFamily="34" charset="-122"/>
+              </a:rPr>
+              <a:t>为灰色</a:t>
+            </a:r>
+            <a:r>
+              <a:rPr lang="en-US" altLang="zh-CN" sz="2400" dirty="0" smtClean="0">
+                <a:solidFill>
+                  <a:schemeClr val="tx1">
+                    <a:lumMod val="75000"/>
+                    <a:lumOff val="25000"/>
+                  </a:schemeClr>
+                </a:solidFill>
+                <a:latin typeface="微软雅黑" pitchFamily="34" charset="-122"/>
+                <a:ea typeface="微软雅黑" pitchFamily="34" charset="-122"/>
+              </a:rPr>
+              <a:t>,1</a:t>
+            </a:r>
+            <a:r>
+              <a:rPr lang="zh-CN" altLang="en-US" sz="2400" dirty="0" smtClean="0">
+                <a:solidFill>
+                  <a:schemeClr val="tx1">
+                    <a:lumMod val="75000"/>
+                    <a:lumOff val="25000"/>
+                  </a:schemeClr>
+                </a:solidFill>
+                <a:latin typeface="微软雅黑" pitchFamily="34" charset="-122"/>
+                <a:ea typeface="微软雅黑" pitchFamily="34" charset="-122"/>
+              </a:rPr>
+              <a:t>为原图</a:t>
+            </a:r>
+            <a:r>
+              <a:rPr lang="en-US" altLang="zh-CN" sz="2400" dirty="0" smtClean="0">
+                <a:solidFill>
+                  <a:schemeClr val="tx1">
+                    <a:lumMod val="75000"/>
+                    <a:lumOff val="25000"/>
+                  </a:schemeClr>
+                </a:solidFill>
+                <a:latin typeface="微软雅黑" pitchFamily="34" charset="-122"/>
+                <a:ea typeface="微软雅黑" pitchFamily="34" charset="-122"/>
+              </a:rPr>
+              <a:t>,</a:t>
+            </a:r>
+            <a:r>
+              <a:rPr lang="zh-CN" altLang="en-US" sz="2400" dirty="0" smtClean="0">
+                <a:solidFill>
+                  <a:schemeClr val="tx1">
+                    <a:lumMod val="75000"/>
+                    <a:lumOff val="25000"/>
+                  </a:schemeClr>
+                </a:solidFill>
+                <a:latin typeface="微软雅黑" pitchFamily="34" charset="-122"/>
+                <a:ea typeface="微软雅黑" pitchFamily="34" charset="-122"/>
+              </a:rPr>
+              <a:t>值越大对比越强烈</a:t>
+            </a:r>
+            <a:endParaRPr lang="en-US" altLang="zh-CN" sz="2400" dirty="0" smtClean="0">
+              <a:solidFill>
+                <a:schemeClr val="tx1">
+                  <a:lumMod val="75000"/>
+                  <a:lumOff val="25000"/>
+                </a:schemeClr>
+              </a:solidFill>
+              <a:latin typeface="微软雅黑" pitchFamily="34" charset="-122"/>
+              <a:ea typeface="微软雅黑" pitchFamily="34" charset="-122"/>
+            </a:endParaRPr>
+          </a:p>
+          <a:p>
+            <a:pPr>
+              <a:lnSpc>
+                <a:spcPct val="150000"/>
+              </a:lnSpc>
+            </a:pPr>
+            <a:r>
+              <a:rPr lang="en-US" altLang="zh-CN" sz="2400" b="1" dirty="0" smtClean="0">
+                <a:solidFill>
+                  <a:schemeClr val="tx1">
+                    <a:lumMod val="75000"/>
+                    <a:lumOff val="25000"/>
+                  </a:schemeClr>
+                </a:solidFill>
+                <a:latin typeface="微软雅黑" pitchFamily="34" charset="-122"/>
+                <a:ea typeface="微软雅黑" pitchFamily="34" charset="-122"/>
+              </a:rPr>
+              <a:t>hue-rotate</a:t>
+            </a:r>
+            <a:r>
+              <a:rPr lang="en-US" altLang="zh-CN" sz="2400" dirty="0" smtClean="0">
+                <a:solidFill>
+                  <a:schemeClr val="tx1">
+                    <a:lumMod val="75000"/>
+                    <a:lumOff val="25000"/>
+                  </a:schemeClr>
+                </a:solidFill>
+                <a:latin typeface="微软雅黑" pitchFamily="34" charset="-122"/>
+                <a:ea typeface="微软雅黑" pitchFamily="34" charset="-122"/>
+              </a:rPr>
+              <a:t>() </a:t>
+            </a:r>
+            <a:r>
+              <a:rPr lang="zh-CN" altLang="en-US" sz="2400" dirty="0" smtClean="0">
+                <a:solidFill>
+                  <a:schemeClr val="tx1">
+                    <a:lumMod val="75000"/>
+                    <a:lumOff val="25000"/>
+                  </a:schemeClr>
+                </a:solidFill>
+                <a:latin typeface="微软雅黑" pitchFamily="34" charset="-122"/>
+                <a:ea typeface="微软雅黑" pitchFamily="34" charset="-122"/>
+              </a:rPr>
+              <a:t>旋转色相</a:t>
+            </a:r>
+            <a:r>
+              <a:rPr lang="zh-CN" altLang="en-US" sz="2400" dirty="0" smtClean="0">
+                <a:solidFill>
+                  <a:schemeClr val="tx1">
+                    <a:lumMod val="75000"/>
+                    <a:lumOff val="25000"/>
+                  </a:schemeClr>
+                </a:solidFill>
+                <a:latin typeface="微软雅黑" pitchFamily="34" charset="-122"/>
+                <a:ea typeface="微软雅黑" pitchFamily="34" charset="-122"/>
+              </a:rPr>
+              <a:t>，</a:t>
+            </a:r>
+            <a:r>
+              <a:rPr lang="en-US" altLang="zh-CN" sz="2400" dirty="0" smtClean="0">
+                <a:solidFill>
+                  <a:schemeClr val="tx1">
+                    <a:lumMod val="75000"/>
+                    <a:lumOff val="25000"/>
+                  </a:schemeClr>
+                </a:solidFill>
+                <a:latin typeface="微软雅黑" pitchFamily="34" charset="-122"/>
+                <a:ea typeface="微软雅黑" pitchFamily="34" charset="-122"/>
+              </a:rPr>
+              <a:t>0~360deg</a:t>
+            </a:r>
+          </a:p>
+          <a:p>
+            <a:pPr>
+              <a:lnSpc>
+                <a:spcPct val="150000"/>
+              </a:lnSpc>
+            </a:pPr>
+            <a:r>
+              <a:rPr lang="en-US" altLang="zh-CN" sz="2400" b="1" dirty="0" smtClean="0">
+                <a:solidFill>
+                  <a:schemeClr val="tx1">
+                    <a:lumMod val="75000"/>
+                    <a:lumOff val="25000"/>
+                  </a:schemeClr>
+                </a:solidFill>
+                <a:latin typeface="微软雅黑" pitchFamily="34" charset="-122"/>
+                <a:ea typeface="微软雅黑" pitchFamily="34" charset="-122"/>
+              </a:rPr>
               <a:t>invert</a:t>
             </a:r>
             <a:r>
@@ -5222,20 +11123,7 @@
                 <a:latin typeface="微软雅黑" pitchFamily="34" charset="-122"/>
                 <a:ea typeface="微软雅黑" pitchFamily="34" charset="-122"/>
               </a:rPr>
-              <a:t>减去每个通道的</a:t>
-            </a:r>
-            <a:r>
-              <a:rPr lang="zh-CN" altLang="en-US" sz="2400" dirty="0" smtClean="0">
-                <a:solidFill>
-                  <a:schemeClr val="tx1">
-                    <a:lumMod val="75000"/>
-                    <a:lumOff val="25000"/>
-                  </a:schemeClr>
-                </a:solidFill>
-                <a:latin typeface="微软雅黑" pitchFamily="34" charset="-122"/>
-                <a:ea typeface="微软雅黑" pitchFamily="34" charset="-122"/>
-              </a:rPr>
-              <a:t>颜色</a:t>
+              <a:t>减去每个通道的颜色</a:t>
             </a:r>
             <a:endParaRPr lang="en-US" altLang="zh-CN" sz="2400" dirty="0">
               <a:solidFill>
@@ -5351,7 +11239,85 @@
                 <a:latin typeface="微软雅黑" pitchFamily="34" charset="-122"/>
                 <a:ea typeface="微软雅黑" pitchFamily="34" charset="-122"/>
               </a:rPr>
-              <a:t>饱和度，增加或者降低饱和度</a:t>
+              <a:t>饱和度</a:t>
+            </a:r>
+            <a:r>
+              <a:rPr lang="zh-CN" altLang="en-US" sz="2400" dirty="0" smtClean="0">
+                <a:solidFill>
+                  <a:schemeClr val="tx1">
+                    <a:lumMod val="75000"/>
+                    <a:lumOff val="25000"/>
+                  </a:schemeClr>
+                </a:solidFill>
+                <a:latin typeface="微软雅黑" pitchFamily="34" charset="-122"/>
+                <a:ea typeface="微软雅黑" pitchFamily="34" charset="-122"/>
+              </a:rPr>
+              <a:t>，</a:t>
+            </a:r>
+            <a:r>
+              <a:rPr lang="zh-CN" altLang="en-US" sz="2400" dirty="0" smtClean="0">
+                <a:solidFill>
+                  <a:schemeClr val="tx1">
+                    <a:lumMod val="75000"/>
+                    <a:lumOff val="25000"/>
+                  </a:schemeClr>
+                </a:solidFill>
+                <a:latin typeface="微软雅黑" pitchFamily="34" charset="-122"/>
+                <a:ea typeface="微软雅黑" pitchFamily="34" charset="-122"/>
+              </a:rPr>
+              <a:t>可超过</a:t>
+            </a:r>
+            <a:r>
+              <a:rPr lang="en-US" altLang="zh-CN" sz="2400" dirty="0" smtClean="0">
+                <a:solidFill>
+                  <a:schemeClr val="tx1">
+                    <a:lumMod val="75000"/>
+                    <a:lumOff val="25000"/>
+                  </a:schemeClr>
+                </a:solidFill>
+                <a:latin typeface="微软雅黑" pitchFamily="34" charset="-122"/>
+                <a:ea typeface="微软雅黑" pitchFamily="34" charset="-122"/>
+              </a:rPr>
+              <a:t>1</a:t>
+            </a:r>
+            <a:r>
+              <a:rPr lang="zh-CN" altLang="en-US" sz="2400" dirty="0" smtClean="0">
+                <a:solidFill>
+                  <a:schemeClr val="tx1">
+                    <a:lumMod val="75000"/>
+                    <a:lumOff val="25000"/>
+                  </a:schemeClr>
+                </a:solidFill>
+                <a:latin typeface="微软雅黑" pitchFamily="34" charset="-122"/>
+                <a:ea typeface="微软雅黑" pitchFamily="34" charset="-122"/>
+              </a:rPr>
+              <a:t>，</a:t>
+            </a:r>
+            <a:r>
+              <a:rPr lang="en-US" altLang="zh-CN" sz="2400" dirty="0" smtClean="0">
+                <a:solidFill>
+                  <a:schemeClr val="tx1">
+                    <a:lumMod val="75000"/>
+                    <a:lumOff val="25000"/>
+                  </a:schemeClr>
+                </a:solidFill>
+                <a:latin typeface="微软雅黑" pitchFamily="34" charset="-122"/>
+                <a:ea typeface="微软雅黑" pitchFamily="34" charset="-122"/>
+              </a:rPr>
+              <a:t>0</a:t>
+            </a:r>
+            <a:r>
+              <a:rPr lang="zh-CN" altLang="en-US" sz="2400" dirty="0" smtClean="0">
+                <a:solidFill>
+                  <a:schemeClr val="tx1">
+                    <a:lumMod val="75000"/>
+                    <a:lumOff val="25000"/>
+                  </a:schemeClr>
+                </a:solidFill>
+                <a:latin typeface="微软雅黑" pitchFamily="34" charset="-122"/>
+                <a:ea typeface="微软雅黑" pitchFamily="34" charset="-122"/>
+              </a:rPr>
+              <a:t>为灰色</a:t>
             </a:r>
             <a:endParaRPr lang="en-US" altLang="zh-CN" sz="2400" dirty="0" smtClean="0">
               <a:solidFill>
@@ -5420,7 +11386,7 @@
                 <a:latin typeface="微软雅黑" pitchFamily="34" charset="-122"/>
                 <a:ea typeface="微软雅黑" pitchFamily="34" charset="-122"/>
               </a:rPr>
-              <a:t>透明度，修改元素的</a:t>
+              <a:t>透明度</a:t>
             </a:r>
             <a:r>
               <a:rPr lang="zh-CN" altLang="en-US" sz="2400" dirty="0" smtClean="0">
@@ -5433,7 +11399,85 @@
                 <a:latin typeface="微软雅黑" pitchFamily="34" charset="-122"/>
                 <a:ea typeface="微软雅黑" pitchFamily="34" charset="-122"/>
               </a:rPr>
-              <a:t>透明度</a:t>
+              <a:t>，</a:t>
+            </a:r>
+            <a:r>
+              <a:rPr lang="en-US" altLang="zh-CN" sz="2400" dirty="0" smtClean="0">
+                <a:solidFill>
+                  <a:schemeClr val="tx1">
+                    <a:lumMod val="75000"/>
+                    <a:lumOff val="25000"/>
+                  </a:schemeClr>
+                </a:solidFill>
+                <a:latin typeface="微软雅黑" pitchFamily="34" charset="-122"/>
+                <a:ea typeface="微软雅黑" pitchFamily="34" charset="-122"/>
+              </a:rPr>
+              <a:t>0~1</a:t>
+            </a:r>
+            <a:r>
+              <a:rPr lang="zh-CN" altLang="en-US" sz="2400" dirty="0" smtClean="0">
+                <a:solidFill>
+                  <a:schemeClr val="tx1">
+                    <a:lumMod val="75000"/>
+                    <a:lumOff val="25000"/>
+                  </a:schemeClr>
+                </a:solidFill>
+                <a:latin typeface="微软雅黑" pitchFamily="34" charset="-122"/>
+                <a:ea typeface="微软雅黑" pitchFamily="34" charset="-122"/>
+              </a:rPr>
+              <a:t>，</a:t>
+            </a:r>
+            <a:r>
+              <a:rPr lang="en-US" altLang="zh-CN" sz="2400" dirty="0" smtClean="0">
+                <a:solidFill>
+                  <a:schemeClr val="tx1">
+                    <a:lumMod val="75000"/>
+                    <a:lumOff val="25000"/>
+                  </a:schemeClr>
+                </a:solidFill>
+                <a:latin typeface="微软雅黑" pitchFamily="34" charset="-122"/>
+                <a:ea typeface="微软雅黑" pitchFamily="34" charset="-122"/>
+              </a:rPr>
+              <a:t>0</a:t>
+            </a:r>
+            <a:r>
+              <a:rPr lang="zh-CN" altLang="en-US" sz="2400" dirty="0" smtClean="0">
+                <a:solidFill>
+                  <a:schemeClr val="tx1">
+                    <a:lumMod val="75000"/>
+                    <a:lumOff val="25000"/>
+                  </a:schemeClr>
+                </a:solidFill>
+                <a:latin typeface="微软雅黑" pitchFamily="34" charset="-122"/>
+                <a:ea typeface="微软雅黑" pitchFamily="34" charset="-122"/>
+              </a:rPr>
+              <a:t>为纯透明，</a:t>
+            </a:r>
+            <a:r>
+              <a:rPr lang="en-US" altLang="zh-CN" sz="2400" dirty="0" smtClean="0">
+                <a:solidFill>
+                  <a:schemeClr val="tx1">
+                    <a:lumMod val="75000"/>
+                    <a:lumOff val="25000"/>
+                  </a:schemeClr>
+                </a:solidFill>
+                <a:latin typeface="微软雅黑" pitchFamily="34" charset="-122"/>
+                <a:ea typeface="微软雅黑" pitchFamily="34" charset="-122"/>
+              </a:rPr>
+              <a:t>1</a:t>
+            </a:r>
+            <a:r>
+              <a:rPr lang="zh-CN" altLang="en-US" sz="2400" dirty="0" smtClean="0">
+                <a:solidFill>
+                  <a:schemeClr val="tx1">
+                    <a:lumMod val="75000"/>
+                    <a:lumOff val="25000"/>
+                  </a:schemeClr>
+                </a:solidFill>
+                <a:latin typeface="微软雅黑" pitchFamily="34" charset="-122"/>
+                <a:ea typeface="微软雅黑" pitchFamily="34" charset="-122"/>
+              </a:rPr>
+              <a:t>为不透明</a:t>
             </a:r>
             <a:endParaRPr lang="en-US" altLang="zh-CN" sz="2400" dirty="0" smtClean="0">
               <a:solidFill>
@@ -5463,7 +11507,20 @@
                 <a:latin typeface="微软雅黑" pitchFamily="34" charset="-122"/>
                 <a:ea typeface="微软雅黑" pitchFamily="34" charset="-122"/>
               </a:rPr>
-              <a:t>我们做了一个方便观察各个属性的小工具如下：</a:t>
+              <a:t>我做</a:t>
+            </a:r>
+            <a:r>
+              <a:rPr lang="zh-CN" altLang="en-US" sz="2400" dirty="0" smtClean="0">
+                <a:solidFill>
+                  <a:schemeClr val="tx1">
+                    <a:lumMod val="75000"/>
+                    <a:lumOff val="25000"/>
+                  </a:schemeClr>
+                </a:solidFill>
+                <a:latin typeface="微软雅黑" pitchFamily="34" charset="-122"/>
+                <a:ea typeface="微软雅黑" pitchFamily="34" charset="-122"/>
+              </a:rPr>
+              <a:t>了一个方便观察各个属性的小工具如下：</a:t>
             </a:r>
             <a:endParaRPr lang="en-US" altLang="zh-CN" sz="2400" dirty="0" smtClean="0">
               <a:solidFill>
@@ -6536,7 +12593,7 @@
         <p:spPr>
           <a:xfrm>
             <a:off x="684000" y="836712"/>
-            <a:ext cx="7776000" cy="2862322"/>
+            <a:ext cx="7776000" cy="4524315"/>
           </a:xfrm>
           <a:prstGeom prst="rect">
             <a:avLst/>
@@ -6555,6 +12612,19 @@
               </a:lnSpc>
             </a:pPr>
             <a:r>
+              <a:rPr lang="en-US" altLang="zh-CN" sz="2400" dirty="0" smtClean="0">
+                <a:solidFill>
+                  <a:schemeClr val="tx1">
+                    <a:lumMod val="75000"/>
+                    <a:lumOff val="25000"/>
+                  </a:schemeClr>
+                </a:solidFill>
+                <a:latin typeface="微软雅黑" pitchFamily="34" charset="-122"/>
+                <a:ea typeface="微软雅黑" pitchFamily="34" charset="-122"/>
+              </a:rPr>
+              <a:t>CSS3</a:t>
+            </a:r>
+            <a:r>
               <a:rPr lang="zh-CN" altLang="en-US" sz="2400" dirty="0" smtClean="0">
                 <a:solidFill>
                   <a:schemeClr val="tx1">
@@ -6565,7 +12635,150 @@
                 <a:latin typeface="微软雅黑" pitchFamily="34" charset="-122"/>
                 <a:ea typeface="微软雅黑" pitchFamily="34" charset="-122"/>
               </a:rPr>
-              <a:t>混合有两种，如下，</a:t>
+              <a:t>有两种混合，</a:t>
+            </a:r>
+            <a:r>
+              <a:rPr lang="en-US" altLang="zh-CN" sz="2400" b="1" dirty="0" smtClean="0">
+                <a:solidFill>
+                  <a:schemeClr val="tx1">
+                    <a:lumMod val="75000"/>
+                    <a:lumOff val="25000"/>
+                  </a:schemeClr>
+                </a:solidFill>
+                <a:latin typeface="微软雅黑" pitchFamily="34" charset="-122"/>
+                <a:ea typeface="微软雅黑" pitchFamily="34" charset="-122"/>
+              </a:rPr>
+              <a:t>background-blend-mode</a:t>
+            </a:r>
+            <a:r>
+              <a:rPr lang="zh-CN" altLang="en-US" sz="2400" b="1" dirty="0" smtClean="0">
+                <a:solidFill>
+                  <a:schemeClr val="tx1">
+                    <a:lumMod val="75000"/>
+                    <a:lumOff val="25000"/>
+                  </a:schemeClr>
+                </a:solidFill>
+                <a:latin typeface="微软雅黑" pitchFamily="34" charset="-122"/>
+                <a:ea typeface="微软雅黑" pitchFamily="34" charset="-122"/>
+              </a:rPr>
+              <a:t>和</a:t>
+            </a:r>
+            <a:r>
+              <a:rPr lang="en-US" altLang="zh-CN" sz="2400" b="1" dirty="0" smtClean="0">
+                <a:solidFill>
+                  <a:schemeClr val="tx1">
+                    <a:lumMod val="75000"/>
+                    <a:lumOff val="25000"/>
+                  </a:schemeClr>
+                </a:solidFill>
+                <a:latin typeface="微软雅黑" pitchFamily="34" charset="-122"/>
+                <a:ea typeface="微软雅黑" pitchFamily="34" charset="-122"/>
+              </a:rPr>
+              <a:t>mix-blend-mode</a:t>
+            </a:r>
+            <a:r>
+              <a:rPr lang="zh-CN" altLang="en-US" sz="2400" b="1" dirty="0" smtClean="0">
+                <a:solidFill>
+                  <a:schemeClr val="tx1">
+                    <a:lumMod val="75000"/>
+                    <a:lumOff val="25000"/>
+                  </a:schemeClr>
+                </a:solidFill>
+                <a:latin typeface="微软雅黑" pitchFamily="34" charset="-122"/>
+                <a:ea typeface="微软雅黑" pitchFamily="34" charset="-122"/>
+              </a:rPr>
+              <a:t>，</a:t>
+            </a:r>
+            <a:r>
+              <a:rPr lang="zh-CN" altLang="en-US" sz="2400" dirty="0" smtClean="0">
+                <a:solidFill>
+                  <a:schemeClr val="tx1">
+                    <a:lumMod val="75000"/>
+                    <a:lumOff val="25000"/>
+                  </a:schemeClr>
+                </a:solidFill>
+                <a:latin typeface="微软雅黑" pitchFamily="34" charset="-122"/>
+                <a:ea typeface="微软雅黑" pitchFamily="34" charset="-122"/>
+              </a:rPr>
+              <a:t>两种混合的</a:t>
+            </a:r>
+            <a:r>
+              <a:rPr lang="zh-CN" altLang="en-US" sz="2400" b="1" dirty="0" smtClean="0">
+                <a:solidFill>
+                  <a:schemeClr val="tx1">
+                    <a:lumMod val="75000"/>
+                    <a:lumOff val="25000"/>
+                  </a:schemeClr>
+                </a:solidFill>
+                <a:latin typeface="微软雅黑" pitchFamily="34" charset="-122"/>
+                <a:ea typeface="微软雅黑" pitchFamily="34" charset="-122"/>
+              </a:rPr>
+              <a:t>参数是一样的，效果也相同</a:t>
+            </a:r>
+            <a:r>
+              <a:rPr lang="zh-CN" altLang="en-US" sz="2400" dirty="0" smtClean="0">
+                <a:solidFill>
+                  <a:schemeClr val="tx1">
+                    <a:lumMod val="75000"/>
+                    <a:lumOff val="25000"/>
+                  </a:schemeClr>
+                </a:solidFill>
+                <a:latin typeface="微软雅黑" pitchFamily="34" charset="-122"/>
+                <a:ea typeface="微软雅黑" pitchFamily="34" charset="-122"/>
+              </a:rPr>
+              <a:t>，仅仅是</a:t>
+            </a:r>
+            <a:r>
+              <a:rPr lang="zh-CN" altLang="en-US" sz="2400" b="1" dirty="0" smtClean="0">
+                <a:solidFill>
+                  <a:schemeClr val="tx1">
+                    <a:lumMod val="75000"/>
+                    <a:lumOff val="25000"/>
+                  </a:schemeClr>
+                </a:solidFill>
+                <a:latin typeface="微软雅黑" pitchFamily="34" charset="-122"/>
+                <a:ea typeface="微软雅黑" pitchFamily="34" charset="-122"/>
+              </a:rPr>
+              <a:t>应用场景不同</a:t>
+            </a:r>
+            <a:r>
+              <a:rPr lang="zh-CN" altLang="en-US" sz="2400" dirty="0" smtClean="0">
+                <a:solidFill>
+                  <a:schemeClr val="tx1">
+                    <a:lumMod val="75000"/>
+                    <a:lumOff val="25000"/>
+                  </a:schemeClr>
+                </a:solidFill>
+                <a:latin typeface="微软雅黑" pitchFamily="34" charset="-122"/>
+                <a:ea typeface="微软雅黑" pitchFamily="34" charset="-122"/>
+              </a:rPr>
+              <a:t>而已，</a:t>
+            </a:r>
+            <a:r>
+              <a:rPr lang="zh-CN" altLang="en-US" sz="2400" dirty="0">
+                <a:solidFill>
+                  <a:schemeClr val="tx1">
+                    <a:lumMod val="75000"/>
+                    <a:lumOff val="25000"/>
+                  </a:schemeClr>
+                </a:solidFill>
+                <a:latin typeface="微软雅黑" pitchFamily="34" charset="-122"/>
+                <a:ea typeface="微软雅黑" pitchFamily="34" charset="-122"/>
+              </a:rPr>
+              <a:t>如下</a:t>
+            </a:r>
+            <a:r>
+              <a:rPr lang="zh-CN" altLang="en-US" sz="2400" dirty="0" smtClean="0">
+                <a:solidFill>
+                  <a:schemeClr val="tx1">
+                    <a:lumMod val="75000"/>
+                    <a:lumOff val="25000"/>
+                  </a:schemeClr>
+                </a:solidFill>
+                <a:latin typeface="微软雅黑" pitchFamily="34" charset="-122"/>
+                <a:ea typeface="微软雅黑" pitchFamily="34" charset="-122"/>
+              </a:rPr>
+              <a:t>，</a:t>
             </a:r>
             <a:endParaRPr lang="en-US" altLang="zh-CN" sz="2400" dirty="0" smtClean="0">
               <a:solidFill>
@@ -6597,6 +12810,29 @@
               </a:rPr>
               <a:t>background-blend-mode</a:t>
             </a:r>
+            <a:r>
+              <a:rPr lang="zh-CN" altLang="en-US" sz="2400" b="1" dirty="0" smtClean="0">
+                <a:solidFill>
+                  <a:schemeClr val="tx1">
+                    <a:lumMod val="75000"/>
+                    <a:lumOff val="25000"/>
+                  </a:schemeClr>
+                </a:solidFill>
+                <a:latin typeface="微软雅黑" pitchFamily="34" charset="-122"/>
+                <a:ea typeface="微软雅黑" pitchFamily="34" charset="-122"/>
+              </a:rPr>
+              <a:t>：</a:t>
+            </a:r>
+            <a:endParaRPr lang="en-US" altLang="zh-CN" sz="2400" dirty="0">
+              <a:solidFill>
+                <a:schemeClr val="tx1">
+                  <a:lumMod val="75000"/>
+                  <a:lumOff val="25000"/>
+                </a:schemeClr>
+              </a:solidFill>
+              <a:latin typeface="微软雅黑" pitchFamily="34" charset="-122"/>
+              <a:ea typeface="微软雅黑" pitchFamily="34" charset="-122"/>
+            </a:endParaRPr>
           </a:p>
           <a:p>
             <a:pPr>
@@ -6605,6 +12841,19 @@
               </a:lnSpc>
             </a:pPr>
             <a:r>
+              <a:rPr lang="zh-CN" altLang="en-US" sz="2400" dirty="0" smtClean="0">
+                <a:solidFill>
+                  <a:schemeClr val="tx1">
+                    <a:lumMod val="75000"/>
+                    <a:lumOff val="25000"/>
+                  </a:schemeClr>
+                </a:solidFill>
+                <a:latin typeface="微软雅黑" pitchFamily="34" charset="-122"/>
+                <a:ea typeface="微软雅黑" pitchFamily="34" charset="-122"/>
+              </a:rPr>
+              <a:t>元素</a:t>
+            </a:r>
+            <a:r>
               <a:rPr lang="zh-CN" altLang="en-US" sz="2400" dirty="0">
                 <a:solidFill>
                   <a:schemeClr val="tx1">
@@ -6615,7 +12864,30 @@
                 <a:latin typeface="微软雅黑" pitchFamily="34" charset="-122"/>
                 <a:ea typeface="微软雅黑" pitchFamily="34" charset="-122"/>
               </a:rPr>
-              <a:t>元素的多个背景图之间的</a:t>
+              <a:t>的</a:t>
+            </a:r>
+            <a:r>
+              <a:rPr lang="zh-CN" altLang="en-US" sz="2400" b="1" dirty="0">
+                <a:solidFill>
+                  <a:srgbClr val="C00000"/>
+                </a:solidFill>
+                <a:latin typeface="微软雅黑" pitchFamily="34" charset="-122"/>
+                <a:ea typeface="微软雅黑" pitchFamily="34" charset="-122"/>
+              </a:rPr>
+              <a:t>多个背景图之间</a:t>
+            </a:r>
+            <a:r>
+              <a:rPr lang="zh-CN" altLang="en-US" sz="2400" dirty="0">
+                <a:solidFill>
+                  <a:schemeClr val="tx1">
+                    <a:lumMod val="75000"/>
+                    <a:lumOff val="25000"/>
+                  </a:schemeClr>
+                </a:solidFill>
+                <a:latin typeface="微软雅黑" pitchFamily="34" charset="-122"/>
+                <a:ea typeface="微软雅黑" pitchFamily="34" charset="-122"/>
+              </a:rPr>
+              <a:t>的</a:t>
             </a:r>
             <a:r>
               <a:rPr lang="zh-CN" altLang="en-US" sz="2400" dirty="0" smtClean="0">
@@ -6660,6 +12932,29 @@
               </a:rPr>
               <a:t>mix-blend-mode</a:t>
             </a:r>
+            <a:r>
+              <a:rPr lang="zh-CN" altLang="en-US" sz="2400" b="1" dirty="0" smtClean="0">
+                <a:solidFill>
+                  <a:schemeClr val="tx1">
+                    <a:lumMod val="75000"/>
+                    <a:lumOff val="25000"/>
+                  </a:schemeClr>
+                </a:solidFill>
+                <a:latin typeface="微软雅黑" pitchFamily="34" charset="-122"/>
+                <a:ea typeface="微软雅黑" pitchFamily="34" charset="-122"/>
+              </a:rPr>
+              <a:t>：</a:t>
+            </a:r>
+            <a:endParaRPr lang="en-US" altLang="zh-CN" sz="2400" dirty="0">
+              <a:solidFill>
+                <a:schemeClr val="tx1">
+                  <a:lumMod val="75000"/>
+                  <a:lumOff val="25000"/>
+                </a:schemeClr>
+              </a:solidFill>
+              <a:latin typeface="微软雅黑" pitchFamily="34" charset="-122"/>
+              <a:ea typeface="微软雅黑" pitchFamily="34" charset="-122"/>
+            </a:endParaRPr>
           </a:p>
           <a:p>
             <a:pPr>
@@ -6678,7 +12973,43 @@
                 <a:latin typeface="微软雅黑" pitchFamily="34" charset="-122"/>
                 <a:ea typeface="微软雅黑" pitchFamily="34" charset="-122"/>
               </a:rPr>
-              <a:t>应用的元素，与其相邻的下层元素之间混合</a:t>
+              <a:t>应用</a:t>
+            </a:r>
+            <a:r>
+              <a:rPr lang="zh-CN" altLang="en-US" sz="2400" dirty="0">
+                <a:solidFill>
+                  <a:schemeClr val="tx1">
+                    <a:lumMod val="75000"/>
+                    <a:lumOff val="25000"/>
+                  </a:schemeClr>
+                </a:solidFill>
+                <a:latin typeface="微软雅黑" pitchFamily="34" charset="-122"/>
+                <a:ea typeface="微软雅黑" pitchFamily="34" charset="-122"/>
+              </a:rPr>
+              <a:t>的元素，与其</a:t>
+            </a:r>
+            <a:r>
+              <a:rPr lang="zh-CN" altLang="en-US" sz="2400" b="1" dirty="0">
+                <a:solidFill>
+                  <a:srgbClr val="C00000"/>
+                </a:solidFill>
+                <a:latin typeface="微软雅黑" pitchFamily="34" charset="-122"/>
+                <a:ea typeface="微软雅黑" pitchFamily="34" charset="-122"/>
+              </a:rPr>
+              <a:t>相邻的下层元素之间</a:t>
+            </a:r>
+            <a:r>
+              <a:rPr lang="zh-CN" altLang="en-US" sz="2400" dirty="0" smtClean="0">
+                <a:solidFill>
+                  <a:schemeClr val="tx1">
+                    <a:lumMod val="75000"/>
+                    <a:lumOff val="25000"/>
+                  </a:schemeClr>
+                </a:solidFill>
+                <a:latin typeface="微软雅黑" pitchFamily="34" charset="-122"/>
+                <a:ea typeface="微软雅黑" pitchFamily="34" charset="-122"/>
+              </a:rPr>
+              <a:t>混合，同样我做了如下小工具来展示各种混合参数的效果：</a:t>
             </a:r>
             <a:endParaRPr lang="en-US" altLang="zh-CN" sz="2400" dirty="0">
               <a:solidFill>
@@ -6730,55 +13061,132 @@
           <a:chExt cx="0" cy="0"/>
         </a:xfrm>
       </p:grpSpPr>
+      <p:pic>
+        <p:nvPicPr>
+          <p:cNvPr id="2" name="图片 1" descr="屏幕剪辑"/>
+          <p:cNvPicPr>
+            <a:picLocks noChangeAspect="1"/>
+          </p:cNvPicPr>
+          <p:nvPr/>
+        </p:nvPicPr>
+        <p:blipFill>
+          <a:blip r:embed="rId2">
+            <a:extLst>
+              <a:ext uri="{28A0092B-C50C-407E-A947-70E740481C1C}">
+                <a14:useLocalDpi xmlns:a14="http://schemas.microsoft.com/office/drawing/2010/main" val="0"/>
+              </a:ext>
+            </a:extLst>
+          </a:blip>
+          <a:stretch>
+            <a:fillRect/>
+          </a:stretch>
+        </p:blipFill>
+        <p:spPr>
+          <a:xfrm>
+            <a:off x="1043608" y="260648"/>
+            <a:ext cx="4046451" cy="2986814"/>
+          </a:xfrm>
+          <a:prstGeom prst="rect">
+            <a:avLst/>
+          </a:prstGeom>
+          <a:ln>
+            <a:noFill/>
+          </a:ln>
+          <a:effectLst>
+            <a:outerShdw blurRad="292100" dist="139700" dir="2700000" algn="tl" rotWithShape="0">
+              <a:srgbClr val="333333">
+                <a:alpha val="65000"/>
+              </a:srgbClr>
+            </a:outerShdw>
+          </a:effectLst>
+        </p:spPr>
+      </p:pic>
+      <p:pic>
+        <p:nvPicPr>
+          <p:cNvPr id="3" name="图片 2" descr="屏幕剪辑"/>
+          <p:cNvPicPr>
+            <a:picLocks noChangeAspect="1"/>
+          </p:cNvPicPr>
+          <p:nvPr/>
+        </p:nvPicPr>
+        <p:blipFill>
+          <a:blip r:embed="rId3">
+            <a:extLst>
+              <a:ext uri="{28A0092B-C50C-407E-A947-70E740481C1C}">
+                <a14:useLocalDpi xmlns:a14="http://schemas.microsoft.com/office/drawing/2010/main" val="0"/>
+              </a:ext>
+            </a:extLst>
+          </a:blip>
+          <a:stretch>
+            <a:fillRect/>
+          </a:stretch>
+        </p:blipFill>
+        <p:spPr>
+          <a:xfrm>
+            <a:off x="5508104" y="269529"/>
+            <a:ext cx="2067213" cy="4220164"/>
+          </a:xfrm>
+          <a:prstGeom prst="rect">
+            <a:avLst/>
+          </a:prstGeom>
+        </p:spPr>
+      </p:pic>
       <p:sp>
         <p:nvSpPr>
-          <p:cNvPr id="4" name="TextBox 3"/>
-          <p:cNvSpPr txBox="1"/>
+          <p:cNvPr id="4" name="圆角矩形标注 3"/>
+          <p:cNvSpPr/>
           <p:nvPr/>
         </p:nvSpPr>
         <p:spPr>
           <a:xfrm>
-            <a:off x="684000" y="260648"/>
-            <a:ext cx="7776000" cy="523220"/>
+            <a:off x="4176653" y="3717032"/>
+            <a:ext cx="1296144" cy="432000"/>
           </a:xfrm>
-          <a:prstGeom prst="rect">
-            <a:avLst/>
+          <a:prstGeom prst="wedgeRoundRectCallout">
+            <a:avLst>
+              <a:gd name="adj1" fmla="val 56756"/>
+              <a:gd name="adj2" fmla="val 7347"/>
+              <a:gd name="adj3" fmla="val 16667"/>
+            </a:avLst>
           </a:prstGeom>
-          <a:noFill/>
         </p:spPr>
+        <p:style>
+          <a:lnRef idx="2">
+            <a:schemeClr val="accent5"/>
+          </a:lnRef>
+          <a:fillRef idx="1">
+            <a:schemeClr val="lt1"/>
+          </a:fillRef>
+          <a:effectRef idx="0">
+            <a:schemeClr val="accent5"/>
+          </a:effectRef>
+          <a:fontRef idx="minor">
+            <a:schemeClr val="dk1"/>
+          </a:fontRef>
+        </p:style>
         <p:txBody>
-          <a:bodyPr wrap="square" rtlCol="0">
-            <a:spAutoFit/>
-          </a:bodyPr>
+          <a:bodyPr rtlCol="0" anchor="ctr"/>
           <a:lstStyle/>
           <a:p>
-            <a:r>
-              <a:rPr lang="en-US" altLang="zh-CN" sz="2800" b="1" dirty="0" smtClean="0">
-                <a:solidFill>
-                  <a:schemeClr val="tx1">
-                    <a:lumMod val="75000"/>
-                    <a:lumOff val="25000"/>
-                  </a:schemeClr>
-                </a:solidFill>
-                <a:latin typeface="微软雅黑" pitchFamily="34" charset="-122"/>
-                <a:ea typeface="微软雅黑" pitchFamily="34" charset="-122"/>
-              </a:rPr>
-              <a:t>5.</a:t>
-            </a:r>
-            <a:r>
-              <a:rPr lang="zh-CN" altLang="en-US" sz="2800" b="1" dirty="0" smtClean="0">
-                <a:solidFill>
-                  <a:schemeClr val="tx1">
-                    <a:lumMod val="75000"/>
-                    <a:lumOff val="25000"/>
-                  </a:schemeClr>
-                </a:solidFill>
-                <a:latin typeface="微软雅黑" pitchFamily="34" charset="-122"/>
-                <a:ea typeface="微软雅黑" pitchFamily="34" charset="-122"/>
-              </a:rPr>
-              <a:t>艺术效果</a:t>
-            </a:r>
-            <a:endParaRPr lang="zh-CN" altLang="en-US" sz="2800" b="1" dirty="0">
+            <a:pPr>
+              <a:lnSpc>
+                <a:spcPct val="150000"/>
+              </a:lnSpc>
+            </a:pPr>
+            <a:r>
+              <a:rPr lang="zh-CN" altLang="en-US" sz="2000" dirty="0" smtClean="0">
+                <a:solidFill>
+                  <a:schemeClr val="tx1">
+                    <a:lumMod val="75000"/>
+                    <a:lumOff val="25000"/>
+                  </a:schemeClr>
+                </a:solidFill>
+                <a:latin typeface="微软雅黑" pitchFamily="34" charset="-122"/>
+                <a:ea typeface="微软雅黑" pitchFamily="34" charset="-122"/>
+              </a:rPr>
+              <a:t>参数列表</a:t>
+            </a:r>
+            <a:endParaRPr lang="en-US" altLang="zh-CN" sz="2000" dirty="0">
               <a:solidFill>
                 <a:schemeClr val="tx1">
                   <a:lumMod val="75000"/>
@@ -6793,24 +13201,39 @@
       </p:sp>
       <p:sp>
         <p:nvSpPr>
-          <p:cNvPr id="5" name="TextBox 4"/>
-          <p:cNvSpPr txBox="1"/>
+          <p:cNvPr id="5" name="圆角矩形标注 4"/>
+          <p:cNvSpPr/>
           <p:nvPr/>
         </p:nvSpPr>
         <p:spPr>
           <a:xfrm>
-            <a:off x="684000" y="836712"/>
-            <a:ext cx="7776000" cy="581057"/>
+            <a:off x="1398146" y="3528578"/>
+            <a:ext cx="1296144" cy="432000"/>
           </a:xfrm>
-          <a:prstGeom prst="rect">
-            <a:avLst/>
+          <a:prstGeom prst="wedgeRoundRectCallout">
+            <a:avLst>
+              <a:gd name="adj1" fmla="val -28987"/>
+              <a:gd name="adj2" fmla="val -83833"/>
+              <a:gd name="adj3" fmla="val 16667"/>
+            </a:avLst>
           </a:prstGeom>
-          <a:noFill/>
         </p:spPr>
+        <p:style>
+          <a:lnRef idx="2">
+            <a:schemeClr val="accent5"/>
+          </a:lnRef>
+          <a:fillRef idx="1">
+            <a:schemeClr val="lt1"/>
+          </a:fillRef>
+          <a:effectRef idx="0">
+            <a:schemeClr val="accent5"/>
+          </a:effectRef>
+          <a:fontRef idx="minor">
+            <a:schemeClr val="dk1"/>
+          </a:fontRef>
+        </p:style>
         <p:txBody>
-          <a:bodyPr wrap="square" rtlCol="0">
-            <a:spAutoFit/>
-          </a:bodyPr>
+          <a:bodyPr rtlCol="0" anchor="ctr"/>
           <a:lstStyle/>
           <a:p>
             <a:pPr>
@@ -6819,19 +13242,19 @@
               </a:lnSpc>
             </a:pPr>
             <a:r>
-              <a:rPr lang="zh-CN" altLang="en-US" sz="2400" dirty="0" smtClean="0">
-                <a:solidFill>
-                  <a:schemeClr val="tx1">
-                    <a:lumMod val="75000"/>
-                    <a:lumOff val="25000"/>
-                  </a:schemeClr>
-                </a:solidFill>
-                <a:latin typeface="微软雅黑" pitchFamily="34" charset="-122"/>
-                <a:ea typeface="微软雅黑" pitchFamily="34" charset="-122"/>
-              </a:rPr>
-              <a:t>混合有</a:t>
-            </a:r>
-            <a:endParaRPr lang="en-US" altLang="zh-CN" sz="2400" dirty="0">
+              <a:rPr lang="zh-CN" altLang="en-US" sz="2000" dirty="0" smtClean="0">
+                <a:solidFill>
+                  <a:schemeClr val="tx1">
+                    <a:lumMod val="75000"/>
+                    <a:lumOff val="25000"/>
+                  </a:schemeClr>
+                </a:solidFill>
+                <a:latin typeface="微软雅黑" pitchFamily="34" charset="-122"/>
+                <a:ea typeface="微软雅黑" pitchFamily="34" charset="-122"/>
+              </a:rPr>
+              <a:t>混合工具</a:t>
+            </a:r>
+            <a:endParaRPr lang="en-US" altLang="zh-CN" sz="2000" dirty="0">
               <a:solidFill>
                 <a:schemeClr val="tx1">
                   <a:lumMod val="75000"/>
@@ -6844,23 +13267,264 @@
           </a:p>
         </p:txBody>
       </p:sp>
+      <p:pic>
+        <p:nvPicPr>
+          <p:cNvPr id="6" name="图片 5" descr="屏幕剪辑"/>
+          <p:cNvPicPr>
+            <a:picLocks noChangeAspect="1"/>
+          </p:cNvPicPr>
+          <p:nvPr/>
+        </p:nvPicPr>
+        <p:blipFill>
+          <a:blip r:embed="rId4">
+            <a:extLst>
+              <a:ext uri="{28A0092B-C50C-407E-A947-70E740481C1C}">
+                <a14:useLocalDpi xmlns:a14="http://schemas.microsoft.com/office/drawing/2010/main" val="0"/>
+              </a:ext>
+            </a:extLst>
+          </a:blip>
+          <a:stretch>
+            <a:fillRect/>
+          </a:stretch>
+        </p:blipFill>
+        <p:spPr>
+          <a:xfrm>
+            <a:off x="2919094" y="4780643"/>
+            <a:ext cx="1876677" cy="1702800"/>
+          </a:xfrm>
+          <a:prstGeom prst="rect">
+            <a:avLst/>
+          </a:prstGeom>
+        </p:spPr>
+      </p:pic>
+      <p:pic>
+        <p:nvPicPr>
+          <p:cNvPr id="7" name="图片 6" descr="屏幕剪辑"/>
+          <p:cNvPicPr>
+            <a:picLocks noChangeAspect="1"/>
+          </p:cNvPicPr>
+          <p:nvPr/>
+        </p:nvPicPr>
+        <p:blipFill>
+          <a:blip r:embed="rId5" cstate="print">
+            <a:extLst>
+              <a:ext uri="{28A0092B-C50C-407E-A947-70E740481C1C}">
+                <a14:useLocalDpi xmlns:a14="http://schemas.microsoft.com/office/drawing/2010/main" val="0"/>
+              </a:ext>
+            </a:extLst>
+          </a:blip>
+          <a:stretch>
+            <a:fillRect/>
+          </a:stretch>
+        </p:blipFill>
+        <p:spPr>
+          <a:xfrm>
+            <a:off x="4814136" y="4869160"/>
+            <a:ext cx="1609946" cy="1525815"/>
+          </a:xfrm>
+          <a:prstGeom prst="rect">
+            <a:avLst/>
+          </a:prstGeom>
+        </p:spPr>
+      </p:pic>
+      <p:sp>
+        <p:nvSpPr>
+          <p:cNvPr id="8" name="圆角矩形标注 7"/>
+          <p:cNvSpPr/>
+          <p:nvPr/>
+        </p:nvSpPr>
+        <p:spPr>
+          <a:xfrm>
+            <a:off x="1115616" y="5236715"/>
+            <a:ext cx="1667813" cy="790656"/>
+          </a:xfrm>
+          <a:prstGeom prst="wedgeRoundRectCallout">
+            <a:avLst>
+              <a:gd name="adj1" fmla="val 58331"/>
+              <a:gd name="adj2" fmla="val 22755"/>
+              <a:gd name="adj3" fmla="val 16667"/>
+            </a:avLst>
+          </a:prstGeom>
+        </p:spPr>
+        <p:style>
+          <a:lnRef idx="2">
+            <a:schemeClr val="accent5"/>
+          </a:lnRef>
+          <a:fillRef idx="1">
+            <a:schemeClr val="lt1"/>
+          </a:fillRef>
+          <a:effectRef idx="0">
+            <a:schemeClr val="accent5"/>
+          </a:effectRef>
+          <a:fontRef idx="minor">
+            <a:schemeClr val="dk1"/>
+          </a:fontRef>
+        </p:style>
+        <p:txBody>
+          <a:bodyPr rtlCol="0" anchor="ctr"/>
+          <a:lstStyle/>
+          <a:p>
+            <a:pPr>
+              <a:lnSpc>
+                <a:spcPct val="150000"/>
+              </a:lnSpc>
+            </a:pPr>
+            <a:r>
+              <a:rPr lang="zh-CN" altLang="en-US" sz="2000" dirty="0">
+                <a:solidFill>
+                  <a:schemeClr val="tx1">
+                    <a:lumMod val="75000"/>
+                    <a:lumOff val="25000"/>
+                  </a:schemeClr>
+                </a:solidFill>
+                <a:latin typeface="微软雅黑" pitchFamily="34" charset="-122"/>
+                <a:ea typeface="微软雅黑" pitchFamily="34" charset="-122"/>
+              </a:rPr>
+              <a:t>下</a:t>
+            </a:r>
+            <a:r>
+              <a:rPr lang="zh-CN" altLang="en-US" sz="2000" dirty="0" smtClean="0">
+                <a:solidFill>
+                  <a:schemeClr val="tx1">
+                    <a:lumMod val="75000"/>
+                    <a:lumOff val="25000"/>
+                  </a:schemeClr>
+                </a:solidFill>
+                <a:latin typeface="微软雅黑" pitchFamily="34" charset="-122"/>
+                <a:ea typeface="微软雅黑" pitchFamily="34" charset="-122"/>
+              </a:rPr>
+              <a:t>层元素</a:t>
+            </a:r>
+            <a:r>
+              <a:rPr lang="zh-CN" altLang="en-US" sz="2000" dirty="0" smtClean="0">
+                <a:solidFill>
+                  <a:schemeClr val="tx1">
+                    <a:lumMod val="75000"/>
+                    <a:lumOff val="25000"/>
+                  </a:schemeClr>
+                </a:solidFill>
+                <a:latin typeface="微软雅黑" pitchFamily="34" charset="-122"/>
+                <a:ea typeface="微软雅黑" pitchFamily="34" charset="-122"/>
+              </a:rPr>
+              <a:t>或下层</a:t>
+            </a:r>
+            <a:r>
+              <a:rPr lang="zh-CN" altLang="en-US" sz="2000" dirty="0">
+                <a:solidFill>
+                  <a:schemeClr val="tx1">
+                    <a:lumMod val="75000"/>
+                    <a:lumOff val="25000"/>
+                  </a:schemeClr>
+                </a:solidFill>
+                <a:latin typeface="微软雅黑" pitchFamily="34" charset="-122"/>
+                <a:ea typeface="微软雅黑" pitchFamily="34" charset="-122"/>
+              </a:rPr>
+              <a:t>背景</a:t>
+            </a:r>
+            <a:endParaRPr lang="en-US" altLang="zh-CN" sz="2000" dirty="0">
+              <a:solidFill>
+                <a:schemeClr val="tx1">
+                  <a:lumMod val="75000"/>
+                  <a:lumOff val="25000"/>
+                </a:schemeClr>
+              </a:solidFill>
+              <a:latin typeface="微软雅黑" pitchFamily="34" charset="-122"/>
+              <a:ea typeface="微软雅黑" pitchFamily="34" charset="-122"/>
+            </a:endParaRPr>
+          </a:p>
+        </p:txBody>
+      </p:sp>
+      <p:sp>
+        <p:nvSpPr>
+          <p:cNvPr id="9" name="圆角矩形标注 8"/>
+          <p:cNvSpPr/>
+          <p:nvPr/>
+        </p:nvSpPr>
+        <p:spPr>
+          <a:xfrm>
+            <a:off x="6516216" y="5214147"/>
+            <a:ext cx="1728192" cy="879149"/>
+          </a:xfrm>
+          <a:prstGeom prst="wedgeRoundRectCallout">
+            <a:avLst>
+              <a:gd name="adj1" fmla="val -55529"/>
+              <a:gd name="adj2" fmla="val 15034"/>
+              <a:gd name="adj3" fmla="val 16667"/>
+            </a:avLst>
+          </a:prstGeom>
+        </p:spPr>
+        <p:style>
+          <a:lnRef idx="2">
+            <a:schemeClr val="accent5"/>
+          </a:lnRef>
+          <a:fillRef idx="1">
+            <a:schemeClr val="lt1"/>
+          </a:fillRef>
+          <a:effectRef idx="0">
+            <a:schemeClr val="accent5"/>
+          </a:effectRef>
+          <a:fontRef idx="minor">
+            <a:schemeClr val="dk1"/>
+          </a:fontRef>
+        </p:style>
+        <p:txBody>
+          <a:bodyPr rtlCol="0" anchor="ctr"/>
+          <a:lstStyle/>
+          <a:p>
+            <a:pPr>
+              <a:lnSpc>
+                <a:spcPct val="150000"/>
+              </a:lnSpc>
+            </a:pPr>
+            <a:r>
+              <a:rPr lang="zh-CN" altLang="en-US" sz="2000" dirty="0">
+                <a:solidFill>
+                  <a:schemeClr val="tx1">
+                    <a:lumMod val="75000"/>
+                    <a:lumOff val="25000"/>
+                  </a:schemeClr>
+                </a:solidFill>
+                <a:latin typeface="微软雅黑" pitchFamily="34" charset="-122"/>
+                <a:ea typeface="微软雅黑" pitchFamily="34" charset="-122"/>
+              </a:rPr>
+              <a:t>上</a:t>
+            </a:r>
+            <a:r>
+              <a:rPr lang="zh-CN" altLang="en-US" sz="2000" dirty="0" smtClean="0">
+                <a:solidFill>
+                  <a:schemeClr val="tx1">
+                    <a:lumMod val="75000"/>
+                    <a:lumOff val="25000"/>
+                  </a:schemeClr>
+                </a:solidFill>
+                <a:latin typeface="微软雅黑" pitchFamily="34" charset="-122"/>
+                <a:ea typeface="微软雅黑" pitchFamily="34" charset="-122"/>
+              </a:rPr>
+              <a:t>层元素或上层背景</a:t>
+            </a:r>
+            <a:endParaRPr lang="en-US" altLang="zh-CN" sz="2000" dirty="0">
+              <a:solidFill>
+                <a:schemeClr val="tx1">
+                  <a:lumMod val="75000"/>
+                  <a:lumOff val="25000"/>
+                </a:schemeClr>
+              </a:solidFill>
+              <a:latin typeface="微软雅黑" pitchFamily="34" charset="-122"/>
+              <a:ea typeface="微软雅黑" pitchFamily="34" charset="-122"/>
+            </a:endParaRPr>
+          </a:p>
+        </p:txBody>
+      </p:sp>
     </p:spTree>
     <p:extLst>
       <p:ext uri="{BB962C8B-B14F-4D97-AF65-F5344CB8AC3E}">
-        <p14:creationId xmlns:p14="http://schemas.microsoft.com/office/powerpoint/2010/main" val="1519168945"/>
+        <p14:creationId xmlns:p14="http://schemas.microsoft.com/office/powerpoint/2010/main" val="823306523"/>
       </p:ext>
     </p:extLst>
   </p:cSld>
   <p:clrMapOvr>
     <a:masterClrMapping/>
   </p:clrMapOvr>
-  <p:timing>
-    <p:tnLst>
-      <p:par>
-        <p:cTn id="1" dur="indefinite" restart="never" nodeType="tmRoot"/>
-      </p:par>
-    </p:tnLst>
-  </p:timing>
 </p:sld>
 </file>
 
@@ -6883,14 +13547,14 @@
       </p:grpSpPr>
       <p:sp>
         <p:nvSpPr>
-          <p:cNvPr id="4" name="TextBox 3"/>
+          <p:cNvPr id="2" name="TextBox 1"/>
           <p:cNvSpPr txBox="1"/>
           <p:nvPr/>
         </p:nvSpPr>
         <p:spPr>
           <a:xfrm>
-            <a:off x="467544" y="476672"/>
-            <a:ext cx="7776864" cy="523220"/>
+            <a:off x="684000" y="188640"/>
+            <a:ext cx="7776000" cy="2308324"/>
           </a:xfrm>
           <a:prstGeom prst="rect">
             <a:avLst/>
@@ -6903,197 +13567,10 @@
           </a:bodyPr>
           <a:lstStyle/>
           <a:p>
-            <a:r>
-              <a:rPr lang="en-US" altLang="zh-CN" sz="2800" b="1" dirty="0">
-                <a:solidFill>
-                  <a:schemeClr val="tx1">
-                    <a:lumMod val="75000"/>
-                    <a:lumOff val="25000"/>
-                  </a:schemeClr>
-                </a:solidFill>
-                <a:latin typeface="微软雅黑" pitchFamily="34" charset="-122"/>
-                <a:ea typeface="微软雅黑" pitchFamily="34" charset="-122"/>
-              </a:rPr>
-              <a:t>6</a:t>
-            </a:r>
-            <a:r>
-              <a:rPr lang="en-US" altLang="zh-CN" sz="2800" b="1" dirty="0" smtClean="0">
-                <a:solidFill>
-                  <a:schemeClr val="tx1">
-                    <a:lumMod val="75000"/>
-                    <a:lumOff val="25000"/>
-                  </a:schemeClr>
-                </a:solidFill>
-                <a:latin typeface="微软雅黑" pitchFamily="34" charset="-122"/>
-                <a:ea typeface="微软雅黑" pitchFamily="34" charset="-122"/>
-              </a:rPr>
-              <a:t>.</a:t>
-            </a:r>
-            <a:r>
-              <a:rPr lang="zh-CN" altLang="en-US" sz="2800" b="1" dirty="0" smtClean="0">
-                <a:solidFill>
-                  <a:schemeClr val="tx1">
-                    <a:lumMod val="75000"/>
-                    <a:lumOff val="25000"/>
-                  </a:schemeClr>
-                </a:solidFill>
-                <a:latin typeface="微软雅黑" pitchFamily="34" charset="-122"/>
-                <a:ea typeface="微软雅黑" pitchFamily="34" charset="-122"/>
-              </a:rPr>
-              <a:t>更多思考</a:t>
-            </a:r>
-            <a:endParaRPr lang="zh-CN" altLang="en-US" sz="2800" b="1" dirty="0">
-              <a:solidFill>
-                <a:schemeClr val="tx1">
-                  <a:lumMod val="75000"/>
-                  <a:lumOff val="25000"/>
-                </a:schemeClr>
-              </a:solidFill>
-              <a:latin typeface="微软雅黑" pitchFamily="34" charset="-122"/>
-              <a:ea typeface="微软雅黑" pitchFamily="34" charset="-122"/>
-            </a:endParaRPr>
-          </a:p>
-        </p:txBody>
-      </p:sp>
-      <p:sp>
-        <p:nvSpPr>
-          <p:cNvPr id="9" name="TextBox 8"/>
-          <p:cNvSpPr txBox="1"/>
-          <p:nvPr/>
-        </p:nvSpPr>
-        <p:spPr>
-          <a:xfrm>
-            <a:off x="611560" y="3284984"/>
-            <a:ext cx="7776864" cy="1384995"/>
-          </a:xfrm>
-          <a:prstGeom prst="rect">
-            <a:avLst/>
-          </a:prstGeom>
-          <a:noFill/>
-        </p:spPr>
-        <p:txBody>
-          <a:bodyPr wrap="square" rtlCol="0">
-            <a:spAutoFit/>
-          </a:bodyPr>
-          <a:lstStyle/>
-          <a:p>
-            <a:r>
-              <a:rPr lang="en-US" altLang="zh-CN" sz="2800" b="1" dirty="0" smtClean="0">
-                <a:solidFill>
-                  <a:schemeClr val="tx1">
-                    <a:lumMod val="75000"/>
-                    <a:lumOff val="25000"/>
-                  </a:schemeClr>
-                </a:solidFill>
-                <a:latin typeface="微软雅黑" pitchFamily="34" charset="-122"/>
-                <a:ea typeface="微软雅黑" pitchFamily="34" charset="-122"/>
-              </a:rPr>
-              <a:t>	</a:t>
-            </a:r>
-            <a:r>
-              <a:rPr lang="zh-CN" altLang="en-US" sz="2800" b="1" dirty="0" smtClean="0">
-                <a:solidFill>
-                  <a:schemeClr val="tx1">
-                    <a:lumMod val="75000"/>
-                    <a:lumOff val="25000"/>
-                  </a:schemeClr>
-                </a:solidFill>
-                <a:latin typeface="微软雅黑" pitchFamily="34" charset="-122"/>
-                <a:ea typeface="微软雅黑" pitchFamily="34" charset="-122"/>
-              </a:rPr>
-              <a:t>本期内容就讲到这里，谢谢大家！</a:t>
-            </a:r>
-            <a:endParaRPr lang="en-US" altLang="zh-CN" sz="2800" b="1" dirty="0" smtClean="0">
-              <a:solidFill>
-                <a:schemeClr val="tx1">
-                  <a:lumMod val="75000"/>
-                  <a:lumOff val="25000"/>
-                </a:schemeClr>
-              </a:solidFill>
-              <a:latin typeface="微软雅黑" pitchFamily="34" charset="-122"/>
-              <a:ea typeface="微软雅黑" pitchFamily="34" charset="-122"/>
-            </a:endParaRPr>
-          </a:p>
-          <a:p>
-            <a:endParaRPr lang="en-US" altLang="zh-CN" sz="2800" b="1" dirty="0" smtClean="0">
-              <a:solidFill>
-                <a:schemeClr val="tx1">
-                  <a:lumMod val="75000"/>
-                  <a:lumOff val="25000"/>
-                </a:schemeClr>
-              </a:solidFill>
-              <a:latin typeface="微软雅黑" pitchFamily="34" charset="-122"/>
-              <a:ea typeface="微软雅黑" pitchFamily="34" charset="-122"/>
-            </a:endParaRPr>
-          </a:p>
-          <a:p>
-            <a:r>
-              <a:rPr lang="en-US" altLang="zh-CN" sz="2800" b="1" dirty="0">
-                <a:solidFill>
-                  <a:schemeClr val="tx1">
-                    <a:lumMod val="75000"/>
-                    <a:lumOff val="25000"/>
-                  </a:schemeClr>
-                </a:solidFill>
-                <a:latin typeface="微软雅黑" pitchFamily="34" charset="-122"/>
-                <a:ea typeface="微软雅黑" pitchFamily="34" charset="-122"/>
-              </a:rPr>
-              <a:t>	</a:t>
-            </a:r>
-            <a:r>
-              <a:rPr lang="en-US" altLang="zh-CN" sz="2800" b="1" dirty="0" smtClean="0">
-                <a:solidFill>
-                  <a:schemeClr val="tx1">
-                    <a:lumMod val="75000"/>
-                    <a:lumOff val="25000"/>
-                  </a:schemeClr>
-                </a:solidFill>
-                <a:latin typeface="微软雅黑" pitchFamily="34" charset="-122"/>
-                <a:ea typeface="微软雅黑" pitchFamily="34" charset="-122"/>
-              </a:rPr>
-              <a:t>	</a:t>
-            </a:r>
-            <a:endParaRPr lang="zh-CN" altLang="en-US" sz="2800" b="1" dirty="0">
-              <a:solidFill>
-                <a:schemeClr val="tx1">
-                  <a:lumMod val="75000"/>
-                  <a:lumOff val="25000"/>
-                </a:schemeClr>
-              </a:solidFill>
-              <a:latin typeface="微软雅黑" pitchFamily="34" charset="-122"/>
-              <a:ea typeface="微软雅黑" pitchFamily="34" charset="-122"/>
-            </a:endParaRPr>
-          </a:p>
-        </p:txBody>
-      </p:sp>
-      <p:sp>
-        <p:nvSpPr>
-          <p:cNvPr id="5" name="TextBox 4"/>
-          <p:cNvSpPr txBox="1"/>
-          <p:nvPr/>
-        </p:nvSpPr>
-        <p:spPr>
-          <a:xfrm>
-            <a:off x="467544" y="1268760"/>
-            <a:ext cx="7632848" cy="581057"/>
-          </a:xfrm>
-          <a:prstGeom prst="rect">
-            <a:avLst/>
-          </a:prstGeom>
-          <a:noFill/>
-        </p:spPr>
-        <p:txBody>
-          <a:bodyPr wrap="square" rtlCol="0">
-            <a:spAutoFit/>
-          </a:bodyPr>
-          <a:lstStyle/>
-          <a:p>
-            <a:pPr marL="342900" indent="-342900">
+            <a:pPr>
               <a:lnSpc>
                 <a:spcPct val="150000"/>
               </a:lnSpc>
-              <a:buFont typeface="Arial" pitchFamily="34" charset="0"/>
-              <a:buChar char="•"/>
             </a:pPr>
             <a:r>
               <a:rPr lang="zh-CN" altLang="en-US" sz="2400" dirty="0" smtClean="0">
@@ -7106,7 +13583,33 @@
                 <a:latin typeface="微软雅黑" pitchFamily="34" charset="-122"/>
                 <a:ea typeface="微软雅黑" pitchFamily="34" charset="-122"/>
               </a:rPr>
-              <a:t>如果水墨画效果如何实现？</a:t>
+              <a:t>接下来介绍参数，</a:t>
+            </a:r>
+            <a:r>
+              <a:rPr lang="en-US" altLang="zh-CN" sz="2400" dirty="0" smtClean="0">
+                <a:solidFill>
+                  <a:schemeClr val="tx1">
+                    <a:lumMod val="75000"/>
+                    <a:lumOff val="25000"/>
+                  </a:schemeClr>
+                </a:solidFill>
+                <a:latin typeface="微软雅黑" pitchFamily="34" charset="-122"/>
+                <a:ea typeface="微软雅黑" pitchFamily="34" charset="-122"/>
+              </a:rPr>
+              <a:t>A,B,C</a:t>
+            </a:r>
+            <a:r>
+              <a:rPr lang="zh-CN" altLang="en-US" sz="2400" dirty="0" smtClean="0">
+                <a:solidFill>
+                  <a:schemeClr val="tx1">
+                    <a:lumMod val="75000"/>
+                    <a:lumOff val="25000"/>
+                  </a:schemeClr>
+                </a:solidFill>
+                <a:latin typeface="微软雅黑" pitchFamily="34" charset="-122"/>
+                <a:ea typeface="微软雅黑" pitchFamily="34" charset="-122"/>
+              </a:rPr>
+              <a:t>分别代表下层，上层，输出颜色</a:t>
             </a:r>
             <a:endParaRPr lang="en-US" altLang="zh-CN" sz="2400" dirty="0" smtClean="0">
               <a:solidFill>
@@ -7119,12 +13622,622 @@
               <a:ea typeface="微软雅黑" pitchFamily="34" charset="-122"/>
             </a:endParaRPr>
           </a:p>
+          <a:p>
+            <a:pPr>
+              <a:lnSpc>
+                <a:spcPct val="150000"/>
+              </a:lnSpc>
+            </a:pPr>
+            <a:r>
+              <a:rPr lang="en-US" altLang="zh-CN" sz="2400" b="1" dirty="0" smtClean="0">
+                <a:solidFill>
+                  <a:schemeClr val="tx1">
+                    <a:lumMod val="75000"/>
+                    <a:lumOff val="25000"/>
+                  </a:schemeClr>
+                </a:solidFill>
+                <a:latin typeface="微软雅黑" pitchFamily="34" charset="-122"/>
+                <a:ea typeface="微软雅黑" pitchFamily="34" charset="-122"/>
+              </a:rPr>
+              <a:t>normal</a:t>
+            </a:r>
+            <a:r>
+              <a:rPr lang="zh-CN" altLang="en-US" sz="2400" dirty="0" smtClean="0">
+                <a:solidFill>
+                  <a:schemeClr val="tx1">
+                    <a:lumMod val="75000"/>
+                    <a:lumOff val="25000"/>
+                  </a:schemeClr>
+                </a:solidFill>
+                <a:latin typeface="微软雅黑" pitchFamily="34" charset="-122"/>
+                <a:ea typeface="微软雅黑" pitchFamily="34" charset="-122"/>
+              </a:rPr>
+              <a:t>：上下图像正常叠加</a:t>
+            </a:r>
+            <a:endParaRPr lang="en-US" altLang="zh-CN" sz="2400" dirty="0" smtClean="0">
+              <a:solidFill>
+                <a:schemeClr val="tx1">
+                  <a:lumMod val="75000"/>
+                  <a:lumOff val="25000"/>
+                </a:schemeClr>
+              </a:solidFill>
+              <a:latin typeface="微软雅黑" pitchFamily="34" charset="-122"/>
+              <a:ea typeface="微软雅黑" pitchFamily="34" charset="-122"/>
+            </a:endParaRPr>
+          </a:p>
+          <a:p>
+            <a:pPr>
+              <a:lnSpc>
+                <a:spcPct val="150000"/>
+              </a:lnSpc>
+            </a:pPr>
+            <a:r>
+              <a:rPr lang="en-US" altLang="zh-CN" sz="2400" b="1" dirty="0">
+                <a:solidFill>
+                  <a:schemeClr val="tx1">
+                    <a:lumMod val="75000"/>
+                    <a:lumOff val="25000"/>
+                  </a:schemeClr>
+                </a:solidFill>
+                <a:latin typeface="微软雅黑" pitchFamily="34" charset="-122"/>
+                <a:ea typeface="微软雅黑" pitchFamily="34" charset="-122"/>
+              </a:rPr>
+              <a:t>d</a:t>
+            </a:r>
+            <a:r>
+              <a:rPr lang="en-US" altLang="zh-CN" sz="2400" b="1" dirty="0" smtClean="0">
+                <a:solidFill>
+                  <a:schemeClr val="tx1">
+                    <a:lumMod val="75000"/>
+                    <a:lumOff val="25000"/>
+                  </a:schemeClr>
+                </a:solidFill>
+                <a:latin typeface="微软雅黑" pitchFamily="34" charset="-122"/>
+                <a:ea typeface="微软雅黑" pitchFamily="34" charset="-122"/>
+              </a:rPr>
+              <a:t>arken</a:t>
+            </a:r>
+            <a:r>
+              <a:rPr lang="en-US" altLang="zh-CN" sz="2400" dirty="0" smtClean="0">
+                <a:solidFill>
+                  <a:schemeClr val="tx1">
+                    <a:lumMod val="75000"/>
+                    <a:lumOff val="25000"/>
+                  </a:schemeClr>
+                </a:solidFill>
+                <a:latin typeface="微软雅黑" pitchFamily="34" charset="-122"/>
+                <a:ea typeface="微软雅黑" pitchFamily="34" charset="-122"/>
+              </a:rPr>
+              <a:t>: </a:t>
+            </a:r>
+            <a:r>
+              <a:rPr lang="zh-CN" altLang="en-US" sz="2400" dirty="0" smtClean="0">
+                <a:solidFill>
+                  <a:schemeClr val="tx1">
+                    <a:lumMod val="75000"/>
+                    <a:lumOff val="25000"/>
+                  </a:schemeClr>
+                </a:solidFill>
+                <a:latin typeface="微软雅黑" pitchFamily="34" charset="-122"/>
+                <a:ea typeface="微软雅黑" pitchFamily="34" charset="-122"/>
+              </a:rPr>
+              <a:t>变暗，比较上下两层图像，取较暗的图像输出</a:t>
+            </a:r>
+            <a:endParaRPr lang="en-US" altLang="zh-CN" sz="2400" dirty="0" smtClean="0">
+              <a:solidFill>
+                <a:schemeClr val="tx1">
+                  <a:lumMod val="75000"/>
+                  <a:lumOff val="25000"/>
+                </a:schemeClr>
+              </a:solidFill>
+              <a:latin typeface="微软雅黑" pitchFamily="34" charset="-122"/>
+              <a:ea typeface="微软雅黑" pitchFamily="34" charset="-122"/>
+            </a:endParaRPr>
+          </a:p>
+          <a:p>
+            <a:pPr>
+              <a:lnSpc>
+                <a:spcPct val="150000"/>
+              </a:lnSpc>
+            </a:pPr>
+            <a:r>
+              <a:rPr lang="en-US" altLang="zh-CN" sz="2400" b="1" dirty="0">
+                <a:solidFill>
+                  <a:schemeClr val="tx1">
+                    <a:lumMod val="75000"/>
+                    <a:lumOff val="25000"/>
+                  </a:schemeClr>
+                </a:solidFill>
+                <a:latin typeface="微软雅黑" pitchFamily="34" charset="-122"/>
+                <a:ea typeface="微软雅黑" pitchFamily="34" charset="-122"/>
+              </a:rPr>
+              <a:t>l</a:t>
+            </a:r>
+            <a:r>
+              <a:rPr lang="en-US" altLang="zh-CN" sz="2400" b="1" dirty="0" smtClean="0">
+                <a:solidFill>
+                  <a:schemeClr val="tx1">
+                    <a:lumMod val="75000"/>
+                    <a:lumOff val="25000"/>
+                  </a:schemeClr>
+                </a:solidFill>
+                <a:latin typeface="微软雅黑" pitchFamily="34" charset="-122"/>
+                <a:ea typeface="微软雅黑" pitchFamily="34" charset="-122"/>
+              </a:rPr>
+              <a:t>ighten</a:t>
+            </a:r>
+            <a:r>
+              <a:rPr lang="en-US" altLang="zh-CN" sz="2400" dirty="0" smtClean="0">
+                <a:solidFill>
+                  <a:schemeClr val="tx1">
+                    <a:lumMod val="75000"/>
+                    <a:lumOff val="25000"/>
+                  </a:schemeClr>
+                </a:solidFill>
+                <a:latin typeface="微软雅黑" pitchFamily="34" charset="-122"/>
+                <a:ea typeface="微软雅黑" pitchFamily="34" charset="-122"/>
+              </a:rPr>
+              <a:t>: </a:t>
+            </a:r>
+            <a:r>
+              <a:rPr lang="zh-CN" altLang="en-US" sz="2400" dirty="0" smtClean="0">
+                <a:solidFill>
+                  <a:schemeClr val="tx1">
+                    <a:lumMod val="75000"/>
+                    <a:lumOff val="25000"/>
+                  </a:schemeClr>
+                </a:solidFill>
+                <a:latin typeface="微软雅黑" pitchFamily="34" charset="-122"/>
+                <a:ea typeface="微软雅黑" pitchFamily="34" charset="-122"/>
+              </a:rPr>
+              <a:t>变亮，比较</a:t>
+            </a:r>
+            <a:r>
+              <a:rPr lang="zh-CN" altLang="en-US" sz="2400" dirty="0">
+                <a:solidFill>
+                  <a:schemeClr val="tx1">
+                    <a:lumMod val="75000"/>
+                    <a:lumOff val="25000"/>
+                  </a:schemeClr>
+                </a:solidFill>
+                <a:latin typeface="微软雅黑" pitchFamily="34" charset="-122"/>
+                <a:ea typeface="微软雅黑" pitchFamily="34" charset="-122"/>
+              </a:rPr>
+              <a:t>上下两层图像，取</a:t>
+            </a:r>
+            <a:r>
+              <a:rPr lang="zh-CN" altLang="en-US" sz="2400" dirty="0" smtClean="0">
+                <a:solidFill>
+                  <a:schemeClr val="tx1">
+                    <a:lumMod val="75000"/>
+                    <a:lumOff val="25000"/>
+                  </a:schemeClr>
+                </a:solidFill>
+                <a:latin typeface="微软雅黑" pitchFamily="34" charset="-122"/>
+                <a:ea typeface="微软雅黑" pitchFamily="34" charset="-122"/>
+              </a:rPr>
+              <a:t>较</a:t>
+            </a:r>
+            <a:r>
+              <a:rPr lang="zh-CN" altLang="en-US" sz="2400" dirty="0">
+                <a:solidFill>
+                  <a:schemeClr val="tx1">
+                    <a:lumMod val="75000"/>
+                    <a:lumOff val="25000"/>
+                  </a:schemeClr>
+                </a:solidFill>
+                <a:latin typeface="微软雅黑" pitchFamily="34" charset="-122"/>
+                <a:ea typeface="微软雅黑" pitchFamily="34" charset="-122"/>
+              </a:rPr>
+              <a:t>亮</a:t>
+            </a:r>
+            <a:r>
+              <a:rPr lang="zh-CN" altLang="en-US" sz="2400" dirty="0" smtClean="0">
+                <a:solidFill>
+                  <a:schemeClr val="tx1">
+                    <a:lumMod val="75000"/>
+                    <a:lumOff val="25000"/>
+                  </a:schemeClr>
+                </a:solidFill>
+                <a:latin typeface="微软雅黑" pitchFamily="34" charset="-122"/>
+                <a:ea typeface="微软雅黑" pitchFamily="34" charset="-122"/>
+              </a:rPr>
+              <a:t>的</a:t>
+            </a:r>
+            <a:r>
+              <a:rPr lang="zh-CN" altLang="en-US" sz="2400" dirty="0">
+                <a:solidFill>
+                  <a:schemeClr val="tx1">
+                    <a:lumMod val="75000"/>
+                    <a:lumOff val="25000"/>
+                  </a:schemeClr>
+                </a:solidFill>
+                <a:latin typeface="微软雅黑" pitchFamily="34" charset="-122"/>
+                <a:ea typeface="微软雅黑" pitchFamily="34" charset="-122"/>
+              </a:rPr>
+              <a:t>图像输出</a:t>
+            </a:r>
+            <a:endParaRPr lang="en-US" altLang="zh-CN" sz="2400" dirty="0">
+              <a:solidFill>
+                <a:schemeClr val="tx1">
+                  <a:lumMod val="75000"/>
+                  <a:lumOff val="25000"/>
+                </a:schemeClr>
+              </a:solidFill>
+              <a:latin typeface="微软雅黑" pitchFamily="34" charset="-122"/>
+              <a:ea typeface="微软雅黑" pitchFamily="34" charset="-122"/>
+            </a:endParaRPr>
+          </a:p>
+        </p:txBody>
+      </p:sp>
+      <p:pic>
+        <p:nvPicPr>
+          <p:cNvPr id="3" name="图片 2" descr="屏幕剪辑"/>
+          <p:cNvPicPr>
+            <a:picLocks noChangeAspect="1"/>
+          </p:cNvPicPr>
+          <p:nvPr/>
+        </p:nvPicPr>
+        <p:blipFill>
+          <a:blip r:embed="rId2">
+            <a:extLst>
+              <a:ext uri="{28A0092B-C50C-407E-A947-70E740481C1C}">
+                <a14:useLocalDpi xmlns:a14="http://schemas.microsoft.com/office/drawing/2010/main" val="0"/>
+              </a:ext>
+            </a:extLst>
+          </a:blip>
+          <a:stretch>
+            <a:fillRect/>
+          </a:stretch>
+        </p:blipFill>
+        <p:spPr>
+          <a:xfrm>
+            <a:off x="1763688" y="2518950"/>
+            <a:ext cx="4282088" cy="2000976"/>
+          </a:xfrm>
+          <a:prstGeom prst="rect">
+            <a:avLst/>
+          </a:prstGeom>
+        </p:spPr>
+      </p:pic>
+      <p:sp>
+        <p:nvSpPr>
+          <p:cNvPr id="4" name="圆角矩形标注 3"/>
+          <p:cNvSpPr/>
+          <p:nvPr/>
+        </p:nvSpPr>
+        <p:spPr>
+          <a:xfrm>
+            <a:off x="1259632" y="4725144"/>
+            <a:ext cx="3024336" cy="1296144"/>
+          </a:xfrm>
+          <a:prstGeom prst="wedgeRoundRectCallout">
+            <a:avLst>
+              <a:gd name="adj1" fmla="val -26196"/>
+              <a:gd name="adj2" fmla="val -64297"/>
+              <a:gd name="adj3" fmla="val 16667"/>
+            </a:avLst>
+          </a:prstGeom>
+        </p:spPr>
+        <p:style>
+          <a:lnRef idx="2">
+            <a:schemeClr val="accent5"/>
+          </a:lnRef>
+          <a:fillRef idx="1">
+            <a:schemeClr val="lt1"/>
+          </a:fillRef>
+          <a:effectRef idx="0">
+            <a:schemeClr val="accent5"/>
+          </a:effectRef>
+          <a:fontRef idx="minor">
+            <a:schemeClr val="dk1"/>
+          </a:fontRef>
+        </p:style>
+        <p:txBody>
+          <a:bodyPr rtlCol="0" anchor="ctr"/>
+          <a:lstStyle/>
+          <a:p>
+            <a:pPr>
+              <a:lnSpc>
+                <a:spcPct val="150000"/>
+              </a:lnSpc>
+            </a:pPr>
+            <a:r>
+              <a:rPr lang="en-US" altLang="zh-CN" sz="2000" dirty="0">
+                <a:solidFill>
+                  <a:schemeClr val="tx1">
+                    <a:lumMod val="75000"/>
+                    <a:lumOff val="25000"/>
+                  </a:schemeClr>
+                </a:solidFill>
+                <a:latin typeface="微软雅黑" pitchFamily="34" charset="-122"/>
+                <a:ea typeface="微软雅黑" pitchFamily="34" charset="-122"/>
+              </a:rPr>
+              <a:t>d</a:t>
+            </a:r>
+            <a:r>
+              <a:rPr lang="en-US" altLang="zh-CN" sz="2000" dirty="0" smtClean="0">
+                <a:solidFill>
+                  <a:schemeClr val="tx1">
+                    <a:lumMod val="75000"/>
+                    <a:lumOff val="25000"/>
+                  </a:schemeClr>
+                </a:solidFill>
+                <a:latin typeface="微软雅黑" pitchFamily="34" charset="-122"/>
+                <a:ea typeface="微软雅黑" pitchFamily="34" charset="-122"/>
+              </a:rPr>
+              <a:t>arken: </a:t>
+            </a:r>
+            <a:r>
+              <a:rPr lang="zh-CN" altLang="en-US" sz="2000" dirty="0" smtClean="0">
+                <a:solidFill>
+                  <a:schemeClr val="tx1">
+                    <a:lumMod val="75000"/>
+                    <a:lumOff val="25000"/>
+                  </a:schemeClr>
+                </a:solidFill>
+                <a:latin typeface="微软雅黑" pitchFamily="34" charset="-122"/>
+                <a:ea typeface="微软雅黑" pitchFamily="34" charset="-122"/>
+              </a:rPr>
+              <a:t>色相环较暗</a:t>
+            </a:r>
+            <a:r>
+              <a:rPr lang="zh-CN" altLang="en-US" sz="2000" b="1" dirty="0" smtClean="0">
+                <a:solidFill>
+                  <a:schemeClr val="tx1">
+                    <a:lumMod val="75000"/>
+                    <a:lumOff val="25000"/>
+                  </a:schemeClr>
+                </a:solidFill>
+                <a:latin typeface="微软雅黑" pitchFamily="34" charset="-122"/>
+                <a:ea typeface="微软雅黑" pitchFamily="34" charset="-122"/>
+              </a:rPr>
+              <a:t>替代</a:t>
+            </a:r>
+            <a:r>
+              <a:rPr lang="zh-CN" altLang="en-US" sz="2000" dirty="0" smtClean="0">
+                <a:solidFill>
+                  <a:schemeClr val="tx1">
+                    <a:lumMod val="75000"/>
+                    <a:lumOff val="25000"/>
+                  </a:schemeClr>
+                </a:solidFill>
+                <a:latin typeface="微软雅黑" pitchFamily="34" charset="-122"/>
+                <a:ea typeface="微软雅黑" pitchFamily="34" charset="-122"/>
+              </a:rPr>
+              <a:t>了小鹿的下半部分和周围白色</a:t>
+            </a:r>
+            <a:endParaRPr lang="en-US" altLang="zh-CN" sz="2000" dirty="0">
+              <a:solidFill>
+                <a:schemeClr val="tx1">
+                  <a:lumMod val="75000"/>
+                  <a:lumOff val="25000"/>
+                </a:schemeClr>
+              </a:solidFill>
+              <a:latin typeface="微软雅黑" pitchFamily="34" charset="-122"/>
+              <a:ea typeface="微软雅黑" pitchFamily="34" charset="-122"/>
+            </a:endParaRPr>
+          </a:p>
+        </p:txBody>
+      </p:sp>
+      <p:sp>
+        <p:nvSpPr>
+          <p:cNvPr id="5" name="圆角矩形标注 4"/>
+          <p:cNvSpPr/>
+          <p:nvPr/>
+        </p:nvSpPr>
+        <p:spPr>
+          <a:xfrm>
+            <a:off x="4427984" y="4725144"/>
+            <a:ext cx="3024336" cy="1296144"/>
+          </a:xfrm>
+          <a:prstGeom prst="wedgeRoundRectCallout">
+            <a:avLst>
+              <a:gd name="adj1" fmla="val -26196"/>
+              <a:gd name="adj2" fmla="val -64297"/>
+              <a:gd name="adj3" fmla="val 16667"/>
+            </a:avLst>
+          </a:prstGeom>
+        </p:spPr>
+        <p:style>
+          <a:lnRef idx="2">
+            <a:schemeClr val="accent5"/>
+          </a:lnRef>
+          <a:fillRef idx="1">
+            <a:schemeClr val="lt1"/>
+          </a:fillRef>
+          <a:effectRef idx="0">
+            <a:schemeClr val="accent5"/>
+          </a:effectRef>
+          <a:fontRef idx="minor">
+            <a:schemeClr val="dk1"/>
+          </a:fontRef>
+        </p:style>
+        <p:txBody>
+          <a:bodyPr rtlCol="0" anchor="ctr"/>
+          <a:lstStyle/>
+          <a:p>
+            <a:pPr>
+              <a:lnSpc>
+                <a:spcPct val="150000"/>
+              </a:lnSpc>
+            </a:pPr>
+            <a:r>
+              <a:rPr lang="en-US" altLang="zh-CN" sz="2000" dirty="0" smtClean="0">
+                <a:solidFill>
+                  <a:schemeClr val="tx1">
+                    <a:lumMod val="75000"/>
+                    <a:lumOff val="25000"/>
+                  </a:schemeClr>
+                </a:solidFill>
+                <a:latin typeface="微软雅黑" pitchFamily="34" charset="-122"/>
+                <a:ea typeface="微软雅黑" pitchFamily="34" charset="-122"/>
+              </a:rPr>
+              <a:t>lighten: </a:t>
+            </a:r>
+            <a:r>
+              <a:rPr lang="zh-CN" altLang="en-US" sz="2000" dirty="0" smtClean="0">
+                <a:solidFill>
+                  <a:schemeClr val="tx1">
+                    <a:lumMod val="75000"/>
+                    <a:lumOff val="25000"/>
+                  </a:schemeClr>
+                </a:solidFill>
+                <a:latin typeface="微软雅黑" pitchFamily="34" charset="-122"/>
+                <a:ea typeface="微软雅黑" pitchFamily="34" charset="-122"/>
+              </a:rPr>
+              <a:t>较</a:t>
+            </a:r>
+            <a:r>
+              <a:rPr lang="zh-CN" altLang="en-US" sz="2000" dirty="0">
+                <a:solidFill>
+                  <a:schemeClr val="tx1">
+                    <a:lumMod val="75000"/>
+                    <a:lumOff val="25000"/>
+                  </a:schemeClr>
+                </a:solidFill>
+                <a:latin typeface="微软雅黑" pitchFamily="34" charset="-122"/>
+                <a:ea typeface="微软雅黑" pitchFamily="34" charset="-122"/>
+              </a:rPr>
+              <a:t>亮</a:t>
+            </a:r>
+            <a:r>
+              <a:rPr lang="zh-CN" altLang="en-US" sz="2000" dirty="0" smtClean="0">
+                <a:solidFill>
+                  <a:schemeClr val="tx1">
+                    <a:lumMod val="75000"/>
+                    <a:lumOff val="25000"/>
+                  </a:schemeClr>
+                </a:solidFill>
+                <a:latin typeface="微软雅黑" pitchFamily="34" charset="-122"/>
+                <a:ea typeface="微软雅黑" pitchFamily="34" charset="-122"/>
+              </a:rPr>
+              <a:t>的色相环中心显示出来，但是较暗的周围是小鹿图像</a:t>
+            </a:r>
+            <a:endParaRPr lang="en-US" altLang="zh-CN" sz="2000" dirty="0">
+              <a:solidFill>
+                <a:schemeClr val="tx1">
+                  <a:lumMod val="75000"/>
+                  <a:lumOff val="25000"/>
+                </a:schemeClr>
+              </a:solidFill>
+              <a:latin typeface="微软雅黑" pitchFamily="34" charset="-122"/>
+              <a:ea typeface="微软雅黑" pitchFamily="34" charset="-122"/>
+            </a:endParaRPr>
+          </a:p>
+        </p:txBody>
+      </p:sp>
+      <p:sp>
+        <p:nvSpPr>
+          <p:cNvPr id="6" name="圆角矩形标注 5"/>
+          <p:cNvSpPr/>
+          <p:nvPr/>
+        </p:nvSpPr>
+        <p:spPr>
+          <a:xfrm>
+            <a:off x="6156176" y="2996952"/>
+            <a:ext cx="1862684" cy="936104"/>
+          </a:xfrm>
+          <a:prstGeom prst="wedgeRoundRectCallout">
+            <a:avLst>
+              <a:gd name="adj1" fmla="val -56176"/>
+              <a:gd name="adj2" fmla="val -8936"/>
+              <a:gd name="adj3" fmla="val 16667"/>
+            </a:avLst>
+          </a:prstGeom>
+        </p:spPr>
+        <p:style>
+          <a:lnRef idx="2">
+            <a:schemeClr val="accent5"/>
+          </a:lnRef>
+          <a:fillRef idx="1">
+            <a:schemeClr val="lt1"/>
+          </a:fillRef>
+          <a:effectRef idx="0">
+            <a:schemeClr val="accent5"/>
+          </a:effectRef>
+          <a:fontRef idx="minor">
+            <a:schemeClr val="dk1"/>
+          </a:fontRef>
+        </p:style>
+        <p:txBody>
+          <a:bodyPr rtlCol="0" anchor="ctr"/>
+          <a:lstStyle/>
+          <a:p>
+            <a:pPr>
+              <a:lnSpc>
+                <a:spcPct val="150000"/>
+              </a:lnSpc>
+            </a:pPr>
+            <a:r>
+              <a:rPr lang="en-US" altLang="zh-CN" sz="2000" dirty="0" smtClean="0">
+                <a:solidFill>
+                  <a:schemeClr val="tx1">
+                    <a:lumMod val="75000"/>
+                    <a:lumOff val="25000"/>
+                  </a:schemeClr>
+                </a:solidFill>
+                <a:latin typeface="微软雅黑" pitchFamily="34" charset="-122"/>
+                <a:ea typeface="微软雅黑" pitchFamily="34" charset="-122"/>
+              </a:rPr>
+              <a:t>2</a:t>
+            </a:r>
+            <a:r>
+              <a:rPr lang="zh-CN" altLang="en-US" sz="2000" dirty="0" smtClean="0">
+                <a:solidFill>
+                  <a:schemeClr val="tx1">
+                    <a:lumMod val="75000"/>
+                    <a:lumOff val="25000"/>
+                  </a:schemeClr>
+                </a:solidFill>
+                <a:latin typeface="微软雅黑" pitchFamily="34" charset="-122"/>
+                <a:ea typeface="微软雅黑" pitchFamily="34" charset="-122"/>
+              </a:rPr>
+              <a:t>个图像选择更暗</a:t>
+            </a:r>
+            <a:r>
+              <a:rPr lang="en-US" altLang="zh-CN" sz="2000" dirty="0" smtClean="0">
+                <a:solidFill>
+                  <a:schemeClr val="tx1">
+                    <a:lumMod val="75000"/>
+                    <a:lumOff val="25000"/>
+                  </a:schemeClr>
+                </a:solidFill>
+                <a:latin typeface="微软雅黑" pitchFamily="34" charset="-122"/>
+                <a:ea typeface="微软雅黑" pitchFamily="34" charset="-122"/>
+              </a:rPr>
+              <a:t>/</a:t>
+            </a:r>
+            <a:r>
+              <a:rPr lang="zh-CN" altLang="en-US" sz="2000" dirty="0" smtClean="0">
+                <a:solidFill>
+                  <a:schemeClr val="tx1">
+                    <a:lumMod val="75000"/>
+                    <a:lumOff val="25000"/>
+                  </a:schemeClr>
+                </a:solidFill>
+                <a:latin typeface="微软雅黑" pitchFamily="34" charset="-122"/>
+                <a:ea typeface="微软雅黑" pitchFamily="34" charset="-122"/>
+              </a:rPr>
+              <a:t>亮输出</a:t>
+            </a:r>
+            <a:endParaRPr lang="en-US" altLang="zh-CN" sz="2000" dirty="0">
+              <a:solidFill>
+                <a:schemeClr val="tx1">
+                  <a:lumMod val="75000"/>
+                  <a:lumOff val="25000"/>
+                </a:schemeClr>
+              </a:solidFill>
+              <a:latin typeface="微软雅黑" pitchFamily="34" charset="-122"/>
+              <a:ea typeface="微软雅黑" pitchFamily="34" charset="-122"/>
+            </a:endParaRPr>
+          </a:p>
         </p:txBody>
       </p:sp>
     </p:spTree>
     <p:extLst>
       <p:ext uri="{BB962C8B-B14F-4D97-AF65-F5344CB8AC3E}">
-        <p14:creationId xmlns:p14="http://schemas.microsoft.com/office/powerpoint/2010/main" val="2328121375"/>
+        <p14:creationId xmlns:p14="http://schemas.microsoft.com/office/powerpoint/2010/main" val="2674202180"/>
       </p:ext>
     </p:extLst>
   </p:cSld>
@@ -7674,7 +14787,7 @@
   <a:extraClrSchemeLst/>
   <a:extLst>
     <a:ext uri="{05A4C25C-085E-4340-85A3-A5531E510DB2}">
-      <thm15:themeFamily xmlns:thm15="http://schemas.microsoft.com/office/thememl/2012/main" name="Office Theme" id="{62F939B6-93AF-4DB8-9C6B-D6C7DFDC589F}" vid="{4A3C46E8-61CC-4603-A589-7422A47A8E4A}"/>
+      <thm15:themeFamily xmlns:thm15="http://schemas.microsoft.com/office/thememl/2012/main" xmlns="" name="Office Theme" id="{62F939B6-93AF-4DB8-9C6B-D6C7DFDC589F}" vid="{4A3C46E8-61CC-4603-A589-7422A47A8E4A}"/>
     </a:ext>
   </a:extLst>
 </a:theme>

--- a/35-css-filter/35.pptx
+++ b/35-css-filter/35.pptx
@@ -5,7 +5,7 @@
     <p:sldMasterId id="2147483648" r:id="rId1"/>
   </p:sldMasterIdLst>
   <p:notesMasterIdLst>
-    <p:notesMasterId r:id="rId22"/>
+    <p:notesMasterId r:id="rId28"/>
   </p:notesMasterIdLst>
   <p:sldIdLst>
     <p:sldId id="256" r:id="rId2"/>
@@ -27,7 +27,13 @@
     <p:sldId id="558" r:id="rId18"/>
     <p:sldId id="571" r:id="rId19"/>
     <p:sldId id="572" r:id="rId20"/>
-    <p:sldId id="345" r:id="rId21"/>
+    <p:sldId id="573" r:id="rId21"/>
+    <p:sldId id="574" r:id="rId22"/>
+    <p:sldId id="575" r:id="rId23"/>
+    <p:sldId id="576" r:id="rId24"/>
+    <p:sldId id="577" r:id="rId25"/>
+    <p:sldId id="578" r:id="rId26"/>
+    <p:sldId id="345" r:id="rId27"/>
   </p:sldIdLst>
   <p:sldSz cx="9144000" cy="6858000" type="screen4x3"/>
   <p:notesSz cx="6858000" cy="9144000"/>
@@ -128,7 +134,7 @@
   </p:defaultTextStyle>
   <p:extLst>
     <p:ext uri="{EFAFB233-063F-42B5-8137-9DF3F51BA10A}">
-      <p15:sldGuideLst xmlns:p15="http://schemas.microsoft.com/office/powerpoint/2012/main" xmlns="">
+      <p15:sldGuideLst xmlns="" xmlns:p15="http://schemas.microsoft.com/office/powerpoint/2012/main">
         <p15:guide id="1" orient="horz" pos="2160">
           <p15:clr>
             <a:srgbClr val="A4A3A4"/>
@@ -227,7 +233,7 @@
           <a:p>
             <a:fld id="{918C987C-5DAD-4601-B625-55A3208473B0}" type="datetimeFigureOut">
               <a:rPr lang="zh-CN" altLang="en-US" smtClean="0"/>
-              <a:t>2018/12/27</a:t>
+              <a:t>2018/12/28</a:t>
             </a:fld>
             <a:endParaRPr lang="zh-CN" altLang="en-US"/>
           </a:p>
@@ -760,7 +766,7 @@
           <a:p>
             <a:fld id="{17C7C8FB-1C37-4023-AA22-09D5A8E13DCF}" type="datetimeFigureOut">
               <a:rPr lang="zh-CN" altLang="en-US" smtClean="0"/>
-              <a:t>2018/12/27</a:t>
+              <a:t>2018/12/28</a:t>
             </a:fld>
             <a:endParaRPr lang="zh-CN" altLang="en-US"/>
           </a:p>
@@ -930,7 +936,7 @@
           <a:p>
             <a:fld id="{17C7C8FB-1C37-4023-AA22-09D5A8E13DCF}" type="datetimeFigureOut">
               <a:rPr lang="zh-CN" altLang="en-US" smtClean="0"/>
-              <a:t>2018/12/27</a:t>
+              <a:t>2018/12/28</a:t>
             </a:fld>
             <a:endParaRPr lang="zh-CN" altLang="en-US"/>
           </a:p>
@@ -1110,7 +1116,7 @@
           <a:p>
             <a:fld id="{17C7C8FB-1C37-4023-AA22-09D5A8E13DCF}" type="datetimeFigureOut">
               <a:rPr lang="zh-CN" altLang="en-US" smtClean="0"/>
-              <a:t>2018/12/27</a:t>
+              <a:t>2018/12/28</a:t>
             </a:fld>
             <a:endParaRPr lang="zh-CN" altLang="en-US"/>
           </a:p>
@@ -1280,7 +1286,7 @@
           <a:p>
             <a:fld id="{17C7C8FB-1C37-4023-AA22-09D5A8E13DCF}" type="datetimeFigureOut">
               <a:rPr lang="zh-CN" altLang="en-US" smtClean="0"/>
-              <a:t>2018/12/27</a:t>
+              <a:t>2018/12/28</a:t>
             </a:fld>
             <a:endParaRPr lang="zh-CN" altLang="en-US"/>
           </a:p>
@@ -1526,7 +1532,7 @@
           <a:p>
             <a:fld id="{17C7C8FB-1C37-4023-AA22-09D5A8E13DCF}" type="datetimeFigureOut">
               <a:rPr lang="zh-CN" altLang="en-US" smtClean="0"/>
-              <a:t>2018/12/27</a:t>
+              <a:t>2018/12/28</a:t>
             </a:fld>
             <a:endParaRPr lang="zh-CN" altLang="en-US"/>
           </a:p>
@@ -1814,7 +1820,7 @@
           <a:p>
             <a:fld id="{17C7C8FB-1C37-4023-AA22-09D5A8E13DCF}" type="datetimeFigureOut">
               <a:rPr lang="zh-CN" altLang="en-US" smtClean="0"/>
-              <a:t>2018/12/27</a:t>
+              <a:t>2018/12/28</a:t>
             </a:fld>
             <a:endParaRPr lang="zh-CN" altLang="en-US"/>
           </a:p>
@@ -2236,7 +2242,7 @@
           <a:p>
             <a:fld id="{17C7C8FB-1C37-4023-AA22-09D5A8E13DCF}" type="datetimeFigureOut">
               <a:rPr lang="zh-CN" altLang="en-US" smtClean="0"/>
-              <a:t>2018/12/27</a:t>
+              <a:t>2018/12/28</a:t>
             </a:fld>
             <a:endParaRPr lang="zh-CN" altLang="en-US"/>
           </a:p>
@@ -2354,7 +2360,7 @@
           <a:p>
             <a:fld id="{17C7C8FB-1C37-4023-AA22-09D5A8E13DCF}" type="datetimeFigureOut">
               <a:rPr lang="zh-CN" altLang="en-US" smtClean="0"/>
-              <a:t>2018/12/27</a:t>
+              <a:t>2018/12/28</a:t>
             </a:fld>
             <a:endParaRPr lang="zh-CN" altLang="en-US"/>
           </a:p>
@@ -2449,7 +2455,7 @@
           <a:p>
             <a:fld id="{17C7C8FB-1C37-4023-AA22-09D5A8E13DCF}" type="datetimeFigureOut">
               <a:rPr lang="zh-CN" altLang="en-US" smtClean="0"/>
-              <a:t>2018/12/27</a:t>
+              <a:t>2018/12/28</a:t>
             </a:fld>
             <a:endParaRPr lang="zh-CN" altLang="en-US"/>
           </a:p>
@@ -2726,7 +2732,7 @@
           <a:p>
             <a:fld id="{17C7C8FB-1C37-4023-AA22-09D5A8E13DCF}" type="datetimeFigureOut">
               <a:rPr lang="zh-CN" altLang="en-US" smtClean="0"/>
-              <a:t>2018/12/27</a:t>
+              <a:t>2018/12/28</a:t>
             </a:fld>
             <a:endParaRPr lang="zh-CN" altLang="en-US"/>
           </a:p>
@@ -2979,7 +2985,7 @@
           <a:p>
             <a:fld id="{17C7C8FB-1C37-4023-AA22-09D5A8E13DCF}" type="datetimeFigureOut">
               <a:rPr lang="zh-CN" altLang="en-US" smtClean="0"/>
-              <a:t>2018/12/27</a:t>
+              <a:t>2018/12/28</a:t>
             </a:fld>
             <a:endParaRPr lang="zh-CN" altLang="en-US"/>
           </a:p>
@@ -3192,7 +3198,7 @@
           <a:p>
             <a:fld id="{17C7C8FB-1C37-4023-AA22-09D5A8E13DCF}" type="datetimeFigureOut">
               <a:rPr lang="zh-CN" altLang="en-US" smtClean="0"/>
-              <a:t>2018/12/27</a:t>
+              <a:t>2018/12/28</a:t>
             </a:fld>
             <a:endParaRPr lang="zh-CN" altLang="en-US"/>
           </a:p>
@@ -4261,7 +4267,111 @@
                 <a:latin typeface="微软雅黑" pitchFamily="34" charset="-122"/>
                 <a:ea typeface="微软雅黑" pitchFamily="34" charset="-122"/>
               </a:rPr>
-              <a:t>将上下图像颜色反相，然后相乘，然后再反相，结果比两张图都亮，相当于，两个投影机，各自投影一张幻灯片到同一个屏幕上</a:t>
+              <a:t>将上下图像颜色反相</a:t>
+            </a:r>
+            <a:r>
+              <a:rPr lang="zh-CN" altLang="en-US" sz="2400" dirty="0" smtClean="0">
+                <a:solidFill>
+                  <a:schemeClr val="tx1">
+                    <a:lumMod val="75000"/>
+                    <a:lumOff val="25000"/>
+                  </a:schemeClr>
+                </a:solidFill>
+                <a:latin typeface="微软雅黑" pitchFamily="34" charset="-122"/>
+                <a:ea typeface="微软雅黑" pitchFamily="34" charset="-122"/>
+              </a:rPr>
+              <a:t>，相乘，再</a:t>
+            </a:r>
+            <a:r>
+              <a:rPr lang="zh-CN" altLang="en-US" sz="2400" dirty="0" smtClean="0">
+                <a:solidFill>
+                  <a:schemeClr val="tx1">
+                    <a:lumMod val="75000"/>
+                    <a:lumOff val="25000"/>
+                  </a:schemeClr>
+                </a:solidFill>
+                <a:latin typeface="微软雅黑" pitchFamily="34" charset="-122"/>
+                <a:ea typeface="微软雅黑" pitchFamily="34" charset="-122"/>
+              </a:rPr>
+              <a:t>反相，结果比两张图都亮，</a:t>
+            </a:r>
+            <a:r>
+              <a:rPr lang="zh-CN" altLang="en-US" sz="2400" dirty="0" smtClean="0">
+                <a:solidFill>
+                  <a:schemeClr val="tx1">
+                    <a:lumMod val="75000"/>
+                    <a:lumOff val="25000"/>
+                  </a:schemeClr>
+                </a:solidFill>
+                <a:latin typeface="微软雅黑" pitchFamily="34" charset="-122"/>
+                <a:ea typeface="微软雅黑" pitchFamily="34" charset="-122"/>
+              </a:rPr>
+              <a:t>相当于两</a:t>
+            </a:r>
+            <a:r>
+              <a:rPr lang="zh-CN" altLang="en-US" sz="2400" dirty="0" smtClean="0">
+                <a:solidFill>
+                  <a:schemeClr val="tx1">
+                    <a:lumMod val="75000"/>
+                    <a:lumOff val="25000"/>
+                  </a:schemeClr>
+                </a:solidFill>
+                <a:latin typeface="微软雅黑" pitchFamily="34" charset="-122"/>
+                <a:ea typeface="微软雅黑" pitchFamily="34" charset="-122"/>
+              </a:rPr>
+              <a:t>个投影机，各自投影一张幻灯片到同一个屏幕上</a:t>
+            </a:r>
+            <a:r>
+              <a:rPr lang="en-US" altLang="zh-CN" sz="2400" dirty="0" smtClean="0">
+                <a:solidFill>
+                  <a:schemeClr val="tx1">
+                    <a:lumMod val="75000"/>
+                    <a:lumOff val="25000"/>
+                  </a:schemeClr>
+                </a:solidFill>
+                <a:latin typeface="微软雅黑" pitchFamily="34" charset="-122"/>
+                <a:ea typeface="微软雅黑" pitchFamily="34" charset="-122"/>
+              </a:rPr>
+              <a:t>.</a:t>
+            </a:r>
+            <a:r>
+              <a:rPr lang="zh-CN" altLang="en-US" sz="2400" dirty="0" smtClean="0">
+                <a:solidFill>
+                  <a:schemeClr val="tx1">
+                    <a:lumMod val="75000"/>
+                    <a:lumOff val="25000"/>
+                  </a:schemeClr>
+                </a:solidFill>
+                <a:latin typeface="微软雅黑" pitchFamily="34" charset="-122"/>
+                <a:ea typeface="微软雅黑" pitchFamily="34" charset="-122"/>
+              </a:rPr>
+              <a:t>也相当于，两张图反相，使用</a:t>
+            </a:r>
+            <a:r>
+              <a:rPr lang="en-US" altLang="zh-CN" sz="2400" dirty="0" smtClean="0">
+                <a:solidFill>
+                  <a:schemeClr val="tx1">
+                    <a:lumMod val="75000"/>
+                    <a:lumOff val="25000"/>
+                  </a:schemeClr>
+                </a:solidFill>
+                <a:latin typeface="微软雅黑" pitchFamily="34" charset="-122"/>
+                <a:ea typeface="微软雅黑" pitchFamily="34" charset="-122"/>
+              </a:rPr>
+              <a:t>multiply</a:t>
+            </a:r>
+            <a:r>
+              <a:rPr lang="zh-CN" altLang="en-US" sz="2400" dirty="0" smtClean="0">
+                <a:solidFill>
+                  <a:schemeClr val="tx1">
+                    <a:lumMod val="75000"/>
+                    <a:lumOff val="25000"/>
+                  </a:schemeClr>
+                </a:solidFill>
+                <a:latin typeface="微软雅黑" pitchFamily="34" charset="-122"/>
+                <a:ea typeface="微软雅黑" pitchFamily="34" charset="-122"/>
+              </a:rPr>
+              <a:t>，再反相</a:t>
             </a:r>
             <a:r>
               <a:rPr lang="en-US" altLang="zh-CN" sz="2400" dirty="0" smtClean="0">
@@ -8147,8 +8257,8 @@
         </p:nvSpPr>
         <p:spPr>
           <a:xfrm>
-            <a:off x="3059832" y="2420887"/>
-            <a:ext cx="5256584" cy="3542307"/>
+            <a:off x="2987824" y="3356992"/>
+            <a:ext cx="5256584" cy="2606202"/>
           </a:xfrm>
           <a:prstGeom prst="wedgeRoundRectCallout">
             <a:avLst>
@@ -8182,7 +8292,7 @@
               </a:lnSpc>
             </a:pPr>
             <a:r>
-              <a:rPr lang="zh-CN" altLang="en-US" sz="2400" dirty="0">
+              <a:rPr lang="zh-CN" altLang="en-US" sz="2000" dirty="0">
                 <a:solidFill>
                   <a:schemeClr val="tx1">
                     <a:lumMod val="75000"/>
@@ -8195,7 +8305,7 @@
               <a:t>使用双背景，并错开</a:t>
             </a:r>
             <a:r>
-              <a:rPr lang="en-US" altLang="zh-CN" sz="2400" dirty="0">
+              <a:rPr lang="en-US" altLang="zh-CN" sz="2000" dirty="0">
                 <a:solidFill>
                   <a:schemeClr val="tx1">
                     <a:lumMod val="75000"/>
@@ -8208,7 +8318,7 @@
               <a:t>2</a:t>
             </a:r>
             <a:r>
-              <a:rPr lang="zh-CN" altLang="en-US" sz="2400" dirty="0">
+              <a:rPr lang="zh-CN" altLang="en-US" sz="2000" dirty="0">
                 <a:solidFill>
                   <a:schemeClr val="tx1">
                     <a:lumMod val="75000"/>
@@ -8221,7 +8331,7 @@
               <a:t>个像素，用</a:t>
             </a:r>
             <a:r>
-              <a:rPr lang="en-US" altLang="zh-CN" sz="2400" dirty="0">
+              <a:rPr lang="en-US" altLang="zh-CN" sz="2000" dirty="0">
                 <a:solidFill>
                   <a:schemeClr val="tx1">
                     <a:lumMod val="75000"/>
@@ -8234,7 +8344,7 @@
               <a:t>difference</a:t>
             </a:r>
             <a:r>
-              <a:rPr lang="zh-CN" altLang="en-US" sz="2400" dirty="0">
+              <a:rPr lang="zh-CN" altLang="en-US" sz="2000" dirty="0">
                 <a:solidFill>
                   <a:schemeClr val="tx1">
                     <a:lumMod val="75000"/>
@@ -8247,7 +8357,7 @@
               <a:t>混合模式，错位后图像的绝大多数像素都非常接近，只有边缘轮廓会有大的差异，而</a:t>
             </a:r>
             <a:r>
-              <a:rPr lang="en-US" altLang="zh-CN" sz="2400" dirty="0">
+              <a:rPr lang="en-US" altLang="zh-CN" sz="2000" dirty="0">
                 <a:solidFill>
                   <a:schemeClr val="tx1">
                     <a:lumMod val="75000"/>
@@ -8260,7 +8370,7 @@
               <a:t>difference</a:t>
             </a:r>
             <a:r>
-              <a:rPr lang="zh-CN" altLang="en-US" sz="2400" dirty="0">
+              <a:rPr lang="zh-CN" altLang="en-US" sz="2000" dirty="0">
                 <a:solidFill>
                   <a:schemeClr val="tx1">
                     <a:lumMod val="75000"/>
@@ -8273,7 +8383,7 @@
               <a:t>模式就是显示像素差异，而相同的地方会变成黑色</a:t>
             </a:r>
             <a:r>
-              <a:rPr lang="en-US" altLang="zh-CN" sz="2400" dirty="0">
+              <a:rPr lang="en-US" altLang="zh-CN" sz="2000" dirty="0">
                 <a:solidFill>
                   <a:schemeClr val="tx1">
                     <a:lumMod val="75000"/>
@@ -8417,8 +8527,8 @@
         </p:nvSpPr>
         <p:spPr>
           <a:xfrm>
-            <a:off x="2893823" y="782393"/>
-            <a:ext cx="4702513" cy="582921"/>
+            <a:off x="2864047" y="361703"/>
+            <a:ext cx="3868193" cy="432000"/>
           </a:xfrm>
           <a:prstGeom prst="wedgeRoundRectCallout">
             <a:avLst>
@@ -8452,7 +8562,7 @@
               </a:lnSpc>
             </a:pPr>
             <a:r>
-              <a:rPr lang="zh-CN" altLang="en-US" sz="2400" dirty="0" smtClean="0">
+              <a:rPr lang="zh-CN" altLang="en-US" sz="2000" dirty="0" smtClean="0">
                 <a:solidFill>
                   <a:schemeClr val="tx1">
                     <a:lumMod val="75000"/>
@@ -8465,7 +8575,7 @@
               <a:t>使用</a:t>
             </a:r>
             <a:r>
-              <a:rPr lang="en-US" altLang="zh-CN" sz="2400" dirty="0" smtClean="0">
+              <a:rPr lang="en-US" altLang="zh-CN" sz="2000" dirty="0" smtClean="0">
                 <a:solidFill>
                   <a:schemeClr val="tx1">
                     <a:lumMod val="75000"/>
@@ -8478,7 +8588,7 @@
               <a:t>brightness</a:t>
             </a:r>
             <a:r>
-              <a:rPr lang="zh-CN" altLang="en-US" sz="2400" dirty="0" smtClean="0">
+              <a:rPr lang="zh-CN" altLang="en-US" sz="2000" dirty="0" smtClean="0">
                 <a:solidFill>
                   <a:schemeClr val="tx1">
                     <a:lumMod val="75000"/>
@@ -8490,7 +8600,7 @@
               </a:rPr>
               <a:t>滤镜增亮轮廓线</a:t>
             </a:r>
-            <a:endParaRPr lang="en-US" altLang="zh-CN" sz="2400" dirty="0">
+            <a:endParaRPr lang="en-US" altLang="zh-CN" sz="2000" dirty="0">
               <a:solidFill>
                 <a:schemeClr val="tx1">
                   <a:lumMod val="75000"/>
@@ -8525,7 +8635,7 @@
         </p:blipFill>
         <p:spPr>
           <a:xfrm>
-            <a:off x="827584" y="188640"/>
+            <a:off x="827584" y="44624"/>
             <a:ext cx="1947059" cy="1800000"/>
           </a:xfrm>
           <a:prstGeom prst="rect">
@@ -8541,7 +8651,7 @@
         </p:nvSpPr>
         <p:spPr>
           <a:xfrm rot="5400000">
-            <a:off x="1583768" y="1952536"/>
+            <a:off x="1583768" y="1808520"/>
             <a:ext cx="360040" cy="432248"/>
           </a:xfrm>
           <a:prstGeom prst="chevron">
@@ -8597,7 +8707,7 @@
         </p:blipFill>
         <p:spPr>
           <a:xfrm>
-            <a:off x="883215" y="2348680"/>
+            <a:off x="883215" y="2204664"/>
             <a:ext cx="1891428" cy="1800000"/>
           </a:xfrm>
           <a:prstGeom prst="rect">
@@ -8613,8 +8723,8 @@
         </p:nvSpPr>
         <p:spPr>
           <a:xfrm>
-            <a:off x="2893823" y="2780928"/>
-            <a:ext cx="3406369" cy="582921"/>
+            <a:off x="2893823" y="3358742"/>
+            <a:ext cx="2830305" cy="432000"/>
           </a:xfrm>
           <a:prstGeom prst="wedgeRoundRectCallout">
             <a:avLst>
@@ -8648,7 +8758,7 @@
               </a:lnSpc>
             </a:pPr>
             <a:r>
-              <a:rPr lang="zh-CN" altLang="en-US" sz="2400" dirty="0" smtClean="0">
+              <a:rPr lang="zh-CN" altLang="en-US" sz="2000" dirty="0" smtClean="0">
                 <a:solidFill>
                   <a:schemeClr val="tx1">
                     <a:lumMod val="75000"/>
@@ -8661,7 +8771,7 @@
               <a:t>使用</a:t>
             </a:r>
             <a:r>
-              <a:rPr lang="en-US" altLang="zh-CN" sz="2400" dirty="0" smtClean="0">
+              <a:rPr lang="en-US" altLang="zh-CN" sz="2000" dirty="0" smtClean="0">
                 <a:solidFill>
                   <a:schemeClr val="tx1">
                     <a:lumMod val="75000"/>
@@ -8674,7 +8784,7 @@
               <a:t>invert(1)</a:t>
             </a:r>
             <a:r>
-              <a:rPr lang="zh-CN" altLang="en-US" sz="2400" dirty="0" smtClean="0">
+              <a:rPr lang="zh-CN" altLang="en-US" sz="2000" dirty="0" smtClean="0">
                 <a:solidFill>
                   <a:schemeClr val="tx1">
                     <a:lumMod val="75000"/>
@@ -8686,7 +8796,7 @@
               </a:rPr>
               <a:t>滤镜反相</a:t>
             </a:r>
-            <a:endParaRPr lang="en-US" altLang="zh-CN" sz="2400" dirty="0">
+            <a:endParaRPr lang="en-US" altLang="zh-CN" sz="2000" dirty="0">
               <a:solidFill>
                 <a:schemeClr val="tx1">
                   <a:lumMod val="75000"/>
@@ -8721,7 +8831,7 @@
         </p:blipFill>
         <p:spPr>
           <a:xfrm>
-            <a:off x="883215" y="4437112"/>
+            <a:off x="883215" y="4293096"/>
             <a:ext cx="1915756" cy="1800000"/>
           </a:xfrm>
           <a:prstGeom prst="rect">
@@ -8737,7 +8847,7 @@
         </p:nvSpPr>
         <p:spPr>
           <a:xfrm rot="5400000">
-            <a:off x="1583768" y="4112576"/>
+            <a:off x="1583768" y="3968560"/>
             <a:ext cx="360040" cy="432248"/>
           </a:xfrm>
           <a:prstGeom prst="chevron">
@@ -8779,8 +8889,8 @@
         </p:nvSpPr>
         <p:spPr>
           <a:xfrm>
-            <a:off x="2893822" y="4869160"/>
-            <a:ext cx="3262354" cy="582921"/>
+            <a:off x="2893822" y="5438367"/>
+            <a:ext cx="2830306" cy="432000"/>
           </a:xfrm>
           <a:prstGeom prst="wedgeRoundRectCallout">
             <a:avLst>
@@ -8814,7 +8924,7 @@
               </a:lnSpc>
             </a:pPr>
             <a:r>
-              <a:rPr lang="zh-CN" altLang="en-US" sz="2400" dirty="0" smtClean="0">
+              <a:rPr lang="zh-CN" altLang="en-US" sz="2000" dirty="0" smtClean="0">
                 <a:solidFill>
                   <a:schemeClr val="tx1">
                     <a:lumMod val="75000"/>
@@ -8827,7 +8937,7 @@
               <a:t>使用</a:t>
             </a:r>
             <a:r>
-              <a:rPr lang="en-US" altLang="zh-CN" sz="2400" dirty="0" err="1" smtClean="0">
+              <a:rPr lang="en-US" altLang="zh-CN" sz="2000" dirty="0" err="1" smtClean="0">
                 <a:solidFill>
                   <a:schemeClr val="tx1">
                     <a:lumMod val="75000"/>
@@ -8840,7 +8950,7 @@
               <a:t>grayscale</a:t>
             </a:r>
             <a:r>
-              <a:rPr lang="en-US" altLang="zh-CN" sz="2400" dirty="0" smtClean="0">
+              <a:rPr lang="en-US" altLang="zh-CN" sz="2000" dirty="0" smtClean="0">
                 <a:solidFill>
                   <a:schemeClr val="tx1">
                     <a:lumMod val="75000"/>
@@ -8853,7 +8963,7 @@
               <a:t>(1)</a:t>
             </a:r>
             <a:r>
-              <a:rPr lang="zh-CN" altLang="en-US" sz="2400" dirty="0" smtClean="0">
+              <a:rPr lang="zh-CN" altLang="en-US" sz="2000" dirty="0" smtClean="0">
                 <a:solidFill>
                   <a:schemeClr val="tx1">
                     <a:lumMod val="75000"/>
@@ -8865,7 +8975,315 @@
               </a:rPr>
               <a:t>置灰</a:t>
             </a:r>
-            <a:endParaRPr lang="en-US" altLang="zh-CN" sz="2400" dirty="0">
+            <a:endParaRPr lang="en-US" altLang="zh-CN" sz="2000" dirty="0">
+              <a:solidFill>
+                <a:schemeClr val="tx1">
+                  <a:lumMod val="75000"/>
+                  <a:lumOff val="25000"/>
+                </a:schemeClr>
+              </a:solidFill>
+              <a:latin typeface="微软雅黑" pitchFamily="34" charset="-122"/>
+              <a:ea typeface="微软雅黑" pitchFamily="34" charset="-122"/>
+            </a:endParaRPr>
+          </a:p>
+        </p:txBody>
+      </p:sp>
+      <p:pic>
+        <p:nvPicPr>
+          <p:cNvPr id="3" name="图片 2" descr="屏幕剪辑"/>
+          <p:cNvPicPr>
+            <a:picLocks noChangeAspect="1"/>
+          </p:cNvPicPr>
+          <p:nvPr/>
+        </p:nvPicPr>
+        <p:blipFill>
+          <a:blip r:embed="rId5">
+            <a:extLst>
+              <a:ext uri="{28A0092B-C50C-407E-A947-70E740481C1C}">
+                <a14:useLocalDpi xmlns:a14="http://schemas.microsoft.com/office/drawing/2010/main" val="0"/>
+              </a:ext>
+            </a:extLst>
+          </a:blip>
+          <a:stretch>
+            <a:fillRect/>
+          </a:stretch>
+        </p:blipFill>
+        <p:spPr>
+          <a:xfrm>
+            <a:off x="3132690" y="1029147"/>
+            <a:ext cx="4391638" cy="2105319"/>
+          </a:xfrm>
+          <a:prstGeom prst="rect">
+            <a:avLst/>
+          </a:prstGeom>
+          <a:ln>
+            <a:noFill/>
+          </a:ln>
+          <a:effectLst>
+            <a:outerShdw blurRad="292100" dist="139700" dir="2700000" algn="tl" rotWithShape="0">
+              <a:srgbClr val="333333">
+                <a:alpha val="65000"/>
+              </a:srgbClr>
+            </a:outerShdw>
+          </a:effectLst>
+        </p:spPr>
+      </p:pic>
+      <p:pic>
+        <p:nvPicPr>
+          <p:cNvPr id="5" name="图片 4" descr="屏幕剪辑"/>
+          <p:cNvPicPr>
+            <a:picLocks noChangeAspect="1"/>
+          </p:cNvPicPr>
+          <p:nvPr/>
+        </p:nvPicPr>
+        <p:blipFill>
+          <a:blip r:embed="rId6">
+            <a:extLst>
+              <a:ext uri="{28A0092B-C50C-407E-A947-70E740481C1C}">
+                <a14:useLocalDpi xmlns:a14="http://schemas.microsoft.com/office/drawing/2010/main" val="0"/>
+              </a:ext>
+            </a:extLst>
+          </a:blip>
+          <a:stretch>
+            <a:fillRect/>
+          </a:stretch>
+        </p:blipFill>
+        <p:spPr>
+          <a:xfrm>
+            <a:off x="3132690" y="4004664"/>
+            <a:ext cx="2743583" cy="1076475"/>
+          </a:xfrm>
+          <a:prstGeom prst="rect">
+            <a:avLst/>
+          </a:prstGeom>
+          <a:ln>
+            <a:noFill/>
+          </a:ln>
+          <a:effectLst>
+            <a:outerShdw blurRad="292100" dist="139700" dir="2700000" algn="tl" rotWithShape="0">
+              <a:srgbClr val="333333">
+                <a:alpha val="65000"/>
+              </a:srgbClr>
+            </a:outerShdw>
+          </a:effectLst>
+        </p:spPr>
+      </p:pic>
+      <p:sp>
+        <p:nvSpPr>
+          <p:cNvPr id="6" name="矩形 5"/>
+          <p:cNvSpPr/>
+          <p:nvPr/>
+        </p:nvSpPr>
+        <p:spPr>
+          <a:xfrm>
+            <a:off x="3275856" y="2081806"/>
+            <a:ext cx="4176464" cy="699122"/>
+          </a:xfrm>
+          <a:prstGeom prst="rect">
+            <a:avLst/>
+          </a:prstGeom>
+          <a:noFill/>
+          <a:ln w="28575">
+            <a:solidFill>
+              <a:srgbClr val="FFFF00"/>
+            </a:solidFill>
+          </a:ln>
+        </p:spPr>
+        <p:style>
+          <a:lnRef idx="2">
+            <a:schemeClr val="accent1">
+              <a:shade val="50000"/>
+            </a:schemeClr>
+          </a:lnRef>
+          <a:fillRef idx="1">
+            <a:schemeClr val="accent1"/>
+          </a:fillRef>
+          <a:effectRef idx="0">
+            <a:schemeClr val="accent1"/>
+          </a:effectRef>
+          <a:fontRef idx="minor">
+            <a:schemeClr val="lt1"/>
+          </a:fontRef>
+        </p:style>
+        <p:txBody>
+          <a:bodyPr rtlCol="0" anchor="ctr"/>
+          <a:lstStyle/>
+          <a:p>
+            <a:pPr algn="ctr"/>
+            <a:endParaRPr lang="zh-CN" altLang="en-US"/>
+          </a:p>
+        </p:txBody>
+      </p:sp>
+      <p:sp>
+        <p:nvSpPr>
+          <p:cNvPr id="18" name="圆角矩形标注 17"/>
+          <p:cNvSpPr/>
+          <p:nvPr/>
+        </p:nvSpPr>
+        <p:spPr>
+          <a:xfrm>
+            <a:off x="5695063" y="3358742"/>
+            <a:ext cx="2376264" cy="432000"/>
+          </a:xfrm>
+          <a:prstGeom prst="wedgeRoundRectCallout">
+            <a:avLst>
+              <a:gd name="adj1" fmla="val 24121"/>
+              <a:gd name="adj2" fmla="val -167856"/>
+              <a:gd name="adj3" fmla="val 16667"/>
+            </a:avLst>
+          </a:prstGeom>
+        </p:spPr>
+        <p:style>
+          <a:lnRef idx="2">
+            <a:schemeClr val="accent5"/>
+          </a:lnRef>
+          <a:fillRef idx="1">
+            <a:schemeClr val="lt1"/>
+          </a:fillRef>
+          <a:effectRef idx="0">
+            <a:schemeClr val="accent5"/>
+          </a:effectRef>
+          <a:fontRef idx="minor">
+            <a:schemeClr val="dk1"/>
+          </a:fontRef>
+        </p:style>
+        <p:txBody>
+          <a:bodyPr rtlCol="0" anchor="ctr"/>
+          <a:lstStyle/>
+          <a:p>
+            <a:pPr>
+              <a:lnSpc>
+                <a:spcPct val="150000"/>
+              </a:lnSpc>
+            </a:pPr>
+            <a:r>
+              <a:rPr lang="zh-CN" altLang="en-US" sz="2000" dirty="0" smtClean="0">
+                <a:solidFill>
+                  <a:schemeClr val="tx1">
+                    <a:lumMod val="75000"/>
+                    <a:lumOff val="25000"/>
+                  </a:schemeClr>
+                </a:solidFill>
+                <a:latin typeface="微软雅黑" pitchFamily="34" charset="-122"/>
+                <a:ea typeface="微软雅黑" pitchFamily="34" charset="-122"/>
+              </a:rPr>
+              <a:t>让两张背景图错位</a:t>
+            </a:r>
+            <a:endParaRPr lang="en-US" altLang="zh-CN" sz="2000" dirty="0">
+              <a:solidFill>
+                <a:schemeClr val="tx1">
+                  <a:lumMod val="75000"/>
+                  <a:lumOff val="25000"/>
+                </a:schemeClr>
+              </a:solidFill>
+              <a:latin typeface="微软雅黑" pitchFamily="34" charset="-122"/>
+              <a:ea typeface="微软雅黑" pitchFamily="34" charset="-122"/>
+            </a:endParaRPr>
+          </a:p>
+        </p:txBody>
+      </p:sp>
+      <p:sp>
+        <p:nvSpPr>
+          <p:cNvPr id="19" name="矩形 18"/>
+          <p:cNvSpPr/>
+          <p:nvPr/>
+        </p:nvSpPr>
+        <p:spPr>
+          <a:xfrm>
+            <a:off x="3131840" y="2780927"/>
+            <a:ext cx="4176464" cy="323737"/>
+          </a:xfrm>
+          <a:prstGeom prst="rect">
+            <a:avLst/>
+          </a:prstGeom>
+          <a:noFill/>
+          <a:ln w="28575">
+            <a:solidFill>
+              <a:srgbClr val="FFFF00"/>
+            </a:solidFill>
+          </a:ln>
+        </p:spPr>
+        <p:style>
+          <a:lnRef idx="2">
+            <a:schemeClr val="accent1">
+              <a:shade val="50000"/>
+            </a:schemeClr>
+          </a:lnRef>
+          <a:fillRef idx="1">
+            <a:schemeClr val="accent1"/>
+          </a:fillRef>
+          <a:effectRef idx="0">
+            <a:schemeClr val="accent1"/>
+          </a:effectRef>
+          <a:fontRef idx="minor">
+            <a:schemeClr val="lt1"/>
+          </a:fontRef>
+        </p:style>
+        <p:txBody>
+          <a:bodyPr rtlCol="0" anchor="ctr"/>
+          <a:lstStyle/>
+          <a:p>
+            <a:pPr algn="ctr"/>
+            <a:endParaRPr lang="zh-CN" altLang="en-US"/>
+          </a:p>
+        </p:txBody>
+      </p:sp>
+      <p:sp>
+        <p:nvSpPr>
+          <p:cNvPr id="20" name="圆角矩形标注 19"/>
+          <p:cNvSpPr/>
+          <p:nvPr/>
+        </p:nvSpPr>
+        <p:spPr>
+          <a:xfrm>
+            <a:off x="6176487" y="3991200"/>
+            <a:ext cx="1368151" cy="1447167"/>
+          </a:xfrm>
+          <a:prstGeom prst="wedgeRoundRectCallout">
+            <a:avLst>
+              <a:gd name="adj1" fmla="val -59975"/>
+              <a:gd name="adj2" fmla="val -26470"/>
+              <a:gd name="adj3" fmla="val 16667"/>
+            </a:avLst>
+          </a:prstGeom>
+        </p:spPr>
+        <p:style>
+          <a:lnRef idx="2">
+            <a:schemeClr val="accent5"/>
+          </a:lnRef>
+          <a:fillRef idx="1">
+            <a:schemeClr val="lt1"/>
+          </a:fillRef>
+          <a:effectRef idx="0">
+            <a:schemeClr val="accent5"/>
+          </a:effectRef>
+          <a:fontRef idx="minor">
+            <a:schemeClr val="dk1"/>
+          </a:fontRef>
+        </p:style>
+        <p:txBody>
+          <a:bodyPr rtlCol="0" anchor="ctr"/>
+          <a:lstStyle/>
+          <a:p>
+            <a:pPr>
+              <a:lnSpc>
+                <a:spcPct val="150000"/>
+              </a:lnSpc>
+            </a:pPr>
+            <a:r>
+              <a:rPr lang="zh-CN" altLang="en-US" sz="2000" dirty="0" smtClean="0">
+                <a:solidFill>
+                  <a:schemeClr val="tx1">
+                    <a:lumMod val="75000"/>
+                    <a:lumOff val="25000"/>
+                  </a:schemeClr>
+                </a:solidFill>
+                <a:latin typeface="微软雅黑" pitchFamily="34" charset="-122"/>
+                <a:ea typeface="微软雅黑" pitchFamily="34" charset="-122"/>
+              </a:rPr>
+              <a:t>顺序不能错，从左到右执行</a:t>
+            </a:r>
+            <a:endParaRPr lang="en-US" altLang="zh-CN" sz="2000" dirty="0">
               <a:solidFill>
                 <a:schemeClr val="tx1">
                   <a:lumMod val="75000"/>
@@ -8989,7 +9407,20 @@
                 <a:latin typeface="微软雅黑" pitchFamily="34" charset="-122"/>
                 <a:ea typeface="微软雅黑" pitchFamily="34" charset="-122"/>
               </a:rPr>
-              <a:t>所谓的铅笔效果就是把图像中的物体轮廓用黑色描绘出来，其他地方基本是白色</a:t>
+              <a:t>彩色铅笔效果就是在铅笔效果基础上添加色彩，</a:t>
+            </a:r>
+            <a:r>
+              <a:rPr lang="zh-CN" altLang="en-US" sz="2400" dirty="0" smtClean="0">
+                <a:solidFill>
+                  <a:schemeClr val="tx1">
+                    <a:lumMod val="75000"/>
+                    <a:lumOff val="25000"/>
+                  </a:schemeClr>
+                </a:solidFill>
+                <a:latin typeface="微软雅黑" pitchFamily="34" charset="-122"/>
+                <a:ea typeface="微软雅黑" pitchFamily="34" charset="-122"/>
+              </a:rPr>
+              <a:t>这个色彩必须和原图一致，而不是有颜色就可以</a:t>
             </a:r>
             <a:r>
               <a:rPr lang="en-US" altLang="zh-CN" sz="2400" dirty="0" smtClean="0">
@@ -9002,8 +9433,344 @@
                 <a:latin typeface="微软雅黑" pitchFamily="34" charset="-122"/>
                 <a:ea typeface="微软雅黑" pitchFamily="34" charset="-122"/>
               </a:rPr>
-              <a:t>. </a:t>
-            </a:r>
+              <a:t>.</a:t>
+            </a:r>
+            <a:endParaRPr lang="en-US" altLang="zh-CN" sz="2400" dirty="0" smtClean="0">
+              <a:solidFill>
+                <a:schemeClr val="tx1">
+                  <a:lumMod val="75000"/>
+                  <a:lumOff val="25000"/>
+                </a:schemeClr>
+              </a:solidFill>
+              <a:latin typeface="微软雅黑" pitchFamily="34" charset="-122"/>
+              <a:ea typeface="微软雅黑" pitchFamily="34" charset="-122"/>
+            </a:endParaRPr>
+          </a:p>
+        </p:txBody>
+      </p:sp>
+      <p:pic>
+        <p:nvPicPr>
+          <p:cNvPr id="3" name="图片 2" descr="屏幕剪辑"/>
+          <p:cNvPicPr>
+            <a:picLocks noChangeAspect="1"/>
+          </p:cNvPicPr>
+          <p:nvPr/>
+        </p:nvPicPr>
+        <p:blipFill>
+          <a:blip r:embed="rId2">
+            <a:extLst>
+              <a:ext uri="{28A0092B-C50C-407E-A947-70E740481C1C}">
+                <a14:useLocalDpi xmlns:a14="http://schemas.microsoft.com/office/drawing/2010/main" val="0"/>
+              </a:ext>
+            </a:extLst>
+          </a:blip>
+          <a:stretch>
+            <a:fillRect/>
+          </a:stretch>
+        </p:blipFill>
+        <p:spPr>
+          <a:xfrm>
+            <a:off x="899592" y="2857004"/>
+            <a:ext cx="1983802" cy="1800000"/>
+          </a:xfrm>
+          <a:prstGeom prst="rect">
+            <a:avLst/>
+          </a:prstGeom>
+        </p:spPr>
+      </p:pic>
+      <p:pic>
+        <p:nvPicPr>
+          <p:cNvPr id="2" name="图片 1" descr="屏幕剪辑"/>
+          <p:cNvPicPr>
+            <a:picLocks noChangeAspect="1"/>
+          </p:cNvPicPr>
+          <p:nvPr/>
+        </p:nvPicPr>
+        <p:blipFill>
+          <a:blip r:embed="rId3">
+            <a:extLst>
+              <a:ext uri="{28A0092B-C50C-407E-A947-70E740481C1C}">
+                <a14:useLocalDpi xmlns:a14="http://schemas.microsoft.com/office/drawing/2010/main" val="0"/>
+              </a:ext>
+            </a:extLst>
+          </a:blip>
+          <a:stretch>
+            <a:fillRect/>
+          </a:stretch>
+        </p:blipFill>
+        <p:spPr>
+          <a:xfrm>
+            <a:off x="945375" y="5013376"/>
+            <a:ext cx="1938019" cy="1800000"/>
+          </a:xfrm>
+          <a:prstGeom prst="rect">
+            <a:avLst/>
+          </a:prstGeom>
+        </p:spPr>
+      </p:pic>
+      <p:sp>
+        <p:nvSpPr>
+          <p:cNvPr id="5" name="燕尾形 4"/>
+          <p:cNvSpPr/>
+          <p:nvPr/>
+        </p:nvSpPr>
+        <p:spPr>
+          <a:xfrm rot="5400000">
+            <a:off x="1673017" y="4617032"/>
+            <a:ext cx="360040" cy="432248"/>
+          </a:xfrm>
+          <a:prstGeom prst="chevron">
+            <a:avLst/>
+          </a:prstGeom>
+        </p:spPr>
+        <p:style>
+          <a:lnRef idx="1">
+            <a:schemeClr val="accent4"/>
+          </a:lnRef>
+          <a:fillRef idx="3">
+            <a:schemeClr val="accent4"/>
+          </a:fillRef>
+          <a:effectRef idx="2">
+            <a:schemeClr val="accent4"/>
+          </a:effectRef>
+          <a:fontRef idx="minor">
+            <a:schemeClr val="lt1"/>
+          </a:fontRef>
+        </p:style>
+        <p:txBody>
+          <a:bodyPr rtlCol="0" anchor="ctr"/>
+          <a:lstStyle/>
+          <a:p>
+            <a:pPr algn="ctr"/>
+            <a:endParaRPr lang="zh-CN" altLang="en-US">
+              <a:solidFill>
+                <a:schemeClr val="tx1"/>
+              </a:solidFill>
+            </a:endParaRPr>
+          </a:p>
+        </p:txBody>
+      </p:sp>
+      <p:sp>
+        <p:nvSpPr>
+          <p:cNvPr id="6" name="圆角矩形标注 5"/>
+          <p:cNvSpPr/>
+          <p:nvPr/>
+        </p:nvSpPr>
+        <p:spPr>
+          <a:xfrm>
+            <a:off x="3059832" y="3757004"/>
+            <a:ext cx="5256584" cy="2355838"/>
+          </a:xfrm>
+          <a:prstGeom prst="wedgeRoundRectCallout">
+            <a:avLst>
+              <a:gd name="adj1" fmla="val -53964"/>
+              <a:gd name="adj2" fmla="val 24450"/>
+              <a:gd name="adj3" fmla="val 16667"/>
+            </a:avLst>
+          </a:prstGeom>
+        </p:spPr>
+        <p:style>
+          <a:lnRef idx="2">
+            <a:schemeClr val="accent5"/>
+          </a:lnRef>
+          <a:fillRef idx="1">
+            <a:schemeClr val="lt1"/>
+          </a:fillRef>
+          <a:effectRef idx="0">
+            <a:schemeClr val="accent5"/>
+          </a:effectRef>
+          <a:fontRef idx="minor">
+            <a:schemeClr val="dk1"/>
+          </a:fontRef>
+        </p:style>
+        <p:txBody>
+          <a:bodyPr rtlCol="0" anchor="ctr"/>
+          <a:lstStyle/>
+          <a:p>
+            <a:pPr>
+              <a:lnSpc>
+                <a:spcPct val="150000"/>
+              </a:lnSpc>
+            </a:pPr>
+            <a:r>
+              <a:rPr lang="zh-CN" altLang="en-US" sz="2000" dirty="0" smtClean="0">
+                <a:solidFill>
+                  <a:schemeClr val="tx1">
+                    <a:lumMod val="75000"/>
+                    <a:lumOff val="25000"/>
+                  </a:schemeClr>
+                </a:solidFill>
+                <a:latin typeface="微软雅黑" pitchFamily="34" charset="-122"/>
+                <a:ea typeface="微软雅黑" pitchFamily="34" charset="-122"/>
+              </a:rPr>
+              <a:t>先实现铅笔效果，方法和之前一样，唯一区别是实施目标是元素的伪元素</a:t>
+            </a:r>
+            <a:r>
+              <a:rPr lang="en-US" altLang="zh-CN" sz="2000" dirty="0" smtClean="0">
+                <a:solidFill>
+                  <a:schemeClr val="tx1">
+                    <a:lumMod val="75000"/>
+                    <a:lumOff val="25000"/>
+                  </a:schemeClr>
+                </a:solidFill>
+                <a:latin typeface="微软雅黑" pitchFamily="34" charset="-122"/>
+                <a:ea typeface="微软雅黑" pitchFamily="34" charset="-122"/>
+              </a:rPr>
+              <a:t>::</a:t>
+            </a:r>
+            <a:r>
+              <a:rPr lang="en-US" altLang="zh-CN" sz="2000" b="1" dirty="0" smtClean="0">
+                <a:solidFill>
+                  <a:schemeClr val="tx1">
+                    <a:lumMod val="75000"/>
+                    <a:lumOff val="25000"/>
+                  </a:schemeClr>
+                </a:solidFill>
+                <a:latin typeface="微软雅黑" pitchFamily="34" charset="-122"/>
+                <a:ea typeface="微软雅黑" pitchFamily="34" charset="-122"/>
+              </a:rPr>
+              <a:t>before</a:t>
+            </a:r>
+            <a:r>
+              <a:rPr lang="zh-CN" altLang="en-US" sz="2000" dirty="0" smtClean="0">
+                <a:solidFill>
+                  <a:schemeClr val="tx1">
+                    <a:lumMod val="75000"/>
+                    <a:lumOff val="25000"/>
+                  </a:schemeClr>
+                </a:solidFill>
+                <a:latin typeface="微软雅黑" pitchFamily="34" charset="-122"/>
+                <a:ea typeface="微软雅黑" pitchFamily="34" charset="-122"/>
+              </a:rPr>
+              <a:t>，因为要将元素的</a:t>
+            </a:r>
+            <a:r>
+              <a:rPr lang="en-US" altLang="zh-CN" sz="2000" dirty="0" smtClean="0">
+                <a:solidFill>
+                  <a:schemeClr val="tx1">
+                    <a:lumMod val="75000"/>
+                    <a:lumOff val="25000"/>
+                  </a:schemeClr>
+                </a:solidFill>
+                <a:latin typeface="微软雅黑" pitchFamily="34" charset="-122"/>
+                <a:ea typeface="微软雅黑" pitchFamily="34" charset="-122"/>
+              </a:rPr>
+              <a:t>::after</a:t>
+            </a:r>
+            <a:r>
+              <a:rPr lang="zh-CN" altLang="en-US" sz="2000" dirty="0" smtClean="0">
+                <a:solidFill>
+                  <a:schemeClr val="tx1">
+                    <a:lumMod val="75000"/>
+                    <a:lumOff val="25000"/>
+                  </a:schemeClr>
+                </a:solidFill>
+                <a:latin typeface="微软雅黑" pitchFamily="34" charset="-122"/>
+                <a:ea typeface="微软雅黑" pitchFamily="34" charset="-122"/>
+              </a:rPr>
+              <a:t>设置为</a:t>
+            </a:r>
+            <a:r>
+              <a:rPr lang="en-US" altLang="zh-CN" sz="2000" dirty="0" err="1" smtClean="0">
+                <a:solidFill>
+                  <a:schemeClr val="tx1">
+                    <a:lumMod val="75000"/>
+                    <a:lumOff val="25000"/>
+                  </a:schemeClr>
+                </a:solidFill>
+                <a:latin typeface="微软雅黑" pitchFamily="34" charset="-122"/>
+                <a:ea typeface="微软雅黑" pitchFamily="34" charset="-122"/>
+              </a:rPr>
+              <a:t>mix-blend-mode</a:t>
+            </a:r>
+            <a:r>
+              <a:rPr lang="en-US" altLang="zh-CN" sz="2000" dirty="0" err="1" smtClean="0">
+                <a:solidFill>
+                  <a:schemeClr val="tx1">
+                    <a:lumMod val="75000"/>
+                    <a:lumOff val="25000"/>
+                  </a:schemeClr>
+                </a:solidFill>
+                <a:latin typeface="微软雅黑" pitchFamily="34" charset="-122"/>
+                <a:ea typeface="微软雅黑" pitchFamily="34" charset="-122"/>
+              </a:rPr>
+              <a:t>:color</a:t>
+            </a:r>
+            <a:r>
+              <a:rPr lang="en-US" altLang="zh-CN" sz="2000" dirty="0" smtClean="0">
+                <a:solidFill>
+                  <a:schemeClr val="tx1">
+                    <a:lumMod val="75000"/>
+                    <a:lumOff val="25000"/>
+                  </a:schemeClr>
+                </a:solidFill>
+                <a:latin typeface="微软雅黑" pitchFamily="34" charset="-122"/>
+                <a:ea typeface="微软雅黑" pitchFamily="34" charset="-122"/>
+              </a:rPr>
+              <a:t>;</a:t>
+            </a:r>
+            <a:r>
+              <a:rPr lang="zh-CN" altLang="en-US" sz="2000" dirty="0" smtClean="0">
+                <a:solidFill>
+                  <a:schemeClr val="tx1">
+                    <a:lumMod val="75000"/>
+                    <a:lumOff val="25000"/>
+                  </a:schemeClr>
+                </a:solidFill>
+                <a:latin typeface="微软雅黑" pitchFamily="34" charset="-122"/>
+                <a:ea typeface="微软雅黑" pitchFamily="34" charset="-122"/>
+              </a:rPr>
+              <a:t>与</a:t>
+            </a:r>
+            <a:r>
+              <a:rPr lang="en-US" altLang="zh-CN" sz="2000" dirty="0" smtClean="0">
+                <a:solidFill>
+                  <a:schemeClr val="tx1">
+                    <a:lumMod val="75000"/>
+                    <a:lumOff val="25000"/>
+                  </a:schemeClr>
+                </a:solidFill>
+                <a:latin typeface="微软雅黑" pitchFamily="34" charset="-122"/>
+                <a:ea typeface="微软雅黑" pitchFamily="34" charset="-122"/>
+              </a:rPr>
+              <a:t>::before</a:t>
+            </a:r>
+            <a:r>
+              <a:rPr lang="zh-CN" altLang="en-US" sz="2000" dirty="0" smtClean="0">
+                <a:solidFill>
+                  <a:schemeClr val="tx1">
+                    <a:lumMod val="75000"/>
+                    <a:lumOff val="25000"/>
+                  </a:schemeClr>
+                </a:solidFill>
+                <a:latin typeface="微软雅黑" pitchFamily="34" charset="-122"/>
+                <a:ea typeface="微软雅黑" pitchFamily="34" charset="-122"/>
+              </a:rPr>
+              <a:t>配合上色，而此</a:t>
+            </a:r>
+            <a:r>
+              <a:rPr lang="zh-CN" altLang="en-US" sz="2000" dirty="0" smtClean="0">
+                <a:solidFill>
+                  <a:schemeClr val="tx1">
+                    <a:lumMod val="75000"/>
+                    <a:lumOff val="25000"/>
+                  </a:schemeClr>
+                </a:solidFill>
+                <a:latin typeface="微软雅黑" pitchFamily="34" charset="-122"/>
+                <a:ea typeface="微软雅黑" pitchFamily="34" charset="-122"/>
+              </a:rPr>
+              <a:t>属性必须在相邻兄弟元素之间使用</a:t>
+            </a:r>
+            <a:endParaRPr lang="en-US" altLang="zh-CN" sz="2000" dirty="0">
+              <a:solidFill>
+                <a:schemeClr val="tx1">
+                  <a:lumMod val="75000"/>
+                  <a:lumOff val="25000"/>
+                </a:schemeClr>
+              </a:solidFill>
+              <a:latin typeface="微软雅黑" pitchFamily="34" charset="-122"/>
+              <a:ea typeface="微软雅黑" pitchFamily="34" charset="-122"/>
+            </a:endParaRPr>
           </a:p>
         </p:txBody>
       </p:sp>
@@ -9488,6 +10255,3688 @@
           <a:chExt cx="0" cy="0"/>
         </a:xfrm>
       </p:grpSpPr>
+      <p:pic>
+        <p:nvPicPr>
+          <p:cNvPr id="2" name="图片 1" descr="屏幕剪辑"/>
+          <p:cNvPicPr>
+            <a:picLocks noChangeAspect="1"/>
+          </p:cNvPicPr>
+          <p:nvPr/>
+        </p:nvPicPr>
+        <p:blipFill>
+          <a:blip r:embed="rId2">
+            <a:extLst>
+              <a:ext uri="{28A0092B-C50C-407E-A947-70E740481C1C}">
+                <a14:useLocalDpi xmlns:a14="http://schemas.microsoft.com/office/drawing/2010/main" val="0"/>
+              </a:ext>
+            </a:extLst>
+          </a:blip>
+          <a:stretch>
+            <a:fillRect/>
+          </a:stretch>
+        </p:blipFill>
+        <p:spPr>
+          <a:xfrm>
+            <a:off x="976293" y="116632"/>
+            <a:ext cx="1949521" cy="1800000"/>
+          </a:xfrm>
+          <a:prstGeom prst="rect">
+            <a:avLst/>
+          </a:prstGeom>
+        </p:spPr>
+      </p:pic>
+      <p:sp>
+        <p:nvSpPr>
+          <p:cNvPr id="3" name="圆角矩形标注 2"/>
+          <p:cNvSpPr/>
+          <p:nvPr/>
+        </p:nvSpPr>
+        <p:spPr>
+          <a:xfrm>
+            <a:off x="3059832" y="404664"/>
+            <a:ext cx="3960440" cy="1512168"/>
+          </a:xfrm>
+          <a:prstGeom prst="wedgeRoundRectCallout">
+            <a:avLst>
+              <a:gd name="adj1" fmla="val -53964"/>
+              <a:gd name="adj2" fmla="val 24450"/>
+              <a:gd name="adj3" fmla="val 16667"/>
+            </a:avLst>
+          </a:prstGeom>
+        </p:spPr>
+        <p:style>
+          <a:lnRef idx="2">
+            <a:schemeClr val="accent5"/>
+          </a:lnRef>
+          <a:fillRef idx="1">
+            <a:schemeClr val="lt1"/>
+          </a:fillRef>
+          <a:effectRef idx="0">
+            <a:schemeClr val="accent5"/>
+          </a:effectRef>
+          <a:fontRef idx="minor">
+            <a:schemeClr val="dk1"/>
+          </a:fontRef>
+        </p:style>
+        <p:txBody>
+          <a:bodyPr rtlCol="0" anchor="ctr"/>
+          <a:lstStyle/>
+          <a:p>
+            <a:pPr>
+              <a:lnSpc>
+                <a:spcPct val="150000"/>
+              </a:lnSpc>
+            </a:pPr>
+            <a:r>
+              <a:rPr lang="en-US" altLang="zh-CN" sz="2000" dirty="0" err="1">
+                <a:solidFill>
+                  <a:schemeClr val="tx1">
+                    <a:lumMod val="75000"/>
+                    <a:lumOff val="25000"/>
+                  </a:schemeClr>
+                </a:solidFill>
+                <a:latin typeface="微软雅黑" pitchFamily="34" charset="-122"/>
+                <a:ea typeface="微软雅黑" pitchFamily="34" charset="-122"/>
+              </a:rPr>
+              <a:t>m</a:t>
+            </a:r>
+            <a:r>
+              <a:rPr lang="en-US" altLang="zh-CN" sz="2000" dirty="0" err="1" smtClean="0">
+                <a:solidFill>
+                  <a:schemeClr val="tx1">
+                    <a:lumMod val="75000"/>
+                    <a:lumOff val="25000"/>
+                  </a:schemeClr>
+                </a:solidFill>
+                <a:latin typeface="微软雅黑" pitchFamily="34" charset="-122"/>
+                <a:ea typeface="微软雅黑" pitchFamily="34" charset="-122"/>
+              </a:rPr>
+              <a:t>ix-blend-mode:color</a:t>
+            </a:r>
+            <a:r>
+              <a:rPr lang="en-US" altLang="zh-CN" sz="2000" dirty="0" smtClean="0">
+                <a:solidFill>
+                  <a:schemeClr val="tx1">
+                    <a:lumMod val="75000"/>
+                    <a:lumOff val="25000"/>
+                  </a:schemeClr>
+                </a:solidFill>
+                <a:latin typeface="微软雅黑" pitchFamily="34" charset="-122"/>
+                <a:ea typeface="微软雅黑" pitchFamily="34" charset="-122"/>
+              </a:rPr>
+              <a:t>;</a:t>
+            </a:r>
+          </a:p>
+          <a:p>
+            <a:pPr>
+              <a:lnSpc>
+                <a:spcPct val="150000"/>
+              </a:lnSpc>
+            </a:pPr>
+            <a:r>
+              <a:rPr lang="zh-CN" altLang="en-US" sz="2000" dirty="0" smtClean="0">
+                <a:solidFill>
+                  <a:schemeClr val="tx1">
+                    <a:lumMod val="75000"/>
+                    <a:lumOff val="25000"/>
+                  </a:schemeClr>
+                </a:solidFill>
+                <a:latin typeface="微软雅黑" pitchFamily="34" charset="-122"/>
+                <a:ea typeface="微软雅黑" pitchFamily="34" charset="-122"/>
+              </a:rPr>
+              <a:t>用上层元素</a:t>
+            </a:r>
+            <a:r>
+              <a:rPr lang="en-US" altLang="zh-CN" sz="2000" dirty="0" smtClean="0">
+                <a:solidFill>
+                  <a:schemeClr val="tx1">
+                    <a:lumMod val="75000"/>
+                    <a:lumOff val="25000"/>
+                  </a:schemeClr>
+                </a:solidFill>
+                <a:latin typeface="微软雅黑" pitchFamily="34" charset="-122"/>
+                <a:ea typeface="微软雅黑" pitchFamily="34" charset="-122"/>
+              </a:rPr>
+              <a:t>::after</a:t>
+            </a:r>
+            <a:r>
+              <a:rPr lang="zh-CN" altLang="en-US" sz="2000" dirty="0" smtClean="0">
+                <a:solidFill>
+                  <a:schemeClr val="tx1">
+                    <a:lumMod val="75000"/>
+                    <a:lumOff val="25000"/>
+                  </a:schemeClr>
+                </a:solidFill>
+                <a:latin typeface="微软雅黑" pitchFamily="34" charset="-122"/>
+                <a:ea typeface="微软雅黑" pitchFamily="34" charset="-122"/>
+              </a:rPr>
+              <a:t>的颜色，用下层元素</a:t>
+            </a:r>
+            <a:r>
+              <a:rPr lang="en-US" altLang="zh-CN" sz="2000" dirty="0" smtClean="0">
+                <a:solidFill>
+                  <a:schemeClr val="tx1">
+                    <a:lumMod val="75000"/>
+                    <a:lumOff val="25000"/>
+                  </a:schemeClr>
+                </a:solidFill>
+                <a:latin typeface="微软雅黑" pitchFamily="34" charset="-122"/>
+                <a:ea typeface="微软雅黑" pitchFamily="34" charset="-122"/>
+              </a:rPr>
+              <a:t>::</a:t>
+            </a:r>
+            <a:r>
+              <a:rPr lang="en-US" altLang="zh-CN" sz="2000" dirty="0" smtClean="0">
+                <a:solidFill>
+                  <a:schemeClr val="tx1">
+                    <a:lumMod val="75000"/>
+                    <a:lumOff val="25000"/>
+                  </a:schemeClr>
+                </a:solidFill>
+                <a:latin typeface="微软雅黑" pitchFamily="34" charset="-122"/>
+                <a:ea typeface="微软雅黑" pitchFamily="34" charset="-122"/>
+              </a:rPr>
+              <a:t>before</a:t>
+            </a:r>
+            <a:r>
+              <a:rPr lang="zh-CN" altLang="en-US" sz="2000" dirty="0" smtClean="0">
+                <a:solidFill>
+                  <a:schemeClr val="tx1">
+                    <a:lumMod val="75000"/>
+                    <a:lumOff val="25000"/>
+                  </a:schemeClr>
+                </a:solidFill>
+                <a:latin typeface="微软雅黑" pitchFamily="34" charset="-122"/>
+                <a:ea typeface="微软雅黑" pitchFamily="34" charset="-122"/>
+              </a:rPr>
+              <a:t>的饱和度和亮度</a:t>
+            </a:r>
+            <a:endParaRPr lang="en-US" altLang="zh-CN" sz="2000" dirty="0">
+              <a:solidFill>
+                <a:schemeClr val="tx1">
+                  <a:lumMod val="75000"/>
+                  <a:lumOff val="25000"/>
+                </a:schemeClr>
+              </a:solidFill>
+              <a:latin typeface="微软雅黑" pitchFamily="34" charset="-122"/>
+              <a:ea typeface="微软雅黑" pitchFamily="34" charset="-122"/>
+            </a:endParaRPr>
+          </a:p>
+        </p:txBody>
+      </p:sp>
+      <p:sp>
+        <p:nvSpPr>
+          <p:cNvPr id="4" name="TextBox 3"/>
+          <p:cNvSpPr txBox="1"/>
+          <p:nvPr/>
+        </p:nvSpPr>
+        <p:spPr>
+          <a:xfrm>
+            <a:off x="684000" y="2132856"/>
+            <a:ext cx="7776000" cy="2308324"/>
+          </a:xfrm>
+          <a:prstGeom prst="rect">
+            <a:avLst/>
+          </a:prstGeom>
+          <a:noFill/>
+        </p:spPr>
+        <p:txBody>
+          <a:bodyPr wrap="square" rtlCol="0">
+            <a:spAutoFit/>
+          </a:bodyPr>
+          <a:lstStyle/>
+          <a:p>
+            <a:pPr>
+              <a:lnSpc>
+                <a:spcPct val="150000"/>
+              </a:lnSpc>
+            </a:pPr>
+            <a:r>
+              <a:rPr lang="en-US" altLang="zh-CN" sz="2400" b="1" dirty="0" smtClean="0">
+                <a:solidFill>
+                  <a:schemeClr val="tx1">
+                    <a:lumMod val="75000"/>
+                    <a:lumOff val="25000"/>
+                  </a:schemeClr>
+                </a:solidFill>
+                <a:latin typeface="微软雅黑" pitchFamily="34" charset="-122"/>
+                <a:ea typeface="微软雅黑" pitchFamily="34" charset="-122"/>
+              </a:rPr>
+              <a:t>5-c </a:t>
+            </a:r>
+            <a:r>
+              <a:rPr lang="zh-CN" altLang="en-US" sz="2400" b="1" dirty="0" smtClean="0">
+                <a:solidFill>
+                  <a:schemeClr val="tx1">
+                    <a:lumMod val="75000"/>
+                    <a:lumOff val="25000"/>
+                  </a:schemeClr>
+                </a:solidFill>
+                <a:latin typeface="微软雅黑" pitchFamily="34" charset="-122"/>
+                <a:ea typeface="微软雅黑" pitchFamily="34" charset="-122"/>
+              </a:rPr>
+              <a:t>粉笔</a:t>
+            </a:r>
+            <a:r>
+              <a:rPr lang="zh-CN" altLang="en-US" sz="2400" b="1" dirty="0" smtClean="0">
+                <a:solidFill>
+                  <a:schemeClr val="tx1">
+                    <a:lumMod val="75000"/>
+                    <a:lumOff val="25000"/>
+                  </a:schemeClr>
+                </a:solidFill>
+                <a:latin typeface="微软雅黑" pitchFamily="34" charset="-122"/>
+                <a:ea typeface="微软雅黑" pitchFamily="34" charset="-122"/>
+              </a:rPr>
+              <a:t>效果</a:t>
+            </a:r>
+            <a:endParaRPr lang="en-US" altLang="zh-CN" sz="2400" b="1" dirty="0" smtClean="0">
+              <a:solidFill>
+                <a:schemeClr val="tx1">
+                  <a:lumMod val="75000"/>
+                  <a:lumOff val="25000"/>
+                </a:schemeClr>
+              </a:solidFill>
+              <a:latin typeface="微软雅黑" pitchFamily="34" charset="-122"/>
+              <a:ea typeface="微软雅黑" pitchFamily="34" charset="-122"/>
+            </a:endParaRPr>
+          </a:p>
+          <a:p>
+            <a:pPr>
+              <a:lnSpc>
+                <a:spcPct val="150000"/>
+              </a:lnSpc>
+            </a:pPr>
+            <a:r>
+              <a:rPr lang="zh-CN" altLang="en-US" sz="2400" dirty="0" smtClean="0">
+                <a:solidFill>
+                  <a:schemeClr val="tx1">
+                    <a:lumMod val="75000"/>
+                    <a:lumOff val="25000"/>
+                  </a:schemeClr>
+                </a:solidFill>
+                <a:latin typeface="微软雅黑" pitchFamily="34" charset="-122"/>
+                <a:ea typeface="微软雅黑" pitchFamily="34" charset="-122"/>
+              </a:rPr>
+              <a:t>粉笔效果，就类似用白色粉笔在黑板上勾勒线条的效果</a:t>
+            </a:r>
+            <a:r>
+              <a:rPr lang="en-US" altLang="zh-CN" sz="2400" dirty="0" smtClean="0">
+                <a:solidFill>
+                  <a:schemeClr val="tx1">
+                    <a:lumMod val="75000"/>
+                    <a:lumOff val="25000"/>
+                  </a:schemeClr>
+                </a:solidFill>
+                <a:latin typeface="微软雅黑" pitchFamily="34" charset="-122"/>
+                <a:ea typeface="微软雅黑" pitchFamily="34" charset="-122"/>
+              </a:rPr>
+              <a:t>.</a:t>
+            </a:r>
+            <a:r>
+              <a:rPr lang="zh-CN" altLang="en-US" sz="2400" dirty="0" smtClean="0">
+                <a:solidFill>
+                  <a:schemeClr val="tx1">
+                    <a:lumMod val="75000"/>
+                    <a:lumOff val="25000"/>
+                  </a:schemeClr>
+                </a:solidFill>
+                <a:latin typeface="微软雅黑" pitchFamily="34" charset="-122"/>
+                <a:ea typeface="微软雅黑" pitchFamily="34" charset="-122"/>
+              </a:rPr>
+              <a:t>和铅笔效果几乎完全一样，只是在通过</a:t>
+            </a:r>
+            <a:r>
+              <a:rPr lang="en-US" altLang="zh-CN" sz="2400" dirty="0" smtClean="0">
+                <a:solidFill>
+                  <a:schemeClr val="tx1">
+                    <a:lumMod val="75000"/>
+                    <a:lumOff val="25000"/>
+                  </a:schemeClr>
+                </a:solidFill>
+                <a:latin typeface="微软雅黑" pitchFamily="34" charset="-122"/>
+                <a:ea typeface="微软雅黑" pitchFamily="34" charset="-122"/>
+              </a:rPr>
+              <a:t>difference</a:t>
+            </a:r>
+            <a:r>
+              <a:rPr lang="zh-CN" altLang="en-US" sz="2400" dirty="0" smtClean="0">
+                <a:solidFill>
+                  <a:schemeClr val="tx1">
+                    <a:lumMod val="75000"/>
+                    <a:lumOff val="25000"/>
+                  </a:schemeClr>
+                </a:solidFill>
+                <a:latin typeface="微软雅黑" pitchFamily="34" charset="-122"/>
+                <a:ea typeface="微软雅黑" pitchFamily="34" charset="-122"/>
+              </a:rPr>
+              <a:t>融合实现线条后，提高亮度之后，</a:t>
+            </a:r>
+            <a:r>
+              <a:rPr lang="zh-CN" altLang="en-US" sz="2400" b="1" dirty="0" smtClean="0">
+                <a:solidFill>
+                  <a:schemeClr val="tx1">
+                    <a:lumMod val="75000"/>
+                    <a:lumOff val="25000"/>
+                  </a:schemeClr>
+                </a:solidFill>
+                <a:latin typeface="微软雅黑" pitchFamily="34" charset="-122"/>
+                <a:ea typeface="微软雅黑" pitchFamily="34" charset="-122"/>
+              </a:rPr>
+              <a:t>直接去色变成黑白，不反色</a:t>
+            </a:r>
+            <a:r>
+              <a:rPr lang="en-US" altLang="zh-CN" sz="2400" dirty="0" smtClean="0">
+                <a:solidFill>
+                  <a:schemeClr val="tx1">
+                    <a:lumMod val="75000"/>
+                    <a:lumOff val="25000"/>
+                  </a:schemeClr>
+                </a:solidFill>
+                <a:latin typeface="微软雅黑" pitchFamily="34" charset="-122"/>
+                <a:ea typeface="微软雅黑" pitchFamily="34" charset="-122"/>
+              </a:rPr>
+              <a:t>.</a:t>
+            </a:r>
+            <a:endParaRPr lang="en-US" altLang="zh-CN" sz="2400" dirty="0" smtClean="0">
+              <a:solidFill>
+                <a:schemeClr val="tx1">
+                  <a:lumMod val="75000"/>
+                  <a:lumOff val="25000"/>
+                </a:schemeClr>
+              </a:solidFill>
+              <a:latin typeface="微软雅黑" pitchFamily="34" charset="-122"/>
+              <a:ea typeface="微软雅黑" pitchFamily="34" charset="-122"/>
+            </a:endParaRPr>
+          </a:p>
+        </p:txBody>
+      </p:sp>
+      <p:pic>
+        <p:nvPicPr>
+          <p:cNvPr id="6" name="图片 5" descr="屏幕剪辑"/>
+          <p:cNvPicPr>
+            <a:picLocks noChangeAspect="1"/>
+          </p:cNvPicPr>
+          <p:nvPr/>
+        </p:nvPicPr>
+        <p:blipFill>
+          <a:blip r:embed="rId3">
+            <a:extLst>
+              <a:ext uri="{28A0092B-C50C-407E-A947-70E740481C1C}">
+                <a14:useLocalDpi xmlns:a14="http://schemas.microsoft.com/office/drawing/2010/main" val="0"/>
+              </a:ext>
+            </a:extLst>
+          </a:blip>
+          <a:stretch>
+            <a:fillRect/>
+          </a:stretch>
+        </p:blipFill>
+        <p:spPr>
+          <a:xfrm>
+            <a:off x="3275856" y="4437312"/>
+            <a:ext cx="1918033" cy="1800000"/>
+          </a:xfrm>
+          <a:prstGeom prst="rect">
+            <a:avLst/>
+          </a:prstGeom>
+        </p:spPr>
+      </p:pic>
+      <p:pic>
+        <p:nvPicPr>
+          <p:cNvPr id="7" name="图片 6" descr="屏幕剪辑"/>
+          <p:cNvPicPr>
+            <a:picLocks noChangeAspect="1"/>
+          </p:cNvPicPr>
+          <p:nvPr/>
+        </p:nvPicPr>
+        <p:blipFill>
+          <a:blip r:embed="rId4">
+            <a:extLst>
+              <a:ext uri="{28A0092B-C50C-407E-A947-70E740481C1C}">
+                <a14:useLocalDpi xmlns:a14="http://schemas.microsoft.com/office/drawing/2010/main" val="0"/>
+              </a:ext>
+            </a:extLst>
+          </a:blip>
+          <a:stretch>
+            <a:fillRect/>
+          </a:stretch>
+        </p:blipFill>
+        <p:spPr>
+          <a:xfrm>
+            <a:off x="1132204" y="4437312"/>
+            <a:ext cx="1927628" cy="1800000"/>
+          </a:xfrm>
+          <a:prstGeom prst="rect">
+            <a:avLst/>
+          </a:prstGeom>
+        </p:spPr>
+      </p:pic>
+      <p:pic>
+        <p:nvPicPr>
+          <p:cNvPr id="8" name="图片 7" descr="屏幕剪辑"/>
+          <p:cNvPicPr>
+            <a:picLocks noChangeAspect="1"/>
+          </p:cNvPicPr>
+          <p:nvPr/>
+        </p:nvPicPr>
+        <p:blipFill>
+          <a:blip r:embed="rId5">
+            <a:extLst>
+              <a:ext uri="{28A0092B-C50C-407E-A947-70E740481C1C}">
+                <a14:useLocalDpi xmlns:a14="http://schemas.microsoft.com/office/drawing/2010/main" val="0"/>
+              </a:ext>
+            </a:extLst>
+          </a:blip>
+          <a:stretch>
+            <a:fillRect/>
+          </a:stretch>
+        </p:blipFill>
+        <p:spPr>
+          <a:xfrm>
+            <a:off x="5445458" y="4437312"/>
+            <a:ext cx="1934854" cy="1800000"/>
+          </a:xfrm>
+          <a:prstGeom prst="rect">
+            <a:avLst/>
+          </a:prstGeom>
+        </p:spPr>
+      </p:pic>
+      <p:sp>
+        <p:nvSpPr>
+          <p:cNvPr id="9" name="燕尾形 8"/>
+          <p:cNvSpPr/>
+          <p:nvPr/>
+        </p:nvSpPr>
+        <p:spPr>
+          <a:xfrm>
+            <a:off x="2987824" y="5085384"/>
+            <a:ext cx="360040" cy="504056"/>
+          </a:xfrm>
+          <a:prstGeom prst="chevron">
+            <a:avLst/>
+          </a:prstGeom>
+        </p:spPr>
+        <p:style>
+          <a:lnRef idx="1">
+            <a:schemeClr val="accent4"/>
+          </a:lnRef>
+          <a:fillRef idx="3">
+            <a:schemeClr val="accent4"/>
+          </a:fillRef>
+          <a:effectRef idx="2">
+            <a:schemeClr val="accent4"/>
+          </a:effectRef>
+          <a:fontRef idx="minor">
+            <a:schemeClr val="lt1"/>
+          </a:fontRef>
+        </p:style>
+        <p:txBody>
+          <a:bodyPr rtlCol="0" anchor="ctr"/>
+          <a:lstStyle/>
+          <a:p>
+            <a:pPr algn="ctr"/>
+            <a:endParaRPr lang="zh-CN" altLang="en-US">
+              <a:solidFill>
+                <a:schemeClr val="tx1"/>
+              </a:solidFill>
+            </a:endParaRPr>
+          </a:p>
+        </p:txBody>
+      </p:sp>
+      <p:sp>
+        <p:nvSpPr>
+          <p:cNvPr id="10" name="燕尾形 9"/>
+          <p:cNvSpPr/>
+          <p:nvPr/>
+        </p:nvSpPr>
+        <p:spPr>
+          <a:xfrm>
+            <a:off x="5193889" y="5108247"/>
+            <a:ext cx="360040" cy="504056"/>
+          </a:xfrm>
+          <a:prstGeom prst="chevron">
+            <a:avLst/>
+          </a:prstGeom>
+        </p:spPr>
+        <p:style>
+          <a:lnRef idx="1">
+            <a:schemeClr val="accent4"/>
+          </a:lnRef>
+          <a:fillRef idx="3">
+            <a:schemeClr val="accent4"/>
+          </a:fillRef>
+          <a:effectRef idx="2">
+            <a:schemeClr val="accent4"/>
+          </a:effectRef>
+          <a:fontRef idx="minor">
+            <a:schemeClr val="lt1"/>
+          </a:fontRef>
+        </p:style>
+        <p:txBody>
+          <a:bodyPr rtlCol="0" anchor="ctr"/>
+          <a:lstStyle/>
+          <a:p>
+            <a:pPr algn="ctr"/>
+            <a:endParaRPr lang="zh-CN" altLang="en-US">
+              <a:solidFill>
+                <a:schemeClr val="tx1"/>
+              </a:solidFill>
+            </a:endParaRPr>
+          </a:p>
+        </p:txBody>
+      </p:sp>
+      <p:pic>
+        <p:nvPicPr>
+          <p:cNvPr id="11" name="图片 10" descr="屏幕剪辑"/>
+          <p:cNvPicPr>
+            <a:picLocks noChangeAspect="1"/>
+          </p:cNvPicPr>
+          <p:nvPr/>
+        </p:nvPicPr>
+        <p:blipFill>
+          <a:blip r:embed="rId6">
+            <a:extLst>
+              <a:ext uri="{28A0092B-C50C-407E-A947-70E740481C1C}">
+                <a14:useLocalDpi xmlns:a14="http://schemas.microsoft.com/office/drawing/2010/main" val="0"/>
+              </a:ext>
+            </a:extLst>
+          </a:blip>
+          <a:stretch>
+            <a:fillRect/>
+          </a:stretch>
+        </p:blipFill>
+        <p:spPr>
+          <a:xfrm>
+            <a:off x="1691680" y="6288307"/>
+            <a:ext cx="4525006" cy="381053"/>
+          </a:xfrm>
+          <a:prstGeom prst="rect">
+            <a:avLst/>
+          </a:prstGeom>
+          <a:ln>
+            <a:noFill/>
+          </a:ln>
+          <a:effectLst>
+            <a:outerShdw blurRad="292100" dist="139700" dir="2700000" algn="tl" rotWithShape="0">
+              <a:srgbClr val="333333">
+                <a:alpha val="65000"/>
+              </a:srgbClr>
+            </a:outerShdw>
+          </a:effectLst>
+        </p:spPr>
+      </p:pic>
+    </p:spTree>
+    <p:extLst>
+      <p:ext uri="{BB962C8B-B14F-4D97-AF65-F5344CB8AC3E}">
+        <p14:creationId xmlns:p14="http://schemas.microsoft.com/office/powerpoint/2010/main" val="3415472298"/>
+      </p:ext>
+    </p:extLst>
+  </p:cSld>
+  <p:clrMapOvr>
+    <a:masterClrMapping/>
+  </p:clrMapOvr>
+</p:sld>
+</file>
+
+<file path=ppt/slides/slide21.xml><?xml version="1.0" encoding="utf-8"?>
+<p:sld xmlns:a="http://schemas.openxmlformats.org/drawingml/2006/main" xmlns:r="http://schemas.openxmlformats.org/officeDocument/2006/relationships" xmlns:p="http://schemas.openxmlformats.org/presentationml/2006/main">
+  <p:cSld>
+    <p:spTree>
+      <p:nvGrpSpPr>
+        <p:cNvPr id="1" name=""/>
+        <p:cNvGrpSpPr/>
+        <p:nvPr/>
+      </p:nvGrpSpPr>
+      <p:grpSpPr>
+        <a:xfrm>
+          <a:off x="0" y="0"/>
+          <a:ext cx="0" cy="0"/>
+          <a:chOff x="0" y="0"/>
+          <a:chExt cx="0" cy="0"/>
+        </a:xfrm>
+      </p:grpSpPr>
+      <p:sp>
+        <p:nvSpPr>
+          <p:cNvPr id="2" name="TextBox 1"/>
+          <p:cNvSpPr txBox="1"/>
+          <p:nvPr/>
+        </p:nvSpPr>
+        <p:spPr>
+          <a:xfrm>
+            <a:off x="684000" y="44624"/>
+            <a:ext cx="7776000" cy="2862322"/>
+          </a:xfrm>
+          <a:prstGeom prst="rect">
+            <a:avLst/>
+          </a:prstGeom>
+          <a:noFill/>
+        </p:spPr>
+        <p:txBody>
+          <a:bodyPr wrap="square" rtlCol="0">
+            <a:spAutoFit/>
+          </a:bodyPr>
+          <a:lstStyle/>
+          <a:p>
+            <a:pPr>
+              <a:lnSpc>
+                <a:spcPct val="150000"/>
+              </a:lnSpc>
+            </a:pPr>
+            <a:r>
+              <a:rPr lang="en-US" altLang="zh-CN" sz="2400" b="1" dirty="0" smtClean="0">
+                <a:solidFill>
+                  <a:schemeClr val="tx1">
+                    <a:lumMod val="75000"/>
+                    <a:lumOff val="25000"/>
+                  </a:schemeClr>
+                </a:solidFill>
+                <a:latin typeface="微软雅黑" pitchFamily="34" charset="-122"/>
+                <a:ea typeface="微软雅黑" pitchFamily="34" charset="-122"/>
+              </a:rPr>
+              <a:t>5-d </a:t>
+            </a:r>
+            <a:r>
+              <a:rPr lang="zh-CN" altLang="en-US" sz="2400" b="1" dirty="0" smtClean="0">
+                <a:solidFill>
+                  <a:schemeClr val="tx1">
+                    <a:lumMod val="75000"/>
+                    <a:lumOff val="25000"/>
+                  </a:schemeClr>
+                </a:solidFill>
+                <a:latin typeface="微软雅黑" pitchFamily="34" charset="-122"/>
+                <a:ea typeface="微软雅黑" pitchFamily="34" charset="-122"/>
+              </a:rPr>
+              <a:t>彩色粉笔效果</a:t>
+            </a:r>
+            <a:endParaRPr lang="en-US" altLang="zh-CN" sz="2400" b="1" dirty="0" smtClean="0">
+              <a:solidFill>
+                <a:schemeClr val="tx1">
+                  <a:lumMod val="75000"/>
+                  <a:lumOff val="25000"/>
+                </a:schemeClr>
+              </a:solidFill>
+              <a:latin typeface="微软雅黑" pitchFamily="34" charset="-122"/>
+              <a:ea typeface="微软雅黑" pitchFamily="34" charset="-122"/>
+            </a:endParaRPr>
+          </a:p>
+          <a:p>
+            <a:pPr>
+              <a:lnSpc>
+                <a:spcPct val="150000"/>
+              </a:lnSpc>
+            </a:pPr>
+            <a:r>
+              <a:rPr lang="zh-CN" altLang="en-US" sz="2400" dirty="0" smtClean="0">
+                <a:solidFill>
+                  <a:schemeClr val="tx1">
+                    <a:lumMod val="75000"/>
+                    <a:lumOff val="25000"/>
+                  </a:schemeClr>
+                </a:solidFill>
+                <a:latin typeface="微软雅黑" pitchFamily="34" charset="-122"/>
+                <a:ea typeface="微软雅黑" pitchFamily="34" charset="-122"/>
+              </a:rPr>
+              <a:t>彩色粉笔效果就是在粉笔的基础上上色，</a:t>
+            </a:r>
+            <a:r>
+              <a:rPr lang="zh-CN" altLang="en-US" sz="2400" dirty="0" smtClean="0">
+                <a:solidFill>
+                  <a:schemeClr val="tx1">
+                    <a:lumMod val="75000"/>
+                    <a:lumOff val="25000"/>
+                  </a:schemeClr>
+                </a:solidFill>
+                <a:latin typeface="微软雅黑" pitchFamily="34" charset="-122"/>
+                <a:ea typeface="微软雅黑" pitchFamily="34" charset="-122"/>
+              </a:rPr>
+              <a:t>因为粉笔效果没有反转和置灰滤镜的处理，所以，可以通过</a:t>
+            </a:r>
+            <a:r>
+              <a:rPr lang="zh-CN" altLang="en-US" sz="2400" b="1" dirty="0" smtClean="0">
+                <a:solidFill>
+                  <a:schemeClr val="tx1">
+                    <a:lumMod val="75000"/>
+                    <a:lumOff val="25000"/>
+                  </a:schemeClr>
+                </a:solidFill>
+                <a:latin typeface="微软雅黑" pitchFamily="34" charset="-122"/>
+                <a:ea typeface="微软雅黑" pitchFamily="34" charset="-122"/>
+              </a:rPr>
+              <a:t>三张背景图依次叠加</a:t>
+            </a:r>
+            <a:r>
+              <a:rPr lang="zh-CN" altLang="en-US" sz="2400" dirty="0" smtClean="0">
+                <a:solidFill>
+                  <a:schemeClr val="tx1">
+                    <a:lumMod val="75000"/>
+                    <a:lumOff val="25000"/>
+                  </a:schemeClr>
+                </a:solidFill>
+                <a:latin typeface="微软雅黑" pitchFamily="34" charset="-122"/>
+                <a:ea typeface="微软雅黑" pitchFamily="34" charset="-122"/>
+              </a:rPr>
+              <a:t>，前两张实现黑板效果，与</a:t>
+            </a:r>
+            <a:r>
+              <a:rPr lang="en-US" altLang="zh-CN" sz="2400" dirty="0" smtClean="0">
+                <a:solidFill>
+                  <a:schemeClr val="tx1">
+                    <a:lumMod val="75000"/>
+                    <a:lumOff val="25000"/>
+                  </a:schemeClr>
+                </a:solidFill>
+                <a:latin typeface="微软雅黑" pitchFamily="34" charset="-122"/>
+                <a:ea typeface="微软雅黑" pitchFamily="34" charset="-122"/>
+              </a:rPr>
+              <a:t>5-c</a:t>
+            </a:r>
+            <a:r>
+              <a:rPr lang="zh-CN" altLang="en-US" sz="2400" dirty="0" smtClean="0">
+                <a:solidFill>
+                  <a:schemeClr val="tx1">
+                    <a:lumMod val="75000"/>
+                    <a:lumOff val="25000"/>
+                  </a:schemeClr>
+                </a:solidFill>
+                <a:latin typeface="微软雅黑" pitchFamily="34" charset="-122"/>
+                <a:ea typeface="微软雅黑" pitchFamily="34" charset="-122"/>
+              </a:rPr>
+              <a:t>完全一致，再通过第三张背景图上色！</a:t>
+            </a:r>
+            <a:endParaRPr lang="en-US" altLang="zh-CN" sz="2400" dirty="0" smtClean="0">
+              <a:solidFill>
+                <a:schemeClr val="tx1">
+                  <a:lumMod val="75000"/>
+                  <a:lumOff val="25000"/>
+                </a:schemeClr>
+              </a:solidFill>
+              <a:latin typeface="微软雅黑" pitchFamily="34" charset="-122"/>
+              <a:ea typeface="微软雅黑" pitchFamily="34" charset="-122"/>
+            </a:endParaRPr>
+          </a:p>
+        </p:txBody>
+      </p:sp>
+      <p:pic>
+        <p:nvPicPr>
+          <p:cNvPr id="3" name="图片 2" descr="屏幕剪辑"/>
+          <p:cNvPicPr>
+            <a:picLocks noChangeAspect="1"/>
+          </p:cNvPicPr>
+          <p:nvPr/>
+        </p:nvPicPr>
+        <p:blipFill>
+          <a:blip r:embed="rId2">
+            <a:extLst>
+              <a:ext uri="{28A0092B-C50C-407E-A947-70E740481C1C}">
+                <a14:useLocalDpi xmlns:a14="http://schemas.microsoft.com/office/drawing/2010/main" val="0"/>
+              </a:ext>
+            </a:extLst>
+          </a:blip>
+          <a:stretch>
+            <a:fillRect/>
+          </a:stretch>
+        </p:blipFill>
+        <p:spPr>
+          <a:xfrm>
+            <a:off x="821432" y="2915986"/>
+            <a:ext cx="5334744" cy="3753374"/>
+          </a:xfrm>
+          <a:prstGeom prst="rect">
+            <a:avLst/>
+          </a:prstGeom>
+          <a:ln>
+            <a:noFill/>
+          </a:ln>
+          <a:effectLst>
+            <a:outerShdw blurRad="292100" dist="139700" dir="2700000" algn="tl" rotWithShape="0">
+              <a:srgbClr val="333333">
+                <a:alpha val="65000"/>
+              </a:srgbClr>
+            </a:outerShdw>
+          </a:effectLst>
+        </p:spPr>
+      </p:pic>
+      <p:sp>
+        <p:nvSpPr>
+          <p:cNvPr id="4" name="矩形 3"/>
+          <p:cNvSpPr/>
+          <p:nvPr/>
+        </p:nvSpPr>
+        <p:spPr>
+          <a:xfrm>
+            <a:off x="3707904" y="6021288"/>
+            <a:ext cx="864096" cy="323737"/>
+          </a:xfrm>
+          <a:prstGeom prst="rect">
+            <a:avLst/>
+          </a:prstGeom>
+          <a:noFill/>
+          <a:ln w="28575">
+            <a:solidFill>
+              <a:srgbClr val="FFFF00"/>
+            </a:solidFill>
+          </a:ln>
+        </p:spPr>
+        <p:style>
+          <a:lnRef idx="2">
+            <a:schemeClr val="accent1">
+              <a:shade val="50000"/>
+            </a:schemeClr>
+          </a:lnRef>
+          <a:fillRef idx="1">
+            <a:schemeClr val="accent1"/>
+          </a:fillRef>
+          <a:effectRef idx="0">
+            <a:schemeClr val="accent1"/>
+          </a:effectRef>
+          <a:fontRef idx="minor">
+            <a:schemeClr val="lt1"/>
+          </a:fontRef>
+        </p:style>
+        <p:txBody>
+          <a:bodyPr rtlCol="0" anchor="ctr"/>
+          <a:lstStyle/>
+          <a:p>
+            <a:pPr algn="ctr"/>
+            <a:endParaRPr lang="zh-CN" altLang="en-US"/>
+          </a:p>
+        </p:txBody>
+      </p:sp>
+      <p:sp>
+        <p:nvSpPr>
+          <p:cNvPr id="5" name="矩形 4"/>
+          <p:cNvSpPr/>
+          <p:nvPr/>
+        </p:nvSpPr>
+        <p:spPr>
+          <a:xfrm>
+            <a:off x="821432" y="6345025"/>
+            <a:ext cx="2886472" cy="323737"/>
+          </a:xfrm>
+          <a:prstGeom prst="rect">
+            <a:avLst/>
+          </a:prstGeom>
+          <a:noFill/>
+          <a:ln w="28575">
+            <a:solidFill>
+              <a:srgbClr val="FFFF00"/>
+            </a:solidFill>
+          </a:ln>
+        </p:spPr>
+        <p:style>
+          <a:lnRef idx="2">
+            <a:schemeClr val="accent1">
+              <a:shade val="50000"/>
+            </a:schemeClr>
+          </a:lnRef>
+          <a:fillRef idx="1">
+            <a:schemeClr val="accent1"/>
+          </a:fillRef>
+          <a:effectRef idx="0">
+            <a:schemeClr val="accent1"/>
+          </a:effectRef>
+          <a:fontRef idx="minor">
+            <a:schemeClr val="lt1"/>
+          </a:fontRef>
+        </p:style>
+        <p:txBody>
+          <a:bodyPr rtlCol="0" anchor="ctr"/>
+          <a:lstStyle/>
+          <a:p>
+            <a:pPr algn="ctr"/>
+            <a:endParaRPr lang="zh-CN" altLang="en-US"/>
+          </a:p>
+        </p:txBody>
+      </p:sp>
+      <p:sp>
+        <p:nvSpPr>
+          <p:cNvPr id="6" name="矩形 5"/>
+          <p:cNvSpPr/>
+          <p:nvPr/>
+        </p:nvSpPr>
+        <p:spPr>
+          <a:xfrm>
+            <a:off x="1325488" y="3630180"/>
+            <a:ext cx="1878360" cy="662916"/>
+          </a:xfrm>
+          <a:prstGeom prst="rect">
+            <a:avLst/>
+          </a:prstGeom>
+          <a:noFill/>
+          <a:ln w="28575">
+            <a:solidFill>
+              <a:srgbClr val="FFFF00"/>
+            </a:solidFill>
+          </a:ln>
+        </p:spPr>
+        <p:style>
+          <a:lnRef idx="2">
+            <a:schemeClr val="accent1">
+              <a:shade val="50000"/>
+            </a:schemeClr>
+          </a:lnRef>
+          <a:fillRef idx="1">
+            <a:schemeClr val="accent1"/>
+          </a:fillRef>
+          <a:effectRef idx="0">
+            <a:schemeClr val="accent1"/>
+          </a:effectRef>
+          <a:fontRef idx="minor">
+            <a:schemeClr val="lt1"/>
+          </a:fontRef>
+        </p:style>
+        <p:txBody>
+          <a:bodyPr rtlCol="0" anchor="ctr"/>
+          <a:lstStyle/>
+          <a:p>
+            <a:pPr algn="ctr"/>
+            <a:endParaRPr lang="zh-CN" altLang="en-US"/>
+          </a:p>
+        </p:txBody>
+      </p:sp>
+      <p:sp>
+        <p:nvSpPr>
+          <p:cNvPr id="7" name="矩形 6"/>
+          <p:cNvSpPr/>
+          <p:nvPr/>
+        </p:nvSpPr>
+        <p:spPr>
+          <a:xfrm>
+            <a:off x="4596796" y="6021288"/>
+            <a:ext cx="1415364" cy="323737"/>
+          </a:xfrm>
+          <a:prstGeom prst="rect">
+            <a:avLst/>
+          </a:prstGeom>
+          <a:noFill/>
+          <a:ln w="28575">
+            <a:solidFill>
+              <a:srgbClr val="FFFF00"/>
+            </a:solidFill>
+          </a:ln>
+        </p:spPr>
+        <p:style>
+          <a:lnRef idx="2">
+            <a:schemeClr val="accent1">
+              <a:shade val="50000"/>
+            </a:schemeClr>
+          </a:lnRef>
+          <a:fillRef idx="1">
+            <a:schemeClr val="accent1"/>
+          </a:fillRef>
+          <a:effectRef idx="0">
+            <a:schemeClr val="accent1"/>
+          </a:effectRef>
+          <a:fontRef idx="minor">
+            <a:schemeClr val="lt1"/>
+          </a:fontRef>
+        </p:style>
+        <p:txBody>
+          <a:bodyPr rtlCol="0" anchor="ctr"/>
+          <a:lstStyle/>
+          <a:p>
+            <a:pPr algn="ctr"/>
+            <a:endParaRPr lang="zh-CN" altLang="en-US"/>
+          </a:p>
+        </p:txBody>
+      </p:sp>
+      <p:sp>
+        <p:nvSpPr>
+          <p:cNvPr id="8" name="矩形 7"/>
+          <p:cNvSpPr/>
+          <p:nvPr/>
+        </p:nvSpPr>
+        <p:spPr>
+          <a:xfrm>
+            <a:off x="1308792" y="3249279"/>
+            <a:ext cx="1895055" cy="323737"/>
+          </a:xfrm>
+          <a:prstGeom prst="rect">
+            <a:avLst/>
+          </a:prstGeom>
+          <a:noFill/>
+          <a:ln w="28575">
+            <a:solidFill>
+              <a:srgbClr val="FFFF00"/>
+            </a:solidFill>
+          </a:ln>
+        </p:spPr>
+        <p:style>
+          <a:lnRef idx="2">
+            <a:schemeClr val="accent1">
+              <a:shade val="50000"/>
+            </a:schemeClr>
+          </a:lnRef>
+          <a:fillRef idx="1">
+            <a:schemeClr val="accent1"/>
+          </a:fillRef>
+          <a:effectRef idx="0">
+            <a:schemeClr val="accent1"/>
+          </a:effectRef>
+          <a:fontRef idx="minor">
+            <a:schemeClr val="lt1"/>
+          </a:fontRef>
+        </p:style>
+        <p:txBody>
+          <a:bodyPr rtlCol="0" anchor="ctr"/>
+          <a:lstStyle/>
+          <a:p>
+            <a:pPr algn="ctr"/>
+            <a:endParaRPr lang="zh-CN" altLang="en-US"/>
+          </a:p>
+        </p:txBody>
+      </p:sp>
+      <p:cxnSp>
+        <p:nvCxnSpPr>
+          <p:cNvPr id="10" name="曲线连接符 9"/>
+          <p:cNvCxnSpPr>
+            <a:stCxn id="8" idx="3"/>
+            <a:endCxn id="4" idx="0"/>
+          </p:cNvCxnSpPr>
+          <p:nvPr/>
+        </p:nvCxnSpPr>
+        <p:spPr>
+          <a:xfrm>
+            <a:off x="3203847" y="3411148"/>
+            <a:ext cx="936105" cy="2610140"/>
+          </a:xfrm>
+          <a:prstGeom prst="curvedConnector2">
+            <a:avLst/>
+          </a:prstGeom>
+          <a:ln>
+            <a:headEnd type="arrow"/>
+            <a:tailEnd type="arrow"/>
+          </a:ln>
+        </p:spPr>
+        <p:style>
+          <a:lnRef idx="3">
+            <a:schemeClr val="accent6"/>
+          </a:lnRef>
+          <a:fillRef idx="0">
+            <a:schemeClr val="accent6"/>
+          </a:fillRef>
+          <a:effectRef idx="2">
+            <a:schemeClr val="accent6"/>
+          </a:effectRef>
+          <a:fontRef idx="minor">
+            <a:schemeClr val="tx1"/>
+          </a:fontRef>
+        </p:style>
+      </p:cxnSp>
+      <p:cxnSp>
+        <p:nvCxnSpPr>
+          <p:cNvPr id="12" name="曲线连接符 11"/>
+          <p:cNvCxnSpPr>
+            <a:stCxn id="6" idx="3"/>
+            <a:endCxn id="7" idx="3"/>
+          </p:cNvCxnSpPr>
+          <p:nvPr/>
+        </p:nvCxnSpPr>
+        <p:spPr>
+          <a:xfrm>
+            <a:off x="3203848" y="3961638"/>
+            <a:ext cx="2808312" cy="2221519"/>
+          </a:xfrm>
+          <a:prstGeom prst="curvedConnector3">
+            <a:avLst>
+              <a:gd name="adj1" fmla="val 108140"/>
+            </a:avLst>
+          </a:prstGeom>
+          <a:ln>
+            <a:headEnd type="arrow"/>
+            <a:tailEnd type="arrow"/>
+          </a:ln>
+        </p:spPr>
+        <p:style>
+          <a:lnRef idx="3">
+            <a:schemeClr val="accent6"/>
+          </a:lnRef>
+          <a:fillRef idx="0">
+            <a:schemeClr val="accent6"/>
+          </a:fillRef>
+          <a:effectRef idx="2">
+            <a:schemeClr val="accent6"/>
+          </a:effectRef>
+          <a:fontRef idx="minor">
+            <a:schemeClr val="tx1"/>
+          </a:fontRef>
+        </p:style>
+      </p:cxnSp>
+      <p:sp>
+        <p:nvSpPr>
+          <p:cNvPr id="15" name="圆角矩形标注 14"/>
+          <p:cNvSpPr/>
+          <p:nvPr/>
+        </p:nvSpPr>
+        <p:spPr>
+          <a:xfrm>
+            <a:off x="3995936" y="2915986"/>
+            <a:ext cx="3139979" cy="954102"/>
+          </a:xfrm>
+          <a:prstGeom prst="wedgeRoundRectCallout">
+            <a:avLst>
+              <a:gd name="adj1" fmla="val -53964"/>
+              <a:gd name="adj2" fmla="val 24450"/>
+              <a:gd name="adj3" fmla="val 16667"/>
+            </a:avLst>
+          </a:prstGeom>
+        </p:spPr>
+        <p:style>
+          <a:lnRef idx="2">
+            <a:schemeClr val="accent5"/>
+          </a:lnRef>
+          <a:fillRef idx="1">
+            <a:schemeClr val="lt1"/>
+          </a:fillRef>
+          <a:effectRef idx="0">
+            <a:schemeClr val="accent5"/>
+          </a:effectRef>
+          <a:fontRef idx="minor">
+            <a:schemeClr val="dk1"/>
+          </a:fontRef>
+        </p:style>
+        <p:txBody>
+          <a:bodyPr rtlCol="0" anchor="ctr"/>
+          <a:lstStyle/>
+          <a:p>
+            <a:pPr>
+              <a:lnSpc>
+                <a:spcPct val="150000"/>
+              </a:lnSpc>
+            </a:pPr>
+            <a:r>
+              <a:rPr lang="zh-CN" altLang="en-US" sz="2000" dirty="0" smtClean="0">
+                <a:solidFill>
+                  <a:schemeClr val="tx1">
+                    <a:lumMod val="75000"/>
+                    <a:lumOff val="25000"/>
+                  </a:schemeClr>
+                </a:solidFill>
+                <a:latin typeface="微软雅黑" pitchFamily="34" charset="-122"/>
+                <a:ea typeface="微软雅黑" pitchFamily="34" charset="-122"/>
+              </a:rPr>
+              <a:t>注意背景图的叠加渲染顺序是从后往前</a:t>
+            </a:r>
+            <a:endParaRPr lang="en-US" altLang="zh-CN" sz="2000" dirty="0">
+              <a:solidFill>
+                <a:schemeClr val="tx1">
+                  <a:lumMod val="75000"/>
+                  <a:lumOff val="25000"/>
+                </a:schemeClr>
+              </a:solidFill>
+              <a:latin typeface="微软雅黑" pitchFamily="34" charset="-122"/>
+              <a:ea typeface="微软雅黑" pitchFamily="34" charset="-122"/>
+            </a:endParaRPr>
+          </a:p>
+        </p:txBody>
+      </p:sp>
+      <p:sp>
+        <p:nvSpPr>
+          <p:cNvPr id="16" name="圆角矩形标注 15"/>
+          <p:cNvSpPr/>
+          <p:nvPr/>
+        </p:nvSpPr>
+        <p:spPr>
+          <a:xfrm>
+            <a:off x="6372200" y="5021915"/>
+            <a:ext cx="1728192" cy="1323110"/>
+          </a:xfrm>
+          <a:prstGeom prst="wedgeRoundRectCallout">
+            <a:avLst>
+              <a:gd name="adj1" fmla="val -53964"/>
+              <a:gd name="adj2" fmla="val 24450"/>
+              <a:gd name="adj3" fmla="val 16667"/>
+            </a:avLst>
+          </a:prstGeom>
+        </p:spPr>
+        <p:style>
+          <a:lnRef idx="2">
+            <a:schemeClr val="accent5"/>
+          </a:lnRef>
+          <a:fillRef idx="1">
+            <a:schemeClr val="lt1"/>
+          </a:fillRef>
+          <a:effectRef idx="0">
+            <a:schemeClr val="accent5"/>
+          </a:effectRef>
+          <a:fontRef idx="minor">
+            <a:schemeClr val="dk1"/>
+          </a:fontRef>
+        </p:style>
+        <p:txBody>
+          <a:bodyPr rtlCol="0" anchor="ctr"/>
+          <a:lstStyle/>
+          <a:p>
+            <a:pPr>
+              <a:lnSpc>
+                <a:spcPct val="150000"/>
+              </a:lnSpc>
+            </a:pPr>
+            <a:r>
+              <a:rPr lang="zh-CN" altLang="en-US" sz="2000" dirty="0" smtClean="0">
+                <a:solidFill>
+                  <a:schemeClr val="tx1">
+                    <a:lumMod val="75000"/>
+                    <a:lumOff val="25000"/>
+                  </a:schemeClr>
+                </a:solidFill>
+                <a:latin typeface="微软雅黑" pitchFamily="34" charset="-122"/>
+                <a:ea typeface="微软雅黑" pitchFamily="34" charset="-122"/>
+              </a:rPr>
+              <a:t>最后一张图不需要叠加模式</a:t>
+            </a:r>
+            <a:endParaRPr lang="en-US" altLang="zh-CN" sz="2000" dirty="0">
+              <a:solidFill>
+                <a:schemeClr val="tx1">
+                  <a:lumMod val="75000"/>
+                  <a:lumOff val="25000"/>
+                </a:schemeClr>
+              </a:solidFill>
+              <a:latin typeface="微软雅黑" pitchFamily="34" charset="-122"/>
+              <a:ea typeface="微软雅黑" pitchFamily="34" charset="-122"/>
+            </a:endParaRPr>
+          </a:p>
+        </p:txBody>
+      </p:sp>
+    </p:spTree>
+    <p:extLst>
+      <p:ext uri="{BB962C8B-B14F-4D97-AF65-F5344CB8AC3E}">
+        <p14:creationId xmlns:p14="http://schemas.microsoft.com/office/powerpoint/2010/main" val="2396245908"/>
+      </p:ext>
+    </p:extLst>
+  </p:cSld>
+  <p:clrMapOvr>
+    <a:masterClrMapping/>
+  </p:clrMapOvr>
+</p:sld>
+</file>
+
+<file path=ppt/slides/slide22.xml><?xml version="1.0" encoding="utf-8"?>
+<p:sld xmlns:a="http://schemas.openxmlformats.org/drawingml/2006/main" xmlns:r="http://schemas.openxmlformats.org/officeDocument/2006/relationships" xmlns:p="http://schemas.openxmlformats.org/presentationml/2006/main">
+  <p:cSld>
+    <p:spTree>
+      <p:nvGrpSpPr>
+        <p:cNvPr id="1" name=""/>
+        <p:cNvGrpSpPr/>
+        <p:nvPr/>
+      </p:nvGrpSpPr>
+      <p:grpSpPr>
+        <a:xfrm>
+          <a:off x="0" y="0"/>
+          <a:ext cx="0" cy="0"/>
+          <a:chOff x="0" y="0"/>
+          <a:chExt cx="0" cy="0"/>
+        </a:xfrm>
+      </p:grpSpPr>
+      <p:pic>
+        <p:nvPicPr>
+          <p:cNvPr id="2" name="图片 1" descr="屏幕剪辑"/>
+          <p:cNvPicPr>
+            <a:picLocks noChangeAspect="1"/>
+          </p:cNvPicPr>
+          <p:nvPr/>
+        </p:nvPicPr>
+        <p:blipFill>
+          <a:blip r:embed="rId2">
+            <a:extLst>
+              <a:ext uri="{28A0092B-C50C-407E-A947-70E740481C1C}">
+                <a14:useLocalDpi xmlns:a14="http://schemas.microsoft.com/office/drawing/2010/main" val="0"/>
+              </a:ext>
+            </a:extLst>
+          </a:blip>
+          <a:stretch>
+            <a:fillRect/>
+          </a:stretch>
+        </p:blipFill>
+        <p:spPr>
+          <a:xfrm>
+            <a:off x="1132204" y="629310"/>
+            <a:ext cx="1927628" cy="1800000"/>
+          </a:xfrm>
+          <a:prstGeom prst="rect">
+            <a:avLst/>
+          </a:prstGeom>
+        </p:spPr>
+      </p:pic>
+      <p:pic>
+        <p:nvPicPr>
+          <p:cNvPr id="3" name="图片 2" descr="屏幕剪辑"/>
+          <p:cNvPicPr>
+            <a:picLocks noChangeAspect="1"/>
+          </p:cNvPicPr>
+          <p:nvPr/>
+        </p:nvPicPr>
+        <p:blipFill>
+          <a:blip r:embed="rId3">
+            <a:extLst>
+              <a:ext uri="{28A0092B-C50C-407E-A947-70E740481C1C}">
+                <a14:useLocalDpi xmlns:a14="http://schemas.microsoft.com/office/drawing/2010/main" val="0"/>
+              </a:ext>
+            </a:extLst>
+          </a:blip>
+          <a:stretch>
+            <a:fillRect/>
+          </a:stretch>
+        </p:blipFill>
+        <p:spPr>
+          <a:xfrm>
+            <a:off x="3296945" y="642442"/>
+            <a:ext cx="1923127" cy="1800000"/>
+          </a:xfrm>
+          <a:prstGeom prst="rect">
+            <a:avLst/>
+          </a:prstGeom>
+        </p:spPr>
+      </p:pic>
+      <p:sp>
+        <p:nvSpPr>
+          <p:cNvPr id="4" name="圆角矩形标注 3"/>
+          <p:cNvSpPr/>
+          <p:nvPr/>
+        </p:nvSpPr>
+        <p:spPr>
+          <a:xfrm>
+            <a:off x="1132204" y="2492848"/>
+            <a:ext cx="4320480" cy="864096"/>
+          </a:xfrm>
+          <a:prstGeom prst="wedgeRoundRectCallout">
+            <a:avLst>
+              <a:gd name="adj1" fmla="val -27085"/>
+              <a:gd name="adj2" fmla="val -66325"/>
+              <a:gd name="adj3" fmla="val 16667"/>
+            </a:avLst>
+          </a:prstGeom>
+        </p:spPr>
+        <p:style>
+          <a:lnRef idx="2">
+            <a:schemeClr val="accent5"/>
+          </a:lnRef>
+          <a:fillRef idx="1">
+            <a:schemeClr val="lt1"/>
+          </a:fillRef>
+          <a:effectRef idx="0">
+            <a:schemeClr val="accent5"/>
+          </a:effectRef>
+          <a:fontRef idx="minor">
+            <a:schemeClr val="dk1"/>
+          </a:fontRef>
+        </p:style>
+        <p:txBody>
+          <a:bodyPr rtlCol="0" anchor="ctr"/>
+          <a:lstStyle/>
+          <a:p>
+            <a:pPr>
+              <a:lnSpc>
+                <a:spcPct val="150000"/>
+              </a:lnSpc>
+            </a:pPr>
+            <a:r>
+              <a:rPr lang="en-US" altLang="zh-CN" sz="2000" dirty="0" smtClean="0">
+                <a:solidFill>
+                  <a:schemeClr val="tx1">
+                    <a:lumMod val="75000"/>
+                    <a:lumOff val="25000"/>
+                  </a:schemeClr>
+                </a:solidFill>
+                <a:latin typeface="微软雅黑" pitchFamily="34" charset="-122"/>
+                <a:ea typeface="微软雅黑" pitchFamily="34" charset="-122"/>
+              </a:rPr>
+              <a:t>d</a:t>
+            </a:r>
+            <a:r>
+              <a:rPr lang="en-US" altLang="zh-CN" sz="2000" dirty="0" smtClean="0">
+                <a:solidFill>
+                  <a:schemeClr val="tx1">
+                    <a:lumMod val="75000"/>
+                    <a:lumOff val="25000"/>
+                  </a:schemeClr>
+                </a:solidFill>
+                <a:latin typeface="微软雅黑" pitchFamily="34" charset="-122"/>
+                <a:ea typeface="微软雅黑" pitchFamily="34" charset="-122"/>
+              </a:rPr>
+              <a:t>ifference</a:t>
+            </a:r>
+            <a:r>
+              <a:rPr lang="zh-CN" altLang="en-US" sz="2000" dirty="0" smtClean="0">
+                <a:solidFill>
+                  <a:schemeClr val="tx1">
+                    <a:lumMod val="75000"/>
+                    <a:lumOff val="25000"/>
+                  </a:schemeClr>
+                </a:solidFill>
+                <a:latin typeface="微软雅黑" pitchFamily="34" charset="-122"/>
+                <a:ea typeface="微软雅黑" pitchFamily="34" charset="-122"/>
+              </a:rPr>
+              <a:t>模式叠加，描绘边缘的效果，注意这个颜色不是原图像本色</a:t>
+            </a:r>
+            <a:endParaRPr lang="en-US" altLang="zh-CN" sz="2000" dirty="0">
+              <a:solidFill>
+                <a:schemeClr val="tx1">
+                  <a:lumMod val="75000"/>
+                  <a:lumOff val="25000"/>
+                </a:schemeClr>
+              </a:solidFill>
+              <a:latin typeface="微软雅黑" pitchFamily="34" charset="-122"/>
+              <a:ea typeface="微软雅黑" pitchFamily="34" charset="-122"/>
+            </a:endParaRPr>
+          </a:p>
+        </p:txBody>
+      </p:sp>
+      <p:sp>
+        <p:nvSpPr>
+          <p:cNvPr id="5" name="燕尾形 4"/>
+          <p:cNvSpPr/>
+          <p:nvPr/>
+        </p:nvSpPr>
+        <p:spPr>
+          <a:xfrm>
+            <a:off x="3011462" y="1326318"/>
+            <a:ext cx="360040" cy="432248"/>
+          </a:xfrm>
+          <a:prstGeom prst="chevron">
+            <a:avLst/>
+          </a:prstGeom>
+        </p:spPr>
+        <p:style>
+          <a:lnRef idx="1">
+            <a:schemeClr val="accent4"/>
+          </a:lnRef>
+          <a:fillRef idx="3">
+            <a:schemeClr val="accent4"/>
+          </a:fillRef>
+          <a:effectRef idx="2">
+            <a:schemeClr val="accent4"/>
+          </a:effectRef>
+          <a:fontRef idx="minor">
+            <a:schemeClr val="lt1"/>
+          </a:fontRef>
+        </p:style>
+        <p:txBody>
+          <a:bodyPr rtlCol="0" anchor="ctr"/>
+          <a:lstStyle/>
+          <a:p>
+            <a:pPr algn="ctr"/>
+            <a:endParaRPr lang="zh-CN" altLang="en-US">
+              <a:solidFill>
+                <a:schemeClr val="tx1"/>
+              </a:solidFill>
+            </a:endParaRPr>
+          </a:p>
+        </p:txBody>
+      </p:sp>
+      <p:sp>
+        <p:nvSpPr>
+          <p:cNvPr id="6" name="圆角矩形标注 5"/>
+          <p:cNvSpPr/>
+          <p:nvPr/>
+        </p:nvSpPr>
+        <p:spPr>
+          <a:xfrm>
+            <a:off x="2555776" y="188640"/>
+            <a:ext cx="4032448" cy="432000"/>
+          </a:xfrm>
+          <a:prstGeom prst="wedgeRoundRectCallout">
+            <a:avLst>
+              <a:gd name="adj1" fmla="val -21644"/>
+              <a:gd name="adj2" fmla="val 73696"/>
+              <a:gd name="adj3" fmla="val 16667"/>
+            </a:avLst>
+          </a:prstGeom>
+        </p:spPr>
+        <p:style>
+          <a:lnRef idx="2">
+            <a:schemeClr val="accent5"/>
+          </a:lnRef>
+          <a:fillRef idx="1">
+            <a:schemeClr val="lt1"/>
+          </a:fillRef>
+          <a:effectRef idx="0">
+            <a:schemeClr val="accent5"/>
+          </a:effectRef>
+          <a:fontRef idx="minor">
+            <a:schemeClr val="dk1"/>
+          </a:fontRef>
+        </p:style>
+        <p:txBody>
+          <a:bodyPr rtlCol="0" anchor="ctr"/>
+          <a:lstStyle/>
+          <a:p>
+            <a:pPr>
+              <a:lnSpc>
+                <a:spcPct val="150000"/>
+              </a:lnSpc>
+            </a:pPr>
+            <a:r>
+              <a:rPr lang="en-US" altLang="zh-CN" sz="2000" dirty="0">
+                <a:solidFill>
+                  <a:schemeClr val="tx1">
+                    <a:lumMod val="75000"/>
+                    <a:lumOff val="25000"/>
+                  </a:schemeClr>
+                </a:solidFill>
+                <a:latin typeface="微软雅黑" pitchFamily="34" charset="-122"/>
+                <a:ea typeface="微软雅黑" pitchFamily="34" charset="-122"/>
+              </a:rPr>
+              <a:t>c</a:t>
+            </a:r>
+            <a:r>
+              <a:rPr lang="en-US" altLang="zh-CN" sz="2000" dirty="0" smtClean="0">
+                <a:solidFill>
+                  <a:schemeClr val="tx1">
+                    <a:lumMod val="75000"/>
+                    <a:lumOff val="25000"/>
+                  </a:schemeClr>
+                </a:solidFill>
+                <a:latin typeface="微软雅黑" pitchFamily="34" charset="-122"/>
+                <a:ea typeface="微软雅黑" pitchFamily="34" charset="-122"/>
+              </a:rPr>
+              <a:t>olor</a:t>
+            </a:r>
+            <a:r>
+              <a:rPr lang="zh-CN" altLang="en-US" sz="2000" dirty="0" smtClean="0">
+                <a:solidFill>
+                  <a:schemeClr val="tx1">
+                    <a:lumMod val="75000"/>
+                    <a:lumOff val="25000"/>
+                  </a:schemeClr>
+                </a:solidFill>
+                <a:latin typeface="微软雅黑" pitchFamily="34" charset="-122"/>
+                <a:ea typeface="微软雅黑" pitchFamily="34" charset="-122"/>
+              </a:rPr>
+              <a:t>模式叠加</a:t>
+            </a:r>
+            <a:r>
+              <a:rPr lang="en-US" altLang="zh-CN" sz="2000" dirty="0" smtClean="0">
+                <a:solidFill>
+                  <a:schemeClr val="tx1">
+                    <a:lumMod val="75000"/>
+                    <a:lumOff val="25000"/>
+                  </a:schemeClr>
+                </a:solidFill>
+                <a:latin typeface="微软雅黑" pitchFamily="34" charset="-122"/>
+                <a:ea typeface="微软雅黑" pitchFamily="34" charset="-122"/>
+              </a:rPr>
+              <a:t>,</a:t>
+            </a:r>
+            <a:r>
+              <a:rPr lang="zh-CN" altLang="en-US" sz="2000" dirty="0" smtClean="0">
+                <a:solidFill>
+                  <a:schemeClr val="tx1">
+                    <a:lumMod val="75000"/>
+                    <a:lumOff val="25000"/>
+                  </a:schemeClr>
+                </a:solidFill>
+                <a:latin typeface="微软雅黑" pitchFamily="34" charset="-122"/>
+                <a:ea typeface="微软雅黑" pitchFamily="34" charset="-122"/>
+              </a:rPr>
+              <a:t>用原图像色彩上色</a:t>
+            </a:r>
+            <a:endParaRPr lang="en-US" altLang="zh-CN" sz="2000" dirty="0">
+              <a:solidFill>
+                <a:schemeClr val="tx1">
+                  <a:lumMod val="75000"/>
+                  <a:lumOff val="25000"/>
+                </a:schemeClr>
+              </a:solidFill>
+              <a:latin typeface="微软雅黑" pitchFamily="34" charset="-122"/>
+              <a:ea typeface="微软雅黑" pitchFamily="34" charset="-122"/>
+            </a:endParaRPr>
+          </a:p>
+        </p:txBody>
+      </p:sp>
+      <p:pic>
+        <p:nvPicPr>
+          <p:cNvPr id="8" name="图片 7" descr="屏幕剪辑"/>
+          <p:cNvPicPr>
+            <a:picLocks noChangeAspect="1"/>
+          </p:cNvPicPr>
+          <p:nvPr/>
+        </p:nvPicPr>
+        <p:blipFill>
+          <a:blip r:embed="rId4">
+            <a:extLst>
+              <a:ext uri="{28A0092B-C50C-407E-A947-70E740481C1C}">
+                <a14:useLocalDpi xmlns:a14="http://schemas.microsoft.com/office/drawing/2010/main" val="0"/>
+              </a:ext>
+            </a:extLst>
+          </a:blip>
+          <a:stretch>
+            <a:fillRect/>
+          </a:stretch>
+        </p:blipFill>
+        <p:spPr>
+          <a:xfrm>
+            <a:off x="5508104" y="629310"/>
+            <a:ext cx="1923127" cy="1800000"/>
+          </a:xfrm>
+          <a:prstGeom prst="rect">
+            <a:avLst/>
+          </a:prstGeom>
+        </p:spPr>
+      </p:pic>
+      <p:sp>
+        <p:nvSpPr>
+          <p:cNvPr id="9" name="圆角矩形标注 8"/>
+          <p:cNvSpPr/>
+          <p:nvPr/>
+        </p:nvSpPr>
+        <p:spPr>
+          <a:xfrm>
+            <a:off x="5664642" y="2492848"/>
+            <a:ext cx="1847164" cy="792088"/>
+          </a:xfrm>
+          <a:prstGeom prst="wedgeRoundRectCallout">
+            <a:avLst>
+              <a:gd name="adj1" fmla="val -27560"/>
+              <a:gd name="adj2" fmla="val -66917"/>
+              <a:gd name="adj3" fmla="val 16667"/>
+            </a:avLst>
+          </a:prstGeom>
+        </p:spPr>
+        <p:style>
+          <a:lnRef idx="2">
+            <a:schemeClr val="accent5"/>
+          </a:lnRef>
+          <a:fillRef idx="1">
+            <a:schemeClr val="lt1"/>
+          </a:fillRef>
+          <a:effectRef idx="0">
+            <a:schemeClr val="accent5"/>
+          </a:effectRef>
+          <a:fontRef idx="minor">
+            <a:schemeClr val="dk1"/>
+          </a:fontRef>
+        </p:style>
+        <p:txBody>
+          <a:bodyPr rtlCol="0" anchor="ctr"/>
+          <a:lstStyle/>
+          <a:p>
+            <a:pPr>
+              <a:lnSpc>
+                <a:spcPct val="150000"/>
+              </a:lnSpc>
+            </a:pPr>
+            <a:r>
+              <a:rPr lang="en-US" altLang="zh-CN" sz="2000" dirty="0" smtClean="0">
+                <a:solidFill>
+                  <a:schemeClr val="tx1">
+                    <a:lumMod val="75000"/>
+                    <a:lumOff val="25000"/>
+                  </a:schemeClr>
+                </a:solidFill>
+                <a:latin typeface="微软雅黑" pitchFamily="34" charset="-122"/>
+                <a:ea typeface="微软雅黑" pitchFamily="34" charset="-122"/>
+              </a:rPr>
+              <a:t>b</a:t>
+            </a:r>
+            <a:r>
+              <a:rPr lang="en-US" altLang="zh-CN" sz="2000" dirty="0" smtClean="0">
+                <a:solidFill>
+                  <a:schemeClr val="tx1">
+                    <a:lumMod val="75000"/>
+                    <a:lumOff val="25000"/>
+                  </a:schemeClr>
+                </a:solidFill>
+                <a:latin typeface="微软雅黑" pitchFamily="34" charset="-122"/>
+                <a:ea typeface="微软雅黑" pitchFamily="34" charset="-122"/>
+              </a:rPr>
+              <a:t>rightness(2)</a:t>
+            </a:r>
+          </a:p>
+          <a:p>
+            <a:pPr>
+              <a:lnSpc>
+                <a:spcPct val="150000"/>
+              </a:lnSpc>
+            </a:pPr>
+            <a:r>
+              <a:rPr lang="zh-CN" altLang="en-US" sz="2000" dirty="0" smtClean="0">
+                <a:solidFill>
+                  <a:schemeClr val="tx1">
+                    <a:lumMod val="75000"/>
+                    <a:lumOff val="25000"/>
+                  </a:schemeClr>
+                </a:solidFill>
+                <a:latin typeface="微软雅黑" pitchFamily="34" charset="-122"/>
+                <a:ea typeface="微软雅黑" pitchFamily="34" charset="-122"/>
+              </a:rPr>
+              <a:t>滤镜提高亮度</a:t>
+            </a:r>
+            <a:endParaRPr lang="en-US" altLang="zh-CN" sz="2000" dirty="0">
+              <a:solidFill>
+                <a:schemeClr val="tx1">
+                  <a:lumMod val="75000"/>
+                  <a:lumOff val="25000"/>
+                </a:schemeClr>
+              </a:solidFill>
+              <a:latin typeface="微软雅黑" pitchFamily="34" charset="-122"/>
+              <a:ea typeface="微软雅黑" pitchFamily="34" charset="-122"/>
+            </a:endParaRPr>
+          </a:p>
+        </p:txBody>
+      </p:sp>
+      <p:sp>
+        <p:nvSpPr>
+          <p:cNvPr id="10" name="燕尾形 9"/>
+          <p:cNvSpPr/>
+          <p:nvPr/>
+        </p:nvSpPr>
+        <p:spPr>
+          <a:xfrm>
+            <a:off x="5220072" y="1326318"/>
+            <a:ext cx="360040" cy="432248"/>
+          </a:xfrm>
+          <a:prstGeom prst="chevron">
+            <a:avLst/>
+          </a:prstGeom>
+        </p:spPr>
+        <p:style>
+          <a:lnRef idx="1">
+            <a:schemeClr val="accent4"/>
+          </a:lnRef>
+          <a:fillRef idx="3">
+            <a:schemeClr val="accent4"/>
+          </a:fillRef>
+          <a:effectRef idx="2">
+            <a:schemeClr val="accent4"/>
+          </a:effectRef>
+          <a:fontRef idx="minor">
+            <a:schemeClr val="lt1"/>
+          </a:fontRef>
+        </p:style>
+        <p:txBody>
+          <a:bodyPr rtlCol="0" anchor="ctr"/>
+          <a:lstStyle/>
+          <a:p>
+            <a:pPr algn="ctr"/>
+            <a:endParaRPr lang="zh-CN" altLang="en-US">
+              <a:solidFill>
+                <a:schemeClr val="tx1"/>
+              </a:solidFill>
+            </a:endParaRPr>
+          </a:p>
+        </p:txBody>
+      </p:sp>
+      <p:sp>
+        <p:nvSpPr>
+          <p:cNvPr id="11" name="TextBox 10"/>
+          <p:cNvSpPr txBox="1"/>
+          <p:nvPr/>
+        </p:nvSpPr>
+        <p:spPr>
+          <a:xfrm>
+            <a:off x="684000" y="3501008"/>
+            <a:ext cx="7776000" cy="1200329"/>
+          </a:xfrm>
+          <a:prstGeom prst="rect">
+            <a:avLst/>
+          </a:prstGeom>
+          <a:noFill/>
+        </p:spPr>
+        <p:txBody>
+          <a:bodyPr wrap="square" rtlCol="0">
+            <a:spAutoFit/>
+          </a:bodyPr>
+          <a:lstStyle/>
+          <a:p>
+            <a:pPr>
+              <a:lnSpc>
+                <a:spcPct val="150000"/>
+              </a:lnSpc>
+            </a:pPr>
+            <a:r>
+              <a:rPr lang="en-US" altLang="zh-CN" sz="2400" b="1" dirty="0" smtClean="0">
+                <a:solidFill>
+                  <a:schemeClr val="tx1">
+                    <a:lumMod val="75000"/>
+                    <a:lumOff val="25000"/>
+                  </a:schemeClr>
+                </a:solidFill>
+                <a:latin typeface="微软雅黑" pitchFamily="34" charset="-122"/>
+                <a:ea typeface="微软雅黑" pitchFamily="34" charset="-122"/>
+              </a:rPr>
+              <a:t>5-e </a:t>
+            </a:r>
+            <a:r>
+              <a:rPr lang="zh-CN" altLang="en-US" sz="2400" b="1" dirty="0" smtClean="0">
+                <a:solidFill>
+                  <a:schemeClr val="tx1">
+                    <a:lumMod val="75000"/>
+                    <a:lumOff val="25000"/>
+                  </a:schemeClr>
+                </a:solidFill>
+                <a:latin typeface="微软雅黑" pitchFamily="34" charset="-122"/>
+                <a:ea typeface="微软雅黑" pitchFamily="34" charset="-122"/>
+              </a:rPr>
+              <a:t>浮雕效果</a:t>
+            </a:r>
+            <a:endParaRPr lang="en-US" altLang="zh-CN" sz="2400" b="1" dirty="0" smtClean="0">
+              <a:solidFill>
+                <a:schemeClr val="tx1">
+                  <a:lumMod val="75000"/>
+                  <a:lumOff val="25000"/>
+                </a:schemeClr>
+              </a:solidFill>
+              <a:latin typeface="微软雅黑" pitchFamily="34" charset="-122"/>
+              <a:ea typeface="微软雅黑" pitchFamily="34" charset="-122"/>
+            </a:endParaRPr>
+          </a:p>
+          <a:p>
+            <a:pPr>
+              <a:lnSpc>
+                <a:spcPct val="150000"/>
+              </a:lnSpc>
+            </a:pPr>
+            <a:r>
+              <a:rPr lang="zh-CN" altLang="en-US" sz="2400" dirty="0" smtClean="0">
+                <a:solidFill>
+                  <a:schemeClr val="tx1">
+                    <a:lumMod val="75000"/>
+                    <a:lumOff val="25000"/>
+                  </a:schemeClr>
+                </a:solidFill>
+                <a:latin typeface="微软雅黑" pitchFamily="34" charset="-122"/>
+                <a:ea typeface="微软雅黑" pitchFamily="34" charset="-122"/>
+              </a:rPr>
+              <a:t>浮雕效果也是物体边缘明显，有立体效果</a:t>
+            </a:r>
+            <a:r>
+              <a:rPr lang="en-US" altLang="zh-CN" sz="2400" dirty="0">
+                <a:solidFill>
+                  <a:schemeClr val="tx1">
+                    <a:lumMod val="75000"/>
+                    <a:lumOff val="25000"/>
+                  </a:schemeClr>
+                </a:solidFill>
+                <a:latin typeface="微软雅黑" pitchFamily="34" charset="-122"/>
+                <a:ea typeface="微软雅黑" pitchFamily="34" charset="-122"/>
+              </a:rPr>
+              <a:t>.</a:t>
+            </a:r>
+            <a:endParaRPr lang="en-US" altLang="zh-CN" sz="2400" dirty="0" smtClean="0">
+              <a:solidFill>
+                <a:schemeClr val="tx1">
+                  <a:lumMod val="75000"/>
+                  <a:lumOff val="25000"/>
+                </a:schemeClr>
+              </a:solidFill>
+              <a:latin typeface="微软雅黑" pitchFamily="34" charset="-122"/>
+              <a:ea typeface="微软雅黑" pitchFamily="34" charset="-122"/>
+            </a:endParaRPr>
+          </a:p>
+        </p:txBody>
+      </p:sp>
+    </p:spTree>
+    <p:extLst>
+      <p:ext uri="{BB962C8B-B14F-4D97-AF65-F5344CB8AC3E}">
+        <p14:creationId xmlns:p14="http://schemas.microsoft.com/office/powerpoint/2010/main" val="4094730714"/>
+      </p:ext>
+    </p:extLst>
+  </p:cSld>
+  <p:clrMapOvr>
+    <a:masterClrMapping/>
+  </p:clrMapOvr>
+</p:sld>
+</file>
+
+<file path=ppt/slides/slide23.xml><?xml version="1.0" encoding="utf-8"?>
+<p:sld xmlns:a="http://schemas.openxmlformats.org/drawingml/2006/main" xmlns:r="http://schemas.openxmlformats.org/officeDocument/2006/relationships" xmlns:p="http://schemas.openxmlformats.org/presentationml/2006/main">
+  <p:cSld>
+    <p:spTree>
+      <p:nvGrpSpPr>
+        <p:cNvPr id="1" name=""/>
+        <p:cNvGrpSpPr/>
+        <p:nvPr/>
+      </p:nvGrpSpPr>
+      <p:grpSpPr>
+        <a:xfrm>
+          <a:off x="0" y="0"/>
+          <a:ext cx="0" cy="0"/>
+          <a:chOff x="0" y="0"/>
+          <a:chExt cx="0" cy="0"/>
+        </a:xfrm>
+      </p:grpSpPr>
+      <p:pic>
+        <p:nvPicPr>
+          <p:cNvPr id="2" name="图片 1" descr="屏幕剪辑"/>
+          <p:cNvPicPr>
+            <a:picLocks noChangeAspect="1"/>
+          </p:cNvPicPr>
+          <p:nvPr/>
+        </p:nvPicPr>
+        <p:blipFill>
+          <a:blip r:embed="rId2">
+            <a:extLst>
+              <a:ext uri="{28A0092B-C50C-407E-A947-70E740481C1C}">
+                <a14:useLocalDpi xmlns:a14="http://schemas.microsoft.com/office/drawing/2010/main" val="0"/>
+              </a:ext>
+            </a:extLst>
+          </a:blip>
+          <a:stretch>
+            <a:fillRect/>
+          </a:stretch>
+        </p:blipFill>
+        <p:spPr>
+          <a:xfrm>
+            <a:off x="1043608" y="2349080"/>
+            <a:ext cx="1975168" cy="1800000"/>
+          </a:xfrm>
+          <a:prstGeom prst="rect">
+            <a:avLst/>
+          </a:prstGeom>
+        </p:spPr>
+      </p:pic>
+      <p:pic>
+        <p:nvPicPr>
+          <p:cNvPr id="3" name="图片 2" descr="屏幕剪辑"/>
+          <p:cNvPicPr>
+            <a:picLocks noChangeAspect="1"/>
+          </p:cNvPicPr>
+          <p:nvPr/>
+        </p:nvPicPr>
+        <p:blipFill>
+          <a:blip r:embed="rId3">
+            <a:extLst>
+              <a:ext uri="{28A0092B-C50C-407E-A947-70E740481C1C}">
+                <a14:useLocalDpi xmlns:a14="http://schemas.microsoft.com/office/drawing/2010/main" val="0"/>
+              </a:ext>
+            </a:extLst>
+          </a:blip>
+          <a:stretch>
+            <a:fillRect/>
+          </a:stretch>
+        </p:blipFill>
+        <p:spPr>
+          <a:xfrm>
+            <a:off x="1030643" y="235865"/>
+            <a:ext cx="1983802" cy="1800000"/>
+          </a:xfrm>
+          <a:prstGeom prst="rect">
+            <a:avLst/>
+          </a:prstGeom>
+        </p:spPr>
+      </p:pic>
+      <p:pic>
+        <p:nvPicPr>
+          <p:cNvPr id="4" name="图片 3" descr="屏幕剪辑"/>
+          <p:cNvPicPr>
+            <a:picLocks noChangeAspect="1"/>
+          </p:cNvPicPr>
+          <p:nvPr/>
+        </p:nvPicPr>
+        <p:blipFill>
+          <a:blip r:embed="rId4">
+            <a:extLst>
+              <a:ext uri="{28A0092B-C50C-407E-A947-70E740481C1C}">
+                <a14:useLocalDpi xmlns:a14="http://schemas.microsoft.com/office/drawing/2010/main" val="0"/>
+              </a:ext>
+            </a:extLst>
+          </a:blip>
+          <a:stretch>
+            <a:fillRect/>
+          </a:stretch>
+        </p:blipFill>
+        <p:spPr>
+          <a:xfrm>
+            <a:off x="1030643" y="4365104"/>
+            <a:ext cx="1916129" cy="1800000"/>
+          </a:xfrm>
+          <a:prstGeom prst="rect">
+            <a:avLst/>
+          </a:prstGeom>
+        </p:spPr>
+      </p:pic>
+      <p:sp>
+        <p:nvSpPr>
+          <p:cNvPr id="5" name="燕尾形 4"/>
+          <p:cNvSpPr/>
+          <p:nvPr/>
+        </p:nvSpPr>
+        <p:spPr>
+          <a:xfrm rot="5400000">
+            <a:off x="1727583" y="1880728"/>
+            <a:ext cx="360040" cy="432248"/>
+          </a:xfrm>
+          <a:prstGeom prst="chevron">
+            <a:avLst/>
+          </a:prstGeom>
+        </p:spPr>
+        <p:style>
+          <a:lnRef idx="1">
+            <a:schemeClr val="accent4"/>
+          </a:lnRef>
+          <a:fillRef idx="3">
+            <a:schemeClr val="accent4"/>
+          </a:fillRef>
+          <a:effectRef idx="2">
+            <a:schemeClr val="accent4"/>
+          </a:effectRef>
+          <a:fontRef idx="minor">
+            <a:schemeClr val="lt1"/>
+          </a:fontRef>
+        </p:style>
+        <p:txBody>
+          <a:bodyPr rtlCol="0" anchor="ctr"/>
+          <a:lstStyle/>
+          <a:p>
+            <a:pPr algn="ctr"/>
+            <a:endParaRPr lang="zh-CN" altLang="en-US">
+              <a:solidFill>
+                <a:schemeClr val="tx1"/>
+              </a:solidFill>
+            </a:endParaRPr>
+          </a:p>
+        </p:txBody>
+      </p:sp>
+      <p:sp>
+        <p:nvSpPr>
+          <p:cNvPr id="6" name="燕尾形 5"/>
+          <p:cNvSpPr/>
+          <p:nvPr/>
+        </p:nvSpPr>
+        <p:spPr>
+          <a:xfrm rot="5400000">
+            <a:off x="1727583" y="4085605"/>
+            <a:ext cx="360040" cy="432248"/>
+          </a:xfrm>
+          <a:prstGeom prst="chevron">
+            <a:avLst/>
+          </a:prstGeom>
+        </p:spPr>
+        <p:style>
+          <a:lnRef idx="1">
+            <a:schemeClr val="accent4"/>
+          </a:lnRef>
+          <a:fillRef idx="3">
+            <a:schemeClr val="accent4"/>
+          </a:fillRef>
+          <a:effectRef idx="2">
+            <a:schemeClr val="accent4"/>
+          </a:effectRef>
+          <a:fontRef idx="minor">
+            <a:schemeClr val="lt1"/>
+          </a:fontRef>
+        </p:style>
+        <p:txBody>
+          <a:bodyPr rtlCol="0" anchor="ctr"/>
+          <a:lstStyle/>
+          <a:p>
+            <a:pPr algn="ctr"/>
+            <a:endParaRPr lang="zh-CN" altLang="en-US">
+              <a:solidFill>
+                <a:schemeClr val="tx1"/>
+              </a:solidFill>
+            </a:endParaRPr>
+          </a:p>
+        </p:txBody>
+      </p:sp>
+      <p:sp>
+        <p:nvSpPr>
+          <p:cNvPr id="7" name="燕尾形 6"/>
+          <p:cNvSpPr/>
+          <p:nvPr/>
+        </p:nvSpPr>
+        <p:spPr>
+          <a:xfrm rot="5400000">
+            <a:off x="1808687" y="6115697"/>
+            <a:ext cx="360040" cy="432248"/>
+          </a:xfrm>
+          <a:prstGeom prst="chevron">
+            <a:avLst/>
+          </a:prstGeom>
+        </p:spPr>
+        <p:style>
+          <a:lnRef idx="1">
+            <a:schemeClr val="accent4"/>
+          </a:lnRef>
+          <a:fillRef idx="3">
+            <a:schemeClr val="accent4"/>
+          </a:fillRef>
+          <a:effectRef idx="2">
+            <a:schemeClr val="accent4"/>
+          </a:effectRef>
+          <a:fontRef idx="minor">
+            <a:schemeClr val="lt1"/>
+          </a:fontRef>
+        </p:style>
+        <p:txBody>
+          <a:bodyPr rtlCol="0" anchor="ctr"/>
+          <a:lstStyle/>
+          <a:p>
+            <a:pPr algn="ctr"/>
+            <a:endParaRPr lang="zh-CN" altLang="en-US">
+              <a:solidFill>
+                <a:schemeClr val="tx1"/>
+              </a:solidFill>
+            </a:endParaRPr>
+          </a:p>
+        </p:txBody>
+      </p:sp>
+      <p:sp>
+        <p:nvSpPr>
+          <p:cNvPr id="8" name="圆角矩形标注 7"/>
+          <p:cNvSpPr/>
+          <p:nvPr/>
+        </p:nvSpPr>
+        <p:spPr>
+          <a:xfrm>
+            <a:off x="2987824" y="332656"/>
+            <a:ext cx="4934697" cy="432000"/>
+          </a:xfrm>
+          <a:prstGeom prst="wedgeRoundRectCallout">
+            <a:avLst>
+              <a:gd name="adj1" fmla="val -51113"/>
+              <a:gd name="adj2" fmla="val 30963"/>
+              <a:gd name="adj3" fmla="val 16667"/>
+            </a:avLst>
+          </a:prstGeom>
+        </p:spPr>
+        <p:style>
+          <a:lnRef idx="2">
+            <a:schemeClr val="accent5"/>
+          </a:lnRef>
+          <a:fillRef idx="1">
+            <a:schemeClr val="lt1"/>
+          </a:fillRef>
+          <a:effectRef idx="0">
+            <a:schemeClr val="accent5"/>
+          </a:effectRef>
+          <a:fontRef idx="minor">
+            <a:schemeClr val="dk1"/>
+          </a:fontRef>
+        </p:style>
+        <p:txBody>
+          <a:bodyPr rtlCol="0" anchor="ctr"/>
+          <a:lstStyle/>
+          <a:p>
+            <a:pPr>
+              <a:lnSpc>
+                <a:spcPct val="150000"/>
+              </a:lnSpc>
+            </a:pPr>
+            <a:r>
+              <a:rPr lang="zh-CN" altLang="en-US" sz="2000" dirty="0" smtClean="0">
+                <a:solidFill>
+                  <a:schemeClr val="tx1">
+                    <a:lumMod val="75000"/>
+                    <a:lumOff val="25000"/>
+                  </a:schemeClr>
+                </a:solidFill>
+                <a:latin typeface="微软雅黑" pitchFamily="34" charset="-122"/>
+                <a:ea typeface="微软雅黑" pitchFamily="34" charset="-122"/>
+              </a:rPr>
+              <a:t>三张背景图的依此叠加配合滤镜实现效果</a:t>
+            </a:r>
+            <a:endParaRPr lang="en-US" altLang="zh-CN" sz="2000" dirty="0">
+              <a:solidFill>
+                <a:schemeClr val="tx1">
+                  <a:lumMod val="75000"/>
+                  <a:lumOff val="25000"/>
+                </a:schemeClr>
+              </a:solidFill>
+              <a:latin typeface="微软雅黑" pitchFamily="34" charset="-122"/>
+              <a:ea typeface="微软雅黑" pitchFamily="34" charset="-122"/>
+            </a:endParaRPr>
+          </a:p>
+        </p:txBody>
+      </p:sp>
+      <p:pic>
+        <p:nvPicPr>
+          <p:cNvPr id="10" name="图片 9" descr="屏幕剪辑"/>
+          <p:cNvPicPr>
+            <a:picLocks noChangeAspect="1"/>
+          </p:cNvPicPr>
+          <p:nvPr/>
+        </p:nvPicPr>
+        <p:blipFill>
+          <a:blip r:embed="rId5">
+            <a:extLst>
+              <a:ext uri="{28A0092B-C50C-407E-A947-70E740481C1C}">
+                <a14:useLocalDpi xmlns:a14="http://schemas.microsoft.com/office/drawing/2010/main" val="0"/>
+              </a:ext>
+            </a:extLst>
+          </a:blip>
+          <a:stretch>
+            <a:fillRect/>
+          </a:stretch>
+        </p:blipFill>
+        <p:spPr>
+          <a:xfrm>
+            <a:off x="3144485" y="836712"/>
+            <a:ext cx="4888731" cy="2953608"/>
+          </a:xfrm>
+          <a:prstGeom prst="rect">
+            <a:avLst/>
+          </a:prstGeom>
+          <a:ln>
+            <a:noFill/>
+          </a:ln>
+          <a:effectLst>
+            <a:outerShdw blurRad="292100" dist="139700" dir="2700000" algn="tl" rotWithShape="0">
+              <a:srgbClr val="333333">
+                <a:alpha val="65000"/>
+              </a:srgbClr>
+            </a:outerShdw>
+          </a:effectLst>
+        </p:spPr>
+      </p:pic>
+      <p:sp>
+        <p:nvSpPr>
+          <p:cNvPr id="9" name="圆角矩形标注 8"/>
+          <p:cNvSpPr/>
+          <p:nvPr/>
+        </p:nvSpPr>
+        <p:spPr>
+          <a:xfrm>
+            <a:off x="3144485" y="3933056"/>
+            <a:ext cx="4934697" cy="2736304"/>
+          </a:xfrm>
+          <a:prstGeom prst="wedgeRoundRectCallout">
+            <a:avLst>
+              <a:gd name="adj1" fmla="val -51683"/>
+              <a:gd name="adj2" fmla="val -27296"/>
+              <a:gd name="adj3" fmla="val 16667"/>
+            </a:avLst>
+          </a:prstGeom>
+        </p:spPr>
+        <p:style>
+          <a:lnRef idx="2">
+            <a:schemeClr val="accent5"/>
+          </a:lnRef>
+          <a:fillRef idx="1">
+            <a:schemeClr val="lt1"/>
+          </a:fillRef>
+          <a:effectRef idx="0">
+            <a:schemeClr val="accent5"/>
+          </a:effectRef>
+          <a:fontRef idx="minor">
+            <a:schemeClr val="dk1"/>
+          </a:fontRef>
+        </p:style>
+        <p:txBody>
+          <a:bodyPr rtlCol="0" anchor="ctr"/>
+          <a:lstStyle/>
+          <a:p>
+            <a:pPr>
+              <a:lnSpc>
+                <a:spcPct val="150000"/>
+              </a:lnSpc>
+            </a:pPr>
+            <a:r>
+              <a:rPr lang="zh-CN" altLang="en-US" sz="2000" dirty="0">
+                <a:solidFill>
+                  <a:schemeClr val="tx1">
+                    <a:lumMod val="75000"/>
+                    <a:lumOff val="25000"/>
+                  </a:schemeClr>
+                </a:solidFill>
+                <a:latin typeface="微软雅黑" pitchFamily="34" charset="-122"/>
+                <a:ea typeface="微软雅黑" pitchFamily="34" charset="-122"/>
+              </a:rPr>
+              <a:t>关键</a:t>
+            </a:r>
+            <a:r>
+              <a:rPr lang="zh-CN" altLang="en-US" sz="2000" dirty="0" smtClean="0">
+                <a:solidFill>
+                  <a:schemeClr val="tx1">
+                    <a:lumMod val="75000"/>
+                    <a:lumOff val="25000"/>
+                  </a:schemeClr>
+                </a:solidFill>
+                <a:latin typeface="微软雅黑" pitchFamily="34" charset="-122"/>
+                <a:ea typeface="微软雅黑" pitchFamily="34" charset="-122"/>
+              </a:rPr>
+              <a:t>是用</a:t>
+            </a:r>
+            <a:r>
+              <a:rPr lang="en-US" altLang="zh-CN" sz="2000" dirty="0" smtClean="0">
+                <a:solidFill>
+                  <a:schemeClr val="tx1">
+                    <a:lumMod val="75000"/>
+                    <a:lumOff val="25000"/>
+                  </a:schemeClr>
+                </a:solidFill>
+                <a:latin typeface="微软雅黑" pitchFamily="34" charset="-122"/>
+                <a:ea typeface="微软雅黑" pitchFamily="34" charset="-122"/>
+              </a:rPr>
+              <a:t>screen</a:t>
+            </a:r>
+            <a:r>
+              <a:rPr lang="zh-CN" altLang="en-US" sz="2000" dirty="0" smtClean="0">
+                <a:solidFill>
+                  <a:schemeClr val="tx1">
+                    <a:lumMod val="75000"/>
+                    <a:lumOff val="25000"/>
+                  </a:schemeClr>
+                </a:solidFill>
+                <a:latin typeface="微软雅黑" pitchFamily="34" charset="-122"/>
+                <a:ea typeface="微软雅黑" pitchFamily="34" charset="-122"/>
+              </a:rPr>
+              <a:t>模式叠加第一二层，提高图像亮度，目的就是</a:t>
+            </a:r>
+            <a:r>
+              <a:rPr lang="zh-CN" altLang="en-US" sz="2000" b="1" dirty="0" smtClean="0">
+                <a:solidFill>
+                  <a:schemeClr val="tx1">
+                    <a:lumMod val="75000"/>
+                    <a:lumOff val="25000"/>
+                  </a:schemeClr>
+                </a:solidFill>
+                <a:latin typeface="微软雅黑" pitchFamily="34" charset="-122"/>
+                <a:ea typeface="微软雅黑" pitchFamily="34" charset="-122"/>
+              </a:rPr>
+              <a:t>和原图形成整体差异而不仅仅是轮廓边缘的差异</a:t>
+            </a:r>
+            <a:r>
+              <a:rPr lang="zh-CN" altLang="en-US" sz="2000" dirty="0" smtClean="0">
+                <a:solidFill>
+                  <a:schemeClr val="tx1">
+                    <a:lumMod val="75000"/>
+                    <a:lumOff val="25000"/>
+                  </a:schemeClr>
+                </a:solidFill>
+                <a:latin typeface="微软雅黑" pitchFamily="34" charset="-122"/>
+                <a:ea typeface="微软雅黑" pitchFamily="34" charset="-122"/>
+              </a:rPr>
+              <a:t>，这样再和第三层原图进行</a:t>
+            </a:r>
+            <a:r>
+              <a:rPr lang="en-US" altLang="zh-CN" sz="2000" dirty="0" smtClean="0">
+                <a:solidFill>
+                  <a:schemeClr val="tx1">
+                    <a:lumMod val="75000"/>
+                    <a:lumOff val="25000"/>
+                  </a:schemeClr>
+                </a:solidFill>
+                <a:latin typeface="微软雅黑" pitchFamily="34" charset="-122"/>
+                <a:ea typeface="微软雅黑" pitchFamily="34" charset="-122"/>
+              </a:rPr>
+              <a:t>difference</a:t>
+            </a:r>
+            <a:r>
+              <a:rPr lang="zh-CN" altLang="en-US" sz="2000" dirty="0" smtClean="0">
+                <a:solidFill>
+                  <a:schemeClr val="tx1">
+                    <a:lumMod val="75000"/>
+                    <a:lumOff val="25000"/>
+                  </a:schemeClr>
+                </a:solidFill>
+                <a:latin typeface="微软雅黑" pitchFamily="34" charset="-122"/>
+                <a:ea typeface="微软雅黑" pitchFamily="34" charset="-122"/>
+              </a:rPr>
+              <a:t>模式叠加，就呈现了整体的差异图，当然边缘差异更加明显</a:t>
+            </a:r>
+            <a:endParaRPr lang="en-US" altLang="zh-CN" sz="2000" dirty="0">
+              <a:solidFill>
+                <a:schemeClr val="tx1">
+                  <a:lumMod val="75000"/>
+                  <a:lumOff val="25000"/>
+                </a:schemeClr>
+              </a:solidFill>
+              <a:latin typeface="微软雅黑" pitchFamily="34" charset="-122"/>
+              <a:ea typeface="微软雅黑" pitchFamily="34" charset="-122"/>
+            </a:endParaRPr>
+          </a:p>
+        </p:txBody>
+      </p:sp>
+      <p:sp>
+        <p:nvSpPr>
+          <p:cNvPr id="11" name="矩形 10"/>
+          <p:cNvSpPr/>
+          <p:nvPr/>
+        </p:nvSpPr>
+        <p:spPr>
+          <a:xfrm>
+            <a:off x="3144484" y="2161507"/>
+            <a:ext cx="4888731" cy="323737"/>
+          </a:xfrm>
+          <a:prstGeom prst="rect">
+            <a:avLst/>
+          </a:prstGeom>
+          <a:noFill/>
+          <a:ln w="28575">
+            <a:solidFill>
+              <a:srgbClr val="FFFF00"/>
+            </a:solidFill>
+          </a:ln>
+        </p:spPr>
+        <p:style>
+          <a:lnRef idx="2">
+            <a:schemeClr val="accent1">
+              <a:shade val="50000"/>
+            </a:schemeClr>
+          </a:lnRef>
+          <a:fillRef idx="1">
+            <a:schemeClr val="accent1"/>
+          </a:fillRef>
+          <a:effectRef idx="0">
+            <a:schemeClr val="accent1"/>
+          </a:effectRef>
+          <a:fontRef idx="minor">
+            <a:schemeClr val="lt1"/>
+          </a:fontRef>
+        </p:style>
+        <p:txBody>
+          <a:bodyPr rtlCol="0" anchor="ctr"/>
+          <a:lstStyle/>
+          <a:p>
+            <a:pPr algn="ctr"/>
+            <a:endParaRPr lang="zh-CN" altLang="en-US"/>
+          </a:p>
+        </p:txBody>
+      </p:sp>
+    </p:spTree>
+    <p:extLst>
+      <p:ext uri="{BB962C8B-B14F-4D97-AF65-F5344CB8AC3E}">
+        <p14:creationId xmlns:p14="http://schemas.microsoft.com/office/powerpoint/2010/main" val="4059628654"/>
+      </p:ext>
+    </p:extLst>
+  </p:cSld>
+  <p:clrMapOvr>
+    <a:masterClrMapping/>
+  </p:clrMapOvr>
+</p:sld>
+</file>
+
+<file path=ppt/slides/slide24.xml><?xml version="1.0" encoding="utf-8"?>
+<p:sld xmlns:a="http://schemas.openxmlformats.org/drawingml/2006/main" xmlns:r="http://schemas.openxmlformats.org/officeDocument/2006/relationships" xmlns:p="http://schemas.openxmlformats.org/presentationml/2006/main">
+  <p:cSld>
+    <p:spTree>
+      <p:nvGrpSpPr>
+        <p:cNvPr id="1" name=""/>
+        <p:cNvGrpSpPr/>
+        <p:nvPr/>
+      </p:nvGrpSpPr>
+      <p:grpSpPr>
+        <a:xfrm>
+          <a:off x="0" y="0"/>
+          <a:ext cx="0" cy="0"/>
+          <a:chOff x="0" y="0"/>
+          <a:chExt cx="0" cy="0"/>
+        </a:xfrm>
+      </p:grpSpPr>
+      <p:pic>
+        <p:nvPicPr>
+          <p:cNvPr id="5" name="图片 4" descr="屏幕剪辑"/>
+          <p:cNvPicPr>
+            <a:picLocks noChangeAspect="1"/>
+          </p:cNvPicPr>
+          <p:nvPr/>
+        </p:nvPicPr>
+        <p:blipFill>
+          <a:blip r:embed="rId2">
+            <a:extLst>
+              <a:ext uri="{28A0092B-C50C-407E-A947-70E740481C1C}">
+                <a14:useLocalDpi xmlns:a14="http://schemas.microsoft.com/office/drawing/2010/main" val="0"/>
+              </a:ext>
+            </a:extLst>
+          </a:blip>
+          <a:stretch>
+            <a:fillRect/>
+          </a:stretch>
+        </p:blipFill>
+        <p:spPr>
+          <a:xfrm>
+            <a:off x="1094597" y="116632"/>
+            <a:ext cx="1910322" cy="1800000"/>
+          </a:xfrm>
+          <a:prstGeom prst="rect">
+            <a:avLst/>
+          </a:prstGeom>
+        </p:spPr>
+      </p:pic>
+      <p:pic>
+        <p:nvPicPr>
+          <p:cNvPr id="6" name="图片 5" descr="屏幕剪辑"/>
+          <p:cNvPicPr>
+            <a:picLocks noChangeAspect="1"/>
+          </p:cNvPicPr>
+          <p:nvPr/>
+        </p:nvPicPr>
+        <p:blipFill>
+          <a:blip r:embed="rId3">
+            <a:extLst>
+              <a:ext uri="{28A0092B-C50C-407E-A947-70E740481C1C}">
+                <a14:useLocalDpi xmlns:a14="http://schemas.microsoft.com/office/drawing/2010/main" val="0"/>
+              </a:ext>
+            </a:extLst>
+          </a:blip>
+          <a:stretch>
+            <a:fillRect/>
+          </a:stretch>
+        </p:blipFill>
+        <p:spPr>
+          <a:xfrm>
+            <a:off x="1065564" y="2132856"/>
+            <a:ext cx="1939355" cy="1800000"/>
+          </a:xfrm>
+          <a:prstGeom prst="rect">
+            <a:avLst/>
+          </a:prstGeom>
+        </p:spPr>
+      </p:pic>
+      <p:pic>
+        <p:nvPicPr>
+          <p:cNvPr id="7" name="图片 6" descr="屏幕剪辑"/>
+          <p:cNvPicPr>
+            <a:picLocks noChangeAspect="1"/>
+          </p:cNvPicPr>
+          <p:nvPr/>
+        </p:nvPicPr>
+        <p:blipFill>
+          <a:blip r:embed="rId4">
+            <a:extLst>
+              <a:ext uri="{28A0092B-C50C-407E-A947-70E740481C1C}">
+                <a14:useLocalDpi xmlns:a14="http://schemas.microsoft.com/office/drawing/2010/main" val="0"/>
+              </a:ext>
+            </a:extLst>
+          </a:blip>
+          <a:stretch>
+            <a:fillRect/>
+          </a:stretch>
+        </p:blipFill>
+        <p:spPr>
+          <a:xfrm>
+            <a:off x="1094597" y="4149080"/>
+            <a:ext cx="1916504" cy="1800000"/>
+          </a:xfrm>
+          <a:prstGeom prst="rect">
+            <a:avLst/>
+          </a:prstGeom>
+        </p:spPr>
+      </p:pic>
+      <p:sp>
+        <p:nvSpPr>
+          <p:cNvPr id="8" name="圆角矩形标注 7"/>
+          <p:cNvSpPr/>
+          <p:nvPr/>
+        </p:nvSpPr>
+        <p:spPr>
+          <a:xfrm>
+            <a:off x="3023499" y="260696"/>
+            <a:ext cx="4068781" cy="432000"/>
+          </a:xfrm>
+          <a:prstGeom prst="wedgeRoundRectCallout">
+            <a:avLst>
+              <a:gd name="adj1" fmla="val -52001"/>
+              <a:gd name="adj2" fmla="val 17937"/>
+              <a:gd name="adj3" fmla="val 16667"/>
+            </a:avLst>
+          </a:prstGeom>
+        </p:spPr>
+        <p:style>
+          <a:lnRef idx="2">
+            <a:schemeClr val="accent5"/>
+          </a:lnRef>
+          <a:fillRef idx="1">
+            <a:schemeClr val="lt1"/>
+          </a:fillRef>
+          <a:effectRef idx="0">
+            <a:schemeClr val="accent5"/>
+          </a:effectRef>
+          <a:fontRef idx="minor">
+            <a:schemeClr val="dk1"/>
+          </a:fontRef>
+        </p:style>
+        <p:txBody>
+          <a:bodyPr rtlCol="0" anchor="ctr"/>
+          <a:lstStyle/>
+          <a:p>
+            <a:pPr>
+              <a:lnSpc>
+                <a:spcPct val="150000"/>
+              </a:lnSpc>
+            </a:pPr>
+            <a:r>
+              <a:rPr lang="zh-CN" altLang="en-US" sz="2000" dirty="0" smtClean="0">
+                <a:solidFill>
+                  <a:schemeClr val="tx1">
+                    <a:lumMod val="75000"/>
+                    <a:lumOff val="25000"/>
+                  </a:schemeClr>
+                </a:solidFill>
+                <a:latin typeface="微软雅黑" pitchFamily="34" charset="-122"/>
+                <a:ea typeface="微软雅黑" pitchFamily="34" charset="-122"/>
+              </a:rPr>
+              <a:t>使用</a:t>
+            </a:r>
+            <a:r>
+              <a:rPr lang="en-US" altLang="zh-CN" sz="2000" dirty="0" smtClean="0">
+                <a:solidFill>
+                  <a:schemeClr val="tx1">
+                    <a:lumMod val="75000"/>
+                    <a:lumOff val="25000"/>
+                  </a:schemeClr>
+                </a:solidFill>
+                <a:latin typeface="微软雅黑" pitchFamily="34" charset="-122"/>
+                <a:ea typeface="微软雅黑" pitchFamily="34" charset="-122"/>
+              </a:rPr>
+              <a:t>brightness</a:t>
+            </a:r>
+            <a:r>
+              <a:rPr lang="en-US" altLang="zh-CN" sz="2000" dirty="0" smtClean="0">
+                <a:solidFill>
+                  <a:schemeClr val="tx1">
+                    <a:lumMod val="75000"/>
+                    <a:lumOff val="25000"/>
+                  </a:schemeClr>
+                </a:solidFill>
+                <a:latin typeface="微软雅黑" pitchFamily="34" charset="-122"/>
+                <a:ea typeface="微软雅黑" pitchFamily="34" charset="-122"/>
+              </a:rPr>
+              <a:t>(2)</a:t>
+            </a:r>
+            <a:r>
+              <a:rPr lang="zh-CN" altLang="en-US" sz="2000" dirty="0" smtClean="0">
+                <a:solidFill>
+                  <a:schemeClr val="tx1">
+                    <a:lumMod val="75000"/>
+                    <a:lumOff val="25000"/>
+                  </a:schemeClr>
+                </a:solidFill>
+                <a:latin typeface="微软雅黑" pitchFamily="34" charset="-122"/>
+                <a:ea typeface="微软雅黑" pitchFamily="34" charset="-122"/>
+              </a:rPr>
+              <a:t>滤</a:t>
+            </a:r>
+            <a:r>
+              <a:rPr lang="zh-CN" altLang="en-US" sz="2000" dirty="0" smtClean="0">
+                <a:solidFill>
+                  <a:schemeClr val="tx1">
+                    <a:lumMod val="75000"/>
+                    <a:lumOff val="25000"/>
+                  </a:schemeClr>
+                </a:solidFill>
+                <a:latin typeface="微软雅黑" pitchFamily="34" charset="-122"/>
+                <a:ea typeface="微软雅黑" pitchFamily="34" charset="-122"/>
+              </a:rPr>
+              <a:t>镜增</a:t>
+            </a:r>
+            <a:r>
+              <a:rPr lang="zh-CN" altLang="en-US" sz="2000" dirty="0" smtClean="0">
+                <a:solidFill>
+                  <a:schemeClr val="tx1">
+                    <a:lumMod val="75000"/>
+                    <a:lumOff val="25000"/>
+                  </a:schemeClr>
+                </a:solidFill>
+                <a:latin typeface="微软雅黑" pitchFamily="34" charset="-122"/>
+                <a:ea typeface="微软雅黑" pitchFamily="34" charset="-122"/>
+              </a:rPr>
+              <a:t>亮图像</a:t>
+            </a:r>
+            <a:endParaRPr lang="en-US" altLang="zh-CN" sz="2000" dirty="0">
+              <a:solidFill>
+                <a:schemeClr val="tx1">
+                  <a:lumMod val="75000"/>
+                  <a:lumOff val="25000"/>
+                </a:schemeClr>
+              </a:solidFill>
+              <a:latin typeface="微软雅黑" pitchFamily="34" charset="-122"/>
+              <a:ea typeface="微软雅黑" pitchFamily="34" charset="-122"/>
+            </a:endParaRPr>
+          </a:p>
+        </p:txBody>
+      </p:sp>
+      <p:sp>
+        <p:nvSpPr>
+          <p:cNvPr id="9" name="圆角矩形标注 8"/>
+          <p:cNvSpPr/>
+          <p:nvPr/>
+        </p:nvSpPr>
+        <p:spPr>
+          <a:xfrm>
+            <a:off x="2893822" y="2600856"/>
+            <a:ext cx="2830305" cy="432000"/>
+          </a:xfrm>
+          <a:prstGeom prst="wedgeRoundRectCallout">
+            <a:avLst>
+              <a:gd name="adj1" fmla="val -53964"/>
+              <a:gd name="adj2" fmla="val 24450"/>
+              <a:gd name="adj3" fmla="val 16667"/>
+            </a:avLst>
+          </a:prstGeom>
+        </p:spPr>
+        <p:style>
+          <a:lnRef idx="2">
+            <a:schemeClr val="accent5"/>
+          </a:lnRef>
+          <a:fillRef idx="1">
+            <a:schemeClr val="lt1"/>
+          </a:fillRef>
+          <a:effectRef idx="0">
+            <a:schemeClr val="accent5"/>
+          </a:effectRef>
+          <a:fontRef idx="minor">
+            <a:schemeClr val="dk1"/>
+          </a:fontRef>
+        </p:style>
+        <p:txBody>
+          <a:bodyPr rtlCol="0" anchor="ctr"/>
+          <a:lstStyle/>
+          <a:p>
+            <a:pPr>
+              <a:lnSpc>
+                <a:spcPct val="150000"/>
+              </a:lnSpc>
+            </a:pPr>
+            <a:r>
+              <a:rPr lang="zh-CN" altLang="en-US" sz="2000" dirty="0" smtClean="0">
+                <a:solidFill>
+                  <a:schemeClr val="tx1">
+                    <a:lumMod val="75000"/>
+                    <a:lumOff val="25000"/>
+                  </a:schemeClr>
+                </a:solidFill>
+                <a:latin typeface="微软雅黑" pitchFamily="34" charset="-122"/>
+                <a:ea typeface="微软雅黑" pitchFamily="34" charset="-122"/>
+              </a:rPr>
+              <a:t>使用</a:t>
+            </a:r>
+            <a:r>
+              <a:rPr lang="en-US" altLang="zh-CN" sz="2000" dirty="0" smtClean="0">
+                <a:solidFill>
+                  <a:schemeClr val="tx1">
+                    <a:lumMod val="75000"/>
+                    <a:lumOff val="25000"/>
+                  </a:schemeClr>
+                </a:solidFill>
+                <a:latin typeface="微软雅黑" pitchFamily="34" charset="-122"/>
+                <a:ea typeface="微软雅黑" pitchFamily="34" charset="-122"/>
+              </a:rPr>
+              <a:t>invert(1)</a:t>
+            </a:r>
+            <a:r>
+              <a:rPr lang="zh-CN" altLang="en-US" sz="2000" dirty="0" smtClean="0">
+                <a:solidFill>
+                  <a:schemeClr val="tx1">
+                    <a:lumMod val="75000"/>
+                    <a:lumOff val="25000"/>
+                  </a:schemeClr>
+                </a:solidFill>
+                <a:latin typeface="微软雅黑" pitchFamily="34" charset="-122"/>
+                <a:ea typeface="微软雅黑" pitchFamily="34" charset="-122"/>
+              </a:rPr>
+              <a:t>滤镜反相</a:t>
+            </a:r>
+            <a:endParaRPr lang="en-US" altLang="zh-CN" sz="2000" dirty="0">
+              <a:solidFill>
+                <a:schemeClr val="tx1">
+                  <a:lumMod val="75000"/>
+                  <a:lumOff val="25000"/>
+                </a:schemeClr>
+              </a:solidFill>
+              <a:latin typeface="微软雅黑" pitchFamily="34" charset="-122"/>
+              <a:ea typeface="微软雅黑" pitchFamily="34" charset="-122"/>
+            </a:endParaRPr>
+          </a:p>
+        </p:txBody>
+      </p:sp>
+      <p:sp>
+        <p:nvSpPr>
+          <p:cNvPr id="10" name="圆角矩形标注 9"/>
+          <p:cNvSpPr/>
+          <p:nvPr/>
+        </p:nvSpPr>
+        <p:spPr>
+          <a:xfrm>
+            <a:off x="2893822" y="4437112"/>
+            <a:ext cx="2830306" cy="432000"/>
+          </a:xfrm>
+          <a:prstGeom prst="wedgeRoundRectCallout">
+            <a:avLst>
+              <a:gd name="adj1" fmla="val -53964"/>
+              <a:gd name="adj2" fmla="val 24450"/>
+              <a:gd name="adj3" fmla="val 16667"/>
+            </a:avLst>
+          </a:prstGeom>
+        </p:spPr>
+        <p:style>
+          <a:lnRef idx="2">
+            <a:schemeClr val="accent5"/>
+          </a:lnRef>
+          <a:fillRef idx="1">
+            <a:schemeClr val="lt1"/>
+          </a:fillRef>
+          <a:effectRef idx="0">
+            <a:schemeClr val="accent5"/>
+          </a:effectRef>
+          <a:fontRef idx="minor">
+            <a:schemeClr val="dk1"/>
+          </a:fontRef>
+        </p:style>
+        <p:txBody>
+          <a:bodyPr rtlCol="0" anchor="ctr"/>
+          <a:lstStyle/>
+          <a:p>
+            <a:pPr>
+              <a:lnSpc>
+                <a:spcPct val="150000"/>
+              </a:lnSpc>
+            </a:pPr>
+            <a:r>
+              <a:rPr lang="zh-CN" altLang="en-US" sz="2000" dirty="0" smtClean="0">
+                <a:solidFill>
+                  <a:schemeClr val="tx1">
+                    <a:lumMod val="75000"/>
+                    <a:lumOff val="25000"/>
+                  </a:schemeClr>
+                </a:solidFill>
+                <a:latin typeface="微软雅黑" pitchFamily="34" charset="-122"/>
+                <a:ea typeface="微软雅黑" pitchFamily="34" charset="-122"/>
+              </a:rPr>
+              <a:t>使用</a:t>
+            </a:r>
+            <a:r>
+              <a:rPr lang="en-US" altLang="zh-CN" sz="2000" dirty="0" err="1" smtClean="0">
+                <a:solidFill>
+                  <a:schemeClr val="tx1">
+                    <a:lumMod val="75000"/>
+                    <a:lumOff val="25000"/>
+                  </a:schemeClr>
+                </a:solidFill>
+                <a:latin typeface="微软雅黑" pitchFamily="34" charset="-122"/>
+                <a:ea typeface="微软雅黑" pitchFamily="34" charset="-122"/>
+              </a:rPr>
+              <a:t>grayscale</a:t>
+            </a:r>
+            <a:r>
+              <a:rPr lang="en-US" altLang="zh-CN" sz="2000" dirty="0" smtClean="0">
+                <a:solidFill>
+                  <a:schemeClr val="tx1">
+                    <a:lumMod val="75000"/>
+                    <a:lumOff val="25000"/>
+                  </a:schemeClr>
+                </a:solidFill>
+                <a:latin typeface="微软雅黑" pitchFamily="34" charset="-122"/>
+                <a:ea typeface="微软雅黑" pitchFamily="34" charset="-122"/>
+              </a:rPr>
+              <a:t>(1)</a:t>
+            </a:r>
+            <a:r>
+              <a:rPr lang="zh-CN" altLang="en-US" sz="2000" dirty="0" smtClean="0">
+                <a:solidFill>
+                  <a:schemeClr val="tx1">
+                    <a:lumMod val="75000"/>
+                    <a:lumOff val="25000"/>
+                  </a:schemeClr>
+                </a:solidFill>
+                <a:latin typeface="微软雅黑" pitchFamily="34" charset="-122"/>
+                <a:ea typeface="微软雅黑" pitchFamily="34" charset="-122"/>
+              </a:rPr>
+              <a:t>置灰</a:t>
+            </a:r>
+            <a:endParaRPr lang="en-US" altLang="zh-CN" sz="2000" dirty="0">
+              <a:solidFill>
+                <a:schemeClr val="tx1">
+                  <a:lumMod val="75000"/>
+                  <a:lumOff val="25000"/>
+                </a:schemeClr>
+              </a:solidFill>
+              <a:latin typeface="微软雅黑" pitchFamily="34" charset="-122"/>
+              <a:ea typeface="微软雅黑" pitchFamily="34" charset="-122"/>
+            </a:endParaRPr>
+          </a:p>
+        </p:txBody>
+      </p:sp>
+      <p:sp>
+        <p:nvSpPr>
+          <p:cNvPr id="11" name="燕尾形 10"/>
+          <p:cNvSpPr/>
+          <p:nvPr/>
+        </p:nvSpPr>
+        <p:spPr>
+          <a:xfrm rot="5400000">
+            <a:off x="1799893" y="1807414"/>
+            <a:ext cx="360040" cy="432248"/>
+          </a:xfrm>
+          <a:prstGeom prst="chevron">
+            <a:avLst/>
+          </a:prstGeom>
+        </p:spPr>
+        <p:style>
+          <a:lnRef idx="1">
+            <a:schemeClr val="accent4"/>
+          </a:lnRef>
+          <a:fillRef idx="3">
+            <a:schemeClr val="accent4"/>
+          </a:fillRef>
+          <a:effectRef idx="2">
+            <a:schemeClr val="accent4"/>
+          </a:effectRef>
+          <a:fontRef idx="minor">
+            <a:schemeClr val="lt1"/>
+          </a:fontRef>
+        </p:style>
+        <p:txBody>
+          <a:bodyPr rtlCol="0" anchor="ctr"/>
+          <a:lstStyle/>
+          <a:p>
+            <a:pPr algn="ctr"/>
+            <a:endParaRPr lang="zh-CN" altLang="en-US">
+              <a:solidFill>
+                <a:schemeClr val="tx1"/>
+              </a:solidFill>
+            </a:endParaRPr>
+          </a:p>
+        </p:txBody>
+      </p:sp>
+      <p:sp>
+        <p:nvSpPr>
+          <p:cNvPr id="12" name="燕尾形 11"/>
+          <p:cNvSpPr/>
+          <p:nvPr/>
+        </p:nvSpPr>
+        <p:spPr>
+          <a:xfrm rot="5400000">
+            <a:off x="1799892" y="3896752"/>
+            <a:ext cx="360040" cy="432248"/>
+          </a:xfrm>
+          <a:prstGeom prst="chevron">
+            <a:avLst/>
+          </a:prstGeom>
+        </p:spPr>
+        <p:style>
+          <a:lnRef idx="1">
+            <a:schemeClr val="accent4"/>
+          </a:lnRef>
+          <a:fillRef idx="3">
+            <a:schemeClr val="accent4"/>
+          </a:fillRef>
+          <a:effectRef idx="2">
+            <a:schemeClr val="accent4"/>
+          </a:effectRef>
+          <a:fontRef idx="minor">
+            <a:schemeClr val="lt1"/>
+          </a:fontRef>
+        </p:style>
+        <p:txBody>
+          <a:bodyPr rtlCol="0" anchor="ctr"/>
+          <a:lstStyle/>
+          <a:p>
+            <a:pPr algn="ctr"/>
+            <a:endParaRPr lang="zh-CN" altLang="en-US">
+              <a:solidFill>
+                <a:schemeClr val="tx1"/>
+              </a:solidFill>
+            </a:endParaRPr>
+          </a:p>
+        </p:txBody>
+      </p:sp>
+      <p:pic>
+        <p:nvPicPr>
+          <p:cNvPr id="14" name="图片 13" descr="屏幕剪辑"/>
+          <p:cNvPicPr>
+            <a:picLocks noChangeAspect="1"/>
+          </p:cNvPicPr>
+          <p:nvPr/>
+        </p:nvPicPr>
+        <p:blipFill>
+          <a:blip r:embed="rId5">
+            <a:extLst>
+              <a:ext uri="{28A0092B-C50C-407E-A947-70E740481C1C}">
+                <a14:useLocalDpi xmlns:a14="http://schemas.microsoft.com/office/drawing/2010/main" val="0"/>
+              </a:ext>
+            </a:extLst>
+          </a:blip>
+          <a:stretch>
+            <a:fillRect/>
+          </a:stretch>
+        </p:blipFill>
+        <p:spPr>
+          <a:xfrm>
+            <a:off x="3203848" y="963119"/>
+            <a:ext cx="2800741" cy="1076475"/>
+          </a:xfrm>
+          <a:prstGeom prst="rect">
+            <a:avLst/>
+          </a:prstGeom>
+          <a:ln>
+            <a:noFill/>
+          </a:ln>
+          <a:effectLst>
+            <a:outerShdw blurRad="292100" dist="139700" dir="2700000" algn="tl" rotWithShape="0">
+              <a:srgbClr val="333333">
+                <a:alpha val="65000"/>
+              </a:srgbClr>
+            </a:outerShdw>
+          </a:effectLst>
+        </p:spPr>
+      </p:pic>
+    </p:spTree>
+    <p:extLst>
+      <p:ext uri="{BB962C8B-B14F-4D97-AF65-F5344CB8AC3E}">
+        <p14:creationId xmlns:p14="http://schemas.microsoft.com/office/powerpoint/2010/main" val="3501477874"/>
+      </p:ext>
+    </p:extLst>
+  </p:cSld>
+  <p:clrMapOvr>
+    <a:masterClrMapping/>
+  </p:clrMapOvr>
+</p:sld>
+</file>
+
+<file path=ppt/slides/slide25.xml><?xml version="1.0" encoding="utf-8"?>
+<p:sld xmlns:a="http://schemas.openxmlformats.org/drawingml/2006/main" xmlns:r="http://schemas.openxmlformats.org/officeDocument/2006/relationships" xmlns:p="http://schemas.openxmlformats.org/presentationml/2006/main">
+  <p:cSld>
+    <p:spTree>
+      <p:nvGrpSpPr>
+        <p:cNvPr id="1" name=""/>
+        <p:cNvGrpSpPr/>
+        <p:nvPr/>
+      </p:nvGrpSpPr>
+      <p:grpSpPr>
+        <a:xfrm>
+          <a:off x="0" y="0"/>
+          <a:ext cx="0" cy="0"/>
+          <a:chOff x="0" y="0"/>
+          <a:chExt cx="0" cy="0"/>
+        </a:xfrm>
+      </p:grpSpPr>
+      <p:sp>
+        <p:nvSpPr>
+          <p:cNvPr id="2" name="TextBox 1"/>
+          <p:cNvSpPr txBox="1"/>
+          <p:nvPr/>
+        </p:nvSpPr>
+        <p:spPr>
+          <a:xfrm>
+            <a:off x="684000" y="44624"/>
+            <a:ext cx="7776000" cy="523220"/>
+          </a:xfrm>
+          <a:prstGeom prst="rect">
+            <a:avLst/>
+          </a:prstGeom>
+          <a:noFill/>
+        </p:spPr>
+        <p:txBody>
+          <a:bodyPr wrap="square" rtlCol="0">
+            <a:spAutoFit/>
+          </a:bodyPr>
+          <a:lstStyle/>
+          <a:p>
+            <a:r>
+              <a:rPr lang="en-US" altLang="zh-CN" sz="2800" b="1" dirty="0" smtClean="0">
+                <a:solidFill>
+                  <a:schemeClr val="tx1">
+                    <a:lumMod val="75000"/>
+                    <a:lumOff val="25000"/>
+                  </a:schemeClr>
+                </a:solidFill>
+                <a:latin typeface="微软雅黑" pitchFamily="34" charset="-122"/>
+                <a:ea typeface="微软雅黑" pitchFamily="34" charset="-122"/>
+              </a:rPr>
+              <a:t>6</a:t>
+            </a:r>
+            <a:r>
+              <a:rPr lang="en-US" altLang="zh-CN" sz="2800" b="1" dirty="0" smtClean="0">
+                <a:solidFill>
+                  <a:schemeClr val="tx1">
+                    <a:lumMod val="75000"/>
+                    <a:lumOff val="25000"/>
+                  </a:schemeClr>
+                </a:solidFill>
+                <a:latin typeface="微软雅黑" pitchFamily="34" charset="-122"/>
+                <a:ea typeface="微软雅黑" pitchFamily="34" charset="-122"/>
+              </a:rPr>
+              <a:t>.</a:t>
+            </a:r>
+            <a:r>
+              <a:rPr lang="zh-CN" altLang="en-US" sz="2800" b="1" dirty="0" smtClean="0">
+                <a:solidFill>
+                  <a:schemeClr val="tx1">
+                    <a:lumMod val="75000"/>
+                    <a:lumOff val="25000"/>
+                  </a:schemeClr>
+                </a:solidFill>
+                <a:latin typeface="微软雅黑" pitchFamily="34" charset="-122"/>
+                <a:ea typeface="微软雅黑" pitchFamily="34" charset="-122"/>
+              </a:rPr>
+              <a:t>兼容性</a:t>
+            </a:r>
+            <a:endParaRPr lang="zh-CN" altLang="en-US" sz="2800" b="1" dirty="0">
+              <a:solidFill>
+                <a:schemeClr val="tx1">
+                  <a:lumMod val="75000"/>
+                  <a:lumOff val="25000"/>
+                </a:schemeClr>
+              </a:solidFill>
+              <a:latin typeface="微软雅黑" pitchFamily="34" charset="-122"/>
+              <a:ea typeface="微软雅黑" pitchFamily="34" charset="-122"/>
+            </a:endParaRPr>
+          </a:p>
+        </p:txBody>
+      </p:sp>
+      <p:sp>
+        <p:nvSpPr>
+          <p:cNvPr id="3" name="TextBox 2"/>
+          <p:cNvSpPr txBox="1"/>
+          <p:nvPr/>
+        </p:nvSpPr>
+        <p:spPr>
+          <a:xfrm>
+            <a:off x="684000" y="548680"/>
+            <a:ext cx="7776000" cy="5632311"/>
+          </a:xfrm>
+          <a:prstGeom prst="rect">
+            <a:avLst/>
+          </a:prstGeom>
+          <a:noFill/>
+        </p:spPr>
+        <p:txBody>
+          <a:bodyPr wrap="square" rtlCol="0">
+            <a:spAutoFit/>
+          </a:bodyPr>
+          <a:lstStyle/>
+          <a:p>
+            <a:pPr>
+              <a:lnSpc>
+                <a:spcPct val="150000"/>
+              </a:lnSpc>
+            </a:pPr>
+            <a:r>
+              <a:rPr lang="zh-CN" altLang="en-US" sz="2400" dirty="0" smtClean="0">
+                <a:solidFill>
+                  <a:schemeClr val="tx1">
+                    <a:lumMod val="75000"/>
+                    <a:lumOff val="25000"/>
+                  </a:schemeClr>
+                </a:solidFill>
+                <a:latin typeface="微软雅黑" pitchFamily="34" charset="-122"/>
+                <a:ea typeface="微软雅黑" pitchFamily="34" charset="-122"/>
+              </a:rPr>
+              <a:t>以上效果使用了</a:t>
+            </a:r>
+            <a:r>
+              <a:rPr lang="en-US" altLang="zh-CN" sz="2400" dirty="0" err="1" smtClean="0">
+                <a:solidFill>
+                  <a:schemeClr val="tx1">
+                    <a:lumMod val="75000"/>
+                    <a:lumOff val="25000"/>
+                  </a:schemeClr>
+                </a:solidFill>
+                <a:latin typeface="微软雅黑" pitchFamily="34" charset="-122"/>
+                <a:ea typeface="微软雅黑" pitchFamily="34" charset="-122"/>
+              </a:rPr>
+              <a:t>filter,mix</a:t>
+            </a:r>
+            <a:r>
+              <a:rPr lang="en-US" altLang="zh-CN" sz="2400" dirty="0" smtClean="0">
+                <a:solidFill>
+                  <a:schemeClr val="tx1">
+                    <a:lumMod val="75000"/>
+                    <a:lumOff val="25000"/>
+                  </a:schemeClr>
+                </a:solidFill>
+                <a:latin typeface="微软雅黑" pitchFamily="34" charset="-122"/>
+                <a:ea typeface="微软雅黑" pitchFamily="34" charset="-122"/>
+              </a:rPr>
+              <a:t>-blend-</a:t>
+            </a:r>
+            <a:r>
+              <a:rPr lang="en-US" altLang="zh-CN" sz="2400" dirty="0" err="1" smtClean="0">
+                <a:solidFill>
+                  <a:schemeClr val="tx1">
+                    <a:lumMod val="75000"/>
+                    <a:lumOff val="25000"/>
+                  </a:schemeClr>
+                </a:solidFill>
+                <a:latin typeface="微软雅黑" pitchFamily="34" charset="-122"/>
+                <a:ea typeface="微软雅黑" pitchFamily="34" charset="-122"/>
+              </a:rPr>
+              <a:t>mode,background</a:t>
+            </a:r>
+            <a:r>
+              <a:rPr lang="en-US" altLang="zh-CN" sz="2400" dirty="0" smtClean="0">
+                <a:solidFill>
+                  <a:schemeClr val="tx1">
+                    <a:lumMod val="75000"/>
+                    <a:lumOff val="25000"/>
+                  </a:schemeClr>
+                </a:solidFill>
+                <a:latin typeface="微软雅黑" pitchFamily="34" charset="-122"/>
+                <a:ea typeface="微软雅黑" pitchFamily="34" charset="-122"/>
+              </a:rPr>
+              <a:t>-blend-mode</a:t>
+            </a:r>
+            <a:r>
+              <a:rPr lang="zh-CN" altLang="en-US" sz="2400" dirty="0" smtClean="0">
+                <a:solidFill>
+                  <a:schemeClr val="tx1">
+                    <a:lumMod val="75000"/>
+                    <a:lumOff val="25000"/>
+                  </a:schemeClr>
+                </a:solidFill>
+                <a:latin typeface="微软雅黑" pitchFamily="34" charset="-122"/>
+                <a:ea typeface="微软雅黑" pitchFamily="34" charset="-122"/>
+              </a:rPr>
+              <a:t>，这</a:t>
+            </a:r>
+            <a:r>
+              <a:rPr lang="en-US" altLang="zh-CN" sz="2400" dirty="0" smtClean="0">
+                <a:solidFill>
+                  <a:schemeClr val="tx1">
+                    <a:lumMod val="75000"/>
+                    <a:lumOff val="25000"/>
+                  </a:schemeClr>
+                </a:solidFill>
+                <a:latin typeface="微软雅黑" pitchFamily="34" charset="-122"/>
+                <a:ea typeface="微软雅黑" pitchFamily="34" charset="-122"/>
+              </a:rPr>
+              <a:t>3</a:t>
+            </a:r>
+            <a:r>
+              <a:rPr lang="zh-CN" altLang="en-US" sz="2400" dirty="0" smtClean="0">
+                <a:solidFill>
+                  <a:schemeClr val="tx1">
+                    <a:lumMod val="75000"/>
+                    <a:lumOff val="25000"/>
+                  </a:schemeClr>
+                </a:solidFill>
+                <a:latin typeface="微软雅黑" pitchFamily="34" charset="-122"/>
+                <a:ea typeface="微软雅黑" pitchFamily="34" charset="-122"/>
+              </a:rPr>
+              <a:t>个</a:t>
+            </a:r>
+            <a:r>
+              <a:rPr lang="en-US" altLang="zh-CN" sz="2400" dirty="0" smtClean="0">
+                <a:solidFill>
+                  <a:schemeClr val="tx1">
+                    <a:lumMod val="75000"/>
+                    <a:lumOff val="25000"/>
+                  </a:schemeClr>
+                </a:solidFill>
+                <a:latin typeface="微软雅黑" pitchFamily="34" charset="-122"/>
+                <a:ea typeface="微软雅黑" pitchFamily="34" charset="-122"/>
+              </a:rPr>
+              <a:t>CSS3</a:t>
+            </a:r>
+            <a:r>
+              <a:rPr lang="zh-CN" altLang="en-US" sz="2400" dirty="0" smtClean="0">
+                <a:solidFill>
+                  <a:schemeClr val="tx1">
+                    <a:lumMod val="75000"/>
+                    <a:lumOff val="25000"/>
+                  </a:schemeClr>
+                </a:solidFill>
+                <a:latin typeface="微软雅黑" pitchFamily="34" charset="-122"/>
+                <a:ea typeface="微软雅黑" pitchFamily="34" charset="-122"/>
+              </a:rPr>
+              <a:t>样式属性，可惜在</a:t>
+            </a:r>
+            <a:r>
+              <a:rPr lang="en-US" altLang="zh-CN" sz="2400" dirty="0" smtClean="0">
+                <a:solidFill>
+                  <a:schemeClr val="tx1">
+                    <a:lumMod val="75000"/>
+                    <a:lumOff val="25000"/>
+                  </a:schemeClr>
+                </a:solidFill>
+                <a:latin typeface="微软雅黑" pitchFamily="34" charset="-122"/>
+                <a:ea typeface="微软雅黑" pitchFamily="34" charset="-122"/>
+              </a:rPr>
+              <a:t>IE</a:t>
+            </a:r>
+            <a:r>
+              <a:rPr lang="zh-CN" altLang="en-US" sz="2400" dirty="0">
+                <a:solidFill>
+                  <a:schemeClr val="tx1">
+                    <a:lumMod val="75000"/>
+                    <a:lumOff val="25000"/>
+                  </a:schemeClr>
+                </a:solidFill>
+                <a:latin typeface="微软雅黑" pitchFamily="34" charset="-122"/>
+                <a:ea typeface="微软雅黑" pitchFamily="34" charset="-122"/>
+              </a:rPr>
+              <a:t>，</a:t>
+            </a:r>
+            <a:r>
+              <a:rPr lang="en-US" altLang="zh-CN" sz="2400" dirty="0" smtClean="0">
+                <a:solidFill>
+                  <a:schemeClr val="tx1">
+                    <a:lumMod val="75000"/>
+                    <a:lumOff val="25000"/>
+                  </a:schemeClr>
+                </a:solidFill>
+                <a:latin typeface="微软雅黑" pitchFamily="34" charset="-122"/>
+                <a:ea typeface="微软雅黑" pitchFamily="34" charset="-122"/>
+              </a:rPr>
+              <a:t>Edge</a:t>
+            </a:r>
+            <a:r>
+              <a:rPr lang="zh-CN" altLang="en-US" sz="2400" dirty="0" smtClean="0">
+                <a:solidFill>
+                  <a:schemeClr val="tx1">
+                    <a:lumMod val="75000"/>
+                    <a:lumOff val="25000"/>
+                  </a:schemeClr>
+                </a:solidFill>
+                <a:latin typeface="微软雅黑" pitchFamily="34" charset="-122"/>
+                <a:ea typeface="微软雅黑" pitchFamily="34" charset="-122"/>
+              </a:rPr>
+              <a:t>浏览器暂不支持，但其他的浏览器基本都是支持的</a:t>
+            </a:r>
+            <a:r>
+              <a:rPr lang="en-US" altLang="zh-CN" sz="2400" dirty="0" smtClean="0">
+                <a:solidFill>
+                  <a:schemeClr val="tx1">
+                    <a:lumMod val="75000"/>
+                    <a:lumOff val="25000"/>
+                  </a:schemeClr>
+                </a:solidFill>
+                <a:latin typeface="微软雅黑" pitchFamily="34" charset="-122"/>
+                <a:ea typeface="微软雅黑" pitchFamily="34" charset="-122"/>
+              </a:rPr>
+              <a:t>.</a:t>
+            </a:r>
+            <a:r>
+              <a:rPr lang="zh-CN" altLang="en-US" sz="2400" dirty="0" smtClean="0">
+                <a:solidFill>
+                  <a:schemeClr val="tx1">
+                    <a:lumMod val="75000"/>
+                    <a:lumOff val="25000"/>
+                  </a:schemeClr>
+                </a:solidFill>
+                <a:latin typeface="微软雅黑" pitchFamily="34" charset="-122"/>
+                <a:ea typeface="微软雅黑" pitchFamily="34" charset="-122"/>
+              </a:rPr>
+              <a:t>如何兼容呢？可以先写一个普通的样式，然后将新样式放在</a:t>
+            </a:r>
+            <a:r>
+              <a:rPr lang="en-US" altLang="zh-CN" sz="2400" b="1" dirty="0" smtClean="0">
+                <a:solidFill>
+                  <a:schemeClr val="tx1">
+                    <a:lumMod val="75000"/>
+                    <a:lumOff val="25000"/>
+                  </a:schemeClr>
+                </a:solidFill>
+                <a:latin typeface="微软雅黑" pitchFamily="34" charset="-122"/>
+                <a:ea typeface="微软雅黑" pitchFamily="34" charset="-122"/>
+              </a:rPr>
+              <a:t>@support</a:t>
+            </a:r>
+            <a:r>
+              <a:rPr lang="zh-CN" altLang="en-US" sz="2400" dirty="0" smtClean="0">
+                <a:solidFill>
+                  <a:schemeClr val="tx1">
+                    <a:lumMod val="75000"/>
+                    <a:lumOff val="25000"/>
+                  </a:schemeClr>
+                </a:solidFill>
+                <a:latin typeface="微软雅黑" pitchFamily="34" charset="-122"/>
+                <a:ea typeface="微软雅黑" pitchFamily="34" charset="-122"/>
+              </a:rPr>
+              <a:t>关键字块中，不持支，就显示普通样式；支持，就采用</a:t>
+            </a:r>
+            <a:r>
+              <a:rPr lang="en-US" altLang="zh-CN" sz="2400" dirty="0" smtClean="0">
+                <a:solidFill>
+                  <a:schemeClr val="tx1">
+                    <a:lumMod val="75000"/>
+                    <a:lumOff val="25000"/>
+                  </a:schemeClr>
+                </a:solidFill>
+                <a:latin typeface="微软雅黑" pitchFamily="34" charset="-122"/>
+                <a:ea typeface="微软雅黑" pitchFamily="34" charset="-122"/>
+              </a:rPr>
+              <a:t>@support</a:t>
+            </a:r>
+            <a:r>
+              <a:rPr lang="zh-CN" altLang="en-US" sz="2400" dirty="0" smtClean="0">
+                <a:solidFill>
+                  <a:schemeClr val="tx1">
+                    <a:lumMod val="75000"/>
+                    <a:lumOff val="25000"/>
+                  </a:schemeClr>
+                </a:solidFill>
+                <a:latin typeface="微软雅黑" pitchFamily="34" charset="-122"/>
+                <a:ea typeface="微软雅黑" pitchFamily="34" charset="-122"/>
+              </a:rPr>
+              <a:t>中的样式</a:t>
+            </a:r>
+            <a:endParaRPr lang="en-US" altLang="zh-CN" sz="2400" dirty="0">
+              <a:solidFill>
+                <a:schemeClr val="tx1">
+                  <a:lumMod val="75000"/>
+                  <a:lumOff val="25000"/>
+                </a:schemeClr>
+              </a:solidFill>
+              <a:latin typeface="微软雅黑" pitchFamily="34" charset="-122"/>
+              <a:ea typeface="微软雅黑" pitchFamily="34" charset="-122"/>
+            </a:endParaRPr>
+          </a:p>
+          <a:p>
+            <a:pPr>
+              <a:lnSpc>
+                <a:spcPct val="150000"/>
+              </a:lnSpc>
+            </a:pPr>
+            <a:r>
+              <a:rPr lang="en-US" altLang="zh-CN" sz="2400" dirty="0" smtClean="0">
+                <a:solidFill>
+                  <a:schemeClr val="tx1">
+                    <a:lumMod val="75000"/>
+                    <a:lumOff val="25000"/>
+                  </a:schemeClr>
+                </a:solidFill>
+                <a:latin typeface="微软雅黑" pitchFamily="34" charset="-122"/>
+                <a:ea typeface="微软雅黑" pitchFamily="34" charset="-122"/>
+              </a:rPr>
+              <a:t>	div{    /*</a:t>
+            </a:r>
+            <a:r>
+              <a:rPr lang="zh-CN" altLang="en-US" sz="2400" dirty="0" smtClean="0">
+                <a:solidFill>
+                  <a:schemeClr val="tx1">
+                    <a:lumMod val="75000"/>
+                    <a:lumOff val="25000"/>
+                  </a:schemeClr>
+                </a:solidFill>
+                <a:latin typeface="微软雅黑" pitchFamily="34" charset="-122"/>
+                <a:ea typeface="微软雅黑" pitchFamily="34" charset="-122"/>
+              </a:rPr>
+              <a:t>普通样式</a:t>
+            </a:r>
+            <a:r>
+              <a:rPr lang="en-US" altLang="zh-CN" sz="2400" dirty="0" smtClean="0">
+                <a:solidFill>
+                  <a:schemeClr val="tx1">
+                    <a:lumMod val="75000"/>
+                    <a:lumOff val="25000"/>
+                  </a:schemeClr>
+                </a:solidFill>
+                <a:latin typeface="微软雅黑" pitchFamily="34" charset="-122"/>
+                <a:ea typeface="微软雅黑" pitchFamily="34" charset="-122"/>
+              </a:rPr>
+              <a:t>*/		}</a:t>
+            </a:r>
+          </a:p>
+          <a:p>
+            <a:pPr>
+              <a:lnSpc>
+                <a:spcPct val="150000"/>
+              </a:lnSpc>
+            </a:pPr>
+            <a:r>
+              <a:rPr lang="en-US" altLang="zh-CN" sz="2400" dirty="0">
+                <a:solidFill>
+                  <a:schemeClr val="tx1">
+                    <a:lumMod val="75000"/>
+                    <a:lumOff val="25000"/>
+                  </a:schemeClr>
+                </a:solidFill>
+                <a:latin typeface="微软雅黑" pitchFamily="34" charset="-122"/>
+                <a:ea typeface="微软雅黑" pitchFamily="34" charset="-122"/>
+              </a:rPr>
+              <a:t>	</a:t>
+            </a:r>
+            <a:r>
+              <a:rPr lang="en-US" altLang="zh-CN" sz="2400" b="1" dirty="0">
+                <a:solidFill>
+                  <a:schemeClr val="tx1">
+                    <a:lumMod val="75000"/>
+                    <a:lumOff val="25000"/>
+                  </a:schemeClr>
+                </a:solidFill>
+                <a:latin typeface="微软雅黑" pitchFamily="34" charset="-122"/>
+                <a:ea typeface="微软雅黑" pitchFamily="34" charset="-122"/>
+              </a:rPr>
+              <a:t>@supports </a:t>
+            </a:r>
+            <a:r>
+              <a:rPr lang="en-US" altLang="zh-CN" sz="2400" dirty="0">
+                <a:solidFill>
+                  <a:schemeClr val="tx1">
+                    <a:lumMod val="75000"/>
+                    <a:lumOff val="25000"/>
+                  </a:schemeClr>
+                </a:solidFill>
+                <a:latin typeface="微软雅黑" pitchFamily="34" charset="-122"/>
+                <a:ea typeface="微软雅黑" pitchFamily="34" charset="-122"/>
+              </a:rPr>
+              <a:t>(filter: invert(1) ) and </a:t>
+            </a:r>
+            <a:r>
+              <a:rPr lang="en-US" altLang="zh-CN" sz="2400" dirty="0" smtClean="0">
+                <a:solidFill>
+                  <a:schemeClr val="tx1">
+                    <a:lumMod val="75000"/>
+                    <a:lumOff val="25000"/>
+                  </a:schemeClr>
+                </a:solidFill>
+                <a:latin typeface="微软雅黑" pitchFamily="34" charset="-122"/>
+                <a:ea typeface="微软雅黑" pitchFamily="34" charset="-122"/>
+              </a:rPr>
+              <a:t>			 	(</a:t>
+            </a:r>
+            <a:r>
+              <a:rPr lang="en-US" altLang="zh-CN" sz="2400" dirty="0">
+                <a:solidFill>
+                  <a:schemeClr val="tx1">
+                    <a:lumMod val="75000"/>
+                    <a:lumOff val="25000"/>
+                  </a:schemeClr>
+                </a:solidFill>
+                <a:latin typeface="微软雅黑" pitchFamily="34" charset="-122"/>
+                <a:ea typeface="微软雅黑" pitchFamily="34" charset="-122"/>
+              </a:rPr>
+              <a:t>background-blend-mode: difference</a:t>
+            </a:r>
+            <a:r>
+              <a:rPr lang="en-US" altLang="zh-CN" sz="2400" dirty="0" smtClean="0">
+                <a:solidFill>
+                  <a:schemeClr val="tx1">
+                    <a:lumMod val="75000"/>
+                    <a:lumOff val="25000"/>
+                  </a:schemeClr>
+                </a:solidFill>
+                <a:latin typeface="微软雅黑" pitchFamily="34" charset="-122"/>
+                <a:ea typeface="微软雅黑" pitchFamily="34" charset="-122"/>
+              </a:rPr>
+              <a:t>)</a:t>
+            </a:r>
+          </a:p>
+          <a:p>
+            <a:pPr>
+              <a:lnSpc>
+                <a:spcPct val="150000"/>
+              </a:lnSpc>
+            </a:pPr>
+            <a:r>
+              <a:rPr lang="en-US" altLang="zh-CN" sz="2400" dirty="0">
+                <a:solidFill>
+                  <a:schemeClr val="tx1">
+                    <a:lumMod val="75000"/>
+                    <a:lumOff val="25000"/>
+                  </a:schemeClr>
+                </a:solidFill>
+                <a:latin typeface="微软雅黑" pitchFamily="34" charset="-122"/>
+                <a:ea typeface="微软雅黑" pitchFamily="34" charset="-122"/>
+              </a:rPr>
+              <a:t>	</a:t>
+            </a:r>
+            <a:r>
+              <a:rPr lang="en-US" altLang="zh-CN" sz="2400" dirty="0" smtClean="0">
+                <a:solidFill>
+                  <a:schemeClr val="tx1">
+                    <a:lumMod val="75000"/>
+                    <a:lumOff val="25000"/>
+                  </a:schemeClr>
+                </a:solidFill>
+                <a:latin typeface="微软雅黑" pitchFamily="34" charset="-122"/>
+                <a:ea typeface="微软雅黑" pitchFamily="34" charset="-122"/>
+              </a:rPr>
+              <a:t>{	/*</a:t>
+            </a:r>
+            <a:r>
+              <a:rPr lang="zh-CN" altLang="en-US" sz="2400" dirty="0" smtClean="0">
+                <a:solidFill>
+                  <a:schemeClr val="tx1">
+                    <a:lumMod val="75000"/>
+                    <a:lumOff val="25000"/>
+                  </a:schemeClr>
+                </a:solidFill>
+                <a:latin typeface="微软雅黑" pitchFamily="34" charset="-122"/>
+                <a:ea typeface="微软雅黑" pitchFamily="34" charset="-122"/>
+              </a:rPr>
+              <a:t>酷炫的样式</a:t>
+            </a:r>
+            <a:r>
+              <a:rPr lang="en-US" altLang="zh-CN" sz="2400" dirty="0" smtClean="0">
+                <a:solidFill>
+                  <a:schemeClr val="tx1">
+                    <a:lumMod val="75000"/>
+                    <a:lumOff val="25000"/>
+                  </a:schemeClr>
+                </a:solidFill>
+                <a:latin typeface="微软雅黑" pitchFamily="34" charset="-122"/>
+                <a:ea typeface="微软雅黑" pitchFamily="34" charset="-122"/>
+              </a:rPr>
+              <a:t>*/	}</a:t>
+            </a:r>
+            <a:endParaRPr lang="en-US" altLang="zh-CN" sz="2400" dirty="0" smtClean="0">
+              <a:solidFill>
+                <a:schemeClr val="tx1">
+                  <a:lumMod val="75000"/>
+                  <a:lumOff val="25000"/>
+                </a:schemeClr>
+              </a:solidFill>
+              <a:latin typeface="微软雅黑" pitchFamily="34" charset="-122"/>
+              <a:ea typeface="微软雅黑" pitchFamily="34" charset="-122"/>
+            </a:endParaRPr>
+          </a:p>
+        </p:txBody>
+      </p:sp>
+    </p:spTree>
+    <p:extLst>
+      <p:ext uri="{BB962C8B-B14F-4D97-AF65-F5344CB8AC3E}">
+        <p14:creationId xmlns:p14="http://schemas.microsoft.com/office/powerpoint/2010/main" val="240794844"/>
+      </p:ext>
+    </p:extLst>
+  </p:cSld>
+  <p:clrMapOvr>
+    <a:masterClrMapping/>
+  </p:clrMapOvr>
+</p:sld>
+</file>
+
+<file path=ppt/slides/slide26.xml><?xml version="1.0" encoding="utf-8"?>
+<p:sld xmlns:a="http://schemas.openxmlformats.org/drawingml/2006/main" xmlns:r="http://schemas.openxmlformats.org/officeDocument/2006/relationships" xmlns:p="http://schemas.openxmlformats.org/presentationml/2006/main">
+  <p:cSld>
+    <p:spTree>
+      <p:nvGrpSpPr>
+        <p:cNvPr id="1" name=""/>
+        <p:cNvGrpSpPr/>
+        <p:nvPr/>
+      </p:nvGrpSpPr>
+      <p:grpSpPr>
+        <a:xfrm>
+          <a:off x="0" y="0"/>
+          <a:ext cx="0" cy="0"/>
+          <a:chOff x="0" y="0"/>
+          <a:chExt cx="0" cy="0"/>
+        </a:xfrm>
+      </p:grpSpPr>
       <p:sp>
         <p:nvSpPr>
           <p:cNvPr id="4" name="TextBox 3"/>
@@ -9521,7 +13970,7 @@
                 <a:latin typeface="微软雅黑" pitchFamily="34" charset="-122"/>
                 <a:ea typeface="微软雅黑" pitchFamily="34" charset="-122"/>
               </a:rPr>
-              <a:t>6</a:t>
+              <a:t>7</a:t>
             </a:r>
             <a:r>
               <a:rPr lang="en-US" altLang="zh-CN" sz="2800" b="1" dirty="0" smtClean="0">
@@ -9682,7 +14131,7 @@
         <p:spPr>
           <a:xfrm>
             <a:off x="467544" y="1268760"/>
-            <a:ext cx="7632848" cy="581057"/>
+            <a:ext cx="7632848" cy="646331"/>
           </a:xfrm>
           <a:prstGeom prst="rect">
             <a:avLst/>
@@ -9713,7 +14162,20 @@
                 <a:latin typeface="微软雅黑" pitchFamily="34" charset="-122"/>
                 <a:ea typeface="微软雅黑" pitchFamily="34" charset="-122"/>
               </a:rPr>
-              <a:t>如果水墨画效果如何实现？</a:t>
+              <a:t>水墨画</a:t>
+            </a:r>
+            <a:r>
+              <a:rPr lang="zh-CN" altLang="en-US" sz="2400" dirty="0" smtClean="0">
+                <a:solidFill>
+                  <a:schemeClr val="tx1">
+                    <a:lumMod val="75000"/>
+                    <a:lumOff val="25000"/>
+                  </a:schemeClr>
+                </a:solidFill>
+                <a:latin typeface="微软雅黑" pitchFamily="34" charset="-122"/>
+                <a:ea typeface="微软雅黑" pitchFamily="34" charset="-122"/>
+              </a:rPr>
+              <a:t>效果如何实现？</a:t>
             </a:r>
             <a:endParaRPr lang="en-US" altLang="zh-CN" sz="2400" dirty="0" smtClean="0">
               <a:solidFill>
@@ -10228,6 +14690,65 @@
               </a:rPr>
               <a:t>*/</a:t>
             </a:r>
+          </a:p>
+          <a:p>
+            <a:pPr>
+              <a:lnSpc>
+                <a:spcPct val="150000"/>
+              </a:lnSpc>
+            </a:pPr>
+            <a:r>
+              <a:rPr lang="zh-CN" altLang="en-US" sz="2400" dirty="0" smtClean="0">
+                <a:solidFill>
+                  <a:schemeClr val="tx1">
+                    <a:lumMod val="75000"/>
+                    <a:lumOff val="25000"/>
+                  </a:schemeClr>
+                </a:solidFill>
+                <a:latin typeface="微软雅黑" pitchFamily="34" charset="-122"/>
+                <a:ea typeface="微软雅黑" pitchFamily="34" charset="-122"/>
+              </a:rPr>
+              <a:t>它有很多类似</a:t>
+            </a:r>
+            <a:r>
+              <a:rPr lang="en-US" altLang="zh-CN" sz="2400" dirty="0" smtClean="0">
+                <a:solidFill>
+                  <a:schemeClr val="tx1">
+                    <a:lumMod val="75000"/>
+                    <a:lumOff val="25000"/>
+                  </a:schemeClr>
+                </a:solidFill>
+                <a:latin typeface="微软雅黑" pitchFamily="34" charset="-122"/>
+                <a:ea typeface="微软雅黑" pitchFamily="34" charset="-122"/>
+              </a:rPr>
+              <a:t>adobe </a:t>
+            </a:r>
+            <a:r>
+              <a:rPr lang="en-US" altLang="zh-CN" sz="2400" dirty="0" err="1" smtClean="0">
+                <a:solidFill>
+                  <a:schemeClr val="tx1">
+                    <a:lumMod val="75000"/>
+                    <a:lumOff val="25000"/>
+                  </a:schemeClr>
+                </a:solidFill>
+                <a:latin typeface="微软雅黑" pitchFamily="34" charset="-122"/>
+                <a:ea typeface="微软雅黑" pitchFamily="34" charset="-122"/>
+              </a:rPr>
+              <a:t>photoshop</a:t>
+            </a:r>
+            <a:r>
+              <a:rPr lang="zh-CN" altLang="en-US" sz="2400" dirty="0" smtClean="0">
+                <a:solidFill>
+                  <a:schemeClr val="tx1">
+                    <a:lumMod val="75000"/>
+                    <a:lumOff val="25000"/>
+                  </a:schemeClr>
+                </a:solidFill>
+                <a:latin typeface="微软雅黑" pitchFamily="34" charset="-122"/>
+                <a:ea typeface="微软雅黑" pitchFamily="34" charset="-122"/>
+              </a:rPr>
+              <a:t>软件的滤镜效果，如下：</a:t>
+            </a:r>
             <a:endParaRPr lang="en-US" altLang="zh-CN" sz="2400" dirty="0" smtClean="0">
               <a:solidFill>
                 <a:schemeClr val="tx1">
@@ -10246,6 +14767,32 @@
               </a:lnSpc>
             </a:pPr>
             <a:r>
+              <a:rPr lang="en-US" altLang="zh-CN" sz="2400" b="1" dirty="0" smtClean="0">
+                <a:solidFill>
+                  <a:schemeClr val="tx1">
+                    <a:lumMod val="75000"/>
+                    <a:lumOff val="25000"/>
+                  </a:schemeClr>
+                </a:solidFill>
+                <a:latin typeface="微软雅黑" pitchFamily="34" charset="-122"/>
+                <a:ea typeface="微软雅黑" pitchFamily="34" charset="-122"/>
+              </a:rPr>
+              <a:t>blur</a:t>
+            </a:r>
+            <a:r>
+              <a:rPr lang="en-US" altLang="zh-CN" sz="2400" dirty="0" smtClean="0">
+                <a:solidFill>
+                  <a:schemeClr val="tx1">
+                    <a:lumMod val="75000"/>
+                    <a:lumOff val="25000"/>
+                  </a:schemeClr>
+                </a:solidFill>
+                <a:latin typeface="微软雅黑" pitchFamily="34" charset="-122"/>
+                <a:ea typeface="微软雅黑" pitchFamily="34" charset="-122"/>
+              </a:rPr>
+              <a:t>()  	</a:t>
+            </a:r>
+            <a:r>
               <a:rPr lang="zh-CN" altLang="en-US" sz="2400" dirty="0" smtClean="0">
                 <a:solidFill>
                   <a:schemeClr val="tx1">
@@ -10256,7 +14803,20 @@
                 <a:latin typeface="微软雅黑" pitchFamily="34" charset="-122"/>
                 <a:ea typeface="微软雅黑" pitchFamily="34" charset="-122"/>
               </a:rPr>
-              <a:t>它</a:t>
+              <a:t>高斯模糊</a:t>
+            </a:r>
+            <a:r>
+              <a:rPr lang="en-US" altLang="zh-CN" sz="2400" dirty="0" smtClean="0">
+                <a:solidFill>
+                  <a:schemeClr val="tx1">
+                    <a:lumMod val="75000"/>
+                    <a:lumOff val="25000"/>
+                  </a:schemeClr>
+                </a:solidFill>
+                <a:latin typeface="微软雅黑" pitchFamily="34" charset="-122"/>
+                <a:ea typeface="微软雅黑" pitchFamily="34" charset="-122"/>
+              </a:rPr>
+              <a:t>,</a:t>
             </a:r>
             <a:r>
               <a:rPr lang="zh-CN" altLang="en-US" sz="2400" dirty="0" smtClean="0">
@@ -10269,72 +14829,7 @@
                 <a:latin typeface="微软雅黑" pitchFamily="34" charset="-122"/>
                 <a:ea typeface="微软雅黑" pitchFamily="34" charset="-122"/>
               </a:rPr>
-              <a:t>有</a:t>
-            </a:r>
-            <a:r>
-              <a:rPr lang="zh-CN" altLang="en-US" sz="2400" dirty="0" smtClean="0">
-                <a:solidFill>
-                  <a:schemeClr val="tx1">
-                    <a:lumMod val="75000"/>
-                    <a:lumOff val="25000"/>
-                  </a:schemeClr>
-                </a:solidFill>
-                <a:latin typeface="微软雅黑" pitchFamily="34" charset="-122"/>
-                <a:ea typeface="微软雅黑" pitchFamily="34" charset="-122"/>
-              </a:rPr>
-              <a:t>很多类似</a:t>
-            </a:r>
-            <a:r>
-              <a:rPr lang="en-US" altLang="zh-CN" sz="2400" dirty="0" smtClean="0">
-                <a:solidFill>
-                  <a:schemeClr val="tx1">
-                    <a:lumMod val="75000"/>
-                    <a:lumOff val="25000"/>
-                  </a:schemeClr>
-                </a:solidFill>
-                <a:latin typeface="微软雅黑" pitchFamily="34" charset="-122"/>
-                <a:ea typeface="微软雅黑" pitchFamily="34" charset="-122"/>
-              </a:rPr>
-              <a:t>adobe </a:t>
-            </a:r>
-            <a:r>
-              <a:rPr lang="en-US" altLang="zh-CN" sz="2400" dirty="0" err="1" smtClean="0">
-                <a:solidFill>
-                  <a:schemeClr val="tx1">
-                    <a:lumMod val="75000"/>
-                    <a:lumOff val="25000"/>
-                  </a:schemeClr>
-                </a:solidFill>
-                <a:latin typeface="微软雅黑" pitchFamily="34" charset="-122"/>
-                <a:ea typeface="微软雅黑" pitchFamily="34" charset="-122"/>
-              </a:rPr>
-              <a:t>photoshop</a:t>
-            </a:r>
-            <a:r>
-              <a:rPr lang="zh-CN" altLang="en-US" sz="2400" dirty="0" smtClean="0">
-                <a:solidFill>
-                  <a:schemeClr val="tx1">
-                    <a:lumMod val="75000"/>
-                    <a:lumOff val="25000"/>
-                  </a:schemeClr>
-                </a:solidFill>
-                <a:latin typeface="微软雅黑" pitchFamily="34" charset="-122"/>
-                <a:ea typeface="微软雅黑" pitchFamily="34" charset="-122"/>
-              </a:rPr>
-              <a:t>软件的滤镜</a:t>
-            </a:r>
-            <a:r>
-              <a:rPr lang="zh-CN" altLang="en-US" sz="2400" dirty="0" smtClean="0">
-                <a:solidFill>
-                  <a:schemeClr val="tx1">
-                    <a:lumMod val="75000"/>
-                    <a:lumOff val="25000"/>
-                  </a:schemeClr>
-                </a:solidFill>
-                <a:latin typeface="微软雅黑" pitchFamily="34" charset="-122"/>
-                <a:ea typeface="微软雅黑" pitchFamily="34" charset="-122"/>
-              </a:rPr>
-              <a:t>效果，如下：</a:t>
+              <a:t>单位是像素，数值越大越模糊</a:t>
             </a:r>
             <a:endParaRPr lang="en-US" altLang="zh-CN" sz="2400" dirty="0" smtClean="0">
               <a:solidFill>
@@ -10354,17 +14849,30 @@
               </a:lnSpc>
             </a:pPr>
             <a:r>
-              <a:rPr lang="en-US" altLang="zh-CN" sz="2400" b="1" dirty="0" smtClean="0">
-                <a:solidFill>
-                  <a:schemeClr val="tx1">
-                    <a:lumMod val="75000"/>
-                    <a:lumOff val="25000"/>
-                  </a:schemeClr>
-                </a:solidFill>
-                <a:latin typeface="微软雅黑" pitchFamily="34" charset="-122"/>
-                <a:ea typeface="微软雅黑" pitchFamily="34" charset="-122"/>
-              </a:rPr>
-              <a:t>blur</a:t>
+              <a:rPr lang="en-US" altLang="zh-CN" sz="2400" b="1" dirty="0" err="1">
+                <a:solidFill>
+                  <a:schemeClr val="tx1">
+                    <a:lumMod val="75000"/>
+                    <a:lumOff val="25000"/>
+                  </a:schemeClr>
+                </a:solidFill>
+                <a:latin typeface="微软雅黑" pitchFamily="34" charset="-122"/>
+                <a:ea typeface="微软雅黑" pitchFamily="34" charset="-122"/>
+              </a:rPr>
+              <a:t>g</a:t>
+            </a:r>
+            <a:r>
+              <a:rPr lang="en-US" altLang="zh-CN" sz="2400" b="1" dirty="0" err="1" smtClean="0">
+                <a:solidFill>
+                  <a:schemeClr val="tx1">
+                    <a:lumMod val="75000"/>
+                    <a:lumOff val="25000"/>
+                  </a:schemeClr>
+                </a:solidFill>
+                <a:latin typeface="微软雅黑" pitchFamily="34" charset="-122"/>
+                <a:ea typeface="微软雅黑" pitchFamily="34" charset="-122"/>
+              </a:rPr>
+              <a:t>rayscale</a:t>
             </a:r>
             <a:r>
               <a:rPr lang="en-US" altLang="zh-CN" sz="2400" dirty="0" smtClean="0">
@@ -10377,7 +14885,7 @@
                 <a:latin typeface="微软雅黑" pitchFamily="34" charset="-122"/>
                 <a:ea typeface="微软雅黑" pitchFamily="34" charset="-122"/>
               </a:rPr>
-              <a:t>()  	</a:t>
+              <a:t>()	</a:t>
             </a:r>
             <a:r>
               <a:rPr lang="zh-CN" altLang="en-US" sz="2400" dirty="0" smtClean="0">
@@ -10390,7 +14898,7 @@
                 <a:latin typeface="微软雅黑" pitchFamily="34" charset="-122"/>
                 <a:ea typeface="微软雅黑" pitchFamily="34" charset="-122"/>
               </a:rPr>
-              <a:t>高斯模糊</a:t>
+              <a:t>降低饱和度，</a:t>
             </a:r>
             <a:r>
               <a:rPr lang="en-US" altLang="zh-CN" sz="2400" dirty="0" smtClean="0">
@@ -10403,7 +14911,7 @@
                 <a:latin typeface="微软雅黑" pitchFamily="34" charset="-122"/>
                 <a:ea typeface="微软雅黑" pitchFamily="34" charset="-122"/>
               </a:rPr>
-              <a:t>,</a:t>
+              <a:t>0</a:t>
             </a:r>
             <a:r>
               <a:rPr lang="zh-CN" altLang="en-US" sz="2400" dirty="0" smtClean="0">
@@ -10416,7 +14924,33 @@
                 <a:latin typeface="微软雅黑" pitchFamily="34" charset="-122"/>
                 <a:ea typeface="微软雅黑" pitchFamily="34" charset="-122"/>
               </a:rPr>
-              <a:t>单位是像素，数值越大越模糊</a:t>
+              <a:t>为灰色，</a:t>
+            </a:r>
+            <a:r>
+              <a:rPr lang="en-US" altLang="zh-CN" sz="2400" dirty="0" smtClean="0">
+                <a:solidFill>
+                  <a:schemeClr val="tx1">
+                    <a:lumMod val="75000"/>
+                    <a:lumOff val="25000"/>
+                  </a:schemeClr>
+                </a:solidFill>
+                <a:latin typeface="微软雅黑" pitchFamily="34" charset="-122"/>
+                <a:ea typeface="微软雅黑" pitchFamily="34" charset="-122"/>
+              </a:rPr>
+              <a:t>1</a:t>
+            </a:r>
+            <a:r>
+              <a:rPr lang="zh-CN" altLang="en-US" sz="2400" dirty="0" smtClean="0">
+                <a:solidFill>
+                  <a:schemeClr val="tx1">
+                    <a:lumMod val="75000"/>
+                    <a:lumOff val="25000"/>
+                  </a:schemeClr>
+                </a:solidFill>
+                <a:latin typeface="微软雅黑" pitchFamily="34" charset="-122"/>
+                <a:ea typeface="微软雅黑" pitchFamily="34" charset="-122"/>
+              </a:rPr>
+              <a:t>为原饱和度</a:t>
             </a:r>
             <a:endParaRPr lang="en-US" altLang="zh-CN" sz="2400" dirty="0" smtClean="0">
               <a:solidFill>
@@ -10436,30 +14970,17 @@
               </a:lnSpc>
             </a:pPr>
             <a:r>
-              <a:rPr lang="en-US" altLang="zh-CN" sz="2400" b="1" dirty="0" err="1">
-                <a:solidFill>
-                  <a:schemeClr val="tx1">
-                    <a:lumMod val="75000"/>
-                    <a:lumOff val="25000"/>
-                  </a:schemeClr>
-                </a:solidFill>
-                <a:latin typeface="微软雅黑" pitchFamily="34" charset="-122"/>
-                <a:ea typeface="微软雅黑" pitchFamily="34" charset="-122"/>
-              </a:rPr>
-              <a:t>g</a:t>
-            </a:r>
-            <a:r>
-              <a:rPr lang="en-US" altLang="zh-CN" sz="2400" b="1" dirty="0" err="1" smtClean="0">
-                <a:solidFill>
-                  <a:schemeClr val="tx1">
-                    <a:lumMod val="75000"/>
-                    <a:lumOff val="25000"/>
-                  </a:schemeClr>
-                </a:solidFill>
-                <a:latin typeface="微软雅黑" pitchFamily="34" charset="-122"/>
-                <a:ea typeface="微软雅黑" pitchFamily="34" charset="-122"/>
-              </a:rPr>
-              <a:t>rayscale</a:t>
+              <a:rPr lang="en-US" altLang="zh-CN" sz="2400" b="1" dirty="0" smtClean="0">
+                <a:solidFill>
+                  <a:schemeClr val="tx1">
+                    <a:lumMod val="75000"/>
+                    <a:lumOff val="25000"/>
+                  </a:schemeClr>
+                </a:solidFill>
+                <a:latin typeface="微软雅黑" pitchFamily="34" charset="-122"/>
+                <a:ea typeface="微软雅黑" pitchFamily="34" charset="-122"/>
+              </a:rPr>
+              <a:t>drop-shadow</a:t>
             </a:r>
             <a:r>
               <a:rPr lang="en-US" altLang="zh-CN" sz="2400" dirty="0" smtClean="0">
@@ -10472,6 +14993,78 @@
                 <a:latin typeface="微软雅黑" pitchFamily="34" charset="-122"/>
                 <a:ea typeface="微软雅黑" pitchFamily="34" charset="-122"/>
               </a:rPr>
+              <a:t>() </a:t>
+            </a:r>
+            <a:r>
+              <a:rPr lang="zh-CN" altLang="en-US" sz="2400" dirty="0" smtClean="0">
+                <a:solidFill>
+                  <a:schemeClr val="tx1">
+                    <a:lumMod val="75000"/>
+                    <a:lumOff val="25000"/>
+                  </a:schemeClr>
+                </a:solidFill>
+                <a:latin typeface="微软雅黑" pitchFamily="34" charset="-122"/>
+                <a:ea typeface="微软雅黑" pitchFamily="34" charset="-122"/>
+              </a:rPr>
+              <a:t>投影，</a:t>
+            </a:r>
+            <a:r>
+              <a:rPr lang="en-US" altLang="zh-CN" sz="2400" dirty="0" smtClean="0">
+                <a:solidFill>
+                  <a:schemeClr val="tx1">
+                    <a:lumMod val="75000"/>
+                    <a:lumOff val="25000"/>
+                  </a:schemeClr>
+                </a:solidFill>
+                <a:latin typeface="微软雅黑" pitchFamily="34" charset="-122"/>
+                <a:ea typeface="微软雅黑" pitchFamily="34" charset="-122"/>
+              </a:rPr>
+              <a:t>drop-shadow(x y blur color)</a:t>
+            </a:r>
+          </a:p>
+          <a:p>
+            <a:pPr>
+              <a:lnSpc>
+                <a:spcPct val="150000"/>
+              </a:lnSpc>
+            </a:pPr>
+            <a:r>
+              <a:rPr lang="en-US" altLang="zh-CN" sz="2400" b="1" dirty="0">
+                <a:solidFill>
+                  <a:schemeClr val="tx1">
+                    <a:lumMod val="75000"/>
+                    <a:lumOff val="25000"/>
+                  </a:schemeClr>
+                </a:solidFill>
+                <a:latin typeface="微软雅黑" pitchFamily="34" charset="-122"/>
+                <a:ea typeface="微软雅黑" pitchFamily="34" charset="-122"/>
+              </a:rPr>
+              <a:t>s</a:t>
+            </a:r>
+            <a:r>
+              <a:rPr lang="en-US" altLang="zh-CN" sz="2400" b="1" dirty="0" smtClean="0">
+                <a:solidFill>
+                  <a:schemeClr val="tx1">
+                    <a:lumMod val="75000"/>
+                    <a:lumOff val="25000"/>
+                  </a:schemeClr>
+                </a:solidFill>
+                <a:latin typeface="微软雅黑" pitchFamily="34" charset="-122"/>
+                <a:ea typeface="微软雅黑" pitchFamily="34" charset="-122"/>
+              </a:rPr>
+              <a:t>epia</a:t>
+            </a:r>
+            <a:r>
+              <a:rPr lang="en-US" altLang="zh-CN" sz="2400" dirty="0" smtClean="0">
+                <a:solidFill>
+                  <a:schemeClr val="tx1">
+                    <a:lumMod val="75000"/>
+                    <a:lumOff val="25000"/>
+                  </a:schemeClr>
+                </a:solidFill>
+                <a:latin typeface="微软雅黑" pitchFamily="34" charset="-122"/>
+                <a:ea typeface="微软雅黑" pitchFamily="34" charset="-122"/>
+              </a:rPr>
               <a:t>()	</a:t>
             </a:r>
             <a:r>
@@ -10485,7 +15078,7 @@
                 <a:latin typeface="微软雅黑" pitchFamily="34" charset="-122"/>
                 <a:ea typeface="微软雅黑" pitchFamily="34" charset="-122"/>
               </a:rPr>
-              <a:t>降低饱和度，</a:t>
+              <a:t>褐色效果</a:t>
             </a:r>
             <a:r>
               <a:rPr lang="en-US" altLang="zh-CN" sz="2400" dirty="0" smtClean="0">
@@ -10498,6 +15091,163 @@
                 <a:latin typeface="微软雅黑" pitchFamily="34" charset="-122"/>
                 <a:ea typeface="微软雅黑" pitchFamily="34" charset="-122"/>
               </a:rPr>
+              <a:t>, 0 ~1</a:t>
+            </a:r>
+          </a:p>
+          <a:p>
+            <a:pPr>
+              <a:lnSpc>
+                <a:spcPct val="150000"/>
+              </a:lnSpc>
+            </a:pPr>
+            <a:r>
+              <a:rPr lang="en-US" altLang="zh-CN" sz="2400" b="1" dirty="0" smtClean="0">
+                <a:solidFill>
+                  <a:schemeClr val="tx1">
+                    <a:lumMod val="75000"/>
+                    <a:lumOff val="25000"/>
+                  </a:schemeClr>
+                </a:solidFill>
+                <a:latin typeface="微软雅黑" pitchFamily="34" charset="-122"/>
+                <a:ea typeface="微软雅黑" pitchFamily="34" charset="-122"/>
+              </a:rPr>
+              <a:t>brightness</a:t>
+            </a:r>
+            <a:r>
+              <a:rPr lang="en-US" altLang="zh-CN" sz="2400" dirty="0" smtClean="0">
+                <a:solidFill>
+                  <a:schemeClr val="tx1">
+                    <a:lumMod val="75000"/>
+                    <a:lumOff val="25000"/>
+                  </a:schemeClr>
+                </a:solidFill>
+                <a:latin typeface="微软雅黑" pitchFamily="34" charset="-122"/>
+                <a:ea typeface="微软雅黑" pitchFamily="34" charset="-122"/>
+              </a:rPr>
+              <a:t>() </a:t>
+            </a:r>
+            <a:r>
+              <a:rPr lang="zh-CN" altLang="en-US" sz="2400" dirty="0" smtClean="0">
+                <a:solidFill>
+                  <a:schemeClr val="tx1">
+                    <a:lumMod val="75000"/>
+                    <a:lumOff val="25000"/>
+                  </a:schemeClr>
+                </a:solidFill>
+                <a:latin typeface="微软雅黑" pitchFamily="34" charset="-122"/>
+                <a:ea typeface="微软雅黑" pitchFamily="34" charset="-122"/>
+              </a:rPr>
+              <a:t>增加或者降低亮度</a:t>
+            </a:r>
+            <a:r>
+              <a:rPr lang="en-US" altLang="zh-CN" sz="2400" dirty="0" smtClean="0">
+                <a:solidFill>
+                  <a:schemeClr val="tx1">
+                    <a:lumMod val="75000"/>
+                    <a:lumOff val="25000"/>
+                  </a:schemeClr>
+                </a:solidFill>
+                <a:latin typeface="微软雅黑" pitchFamily="34" charset="-122"/>
+                <a:ea typeface="微软雅黑" pitchFamily="34" charset="-122"/>
+              </a:rPr>
+              <a:t>,0 </a:t>
+            </a:r>
+            <a:r>
+              <a:rPr lang="zh-CN" altLang="en-US" sz="2400" dirty="0" smtClean="0">
+                <a:solidFill>
+                  <a:schemeClr val="tx1">
+                    <a:lumMod val="75000"/>
+                    <a:lumOff val="25000"/>
+                  </a:schemeClr>
+                </a:solidFill>
+                <a:latin typeface="微软雅黑" pitchFamily="34" charset="-122"/>
+                <a:ea typeface="微软雅黑" pitchFamily="34" charset="-122"/>
+              </a:rPr>
+              <a:t>为黑色，可以超过</a:t>
+            </a:r>
+            <a:r>
+              <a:rPr lang="en-US" altLang="zh-CN" sz="2400" dirty="0" smtClean="0">
+                <a:solidFill>
+                  <a:schemeClr val="tx1">
+                    <a:lumMod val="75000"/>
+                    <a:lumOff val="25000"/>
+                  </a:schemeClr>
+                </a:solidFill>
+                <a:latin typeface="微软雅黑" pitchFamily="34" charset="-122"/>
+                <a:ea typeface="微软雅黑" pitchFamily="34" charset="-122"/>
+              </a:rPr>
+              <a:t>1</a:t>
+            </a:r>
+          </a:p>
+          <a:p>
+            <a:pPr>
+              <a:lnSpc>
+                <a:spcPct val="150000"/>
+              </a:lnSpc>
+            </a:pPr>
+            <a:r>
+              <a:rPr lang="en-US" altLang="zh-CN" sz="2400" b="1" dirty="0" smtClean="0">
+                <a:solidFill>
+                  <a:schemeClr val="tx1">
+                    <a:lumMod val="75000"/>
+                    <a:lumOff val="25000"/>
+                  </a:schemeClr>
+                </a:solidFill>
+                <a:latin typeface="微软雅黑" pitchFamily="34" charset="-122"/>
+                <a:ea typeface="微软雅黑" pitchFamily="34" charset="-122"/>
+              </a:rPr>
+              <a:t>contrast</a:t>
+            </a:r>
+            <a:r>
+              <a:rPr lang="en-US" altLang="zh-CN" sz="2400" dirty="0" smtClean="0">
+                <a:solidFill>
+                  <a:schemeClr val="tx1">
+                    <a:lumMod val="75000"/>
+                    <a:lumOff val="25000"/>
+                  </a:schemeClr>
+                </a:solidFill>
+                <a:latin typeface="微软雅黑" pitchFamily="34" charset="-122"/>
+                <a:ea typeface="微软雅黑" pitchFamily="34" charset="-122"/>
+              </a:rPr>
+              <a:t>()	</a:t>
+            </a:r>
+            <a:r>
+              <a:rPr lang="zh-CN" altLang="en-US" sz="2400" dirty="0" smtClean="0">
+                <a:solidFill>
+                  <a:schemeClr val="tx1">
+                    <a:lumMod val="75000"/>
+                    <a:lumOff val="25000"/>
+                  </a:schemeClr>
+                </a:solidFill>
+                <a:latin typeface="微软雅黑" pitchFamily="34" charset="-122"/>
+                <a:ea typeface="微软雅黑" pitchFamily="34" charset="-122"/>
+              </a:rPr>
+              <a:t>对比度</a:t>
+            </a:r>
+            <a:r>
+              <a:rPr lang="en-US" altLang="zh-CN" sz="2400" dirty="0">
+                <a:solidFill>
+                  <a:schemeClr val="tx1">
+                    <a:lumMod val="75000"/>
+                    <a:lumOff val="25000"/>
+                  </a:schemeClr>
+                </a:solidFill>
+                <a:latin typeface="微软雅黑" pitchFamily="34" charset="-122"/>
+                <a:ea typeface="微软雅黑" pitchFamily="34" charset="-122"/>
+              </a:rPr>
+              <a:t>,</a:t>
+            </a:r>
+            <a:r>
+              <a:rPr lang="en-US" altLang="zh-CN" sz="2400" dirty="0" smtClean="0">
+                <a:solidFill>
+                  <a:schemeClr val="tx1">
+                    <a:lumMod val="75000"/>
+                    <a:lumOff val="25000"/>
+                  </a:schemeClr>
+                </a:solidFill>
+                <a:latin typeface="微软雅黑" pitchFamily="34" charset="-122"/>
+                <a:ea typeface="微软雅黑" pitchFamily="34" charset="-122"/>
+              </a:rPr>
               <a:t>0</a:t>
             </a:r>
             <a:r>
@@ -10511,7 +15261,7 @@
                 <a:latin typeface="微软雅黑" pitchFamily="34" charset="-122"/>
                 <a:ea typeface="微软雅黑" pitchFamily="34" charset="-122"/>
               </a:rPr>
-              <a:t>为灰色，</a:t>
+              <a:t>为灰色</a:t>
             </a:r>
             <a:r>
               <a:rPr lang="en-US" altLang="zh-CN" sz="2400" dirty="0" smtClean="0">
@@ -10524,7 +15274,7 @@
                 <a:latin typeface="微软雅黑" pitchFamily="34" charset="-122"/>
                 <a:ea typeface="微软雅黑" pitchFamily="34" charset="-122"/>
               </a:rPr>
-              <a:t>1</a:t>
+              <a:t>,1</a:t>
             </a:r>
             <a:r>
               <a:rPr lang="zh-CN" altLang="en-US" sz="2400" dirty="0" smtClean="0">
@@ -10537,7 +15287,33 @@
                 <a:latin typeface="微软雅黑" pitchFamily="34" charset="-122"/>
                 <a:ea typeface="微软雅黑" pitchFamily="34" charset="-122"/>
               </a:rPr>
-              <a:t>为原饱和度</a:t>
+              <a:t>为原图</a:t>
+            </a:r>
+            <a:r>
+              <a:rPr lang="en-US" altLang="zh-CN" sz="2400" dirty="0" smtClean="0">
+                <a:solidFill>
+                  <a:schemeClr val="tx1">
+                    <a:lumMod val="75000"/>
+                    <a:lumOff val="25000"/>
+                  </a:schemeClr>
+                </a:solidFill>
+                <a:latin typeface="微软雅黑" pitchFamily="34" charset="-122"/>
+                <a:ea typeface="微软雅黑" pitchFamily="34" charset="-122"/>
+              </a:rPr>
+              <a:t>,</a:t>
+            </a:r>
+            <a:r>
+              <a:rPr lang="zh-CN" altLang="en-US" sz="2400" dirty="0" smtClean="0">
+                <a:solidFill>
+                  <a:schemeClr val="tx1">
+                    <a:lumMod val="75000"/>
+                    <a:lumOff val="25000"/>
+                  </a:schemeClr>
+                </a:solidFill>
+                <a:latin typeface="微软雅黑" pitchFamily="34" charset="-122"/>
+                <a:ea typeface="微软雅黑" pitchFamily="34" charset="-122"/>
+              </a:rPr>
+              <a:t>值越大对比越强烈</a:t>
             </a:r>
             <a:endParaRPr lang="en-US" altLang="zh-CN" sz="2400" dirty="0" smtClean="0">
               <a:solidFill>
@@ -10567,7 +15343,7 @@
                 <a:latin typeface="微软雅黑" pitchFamily="34" charset="-122"/>
                 <a:ea typeface="微软雅黑" pitchFamily="34" charset="-122"/>
               </a:rPr>
-              <a:t>drop-shadow</a:t>
+              <a:t>hue-rotate</a:t>
             </a:r>
             <a:r>
               <a:rPr lang="en-US" altLang="zh-CN" sz="2400" dirty="0" smtClean="0">
@@ -10593,452 +15369,7 @@
                 <a:latin typeface="微软雅黑" pitchFamily="34" charset="-122"/>
                 <a:ea typeface="微软雅黑" pitchFamily="34" charset="-122"/>
               </a:rPr>
-              <a:t>投影</a:t>
-            </a:r>
-            <a:r>
-              <a:rPr lang="zh-CN" altLang="en-US" sz="2400" dirty="0" smtClean="0">
-                <a:solidFill>
-                  <a:schemeClr val="tx1">
-                    <a:lumMod val="75000"/>
-                    <a:lumOff val="25000"/>
-                  </a:schemeClr>
-                </a:solidFill>
-                <a:latin typeface="微软雅黑" pitchFamily="34" charset="-122"/>
-                <a:ea typeface="微软雅黑" pitchFamily="34" charset="-122"/>
-              </a:rPr>
-              <a:t>，</a:t>
-            </a:r>
-            <a:r>
-              <a:rPr lang="en-US" altLang="zh-CN" sz="2400" dirty="0" smtClean="0">
-                <a:solidFill>
-                  <a:schemeClr val="tx1">
-                    <a:lumMod val="75000"/>
-                    <a:lumOff val="25000"/>
-                  </a:schemeClr>
-                </a:solidFill>
-                <a:latin typeface="微软雅黑" pitchFamily="34" charset="-122"/>
-                <a:ea typeface="微软雅黑" pitchFamily="34" charset="-122"/>
-              </a:rPr>
-              <a:t>drop-shadow(x y blur color)</a:t>
-            </a:r>
-            <a:endParaRPr lang="en-US" altLang="zh-CN" sz="2400" dirty="0" smtClean="0">
-              <a:solidFill>
-                <a:schemeClr val="tx1">
-                  <a:lumMod val="75000"/>
-                  <a:lumOff val="25000"/>
-                </a:schemeClr>
-              </a:solidFill>
-              <a:latin typeface="微软雅黑" pitchFamily="34" charset="-122"/>
-              <a:ea typeface="微软雅黑" pitchFamily="34" charset="-122"/>
-            </a:endParaRPr>
-          </a:p>
-          <a:p>
-            <a:pPr>
-              <a:lnSpc>
-                <a:spcPct val="150000"/>
-              </a:lnSpc>
-            </a:pPr>
-            <a:r>
-              <a:rPr lang="en-US" altLang="zh-CN" sz="2400" b="1" dirty="0">
-                <a:solidFill>
-                  <a:schemeClr val="tx1">
-                    <a:lumMod val="75000"/>
-                    <a:lumOff val="25000"/>
-                  </a:schemeClr>
-                </a:solidFill>
-                <a:latin typeface="微软雅黑" pitchFamily="34" charset="-122"/>
-                <a:ea typeface="微软雅黑" pitchFamily="34" charset="-122"/>
-              </a:rPr>
-              <a:t>s</a:t>
-            </a:r>
-            <a:r>
-              <a:rPr lang="en-US" altLang="zh-CN" sz="2400" b="1" dirty="0" smtClean="0">
-                <a:solidFill>
-                  <a:schemeClr val="tx1">
-                    <a:lumMod val="75000"/>
-                    <a:lumOff val="25000"/>
-                  </a:schemeClr>
-                </a:solidFill>
-                <a:latin typeface="微软雅黑" pitchFamily="34" charset="-122"/>
-                <a:ea typeface="微软雅黑" pitchFamily="34" charset="-122"/>
-              </a:rPr>
-              <a:t>epia</a:t>
-            </a:r>
-            <a:r>
-              <a:rPr lang="en-US" altLang="zh-CN" sz="2400" dirty="0" smtClean="0">
-                <a:solidFill>
-                  <a:schemeClr val="tx1">
-                    <a:lumMod val="75000"/>
-                    <a:lumOff val="25000"/>
-                  </a:schemeClr>
-                </a:solidFill>
-                <a:latin typeface="微软雅黑" pitchFamily="34" charset="-122"/>
-                <a:ea typeface="微软雅黑" pitchFamily="34" charset="-122"/>
-              </a:rPr>
-              <a:t>()	</a:t>
-            </a:r>
-            <a:r>
-              <a:rPr lang="zh-CN" altLang="en-US" sz="2400" dirty="0" smtClean="0">
-                <a:solidFill>
-                  <a:schemeClr val="tx1">
-                    <a:lumMod val="75000"/>
-                    <a:lumOff val="25000"/>
-                  </a:schemeClr>
-                </a:solidFill>
-                <a:latin typeface="微软雅黑" pitchFamily="34" charset="-122"/>
-                <a:ea typeface="微软雅黑" pitchFamily="34" charset="-122"/>
-              </a:rPr>
-              <a:t>褐色效果</a:t>
-            </a:r>
-            <a:r>
-              <a:rPr lang="en-US" altLang="zh-CN" sz="2400" dirty="0" smtClean="0">
-                <a:solidFill>
-                  <a:schemeClr val="tx1">
-                    <a:lumMod val="75000"/>
-                    <a:lumOff val="25000"/>
-                  </a:schemeClr>
-                </a:solidFill>
-                <a:latin typeface="微软雅黑" pitchFamily="34" charset="-122"/>
-                <a:ea typeface="微软雅黑" pitchFamily="34" charset="-122"/>
-              </a:rPr>
-              <a:t>, 0 ~1</a:t>
-            </a:r>
-            <a:endParaRPr lang="en-US" altLang="zh-CN" sz="2400" dirty="0" smtClean="0">
-              <a:solidFill>
-                <a:schemeClr val="tx1">
-                  <a:lumMod val="75000"/>
-                  <a:lumOff val="25000"/>
-                </a:schemeClr>
-              </a:solidFill>
-              <a:latin typeface="微软雅黑" pitchFamily="34" charset="-122"/>
-              <a:ea typeface="微软雅黑" pitchFamily="34" charset="-122"/>
-            </a:endParaRPr>
-          </a:p>
-          <a:p>
-            <a:pPr>
-              <a:lnSpc>
-                <a:spcPct val="150000"/>
-              </a:lnSpc>
-            </a:pPr>
-            <a:r>
-              <a:rPr lang="en-US" altLang="zh-CN" sz="2400" b="1" dirty="0" smtClean="0">
-                <a:solidFill>
-                  <a:schemeClr val="tx1">
-                    <a:lumMod val="75000"/>
-                    <a:lumOff val="25000"/>
-                  </a:schemeClr>
-                </a:solidFill>
-                <a:latin typeface="微软雅黑" pitchFamily="34" charset="-122"/>
-                <a:ea typeface="微软雅黑" pitchFamily="34" charset="-122"/>
-              </a:rPr>
-              <a:t>brightness</a:t>
-            </a:r>
-            <a:r>
-              <a:rPr lang="en-US" altLang="zh-CN" sz="2400" dirty="0" smtClean="0">
-                <a:solidFill>
-                  <a:schemeClr val="tx1">
-                    <a:lumMod val="75000"/>
-                    <a:lumOff val="25000"/>
-                  </a:schemeClr>
-                </a:solidFill>
-                <a:latin typeface="微软雅黑" pitchFamily="34" charset="-122"/>
-                <a:ea typeface="微软雅黑" pitchFamily="34" charset="-122"/>
-              </a:rPr>
-              <a:t>() </a:t>
-            </a:r>
-            <a:r>
-              <a:rPr lang="zh-CN" altLang="en-US" sz="2400" dirty="0" smtClean="0">
-                <a:solidFill>
-                  <a:schemeClr val="tx1">
-                    <a:lumMod val="75000"/>
-                    <a:lumOff val="25000"/>
-                  </a:schemeClr>
-                </a:solidFill>
-                <a:latin typeface="微软雅黑" pitchFamily="34" charset="-122"/>
-                <a:ea typeface="微软雅黑" pitchFamily="34" charset="-122"/>
-              </a:rPr>
-              <a:t>增加</a:t>
-            </a:r>
-            <a:r>
-              <a:rPr lang="zh-CN" altLang="en-US" sz="2400" dirty="0" smtClean="0">
-                <a:solidFill>
-                  <a:schemeClr val="tx1">
-                    <a:lumMod val="75000"/>
-                    <a:lumOff val="25000"/>
-                  </a:schemeClr>
-                </a:solidFill>
-                <a:latin typeface="微软雅黑" pitchFamily="34" charset="-122"/>
-                <a:ea typeface="微软雅黑" pitchFamily="34" charset="-122"/>
-              </a:rPr>
-              <a:t>或者降低</a:t>
-            </a:r>
-            <a:r>
-              <a:rPr lang="zh-CN" altLang="en-US" sz="2400" dirty="0" smtClean="0">
-                <a:solidFill>
-                  <a:schemeClr val="tx1">
-                    <a:lumMod val="75000"/>
-                    <a:lumOff val="25000"/>
-                  </a:schemeClr>
-                </a:solidFill>
-                <a:latin typeface="微软雅黑" pitchFamily="34" charset="-122"/>
-                <a:ea typeface="微软雅黑" pitchFamily="34" charset="-122"/>
-              </a:rPr>
-              <a:t>亮度</a:t>
-            </a:r>
-            <a:r>
-              <a:rPr lang="en-US" altLang="zh-CN" sz="2400" dirty="0" smtClean="0">
-                <a:solidFill>
-                  <a:schemeClr val="tx1">
-                    <a:lumMod val="75000"/>
-                    <a:lumOff val="25000"/>
-                  </a:schemeClr>
-                </a:solidFill>
-                <a:latin typeface="微软雅黑" pitchFamily="34" charset="-122"/>
-                <a:ea typeface="微软雅黑" pitchFamily="34" charset="-122"/>
-              </a:rPr>
-              <a:t>,0 </a:t>
-            </a:r>
-            <a:r>
-              <a:rPr lang="zh-CN" altLang="en-US" sz="2400" dirty="0" smtClean="0">
-                <a:solidFill>
-                  <a:schemeClr val="tx1">
-                    <a:lumMod val="75000"/>
-                    <a:lumOff val="25000"/>
-                  </a:schemeClr>
-                </a:solidFill>
-                <a:latin typeface="微软雅黑" pitchFamily="34" charset="-122"/>
-                <a:ea typeface="微软雅黑" pitchFamily="34" charset="-122"/>
-              </a:rPr>
-              <a:t>为黑色，可以超过</a:t>
-            </a:r>
-            <a:r>
-              <a:rPr lang="en-US" altLang="zh-CN" sz="2400" dirty="0" smtClean="0">
-                <a:solidFill>
-                  <a:schemeClr val="tx1">
-                    <a:lumMod val="75000"/>
-                    <a:lumOff val="25000"/>
-                  </a:schemeClr>
-                </a:solidFill>
-                <a:latin typeface="微软雅黑" pitchFamily="34" charset="-122"/>
-                <a:ea typeface="微软雅黑" pitchFamily="34" charset="-122"/>
-              </a:rPr>
-              <a:t>1</a:t>
-            </a:r>
-            <a:endParaRPr lang="en-US" altLang="zh-CN" sz="2400" dirty="0" smtClean="0">
-              <a:solidFill>
-                <a:schemeClr val="tx1">
-                  <a:lumMod val="75000"/>
-                  <a:lumOff val="25000"/>
-                </a:schemeClr>
-              </a:solidFill>
-              <a:latin typeface="微软雅黑" pitchFamily="34" charset="-122"/>
-              <a:ea typeface="微软雅黑" pitchFamily="34" charset="-122"/>
-            </a:endParaRPr>
-          </a:p>
-          <a:p>
-            <a:pPr>
-              <a:lnSpc>
-                <a:spcPct val="150000"/>
-              </a:lnSpc>
-            </a:pPr>
-            <a:r>
-              <a:rPr lang="en-US" altLang="zh-CN" sz="2400" b="1" dirty="0" smtClean="0">
-                <a:solidFill>
-                  <a:schemeClr val="tx1">
-                    <a:lumMod val="75000"/>
-                    <a:lumOff val="25000"/>
-                  </a:schemeClr>
-                </a:solidFill>
-                <a:latin typeface="微软雅黑" pitchFamily="34" charset="-122"/>
-                <a:ea typeface="微软雅黑" pitchFamily="34" charset="-122"/>
-              </a:rPr>
-              <a:t>contrast</a:t>
-            </a:r>
-            <a:r>
-              <a:rPr lang="en-US" altLang="zh-CN" sz="2400" dirty="0" smtClean="0">
-                <a:solidFill>
-                  <a:schemeClr val="tx1">
-                    <a:lumMod val="75000"/>
-                    <a:lumOff val="25000"/>
-                  </a:schemeClr>
-                </a:solidFill>
-                <a:latin typeface="微软雅黑" pitchFamily="34" charset="-122"/>
-                <a:ea typeface="微软雅黑" pitchFamily="34" charset="-122"/>
-              </a:rPr>
-              <a:t>()	</a:t>
-            </a:r>
-            <a:r>
-              <a:rPr lang="zh-CN" altLang="en-US" sz="2400" dirty="0" smtClean="0">
-                <a:solidFill>
-                  <a:schemeClr val="tx1">
-                    <a:lumMod val="75000"/>
-                    <a:lumOff val="25000"/>
-                  </a:schemeClr>
-                </a:solidFill>
-                <a:latin typeface="微软雅黑" pitchFamily="34" charset="-122"/>
-                <a:ea typeface="微软雅黑" pitchFamily="34" charset="-122"/>
-              </a:rPr>
-              <a:t>对比度</a:t>
-            </a:r>
-            <a:r>
-              <a:rPr lang="en-US" altLang="zh-CN" sz="2400" dirty="0">
-                <a:solidFill>
-                  <a:schemeClr val="tx1">
-                    <a:lumMod val="75000"/>
-                    <a:lumOff val="25000"/>
-                  </a:schemeClr>
-                </a:solidFill>
-                <a:latin typeface="微软雅黑" pitchFamily="34" charset="-122"/>
-                <a:ea typeface="微软雅黑" pitchFamily="34" charset="-122"/>
-              </a:rPr>
-              <a:t>,</a:t>
-            </a:r>
-            <a:r>
-              <a:rPr lang="en-US" altLang="zh-CN" sz="2400" dirty="0" smtClean="0">
-                <a:solidFill>
-                  <a:schemeClr val="tx1">
-                    <a:lumMod val="75000"/>
-                    <a:lumOff val="25000"/>
-                  </a:schemeClr>
-                </a:solidFill>
-                <a:latin typeface="微软雅黑" pitchFamily="34" charset="-122"/>
-                <a:ea typeface="微软雅黑" pitchFamily="34" charset="-122"/>
-              </a:rPr>
-              <a:t>0</a:t>
-            </a:r>
-            <a:r>
-              <a:rPr lang="zh-CN" altLang="en-US" sz="2400" dirty="0" smtClean="0">
-                <a:solidFill>
-                  <a:schemeClr val="tx1">
-                    <a:lumMod val="75000"/>
-                    <a:lumOff val="25000"/>
-                  </a:schemeClr>
-                </a:solidFill>
-                <a:latin typeface="微软雅黑" pitchFamily="34" charset="-122"/>
-                <a:ea typeface="微软雅黑" pitchFamily="34" charset="-122"/>
-              </a:rPr>
-              <a:t>为灰色</a:t>
-            </a:r>
-            <a:r>
-              <a:rPr lang="en-US" altLang="zh-CN" sz="2400" dirty="0" smtClean="0">
-                <a:solidFill>
-                  <a:schemeClr val="tx1">
-                    <a:lumMod val="75000"/>
-                    <a:lumOff val="25000"/>
-                  </a:schemeClr>
-                </a:solidFill>
-                <a:latin typeface="微软雅黑" pitchFamily="34" charset="-122"/>
-                <a:ea typeface="微软雅黑" pitchFamily="34" charset="-122"/>
-              </a:rPr>
-              <a:t>,1</a:t>
-            </a:r>
-            <a:r>
-              <a:rPr lang="zh-CN" altLang="en-US" sz="2400" dirty="0" smtClean="0">
-                <a:solidFill>
-                  <a:schemeClr val="tx1">
-                    <a:lumMod val="75000"/>
-                    <a:lumOff val="25000"/>
-                  </a:schemeClr>
-                </a:solidFill>
-                <a:latin typeface="微软雅黑" pitchFamily="34" charset="-122"/>
-                <a:ea typeface="微软雅黑" pitchFamily="34" charset="-122"/>
-              </a:rPr>
-              <a:t>为原图</a:t>
-            </a:r>
-            <a:r>
-              <a:rPr lang="en-US" altLang="zh-CN" sz="2400" dirty="0" smtClean="0">
-                <a:solidFill>
-                  <a:schemeClr val="tx1">
-                    <a:lumMod val="75000"/>
-                    <a:lumOff val="25000"/>
-                  </a:schemeClr>
-                </a:solidFill>
-                <a:latin typeface="微软雅黑" pitchFamily="34" charset="-122"/>
-                <a:ea typeface="微软雅黑" pitchFamily="34" charset="-122"/>
-              </a:rPr>
-              <a:t>,</a:t>
-            </a:r>
-            <a:r>
-              <a:rPr lang="zh-CN" altLang="en-US" sz="2400" dirty="0" smtClean="0">
-                <a:solidFill>
-                  <a:schemeClr val="tx1">
-                    <a:lumMod val="75000"/>
-                    <a:lumOff val="25000"/>
-                  </a:schemeClr>
-                </a:solidFill>
-                <a:latin typeface="微软雅黑" pitchFamily="34" charset="-122"/>
-                <a:ea typeface="微软雅黑" pitchFamily="34" charset="-122"/>
-              </a:rPr>
-              <a:t>值越大对比越强烈</a:t>
-            </a:r>
-            <a:endParaRPr lang="en-US" altLang="zh-CN" sz="2400" dirty="0" smtClean="0">
-              <a:solidFill>
-                <a:schemeClr val="tx1">
-                  <a:lumMod val="75000"/>
-                  <a:lumOff val="25000"/>
-                </a:schemeClr>
-              </a:solidFill>
-              <a:latin typeface="微软雅黑" pitchFamily="34" charset="-122"/>
-              <a:ea typeface="微软雅黑" pitchFamily="34" charset="-122"/>
-            </a:endParaRPr>
-          </a:p>
-          <a:p>
-            <a:pPr>
-              <a:lnSpc>
-                <a:spcPct val="150000"/>
-              </a:lnSpc>
-            </a:pPr>
-            <a:r>
-              <a:rPr lang="en-US" altLang="zh-CN" sz="2400" b="1" dirty="0" smtClean="0">
-                <a:solidFill>
-                  <a:schemeClr val="tx1">
-                    <a:lumMod val="75000"/>
-                    <a:lumOff val="25000"/>
-                  </a:schemeClr>
-                </a:solidFill>
-                <a:latin typeface="微软雅黑" pitchFamily="34" charset="-122"/>
-                <a:ea typeface="微软雅黑" pitchFamily="34" charset="-122"/>
-              </a:rPr>
-              <a:t>hue-rotate</a:t>
-            </a:r>
-            <a:r>
-              <a:rPr lang="en-US" altLang="zh-CN" sz="2400" dirty="0" smtClean="0">
-                <a:solidFill>
-                  <a:schemeClr val="tx1">
-                    <a:lumMod val="75000"/>
-                    <a:lumOff val="25000"/>
-                  </a:schemeClr>
-                </a:solidFill>
-                <a:latin typeface="微软雅黑" pitchFamily="34" charset="-122"/>
-                <a:ea typeface="微软雅黑" pitchFamily="34" charset="-122"/>
-              </a:rPr>
-              <a:t>() </a:t>
-            </a:r>
-            <a:r>
-              <a:rPr lang="zh-CN" altLang="en-US" sz="2400" dirty="0" smtClean="0">
-                <a:solidFill>
-                  <a:schemeClr val="tx1">
-                    <a:lumMod val="75000"/>
-                    <a:lumOff val="25000"/>
-                  </a:schemeClr>
-                </a:solidFill>
-                <a:latin typeface="微软雅黑" pitchFamily="34" charset="-122"/>
-                <a:ea typeface="微软雅黑" pitchFamily="34" charset="-122"/>
-              </a:rPr>
-              <a:t>旋转色相</a:t>
-            </a:r>
-            <a:r>
-              <a:rPr lang="zh-CN" altLang="en-US" sz="2400" dirty="0" smtClean="0">
-                <a:solidFill>
-                  <a:schemeClr val="tx1">
-                    <a:lumMod val="75000"/>
-                    <a:lumOff val="25000"/>
-                  </a:schemeClr>
-                </a:solidFill>
-                <a:latin typeface="微软雅黑" pitchFamily="34" charset="-122"/>
-                <a:ea typeface="微软雅黑" pitchFamily="34" charset="-122"/>
-              </a:rPr>
-              <a:t>，</a:t>
+              <a:t>旋转色相，</a:t>
             </a:r>
             <a:r>
               <a:rPr lang="en-US" altLang="zh-CN" sz="2400" dirty="0" smtClean="0">
@@ -11239,33 +15570,7 @@
                 <a:latin typeface="微软雅黑" pitchFamily="34" charset="-122"/>
                 <a:ea typeface="微软雅黑" pitchFamily="34" charset="-122"/>
               </a:rPr>
-              <a:t>饱和度</a:t>
-            </a:r>
-            <a:r>
-              <a:rPr lang="zh-CN" altLang="en-US" sz="2400" dirty="0" smtClean="0">
-                <a:solidFill>
-                  <a:schemeClr val="tx1">
-                    <a:lumMod val="75000"/>
-                    <a:lumOff val="25000"/>
-                  </a:schemeClr>
-                </a:solidFill>
-                <a:latin typeface="微软雅黑" pitchFamily="34" charset="-122"/>
-                <a:ea typeface="微软雅黑" pitchFamily="34" charset="-122"/>
-              </a:rPr>
-              <a:t>，</a:t>
-            </a:r>
-            <a:r>
-              <a:rPr lang="zh-CN" altLang="en-US" sz="2400" dirty="0" smtClean="0">
-                <a:solidFill>
-                  <a:schemeClr val="tx1">
-                    <a:lumMod val="75000"/>
-                    <a:lumOff val="25000"/>
-                  </a:schemeClr>
-                </a:solidFill>
-                <a:latin typeface="微软雅黑" pitchFamily="34" charset="-122"/>
-                <a:ea typeface="微软雅黑" pitchFamily="34" charset="-122"/>
-              </a:rPr>
-              <a:t>可超过</a:t>
+              <a:t>饱和度，可超过</a:t>
             </a:r>
             <a:r>
               <a:rPr lang="en-US" altLang="zh-CN" sz="2400" dirty="0" smtClean="0">
@@ -11386,20 +15691,7 @@
                 <a:latin typeface="微软雅黑" pitchFamily="34" charset="-122"/>
                 <a:ea typeface="微软雅黑" pitchFamily="34" charset="-122"/>
               </a:rPr>
-              <a:t>透明度</a:t>
-            </a:r>
-            <a:r>
-              <a:rPr lang="zh-CN" altLang="en-US" sz="2400" dirty="0" smtClean="0">
-                <a:solidFill>
-                  <a:schemeClr val="tx1">
-                    <a:lumMod val="75000"/>
-                    <a:lumOff val="25000"/>
-                  </a:schemeClr>
-                </a:solidFill>
-                <a:latin typeface="微软雅黑" pitchFamily="34" charset="-122"/>
-                <a:ea typeface="微软雅黑" pitchFamily="34" charset="-122"/>
-              </a:rPr>
-              <a:t>，</a:t>
+              <a:t>透明度，</a:t>
             </a:r>
             <a:r>
               <a:rPr lang="en-US" altLang="zh-CN" sz="2400" dirty="0" smtClean="0">
@@ -11507,20 +15799,7 @@
                 <a:latin typeface="微软雅黑" pitchFamily="34" charset="-122"/>
                 <a:ea typeface="微软雅黑" pitchFamily="34" charset="-122"/>
               </a:rPr>
-              <a:t>我做</a:t>
-            </a:r>
-            <a:r>
-              <a:rPr lang="zh-CN" altLang="en-US" sz="2400" dirty="0" smtClean="0">
-                <a:solidFill>
-                  <a:schemeClr val="tx1">
-                    <a:lumMod val="75000"/>
-                    <a:lumOff val="25000"/>
-                  </a:schemeClr>
-                </a:solidFill>
-                <a:latin typeface="微软雅黑" pitchFamily="34" charset="-122"/>
-                <a:ea typeface="微软雅黑" pitchFamily="34" charset="-122"/>
-              </a:rPr>
-              <a:t>了一个方便观察各个属性的小工具如下：</a:t>
+              <a:t>我做了一个方便观察各个属性的小工具如下：</a:t>
             </a:r>
             <a:endParaRPr lang="en-US" altLang="zh-CN" sz="2400" dirty="0" smtClean="0">
               <a:solidFill>
@@ -13393,20 +17672,7 @@
                 <a:latin typeface="微软雅黑" pitchFamily="34" charset="-122"/>
                 <a:ea typeface="微软雅黑" pitchFamily="34" charset="-122"/>
               </a:rPr>
-              <a:t>层元素</a:t>
-            </a:r>
-            <a:r>
-              <a:rPr lang="zh-CN" altLang="en-US" sz="2000" dirty="0" smtClean="0">
-                <a:solidFill>
-                  <a:schemeClr val="tx1">
-                    <a:lumMod val="75000"/>
-                    <a:lumOff val="25000"/>
-                  </a:schemeClr>
-                </a:solidFill>
-                <a:latin typeface="微软雅黑" pitchFamily="34" charset="-122"/>
-                <a:ea typeface="微软雅黑" pitchFamily="34" charset="-122"/>
-              </a:rPr>
-              <a:t>或下层</a:t>
+              <a:t>层元素或下层</a:t>
             </a:r>
             <a:r>
               <a:rPr lang="zh-CN" altLang="en-US" sz="2000" dirty="0">
@@ -14787,7 +19053,7 @@
   <a:extraClrSchemeLst/>
   <a:extLst>
     <a:ext uri="{05A4C25C-085E-4340-85A3-A5531E510DB2}">
-      <thm15:themeFamily xmlns:thm15="http://schemas.microsoft.com/office/thememl/2012/main" xmlns="" name="Office Theme" id="{62F939B6-93AF-4DB8-9C6B-D6C7DFDC589F}" vid="{4A3C46E8-61CC-4603-A589-7422A47A8E4A}"/>
+      <thm15:themeFamily xmlns="" xmlns:thm15="http://schemas.microsoft.com/office/thememl/2012/main" name="Office Theme" id="{62F939B6-93AF-4DB8-9C6B-D6C7DFDC589F}" vid="{4A3C46E8-61CC-4603-A589-7422A47A8E4A}"/>
     </a:ext>
   </a:extLst>
 </a:theme>
